--- a/docs/GenericProgrammingAndABM.pptx
+++ b/docs/GenericProgrammingAndABM.pptx
@@ -6,7 +6,7 @@
     <p:sldMasterId id="2147483674" r:id="rId5"/>
   </p:sldMasterIdLst>
   <p:notesMasterIdLst>
-    <p:notesMasterId r:id="rId20"/>
+    <p:notesMasterId r:id="rId25"/>
   </p:notesMasterIdLst>
   <p:sldIdLst>
     <p:sldId id="257" r:id="rId6"/>
@@ -16,13 +16,18 @@
     <p:sldId id="269" r:id="rId10"/>
     <p:sldId id="270" r:id="rId11"/>
     <p:sldId id="271" r:id="rId12"/>
-    <p:sldId id="268" r:id="rId13"/>
-    <p:sldId id="260" r:id="rId14"/>
-    <p:sldId id="261" r:id="rId15"/>
-    <p:sldId id="258" r:id="rId16"/>
-    <p:sldId id="262" r:id="rId17"/>
-    <p:sldId id="263" r:id="rId18"/>
-    <p:sldId id="264" r:id="rId19"/>
+    <p:sldId id="272" r:id="rId13"/>
+    <p:sldId id="273" r:id="rId14"/>
+    <p:sldId id="274" r:id="rId15"/>
+    <p:sldId id="275" r:id="rId16"/>
+    <p:sldId id="276" r:id="rId17"/>
+    <p:sldId id="280" r:id="rId18"/>
+    <p:sldId id="281" r:id="rId19"/>
+    <p:sldId id="277" r:id="rId20"/>
+    <p:sldId id="268" r:id="rId21"/>
+    <p:sldId id="278" r:id="rId22"/>
+    <p:sldId id="279" r:id="rId23"/>
+    <p:sldId id="258" r:id="rId24"/>
   </p:sldIdLst>
   <p:sldSz cx="9144000" cy="6858000" type="screen4x3"/>
   <p:notesSz cx="6858000" cy="9144000"/>
@@ -124,1575 +129,6 @@
 </p:presentation>
 </file>
 
-<file path=ppt/charts/chart1.xml><?xml version="1.0" encoding="utf-8"?>
-<c:chartSpace xmlns:c="http://schemas.openxmlformats.org/drawingml/2006/chart" xmlns:a="http://schemas.openxmlformats.org/drawingml/2006/main" xmlns:r="http://schemas.openxmlformats.org/officeDocument/2006/relationships">
-  <c:date1904 val="0"/>
-  <c:lang val="en-US"/>
-  <c:roundedCorners val="0"/>
-  <mc:AlternateContent xmlns:mc="http://schemas.openxmlformats.org/markup-compatibility/2006">
-    <mc:Choice xmlns:c14="http://schemas.microsoft.com/office/drawing/2007/8/2/chart" Requires="c14">
-      <c14:style val="118"/>
-    </mc:Choice>
-    <mc:Fallback>
-      <c:style val="18"/>
-    </mc:Fallback>
-  </mc:AlternateContent>
-  <c:chart>
-    <c:autoTitleDeleted val="0"/>
-    <c:view3D>
-      <c:rotX val="15"/>
-      <c:rotY val="20"/>
-      <c:rAngAx val="1"/>
-    </c:view3D>
-    <c:floor>
-      <c:thickness val="0"/>
-      <c:spPr>
-        <a:solidFill>
-          <a:srgbClr val="000000">
-            <a:alpha val="70000"/>
-          </a:srgbClr>
-        </a:solidFill>
-        <a:ln>
-          <a:solidFill>
-            <a:srgbClr val="000000"/>
-          </a:solidFill>
-        </a:ln>
-      </c:spPr>
-    </c:floor>
-    <c:sideWall>
-      <c:thickness val="0"/>
-      <c:spPr>
-        <a:gradFill>
-          <a:gsLst>
-            <a:gs pos="0">
-              <a:srgbClr val="000000">
-                <a:alpha val="0"/>
-              </a:srgbClr>
-            </a:gs>
-            <a:gs pos="50000">
-              <a:srgbClr val="000000">
-                <a:alpha val="9000"/>
-              </a:srgbClr>
-            </a:gs>
-            <a:gs pos="100000">
-              <a:srgbClr val="000000">
-                <a:alpha val="40000"/>
-              </a:srgbClr>
-            </a:gs>
-          </a:gsLst>
-          <a:lin ang="5400000" scaled="0"/>
-        </a:gradFill>
-      </c:spPr>
-    </c:sideWall>
-    <c:backWall>
-      <c:thickness val="0"/>
-      <c:spPr>
-        <a:gradFill>
-          <a:gsLst>
-            <a:gs pos="0">
-              <a:srgbClr val="000000">
-                <a:alpha val="0"/>
-              </a:srgbClr>
-            </a:gs>
-            <a:gs pos="50000">
-              <a:srgbClr val="000000">
-                <a:alpha val="9000"/>
-              </a:srgbClr>
-            </a:gs>
-            <a:gs pos="100000">
-              <a:srgbClr val="000000">
-                <a:alpha val="70000"/>
-              </a:srgbClr>
-            </a:gs>
-          </a:gsLst>
-          <a:lin ang="5400000" scaled="0"/>
-        </a:gradFill>
-      </c:spPr>
-    </c:backWall>
-    <c:plotArea>
-      <c:layout/>
-      <c:bar3DChart>
-        <c:barDir val="col"/>
-        <c:grouping val="clustered"/>
-        <c:varyColors val="0"/>
-        <c:ser>
-          <c:idx val="0"/>
-          <c:order val="0"/>
-          <c:tx>
-            <c:strRef>
-              <c:f>Sheet1!$B$1</c:f>
-              <c:strCache>
-                <c:ptCount val="1"/>
-                <c:pt idx="0">
-                  <c:v>Series 1</c:v>
-                </c:pt>
-              </c:strCache>
-            </c:strRef>
-          </c:tx>
-          <c:invertIfNegative val="0"/>
-          <c:cat>
-            <c:strRef>
-              <c:f>Sheet1!$A$2:$A$5</c:f>
-              <c:strCache>
-                <c:ptCount val="4"/>
-                <c:pt idx="0">
-                  <c:v>Category 1</c:v>
-                </c:pt>
-                <c:pt idx="1">
-                  <c:v>Category 2</c:v>
-                </c:pt>
-                <c:pt idx="2">
-                  <c:v>Category 3</c:v>
-                </c:pt>
-                <c:pt idx="3">
-                  <c:v>Category 4</c:v>
-                </c:pt>
-              </c:strCache>
-            </c:strRef>
-          </c:cat>
-          <c:val>
-            <c:numRef>
-              <c:f>Sheet1!$B$2:$B$5</c:f>
-              <c:numCache>
-                <c:formatCode>General</c:formatCode>
-                <c:ptCount val="4"/>
-                <c:pt idx="0">
-                  <c:v>4.3</c:v>
-                </c:pt>
-                <c:pt idx="1">
-                  <c:v>2.5</c:v>
-                </c:pt>
-                <c:pt idx="2">
-                  <c:v>3.5</c:v>
-                </c:pt>
-                <c:pt idx="3">
-                  <c:v>4.5</c:v>
-                </c:pt>
-              </c:numCache>
-            </c:numRef>
-          </c:val>
-        </c:ser>
-        <c:ser>
-          <c:idx val="1"/>
-          <c:order val="1"/>
-          <c:tx>
-            <c:strRef>
-              <c:f>Sheet1!$C$1</c:f>
-              <c:strCache>
-                <c:ptCount val="1"/>
-                <c:pt idx="0">
-                  <c:v>Series 2</c:v>
-                </c:pt>
-              </c:strCache>
-            </c:strRef>
-          </c:tx>
-          <c:invertIfNegative val="0"/>
-          <c:cat>
-            <c:strRef>
-              <c:f>Sheet1!$A$2:$A$5</c:f>
-              <c:strCache>
-                <c:ptCount val="4"/>
-                <c:pt idx="0">
-                  <c:v>Category 1</c:v>
-                </c:pt>
-                <c:pt idx="1">
-                  <c:v>Category 2</c:v>
-                </c:pt>
-                <c:pt idx="2">
-                  <c:v>Category 3</c:v>
-                </c:pt>
-                <c:pt idx="3">
-                  <c:v>Category 4</c:v>
-                </c:pt>
-              </c:strCache>
-            </c:strRef>
-          </c:cat>
-          <c:val>
-            <c:numRef>
-              <c:f>Sheet1!$C$2:$C$5</c:f>
-              <c:numCache>
-                <c:formatCode>General</c:formatCode>
-                <c:ptCount val="4"/>
-                <c:pt idx="0">
-                  <c:v>2.4</c:v>
-                </c:pt>
-                <c:pt idx="1">
-                  <c:v>4.4</c:v>
-                </c:pt>
-                <c:pt idx="2">
-                  <c:v>1.8</c:v>
-                </c:pt>
-                <c:pt idx="3">
-                  <c:v>2.8</c:v>
-                </c:pt>
-              </c:numCache>
-            </c:numRef>
-          </c:val>
-        </c:ser>
-        <c:ser>
-          <c:idx val="2"/>
-          <c:order val="2"/>
-          <c:tx>
-            <c:strRef>
-              <c:f>Sheet1!$D$1</c:f>
-              <c:strCache>
-                <c:ptCount val="1"/>
-                <c:pt idx="0">
-                  <c:v>Series 3</c:v>
-                </c:pt>
-              </c:strCache>
-            </c:strRef>
-          </c:tx>
-          <c:invertIfNegative val="0"/>
-          <c:cat>
-            <c:strRef>
-              <c:f>Sheet1!$A$2:$A$5</c:f>
-              <c:strCache>
-                <c:ptCount val="4"/>
-                <c:pt idx="0">
-                  <c:v>Category 1</c:v>
-                </c:pt>
-                <c:pt idx="1">
-                  <c:v>Category 2</c:v>
-                </c:pt>
-                <c:pt idx="2">
-                  <c:v>Category 3</c:v>
-                </c:pt>
-                <c:pt idx="3">
-                  <c:v>Category 4</c:v>
-                </c:pt>
-              </c:strCache>
-            </c:strRef>
-          </c:cat>
-          <c:val>
-            <c:numRef>
-              <c:f>Sheet1!$D$2:$D$5</c:f>
-              <c:numCache>
-                <c:formatCode>General</c:formatCode>
-                <c:ptCount val="4"/>
-                <c:pt idx="0">
-                  <c:v>2.0</c:v>
-                </c:pt>
-                <c:pt idx="1">
-                  <c:v>2.0</c:v>
-                </c:pt>
-                <c:pt idx="2">
-                  <c:v>3.0</c:v>
-                </c:pt>
-                <c:pt idx="3">
-                  <c:v>5.0</c:v>
-                </c:pt>
-              </c:numCache>
-            </c:numRef>
-          </c:val>
-        </c:ser>
-        <c:dLbls>
-          <c:showLegendKey val="0"/>
-          <c:showVal val="0"/>
-          <c:showCatName val="0"/>
-          <c:showSerName val="0"/>
-          <c:showPercent val="0"/>
-          <c:showBubbleSize val="0"/>
-        </c:dLbls>
-        <c:gapWidth val="150"/>
-        <c:shape val="cylinder"/>
-        <c:axId val="-2143312280"/>
-        <c:axId val="-2144063560"/>
-        <c:axId val="0"/>
-      </c:bar3DChart>
-      <c:catAx>
-        <c:axId val="-2143312280"/>
-        <c:scaling>
-          <c:orientation val="minMax"/>
-        </c:scaling>
-        <c:delete val="0"/>
-        <c:axPos val="b"/>
-        <c:majorTickMark val="out"/>
-        <c:minorTickMark val="none"/>
-        <c:tickLblPos val="nextTo"/>
-        <c:spPr>
-          <a:ln>
-            <a:solidFill>
-              <a:schemeClr val="bg2"/>
-            </a:solidFill>
-          </a:ln>
-        </c:spPr>
-        <c:txPr>
-          <a:bodyPr/>
-          <a:lstStyle/>
-          <a:p>
-            <a:pPr>
-              <a:defRPr sz="2000">
-                <a:effectLst>
-                  <a:outerShdw blurRad="38100" dist="38100" dir="2700000" algn="tl">
-                    <a:srgbClr val="000000">
-                      <a:alpha val="43137"/>
-                    </a:srgbClr>
-                  </a:outerShdw>
-                </a:effectLst>
-              </a:defRPr>
-            </a:pPr>
-            <a:endParaRPr lang="en-US"/>
-          </a:p>
-        </c:txPr>
-        <c:crossAx val="-2144063560"/>
-        <c:crosses val="autoZero"/>
-        <c:auto val="1"/>
-        <c:lblAlgn val="ctr"/>
-        <c:lblOffset val="100"/>
-        <c:noMultiLvlLbl val="0"/>
-      </c:catAx>
-      <c:valAx>
-        <c:axId val="-2144063560"/>
-        <c:scaling>
-          <c:orientation val="minMax"/>
-        </c:scaling>
-        <c:delete val="0"/>
-        <c:axPos val="l"/>
-        <c:majorGridlines>
-          <c:spPr>
-            <a:ln>
-              <a:solidFill>
-                <a:schemeClr val="bg2"/>
-              </a:solidFill>
-            </a:ln>
-          </c:spPr>
-        </c:majorGridlines>
-        <c:numFmt formatCode="General" sourceLinked="1"/>
-        <c:majorTickMark val="out"/>
-        <c:minorTickMark val="none"/>
-        <c:tickLblPos val="nextTo"/>
-        <c:spPr>
-          <a:ln>
-            <a:solidFill>
-              <a:schemeClr val="bg2"/>
-            </a:solidFill>
-          </a:ln>
-        </c:spPr>
-        <c:txPr>
-          <a:bodyPr/>
-          <a:lstStyle/>
-          <a:p>
-            <a:pPr>
-              <a:defRPr sz="3200">
-                <a:effectLst>
-                  <a:outerShdw blurRad="38100" dist="38100" dir="2700000" algn="tl">
-                    <a:srgbClr val="000000">
-                      <a:alpha val="43137"/>
-                    </a:srgbClr>
-                  </a:outerShdw>
-                </a:effectLst>
-              </a:defRPr>
-            </a:pPr>
-            <a:endParaRPr lang="en-US"/>
-          </a:p>
-        </c:txPr>
-        <c:crossAx val="-2143312280"/>
-        <c:crosses val="autoZero"/>
-        <c:crossBetween val="between"/>
-        <c:majorUnit val="1.0"/>
-      </c:valAx>
-    </c:plotArea>
-    <c:legend>
-      <c:legendPos val="r"/>
-      <c:layout/>
-      <c:overlay val="0"/>
-      <c:txPr>
-        <a:bodyPr/>
-        <a:lstStyle/>
-        <a:p>
-          <a:pPr>
-            <a:defRPr sz="2800">
-              <a:effectLst>
-                <a:outerShdw blurRad="38100" dist="38100" dir="2700000" algn="tl">
-                  <a:srgbClr val="000000">
-                    <a:alpha val="43137"/>
-                  </a:srgbClr>
-                </a:outerShdw>
-              </a:effectLst>
-            </a:defRPr>
-          </a:pPr>
-          <a:endParaRPr lang="en-US"/>
-        </a:p>
-      </c:txPr>
-    </c:legend>
-    <c:plotVisOnly val="1"/>
-    <c:dispBlanksAs val="gap"/>
-    <c:showDLblsOverMax val="0"/>
-  </c:chart>
-  <c:txPr>
-    <a:bodyPr/>
-    <a:lstStyle/>
-    <a:p>
-      <a:pPr>
-        <a:defRPr sz="1800"/>
-      </a:pPr>
-      <a:endParaRPr lang="en-US"/>
-    </a:p>
-  </c:txPr>
-  <c:externalData r:id="rId1">
-    <c:autoUpdate val="0"/>
-  </c:externalData>
-</c:chartSpace>
-</file>
-
-<file path=ppt/charts/chart2.xml><?xml version="1.0" encoding="utf-8"?>
-<c:chartSpace xmlns:c="http://schemas.openxmlformats.org/drawingml/2006/chart" xmlns:a="http://schemas.openxmlformats.org/drawingml/2006/main" xmlns:r="http://schemas.openxmlformats.org/officeDocument/2006/relationships">
-  <c:date1904 val="0"/>
-  <c:lang val="en-US"/>
-  <c:roundedCorners val="0"/>
-  <mc:AlternateContent xmlns:mc="http://schemas.openxmlformats.org/markup-compatibility/2006">
-    <mc:Choice xmlns:c14="http://schemas.microsoft.com/office/drawing/2007/8/2/chart" Requires="c14">
-      <c14:style val="126"/>
-    </mc:Choice>
-    <mc:Fallback>
-      <c:style val="26"/>
-    </mc:Fallback>
-  </mc:AlternateContent>
-  <c:chart>
-    <c:title>
-      <c:layout/>
-      <c:overlay val="0"/>
-      <c:txPr>
-        <a:bodyPr/>
-        <a:lstStyle/>
-        <a:p>
-          <a:pPr>
-            <a:defRPr sz="4400" b="0"/>
-          </a:pPr>
-          <a:endParaRPr lang="en-US"/>
-        </a:p>
-      </c:txPr>
-    </c:title>
-    <c:autoTitleDeleted val="0"/>
-    <c:view3D>
-      <c:rotX val="30"/>
-      <c:hPercent val="50"/>
-      <c:rotY val="0"/>
-      <c:depthPercent val="100"/>
-      <c:rAngAx val="0"/>
-      <c:perspective val="30"/>
-    </c:view3D>
-    <c:floor>
-      <c:thickness val="0"/>
-    </c:floor>
-    <c:sideWall>
-      <c:thickness val="0"/>
-    </c:sideWall>
-    <c:backWall>
-      <c:thickness val="0"/>
-    </c:backWall>
-    <c:plotArea>
-      <c:layout>
-        <c:manualLayout>
-          <c:layoutTarget val="inner"/>
-          <c:xMode val="edge"/>
-          <c:yMode val="edge"/>
-          <c:x val="0.00117117262182718"/>
-          <c:y val="0.165787259397223"/>
-          <c:w val="0.717147749169391"/>
-          <c:h val="0.828815118930894"/>
-        </c:manualLayout>
-      </c:layout>
-      <c:pie3DChart>
-        <c:varyColors val="1"/>
-        <c:ser>
-          <c:idx val="0"/>
-          <c:order val="0"/>
-          <c:tx>
-            <c:strRef>
-              <c:f>Sheet1!$B$1</c:f>
-              <c:strCache>
-                <c:ptCount val="1"/>
-                <c:pt idx="0">
-                  <c:v>Chart Title</c:v>
-                </c:pt>
-              </c:strCache>
-            </c:strRef>
-          </c:tx>
-          <c:dLbls>
-            <c:numFmt formatCode="General" sourceLinked="0"/>
-            <c:txPr>
-              <a:bodyPr/>
-              <a:lstStyle/>
-              <a:p>
-                <a:pPr>
-                  <a:defRPr sz="2800">
-                    <a:effectLst>
-                      <a:outerShdw blurRad="38100" dist="38100" dir="2700000" algn="tl">
-                        <a:srgbClr val="000000">
-                          <a:alpha val="43137"/>
-                        </a:srgbClr>
-                      </a:outerShdw>
-                    </a:effectLst>
-                  </a:defRPr>
-                </a:pPr>
-                <a:endParaRPr lang="en-US"/>
-              </a:p>
-            </c:txPr>
-            <c:showLegendKey val="0"/>
-            <c:showVal val="0"/>
-            <c:showCatName val="0"/>
-            <c:showSerName val="0"/>
-            <c:showPercent val="1"/>
-            <c:showBubbleSize val="0"/>
-            <c:showLeaderLines val="1"/>
-          </c:dLbls>
-          <c:cat>
-            <c:strRef>
-              <c:f>Sheet1!$A$2:$A$5</c:f>
-              <c:strCache>
-                <c:ptCount val="4"/>
-                <c:pt idx="0">
-                  <c:v>1st Qtr</c:v>
-                </c:pt>
-                <c:pt idx="1">
-                  <c:v>2nd Qtr</c:v>
-                </c:pt>
-                <c:pt idx="2">
-                  <c:v>3rd Qtr</c:v>
-                </c:pt>
-                <c:pt idx="3">
-                  <c:v>4th Qtr</c:v>
-                </c:pt>
-              </c:strCache>
-            </c:strRef>
-          </c:cat>
-          <c:val>
-            <c:numRef>
-              <c:f>Sheet1!$B$2:$B$5</c:f>
-              <c:numCache>
-                <c:formatCode>General</c:formatCode>
-                <c:ptCount val="4"/>
-                <c:pt idx="0">
-                  <c:v>8.200000000000001</c:v>
-                </c:pt>
-                <c:pt idx="1">
-                  <c:v>3.2</c:v>
-                </c:pt>
-                <c:pt idx="2">
-                  <c:v>1.4</c:v>
-                </c:pt>
-                <c:pt idx="3">
-                  <c:v>1.2</c:v>
-                </c:pt>
-              </c:numCache>
-            </c:numRef>
-          </c:val>
-        </c:ser>
-        <c:dLbls>
-          <c:showLegendKey val="0"/>
-          <c:showVal val="0"/>
-          <c:showCatName val="0"/>
-          <c:showSerName val="0"/>
-          <c:showPercent val="0"/>
-          <c:showBubbleSize val="0"/>
-          <c:showLeaderLines val="1"/>
-        </c:dLbls>
-      </c:pie3DChart>
-    </c:plotArea>
-    <c:legend>
-      <c:legendPos val="r"/>
-      <c:layout>
-        <c:manualLayout>
-          <c:xMode val="edge"/>
-          <c:yMode val="edge"/>
-          <c:x val="0.713491457739563"/>
-          <c:y val="0.330692356187128"/>
-          <c:w val="0.278328583160235"/>
-          <c:h val="0.42146170730847"/>
-        </c:manualLayout>
-      </c:layout>
-      <c:overlay val="0"/>
-      <c:txPr>
-        <a:bodyPr/>
-        <a:lstStyle/>
-        <a:p>
-          <a:pPr>
-            <a:defRPr sz="3200">
-              <a:effectLst>
-                <a:outerShdw blurRad="38100" dist="38100" dir="2700000" algn="tl">
-                  <a:srgbClr val="000000">
-                    <a:alpha val="43137"/>
-                  </a:srgbClr>
-                </a:outerShdw>
-              </a:effectLst>
-            </a:defRPr>
-          </a:pPr>
-          <a:endParaRPr lang="en-US"/>
-        </a:p>
-      </c:txPr>
-    </c:legend>
-    <c:plotVisOnly val="1"/>
-    <c:dispBlanksAs val="gap"/>
-    <c:showDLblsOverMax val="0"/>
-  </c:chart>
-  <c:txPr>
-    <a:bodyPr/>
-    <a:lstStyle/>
-    <a:p>
-      <a:pPr>
-        <a:defRPr sz="1800"/>
-      </a:pPr>
-      <a:endParaRPr lang="en-US"/>
-    </a:p>
-  </c:txPr>
-  <c:externalData r:id="rId1">
-    <c:autoUpdate val="0"/>
-  </c:externalData>
-</c:chartSpace>
-</file>
-
-<file path=ppt/charts/chart3.xml><?xml version="1.0" encoding="utf-8"?>
-<c:chartSpace xmlns:c="http://schemas.openxmlformats.org/drawingml/2006/chart" xmlns:a="http://schemas.openxmlformats.org/drawingml/2006/main" xmlns:r="http://schemas.openxmlformats.org/officeDocument/2006/relationships">
-  <c:date1904 val="0"/>
-  <c:lang val="en-US"/>
-  <c:roundedCorners val="0"/>
-  <mc:AlternateContent xmlns:mc="http://schemas.openxmlformats.org/markup-compatibility/2006">
-    <mc:Choice xmlns:c14="http://schemas.microsoft.com/office/drawing/2007/8/2/chart" Requires="c14">
-      <c14:style val="102"/>
-    </mc:Choice>
-    <mc:Fallback>
-      <c:style val="2"/>
-    </mc:Fallback>
-  </mc:AlternateContent>
-  <c:chart>
-    <c:autoTitleDeleted val="0"/>
-    <c:plotArea>
-      <c:layout/>
-      <c:lineChart>
-        <c:grouping val="standard"/>
-        <c:varyColors val="0"/>
-        <c:ser>
-          <c:idx val="0"/>
-          <c:order val="0"/>
-          <c:tx>
-            <c:strRef>
-              <c:f>Sheet1!$B$1</c:f>
-              <c:strCache>
-                <c:ptCount val="1"/>
-                <c:pt idx="0">
-                  <c:v>Series 1</c:v>
-                </c:pt>
-              </c:strCache>
-            </c:strRef>
-          </c:tx>
-          <c:spPr>
-            <a:ln w="127000"/>
-            <a:effectLst>
-              <a:outerShdw blurRad="50800" dist="76200" dir="5400000" algn="ctr" rotWithShape="0">
-                <a:srgbClr val="000000">
-                  <a:alpha val="40000"/>
-                </a:srgbClr>
-              </a:outerShdw>
-            </a:effectLst>
-          </c:spPr>
-          <c:marker>
-            <c:symbol val="circle"/>
-            <c:size val="12"/>
-            <c:spPr>
-              <a:effectLst>
-                <a:outerShdw blurRad="50800" dist="76200" dir="5400000" algn="ctr" rotWithShape="0">
-                  <a:srgbClr val="000000">
-                    <a:alpha val="40000"/>
-                  </a:srgbClr>
-                </a:outerShdw>
-              </a:effectLst>
-              <a:scene3d>
-                <a:camera prst="orthographicFront"/>
-                <a:lightRig rig="threePt" dir="t"/>
-              </a:scene3d>
-              <a:sp3d>
-                <a:bevelT prst="relaxedInset"/>
-              </a:sp3d>
-            </c:spPr>
-          </c:marker>
-          <c:cat>
-            <c:strRef>
-              <c:f>Sheet1!$A$2:$A$5</c:f>
-              <c:strCache>
-                <c:ptCount val="4"/>
-                <c:pt idx="0">
-                  <c:v>Category 1</c:v>
-                </c:pt>
-                <c:pt idx="1">
-                  <c:v>Category 2</c:v>
-                </c:pt>
-                <c:pt idx="2">
-                  <c:v>Category 3</c:v>
-                </c:pt>
-                <c:pt idx="3">
-                  <c:v>Category 4</c:v>
-                </c:pt>
-              </c:strCache>
-            </c:strRef>
-          </c:cat>
-          <c:val>
-            <c:numRef>
-              <c:f>Sheet1!$B$2:$B$5</c:f>
-              <c:numCache>
-                <c:formatCode>General</c:formatCode>
-                <c:ptCount val="4"/>
-                <c:pt idx="0">
-                  <c:v>4.3</c:v>
-                </c:pt>
-                <c:pt idx="1">
-                  <c:v>2.5</c:v>
-                </c:pt>
-                <c:pt idx="2">
-                  <c:v>3.5</c:v>
-                </c:pt>
-                <c:pt idx="3">
-                  <c:v>4.5</c:v>
-                </c:pt>
-              </c:numCache>
-            </c:numRef>
-          </c:val>
-          <c:smooth val="0"/>
-        </c:ser>
-        <c:ser>
-          <c:idx val="1"/>
-          <c:order val="1"/>
-          <c:tx>
-            <c:strRef>
-              <c:f>Sheet1!$C$1</c:f>
-              <c:strCache>
-                <c:ptCount val="1"/>
-                <c:pt idx="0">
-                  <c:v>Series 2</c:v>
-                </c:pt>
-              </c:strCache>
-            </c:strRef>
-          </c:tx>
-          <c:spPr>
-            <a:ln w="127000"/>
-            <a:effectLst>
-              <a:outerShdw blurRad="50800" dist="76200" dir="5400000" algn="ctr" rotWithShape="0">
-                <a:srgbClr val="000000">
-                  <a:alpha val="40000"/>
-                </a:srgbClr>
-              </a:outerShdw>
-            </a:effectLst>
-          </c:spPr>
-          <c:marker>
-            <c:symbol val="circle"/>
-            <c:size val="12"/>
-            <c:spPr>
-              <a:effectLst>
-                <a:outerShdw blurRad="50800" dist="76200" dir="5400000" algn="ctr" rotWithShape="0">
-                  <a:srgbClr val="000000">
-                    <a:alpha val="40000"/>
-                  </a:srgbClr>
-                </a:outerShdw>
-              </a:effectLst>
-              <a:scene3d>
-                <a:camera prst="orthographicFront"/>
-                <a:lightRig rig="threePt" dir="t"/>
-              </a:scene3d>
-              <a:sp3d>
-                <a:bevelT prst="relaxedInset"/>
-              </a:sp3d>
-            </c:spPr>
-          </c:marker>
-          <c:cat>
-            <c:strRef>
-              <c:f>Sheet1!$A$2:$A$5</c:f>
-              <c:strCache>
-                <c:ptCount val="4"/>
-                <c:pt idx="0">
-                  <c:v>Category 1</c:v>
-                </c:pt>
-                <c:pt idx="1">
-                  <c:v>Category 2</c:v>
-                </c:pt>
-                <c:pt idx="2">
-                  <c:v>Category 3</c:v>
-                </c:pt>
-                <c:pt idx="3">
-                  <c:v>Category 4</c:v>
-                </c:pt>
-              </c:strCache>
-            </c:strRef>
-          </c:cat>
-          <c:val>
-            <c:numRef>
-              <c:f>Sheet1!$C$2:$C$5</c:f>
-              <c:numCache>
-                <c:formatCode>General</c:formatCode>
-                <c:ptCount val="4"/>
-                <c:pt idx="0">
-                  <c:v>2.4</c:v>
-                </c:pt>
-                <c:pt idx="1">
-                  <c:v>4.4</c:v>
-                </c:pt>
-                <c:pt idx="2">
-                  <c:v>1.8</c:v>
-                </c:pt>
-                <c:pt idx="3">
-                  <c:v>2.8</c:v>
-                </c:pt>
-              </c:numCache>
-            </c:numRef>
-          </c:val>
-          <c:smooth val="0"/>
-        </c:ser>
-        <c:ser>
-          <c:idx val="2"/>
-          <c:order val="2"/>
-          <c:tx>
-            <c:strRef>
-              <c:f>Sheet1!$D$1</c:f>
-              <c:strCache>
-                <c:ptCount val="1"/>
-                <c:pt idx="0">
-                  <c:v>Series 3</c:v>
-                </c:pt>
-              </c:strCache>
-            </c:strRef>
-          </c:tx>
-          <c:spPr>
-            <a:ln w="127000"/>
-            <a:effectLst>
-              <a:outerShdw blurRad="50800" dist="76200" dir="5400000" algn="ctr" rotWithShape="0">
-                <a:srgbClr val="000000">
-                  <a:alpha val="40000"/>
-                </a:srgbClr>
-              </a:outerShdw>
-            </a:effectLst>
-          </c:spPr>
-          <c:marker>
-            <c:symbol val="circle"/>
-            <c:size val="12"/>
-            <c:spPr>
-              <a:effectLst>
-                <a:outerShdw blurRad="50800" dist="76200" dir="5400000" algn="ctr" rotWithShape="0">
-                  <a:srgbClr val="000000">
-                    <a:alpha val="40000"/>
-                  </a:srgbClr>
-                </a:outerShdw>
-              </a:effectLst>
-              <a:scene3d>
-                <a:camera prst="orthographicFront"/>
-                <a:lightRig rig="threePt" dir="t"/>
-              </a:scene3d>
-              <a:sp3d>
-                <a:bevelT prst="relaxedInset"/>
-              </a:sp3d>
-            </c:spPr>
-          </c:marker>
-          <c:cat>
-            <c:strRef>
-              <c:f>Sheet1!$A$2:$A$5</c:f>
-              <c:strCache>
-                <c:ptCount val="4"/>
-                <c:pt idx="0">
-                  <c:v>Category 1</c:v>
-                </c:pt>
-                <c:pt idx="1">
-                  <c:v>Category 2</c:v>
-                </c:pt>
-                <c:pt idx="2">
-                  <c:v>Category 3</c:v>
-                </c:pt>
-                <c:pt idx="3">
-                  <c:v>Category 4</c:v>
-                </c:pt>
-              </c:strCache>
-            </c:strRef>
-          </c:cat>
-          <c:val>
-            <c:numRef>
-              <c:f>Sheet1!$D$2:$D$5</c:f>
-              <c:numCache>
-                <c:formatCode>General</c:formatCode>
-                <c:ptCount val="4"/>
-                <c:pt idx="0">
-                  <c:v>2.0</c:v>
-                </c:pt>
-                <c:pt idx="1">
-                  <c:v>2.0</c:v>
-                </c:pt>
-                <c:pt idx="2">
-                  <c:v>3.0</c:v>
-                </c:pt>
-                <c:pt idx="3">
-                  <c:v>5.0</c:v>
-                </c:pt>
-              </c:numCache>
-            </c:numRef>
-          </c:val>
-          <c:smooth val="0"/>
-        </c:ser>
-        <c:ser>
-          <c:idx val="3"/>
-          <c:order val="3"/>
-          <c:tx>
-            <c:strRef>
-              <c:f>Sheet1!$E$1</c:f>
-              <c:strCache>
-                <c:ptCount val="1"/>
-                <c:pt idx="0">
-                  <c:v>Series 4</c:v>
-                </c:pt>
-              </c:strCache>
-            </c:strRef>
-          </c:tx>
-          <c:spPr>
-            <a:ln w="127000"/>
-            <a:effectLst>
-              <a:outerShdw blurRad="50800" dist="76200" dir="5400000" algn="ctr" rotWithShape="0">
-                <a:srgbClr val="000000">
-                  <a:alpha val="40000"/>
-                </a:srgbClr>
-              </a:outerShdw>
-            </a:effectLst>
-          </c:spPr>
-          <c:marker>
-            <c:symbol val="circle"/>
-            <c:size val="12"/>
-            <c:spPr>
-              <a:effectLst>
-                <a:outerShdw blurRad="50800" dist="76200" dir="5400000" algn="ctr" rotWithShape="0">
-                  <a:srgbClr val="000000">
-                    <a:alpha val="40000"/>
-                  </a:srgbClr>
-                </a:outerShdw>
-              </a:effectLst>
-              <a:scene3d>
-                <a:camera prst="orthographicFront"/>
-                <a:lightRig rig="threePt" dir="t"/>
-              </a:scene3d>
-              <a:sp3d>
-                <a:bevelT prst="relaxedInset"/>
-              </a:sp3d>
-            </c:spPr>
-          </c:marker>
-          <c:cat>
-            <c:strRef>
-              <c:f>Sheet1!$A$2:$A$5</c:f>
-              <c:strCache>
-                <c:ptCount val="4"/>
-                <c:pt idx="0">
-                  <c:v>Category 1</c:v>
-                </c:pt>
-                <c:pt idx="1">
-                  <c:v>Category 2</c:v>
-                </c:pt>
-                <c:pt idx="2">
-                  <c:v>Category 3</c:v>
-                </c:pt>
-                <c:pt idx="3">
-                  <c:v>Category 4</c:v>
-                </c:pt>
-              </c:strCache>
-            </c:strRef>
-          </c:cat>
-          <c:val>
-            <c:numRef>
-              <c:f>Sheet1!$E$2:$E$5</c:f>
-              <c:numCache>
-                <c:formatCode>General</c:formatCode>
-                <c:ptCount val="4"/>
-                <c:pt idx="0">
-                  <c:v>1.0</c:v>
-                </c:pt>
-                <c:pt idx="1">
-                  <c:v>3.0</c:v>
-                </c:pt>
-                <c:pt idx="2">
-                  <c:v>5.0</c:v>
-                </c:pt>
-                <c:pt idx="3">
-                  <c:v>5.5</c:v>
-                </c:pt>
-              </c:numCache>
-            </c:numRef>
-          </c:val>
-          <c:smooth val="0"/>
-        </c:ser>
-        <c:dLbls>
-          <c:showLegendKey val="0"/>
-          <c:showVal val="0"/>
-          <c:showCatName val="0"/>
-          <c:showSerName val="0"/>
-          <c:showPercent val="0"/>
-          <c:showBubbleSize val="0"/>
-        </c:dLbls>
-        <c:marker val="1"/>
-        <c:smooth val="0"/>
-        <c:axId val="-2140682904"/>
-        <c:axId val="-2140678040"/>
-      </c:lineChart>
-      <c:catAx>
-        <c:axId val="-2140682904"/>
-        <c:scaling>
-          <c:orientation val="minMax"/>
-        </c:scaling>
-        <c:delete val="0"/>
-        <c:axPos val="b"/>
-        <c:majorTickMark val="out"/>
-        <c:minorTickMark val="none"/>
-        <c:tickLblPos val="nextTo"/>
-        <c:spPr>
-          <a:ln>
-            <a:solidFill>
-              <a:schemeClr val="bg2"/>
-            </a:solidFill>
-          </a:ln>
-        </c:spPr>
-        <c:txPr>
-          <a:bodyPr/>
-          <a:lstStyle/>
-          <a:p>
-            <a:pPr>
-              <a:defRPr sz="2400">
-                <a:effectLst>
-                  <a:outerShdw blurRad="38100" dist="38100" dir="2700000" algn="tl">
-                    <a:srgbClr val="000000">
-                      <a:alpha val="43137"/>
-                    </a:srgbClr>
-                  </a:outerShdw>
-                </a:effectLst>
-              </a:defRPr>
-            </a:pPr>
-            <a:endParaRPr lang="en-US"/>
-          </a:p>
-        </c:txPr>
-        <c:crossAx val="-2140678040"/>
-        <c:crosses val="autoZero"/>
-        <c:auto val="1"/>
-        <c:lblAlgn val="ctr"/>
-        <c:lblOffset val="100"/>
-        <c:noMultiLvlLbl val="0"/>
-      </c:catAx>
-      <c:valAx>
-        <c:axId val="-2140678040"/>
-        <c:scaling>
-          <c:orientation val="minMax"/>
-        </c:scaling>
-        <c:delete val="0"/>
-        <c:axPos val="l"/>
-        <c:majorGridlines>
-          <c:spPr>
-            <a:ln>
-              <a:solidFill>
-                <a:schemeClr val="bg2"/>
-              </a:solidFill>
-            </a:ln>
-          </c:spPr>
-        </c:majorGridlines>
-        <c:numFmt formatCode="General" sourceLinked="1"/>
-        <c:majorTickMark val="out"/>
-        <c:minorTickMark val="none"/>
-        <c:tickLblPos val="nextTo"/>
-        <c:spPr>
-          <a:ln>
-            <a:solidFill>
-              <a:schemeClr val="bg2"/>
-            </a:solidFill>
-          </a:ln>
-        </c:spPr>
-        <c:txPr>
-          <a:bodyPr/>
-          <a:lstStyle/>
-          <a:p>
-            <a:pPr>
-              <a:defRPr sz="2800">
-                <a:effectLst>
-                  <a:outerShdw blurRad="38100" dist="38100" dir="2700000" algn="tl">
-                    <a:srgbClr val="000000">
-                      <a:alpha val="43137"/>
-                    </a:srgbClr>
-                  </a:outerShdw>
-                </a:effectLst>
-              </a:defRPr>
-            </a:pPr>
-            <a:endParaRPr lang="en-US"/>
-          </a:p>
-        </c:txPr>
-        <c:crossAx val="-2140682904"/>
-        <c:crosses val="autoZero"/>
-        <c:crossBetween val="between"/>
-      </c:valAx>
-      <c:spPr>
-        <a:gradFill>
-          <a:gsLst>
-            <a:gs pos="0">
-              <a:srgbClr val="000000">
-                <a:alpha val="0"/>
-              </a:srgbClr>
-            </a:gs>
-            <a:gs pos="50000">
-              <a:srgbClr val="000000">
-                <a:alpha val="9000"/>
-              </a:srgbClr>
-            </a:gs>
-            <a:gs pos="100000">
-              <a:srgbClr val="000000">
-                <a:alpha val="85000"/>
-              </a:srgbClr>
-            </a:gs>
-          </a:gsLst>
-          <a:lin ang="5400000" scaled="0"/>
-        </a:gradFill>
-        <a:ln>
-          <a:solidFill>
-            <a:schemeClr val="bg2"/>
-          </a:solidFill>
-        </a:ln>
-      </c:spPr>
-    </c:plotArea>
-    <c:legend>
-      <c:legendPos val="r"/>
-      <c:layout/>
-      <c:overlay val="0"/>
-      <c:txPr>
-        <a:bodyPr/>
-        <a:lstStyle/>
-        <a:p>
-          <a:pPr>
-            <a:defRPr sz="2800">
-              <a:effectLst>
-                <a:outerShdw blurRad="38100" dist="38100" dir="2700000" algn="tl">
-                  <a:srgbClr val="000000">
-                    <a:alpha val="43137"/>
-                  </a:srgbClr>
-                </a:outerShdw>
-              </a:effectLst>
-            </a:defRPr>
-          </a:pPr>
-          <a:endParaRPr lang="en-US"/>
-        </a:p>
-      </c:txPr>
-    </c:legend>
-    <c:plotVisOnly val="1"/>
-    <c:dispBlanksAs val="gap"/>
-    <c:showDLblsOverMax val="0"/>
-  </c:chart>
-  <c:txPr>
-    <a:bodyPr/>
-    <a:lstStyle/>
-    <a:p>
-      <a:pPr>
-        <a:defRPr sz="1800"/>
-      </a:pPr>
-      <a:endParaRPr lang="en-US"/>
-    </a:p>
-  </c:txPr>
-  <c:externalData r:id="rId1">
-    <c:autoUpdate val="0"/>
-  </c:externalData>
-</c:chartSpace>
-</file>
-
-<file path=ppt/charts/chart4.xml><?xml version="1.0" encoding="utf-8"?>
-<c:chartSpace xmlns:c="http://schemas.openxmlformats.org/drawingml/2006/chart" xmlns:a="http://schemas.openxmlformats.org/drawingml/2006/main" xmlns:r="http://schemas.openxmlformats.org/officeDocument/2006/relationships">
-  <c:date1904 val="0"/>
-  <c:lang val="en-US"/>
-  <c:roundedCorners val="0"/>
-  <mc:AlternateContent xmlns:mc="http://schemas.openxmlformats.org/markup-compatibility/2006">
-    <mc:Choice xmlns:c14="http://schemas.microsoft.com/office/drawing/2007/8/2/chart" Requires="c14">
-      <c14:style val="126"/>
-    </mc:Choice>
-    <mc:Fallback>
-      <c:style val="26"/>
-    </mc:Fallback>
-  </mc:AlternateContent>
-  <c:chart>
-    <c:autoTitleDeleted val="0"/>
-    <c:plotArea>
-      <c:layout/>
-      <c:areaChart>
-        <c:grouping val="stacked"/>
-        <c:varyColors val="0"/>
-        <c:ser>
-          <c:idx val="0"/>
-          <c:order val="0"/>
-          <c:tx>
-            <c:strRef>
-              <c:f>Sheet1!$B$1</c:f>
-              <c:strCache>
-                <c:ptCount val="1"/>
-                <c:pt idx="0">
-                  <c:v>Series 1</c:v>
-                </c:pt>
-              </c:strCache>
-            </c:strRef>
-          </c:tx>
-          <c:spPr>
-            <a:scene3d>
-              <a:camera prst="orthographicFront"/>
-              <a:lightRig rig="glow" dir="t">
-                <a:rot lat="0" lon="0" rev="5400000"/>
-              </a:lightRig>
-            </a:scene3d>
-            <a:sp3d prstMaterial="flat">
-              <a:bevelT/>
-              <a:contourClr>
-                <a:srgbClr val="000000"/>
-              </a:contourClr>
-            </a:sp3d>
-          </c:spPr>
-          <c:cat>
-            <c:strRef>
-              <c:f>Sheet1!$A$2:$A$5</c:f>
-              <c:strCache>
-                <c:ptCount val="4"/>
-                <c:pt idx="0">
-                  <c:v>Category 1</c:v>
-                </c:pt>
-                <c:pt idx="1">
-                  <c:v>Category 2</c:v>
-                </c:pt>
-                <c:pt idx="2">
-                  <c:v>Category 3</c:v>
-                </c:pt>
-                <c:pt idx="3">
-                  <c:v>Category 4</c:v>
-                </c:pt>
-              </c:strCache>
-            </c:strRef>
-          </c:cat>
-          <c:val>
-            <c:numRef>
-              <c:f>Sheet1!$B$2:$B$5</c:f>
-              <c:numCache>
-                <c:formatCode>General</c:formatCode>
-                <c:ptCount val="4"/>
-                <c:pt idx="0">
-                  <c:v>4.3</c:v>
-                </c:pt>
-                <c:pt idx="1">
-                  <c:v>2.5</c:v>
-                </c:pt>
-                <c:pt idx="2">
-                  <c:v>3.5</c:v>
-                </c:pt>
-                <c:pt idx="3">
-                  <c:v>4.5</c:v>
-                </c:pt>
-              </c:numCache>
-            </c:numRef>
-          </c:val>
-        </c:ser>
-        <c:ser>
-          <c:idx val="1"/>
-          <c:order val="1"/>
-          <c:tx>
-            <c:strRef>
-              <c:f>Sheet1!$C$1</c:f>
-              <c:strCache>
-                <c:ptCount val="1"/>
-                <c:pt idx="0">
-                  <c:v>Series 2</c:v>
-                </c:pt>
-              </c:strCache>
-            </c:strRef>
-          </c:tx>
-          <c:spPr>
-            <a:scene3d>
-              <a:camera prst="orthographicFront"/>
-              <a:lightRig rig="glow" dir="t">
-                <a:rot lat="0" lon="0" rev="5400000"/>
-              </a:lightRig>
-            </a:scene3d>
-            <a:sp3d prstMaterial="flat">
-              <a:bevelT/>
-              <a:contourClr>
-                <a:srgbClr val="000000"/>
-              </a:contourClr>
-            </a:sp3d>
-          </c:spPr>
-          <c:cat>
-            <c:strRef>
-              <c:f>Sheet1!$A$2:$A$5</c:f>
-              <c:strCache>
-                <c:ptCount val="4"/>
-                <c:pt idx="0">
-                  <c:v>Category 1</c:v>
-                </c:pt>
-                <c:pt idx="1">
-                  <c:v>Category 2</c:v>
-                </c:pt>
-                <c:pt idx="2">
-                  <c:v>Category 3</c:v>
-                </c:pt>
-                <c:pt idx="3">
-                  <c:v>Category 4</c:v>
-                </c:pt>
-              </c:strCache>
-            </c:strRef>
-          </c:cat>
-          <c:val>
-            <c:numRef>
-              <c:f>Sheet1!$C$2:$C$5</c:f>
-              <c:numCache>
-                <c:formatCode>General</c:formatCode>
-                <c:ptCount val="4"/>
-                <c:pt idx="0">
-                  <c:v>2.4</c:v>
-                </c:pt>
-                <c:pt idx="1">
-                  <c:v>4.4</c:v>
-                </c:pt>
-                <c:pt idx="2">
-                  <c:v>1.8</c:v>
-                </c:pt>
-                <c:pt idx="3">
-                  <c:v>2.8</c:v>
-                </c:pt>
-              </c:numCache>
-            </c:numRef>
-          </c:val>
-        </c:ser>
-        <c:ser>
-          <c:idx val="2"/>
-          <c:order val="2"/>
-          <c:tx>
-            <c:strRef>
-              <c:f>Sheet1!$D$1</c:f>
-              <c:strCache>
-                <c:ptCount val="1"/>
-                <c:pt idx="0">
-                  <c:v>Series 3</c:v>
-                </c:pt>
-              </c:strCache>
-            </c:strRef>
-          </c:tx>
-          <c:spPr>
-            <a:scene3d>
-              <a:camera prst="orthographicFront"/>
-              <a:lightRig rig="glow" dir="t">
-                <a:rot lat="0" lon="0" rev="5400000"/>
-              </a:lightRig>
-            </a:scene3d>
-            <a:sp3d prstMaterial="flat">
-              <a:bevelT/>
-              <a:contourClr>
-                <a:srgbClr val="000000"/>
-              </a:contourClr>
-            </a:sp3d>
-          </c:spPr>
-          <c:cat>
-            <c:strRef>
-              <c:f>Sheet1!$A$2:$A$5</c:f>
-              <c:strCache>
-                <c:ptCount val="4"/>
-                <c:pt idx="0">
-                  <c:v>Category 1</c:v>
-                </c:pt>
-                <c:pt idx="1">
-                  <c:v>Category 2</c:v>
-                </c:pt>
-                <c:pt idx="2">
-                  <c:v>Category 3</c:v>
-                </c:pt>
-                <c:pt idx="3">
-                  <c:v>Category 4</c:v>
-                </c:pt>
-              </c:strCache>
-            </c:strRef>
-          </c:cat>
-          <c:val>
-            <c:numRef>
-              <c:f>Sheet1!$D$2:$D$5</c:f>
-              <c:numCache>
-                <c:formatCode>General</c:formatCode>
-                <c:ptCount val="4"/>
-                <c:pt idx="0">
-                  <c:v>2.0</c:v>
-                </c:pt>
-                <c:pt idx="1">
-                  <c:v>2.0</c:v>
-                </c:pt>
-                <c:pt idx="2">
-                  <c:v>3.0</c:v>
-                </c:pt>
-                <c:pt idx="3">
-                  <c:v>5.0</c:v>
-                </c:pt>
-              </c:numCache>
-            </c:numRef>
-          </c:val>
-        </c:ser>
-        <c:dLbls>
-          <c:showLegendKey val="0"/>
-          <c:showVal val="0"/>
-          <c:showCatName val="0"/>
-          <c:showSerName val="0"/>
-          <c:showPercent val="0"/>
-          <c:showBubbleSize val="0"/>
-        </c:dLbls>
-        <c:axId val="-2140631240"/>
-        <c:axId val="-2140627912"/>
-      </c:areaChart>
-      <c:catAx>
-        <c:axId val="-2140631240"/>
-        <c:scaling>
-          <c:orientation val="minMax"/>
-        </c:scaling>
-        <c:delete val="0"/>
-        <c:axPos val="b"/>
-        <c:majorTickMark val="out"/>
-        <c:minorTickMark val="none"/>
-        <c:tickLblPos val="nextTo"/>
-        <c:spPr>
-          <a:ln>
-            <a:solidFill>
-              <a:schemeClr val="bg2"/>
-            </a:solidFill>
-          </a:ln>
-        </c:spPr>
-        <c:txPr>
-          <a:bodyPr/>
-          <a:lstStyle/>
-          <a:p>
-            <a:pPr>
-              <a:defRPr sz="2400">
-                <a:effectLst>
-                  <a:outerShdw blurRad="38100" dist="38100" dir="2700000" algn="tl">
-                    <a:srgbClr val="000000">
-                      <a:alpha val="43137"/>
-                    </a:srgbClr>
-                  </a:outerShdw>
-                </a:effectLst>
-              </a:defRPr>
-            </a:pPr>
-            <a:endParaRPr lang="en-US"/>
-          </a:p>
-        </c:txPr>
-        <c:crossAx val="-2140627912"/>
-        <c:crosses val="autoZero"/>
-        <c:auto val="1"/>
-        <c:lblAlgn val="ctr"/>
-        <c:lblOffset val="100"/>
-        <c:noMultiLvlLbl val="0"/>
-      </c:catAx>
-      <c:valAx>
-        <c:axId val="-2140627912"/>
-        <c:scaling>
-          <c:orientation val="minMax"/>
-        </c:scaling>
-        <c:delete val="0"/>
-        <c:axPos val="l"/>
-        <c:majorGridlines>
-          <c:spPr>
-            <a:ln>
-              <a:solidFill>
-                <a:schemeClr val="bg2"/>
-              </a:solidFill>
-            </a:ln>
-          </c:spPr>
-        </c:majorGridlines>
-        <c:numFmt formatCode="General" sourceLinked="1"/>
-        <c:majorTickMark val="out"/>
-        <c:minorTickMark val="none"/>
-        <c:tickLblPos val="nextTo"/>
-        <c:spPr>
-          <a:ln>
-            <a:solidFill>
-              <a:schemeClr val="bg2"/>
-            </a:solidFill>
-          </a:ln>
-        </c:spPr>
-        <c:txPr>
-          <a:bodyPr/>
-          <a:lstStyle/>
-          <a:p>
-            <a:pPr>
-              <a:defRPr sz="2400">
-                <a:effectLst>
-                  <a:outerShdw blurRad="38100" dist="38100" dir="2700000" algn="tl">
-                    <a:srgbClr val="000000">
-                      <a:alpha val="43137"/>
-                    </a:srgbClr>
-                  </a:outerShdw>
-                </a:effectLst>
-              </a:defRPr>
-            </a:pPr>
-            <a:endParaRPr lang="en-US"/>
-          </a:p>
-        </c:txPr>
-        <c:crossAx val="-2140631240"/>
-        <c:crosses val="autoZero"/>
-        <c:crossBetween val="midCat"/>
-      </c:valAx>
-      <c:spPr>
-        <a:gradFill>
-          <a:gsLst>
-            <a:gs pos="0">
-              <a:srgbClr val="000000">
-                <a:alpha val="81000"/>
-              </a:srgbClr>
-            </a:gs>
-            <a:gs pos="51000">
-              <a:srgbClr val="000000">
-                <a:alpha val="33000"/>
-              </a:srgbClr>
-            </a:gs>
-            <a:gs pos="100000">
-              <a:srgbClr val="000000">
-                <a:alpha val="0"/>
-              </a:srgbClr>
-            </a:gs>
-          </a:gsLst>
-          <a:lin ang="16200000" scaled="0"/>
-        </a:gradFill>
-      </c:spPr>
-    </c:plotArea>
-    <c:legend>
-      <c:legendPos val="r"/>
-      <c:layout>
-        <c:manualLayout>
-          <c:xMode val="edge"/>
-          <c:yMode val="edge"/>
-          <c:x val="0.746707242154841"/>
-          <c:y val="0.339728239714051"/>
-          <c:w val="0.247594751508037"/>
-          <c:h val="0.316587041221687"/>
-        </c:manualLayout>
-      </c:layout>
-      <c:overlay val="0"/>
-      <c:txPr>
-        <a:bodyPr/>
-        <a:lstStyle/>
-        <a:p>
-          <a:pPr>
-            <a:defRPr sz="2800">
-              <a:effectLst>
-                <a:outerShdw blurRad="38100" dist="38100" dir="2700000" algn="tl">
-                  <a:srgbClr val="000000">
-                    <a:alpha val="43137"/>
-                  </a:srgbClr>
-                </a:outerShdw>
-              </a:effectLst>
-            </a:defRPr>
-          </a:pPr>
-          <a:endParaRPr lang="en-US"/>
-        </a:p>
-      </c:txPr>
-    </c:legend>
-    <c:plotVisOnly val="1"/>
-    <c:dispBlanksAs val="zero"/>
-    <c:showDLblsOverMax val="0"/>
-  </c:chart>
-  <c:txPr>
-    <a:bodyPr/>
-    <a:lstStyle/>
-    <a:p>
-      <a:pPr>
-        <a:defRPr sz="1800"/>
-      </a:pPr>
-      <a:endParaRPr lang="en-US"/>
-    </a:p>
-  </c:txPr>
-  <c:externalData r:id="rId1">
-    <c:autoUpdate val="0"/>
-  </c:externalData>
-</c:chartSpace>
-</file>
-
 <file path=ppt/diagrams/colors1.xml><?xml version="1.0" encoding="utf-8"?>
 <dgm:colorsDef xmlns:dgm="http://schemas.openxmlformats.org/drawingml/2006/diagram" xmlns:a="http://schemas.openxmlformats.org/drawingml/2006/main" uniqueId="urn:microsoft.com/office/officeart/2005/8/colors/accent1_2">
   <dgm:title val=""/>
@@ -2441,6 +877,753 @@
 </file>
 
 <file path=ppt/diagrams/colors2.xml><?xml version="1.0" encoding="utf-8"?>
+<dgm:colorsDef xmlns:dgm="http://schemas.openxmlformats.org/drawingml/2006/diagram" xmlns:a="http://schemas.openxmlformats.org/drawingml/2006/main" uniqueId="urn:microsoft.com/office/officeart/2005/8/colors/accent1_2">
+  <dgm:title val=""/>
+  <dgm:desc val=""/>
+  <dgm:catLst>
+    <dgm:cat type="accent1" pri="11200"/>
+  </dgm:catLst>
+  <dgm:styleLbl name="node0">
+    <dgm:fillClrLst meth="repeat">
+      <a:schemeClr val="accent1"/>
+    </dgm:fillClrLst>
+    <dgm:linClrLst meth="repeat">
+      <a:schemeClr val="lt1"/>
+    </dgm:linClrLst>
+    <dgm:effectClrLst/>
+    <dgm:txLinClrLst/>
+    <dgm:txFillClrLst/>
+    <dgm:txEffectClrLst/>
+  </dgm:styleLbl>
+  <dgm:styleLbl name="alignNode1">
+    <dgm:fillClrLst meth="repeat">
+      <a:schemeClr val="accent1"/>
+    </dgm:fillClrLst>
+    <dgm:linClrLst meth="repeat">
+      <a:schemeClr val="accent1"/>
+    </dgm:linClrLst>
+    <dgm:effectClrLst/>
+    <dgm:txLinClrLst/>
+    <dgm:txFillClrLst/>
+    <dgm:txEffectClrLst/>
+  </dgm:styleLbl>
+  <dgm:styleLbl name="node1">
+    <dgm:fillClrLst meth="repeat">
+      <a:schemeClr val="accent1"/>
+    </dgm:fillClrLst>
+    <dgm:linClrLst meth="repeat">
+      <a:schemeClr val="lt1"/>
+    </dgm:linClrLst>
+    <dgm:effectClrLst/>
+    <dgm:txLinClrLst/>
+    <dgm:txFillClrLst/>
+    <dgm:txEffectClrLst/>
+  </dgm:styleLbl>
+  <dgm:styleLbl name="lnNode1">
+    <dgm:fillClrLst meth="repeat">
+      <a:schemeClr val="accent1"/>
+    </dgm:fillClrLst>
+    <dgm:linClrLst meth="repeat">
+      <a:schemeClr val="lt1"/>
+    </dgm:linClrLst>
+    <dgm:effectClrLst/>
+    <dgm:txLinClrLst/>
+    <dgm:txFillClrLst/>
+    <dgm:txEffectClrLst/>
+  </dgm:styleLbl>
+  <dgm:styleLbl name="vennNode1">
+    <dgm:fillClrLst meth="repeat">
+      <a:schemeClr val="accent1">
+        <a:alpha val="50000"/>
+      </a:schemeClr>
+    </dgm:fillClrLst>
+    <dgm:linClrLst meth="repeat">
+      <a:schemeClr val="lt1"/>
+    </dgm:linClrLst>
+    <dgm:effectClrLst/>
+    <dgm:txLinClrLst/>
+    <dgm:txFillClrLst/>
+    <dgm:txEffectClrLst/>
+  </dgm:styleLbl>
+  <dgm:styleLbl name="node2">
+    <dgm:fillClrLst meth="repeat">
+      <a:schemeClr val="accent1"/>
+    </dgm:fillClrLst>
+    <dgm:linClrLst meth="repeat">
+      <a:schemeClr val="lt1"/>
+    </dgm:linClrLst>
+    <dgm:effectClrLst/>
+    <dgm:txLinClrLst/>
+    <dgm:txFillClrLst/>
+    <dgm:txEffectClrLst/>
+  </dgm:styleLbl>
+  <dgm:styleLbl name="node3">
+    <dgm:fillClrLst meth="repeat">
+      <a:schemeClr val="accent1"/>
+    </dgm:fillClrLst>
+    <dgm:linClrLst meth="repeat">
+      <a:schemeClr val="lt1"/>
+    </dgm:linClrLst>
+    <dgm:effectClrLst/>
+    <dgm:txLinClrLst/>
+    <dgm:txFillClrLst/>
+    <dgm:txEffectClrLst/>
+  </dgm:styleLbl>
+  <dgm:styleLbl name="node4">
+    <dgm:fillClrLst meth="repeat">
+      <a:schemeClr val="accent1"/>
+    </dgm:fillClrLst>
+    <dgm:linClrLst meth="repeat">
+      <a:schemeClr val="lt1"/>
+    </dgm:linClrLst>
+    <dgm:effectClrLst/>
+    <dgm:txLinClrLst/>
+    <dgm:txFillClrLst/>
+    <dgm:txEffectClrLst/>
+  </dgm:styleLbl>
+  <dgm:styleLbl name="fgImgPlace1">
+    <dgm:fillClrLst meth="repeat">
+      <a:schemeClr val="accent1">
+        <a:tint val="50000"/>
+      </a:schemeClr>
+    </dgm:fillClrLst>
+    <dgm:linClrLst meth="repeat">
+      <a:schemeClr val="lt1"/>
+    </dgm:linClrLst>
+    <dgm:effectClrLst/>
+    <dgm:txLinClrLst/>
+    <dgm:txFillClrLst meth="repeat">
+      <a:schemeClr val="lt1"/>
+    </dgm:txFillClrLst>
+    <dgm:txEffectClrLst/>
+  </dgm:styleLbl>
+  <dgm:styleLbl name="alignImgPlace1">
+    <dgm:fillClrLst meth="repeat">
+      <a:schemeClr val="accent1">
+        <a:tint val="50000"/>
+      </a:schemeClr>
+    </dgm:fillClrLst>
+    <dgm:linClrLst meth="repeat">
+      <a:schemeClr val="lt1"/>
+    </dgm:linClrLst>
+    <dgm:effectClrLst/>
+    <dgm:txLinClrLst/>
+    <dgm:txFillClrLst meth="repeat">
+      <a:schemeClr val="lt1"/>
+    </dgm:txFillClrLst>
+    <dgm:txEffectClrLst/>
+  </dgm:styleLbl>
+  <dgm:styleLbl name="bgImgPlace1">
+    <dgm:fillClrLst meth="repeat">
+      <a:schemeClr val="accent1">
+        <a:tint val="50000"/>
+      </a:schemeClr>
+    </dgm:fillClrLst>
+    <dgm:linClrLst meth="repeat">
+      <a:schemeClr val="lt1"/>
+    </dgm:linClrLst>
+    <dgm:effectClrLst/>
+    <dgm:txLinClrLst/>
+    <dgm:txFillClrLst meth="repeat">
+      <a:schemeClr val="lt1"/>
+    </dgm:txFillClrLst>
+    <dgm:txEffectClrLst/>
+  </dgm:styleLbl>
+  <dgm:styleLbl name="sibTrans2D1">
+    <dgm:fillClrLst meth="repeat">
+      <a:schemeClr val="accent1">
+        <a:tint val="60000"/>
+      </a:schemeClr>
+    </dgm:fillClrLst>
+    <dgm:linClrLst meth="repeat">
+      <a:schemeClr val="accent1">
+        <a:tint val="60000"/>
+      </a:schemeClr>
+    </dgm:linClrLst>
+    <dgm:effectClrLst/>
+    <dgm:txLinClrLst/>
+    <dgm:txFillClrLst/>
+    <dgm:txEffectClrLst/>
+  </dgm:styleLbl>
+  <dgm:styleLbl name="fgSibTrans2D1">
+    <dgm:fillClrLst meth="repeat">
+      <a:schemeClr val="accent1">
+        <a:tint val="60000"/>
+      </a:schemeClr>
+    </dgm:fillClrLst>
+    <dgm:linClrLst meth="repeat">
+      <a:schemeClr val="accent1">
+        <a:tint val="60000"/>
+      </a:schemeClr>
+    </dgm:linClrLst>
+    <dgm:effectClrLst/>
+    <dgm:txLinClrLst/>
+    <dgm:txFillClrLst/>
+    <dgm:txEffectClrLst/>
+  </dgm:styleLbl>
+  <dgm:styleLbl name="bgSibTrans2D1">
+    <dgm:fillClrLst meth="repeat">
+      <a:schemeClr val="accent1">
+        <a:tint val="60000"/>
+      </a:schemeClr>
+    </dgm:fillClrLst>
+    <dgm:linClrLst meth="repeat">
+      <a:schemeClr val="accent1">
+        <a:tint val="60000"/>
+      </a:schemeClr>
+    </dgm:linClrLst>
+    <dgm:effectClrLst/>
+    <dgm:txLinClrLst/>
+    <dgm:txFillClrLst/>
+    <dgm:txEffectClrLst/>
+  </dgm:styleLbl>
+  <dgm:styleLbl name="sibTrans1D1">
+    <dgm:fillClrLst meth="repeat">
+      <a:schemeClr val="accent1"/>
+    </dgm:fillClrLst>
+    <dgm:linClrLst meth="repeat">
+      <a:schemeClr val="accent1"/>
+    </dgm:linClrLst>
+    <dgm:effectClrLst/>
+    <dgm:txLinClrLst/>
+    <dgm:txFillClrLst meth="repeat">
+      <a:schemeClr val="tx1"/>
+    </dgm:txFillClrLst>
+    <dgm:txEffectClrLst/>
+  </dgm:styleLbl>
+  <dgm:styleLbl name="callout">
+    <dgm:fillClrLst meth="repeat">
+      <a:schemeClr val="accent1"/>
+    </dgm:fillClrLst>
+    <dgm:linClrLst meth="repeat">
+      <a:schemeClr val="accent1">
+        <a:tint val="50000"/>
+      </a:schemeClr>
+    </dgm:linClrLst>
+    <dgm:effectClrLst/>
+    <dgm:txLinClrLst/>
+    <dgm:txFillClrLst meth="repeat">
+      <a:schemeClr val="tx1"/>
+    </dgm:txFillClrLst>
+    <dgm:txEffectClrLst/>
+  </dgm:styleLbl>
+  <dgm:styleLbl name="asst0">
+    <dgm:fillClrLst meth="repeat">
+      <a:schemeClr val="accent1"/>
+    </dgm:fillClrLst>
+    <dgm:linClrLst meth="repeat">
+      <a:schemeClr val="lt1"/>
+    </dgm:linClrLst>
+    <dgm:effectClrLst/>
+    <dgm:txLinClrLst/>
+    <dgm:txFillClrLst/>
+    <dgm:txEffectClrLst/>
+  </dgm:styleLbl>
+  <dgm:styleLbl name="asst1">
+    <dgm:fillClrLst meth="repeat">
+      <a:schemeClr val="accent1"/>
+    </dgm:fillClrLst>
+    <dgm:linClrLst meth="repeat">
+      <a:schemeClr val="lt1"/>
+    </dgm:linClrLst>
+    <dgm:effectClrLst/>
+    <dgm:txLinClrLst/>
+    <dgm:txFillClrLst/>
+    <dgm:txEffectClrLst/>
+  </dgm:styleLbl>
+  <dgm:styleLbl name="asst2">
+    <dgm:fillClrLst meth="repeat">
+      <a:schemeClr val="accent1"/>
+    </dgm:fillClrLst>
+    <dgm:linClrLst meth="repeat">
+      <a:schemeClr val="lt1"/>
+    </dgm:linClrLst>
+    <dgm:effectClrLst/>
+    <dgm:txLinClrLst/>
+    <dgm:txFillClrLst/>
+    <dgm:txEffectClrLst/>
+  </dgm:styleLbl>
+  <dgm:styleLbl name="asst3">
+    <dgm:fillClrLst meth="repeat">
+      <a:schemeClr val="accent1"/>
+    </dgm:fillClrLst>
+    <dgm:linClrLst meth="repeat">
+      <a:schemeClr val="lt1"/>
+    </dgm:linClrLst>
+    <dgm:effectClrLst/>
+    <dgm:txLinClrLst/>
+    <dgm:txFillClrLst/>
+    <dgm:txEffectClrLst/>
+  </dgm:styleLbl>
+  <dgm:styleLbl name="asst4">
+    <dgm:fillClrLst meth="repeat">
+      <a:schemeClr val="accent1"/>
+    </dgm:fillClrLst>
+    <dgm:linClrLst meth="repeat">
+      <a:schemeClr val="lt1"/>
+    </dgm:linClrLst>
+    <dgm:effectClrLst/>
+    <dgm:txLinClrLst/>
+    <dgm:txFillClrLst/>
+    <dgm:txEffectClrLst/>
+  </dgm:styleLbl>
+  <dgm:styleLbl name="parChTrans2D1">
+    <dgm:fillClrLst meth="repeat">
+      <a:schemeClr val="accent1">
+        <a:tint val="60000"/>
+      </a:schemeClr>
+    </dgm:fillClrLst>
+    <dgm:linClrLst meth="repeat">
+      <a:schemeClr val="accent1">
+        <a:tint val="60000"/>
+      </a:schemeClr>
+    </dgm:linClrLst>
+    <dgm:effectClrLst/>
+    <dgm:txLinClrLst/>
+    <dgm:txFillClrLst meth="repeat">
+      <a:schemeClr val="lt1"/>
+    </dgm:txFillClrLst>
+    <dgm:txEffectClrLst/>
+  </dgm:styleLbl>
+  <dgm:styleLbl name="parChTrans2D2">
+    <dgm:fillClrLst meth="repeat">
+      <a:schemeClr val="accent1"/>
+    </dgm:fillClrLst>
+    <dgm:linClrLst meth="repeat">
+      <a:schemeClr val="accent1"/>
+    </dgm:linClrLst>
+    <dgm:effectClrLst/>
+    <dgm:txLinClrLst/>
+    <dgm:txFillClrLst meth="repeat">
+      <a:schemeClr val="lt1"/>
+    </dgm:txFillClrLst>
+    <dgm:txEffectClrLst/>
+  </dgm:styleLbl>
+  <dgm:styleLbl name="parChTrans2D3">
+    <dgm:fillClrLst meth="repeat">
+      <a:schemeClr val="accent1"/>
+    </dgm:fillClrLst>
+    <dgm:linClrLst meth="repeat">
+      <a:schemeClr val="accent1"/>
+    </dgm:linClrLst>
+    <dgm:effectClrLst/>
+    <dgm:txLinClrLst/>
+    <dgm:txFillClrLst meth="repeat">
+      <a:schemeClr val="lt1"/>
+    </dgm:txFillClrLst>
+    <dgm:txEffectClrLst/>
+  </dgm:styleLbl>
+  <dgm:styleLbl name="parChTrans2D4">
+    <dgm:fillClrLst meth="repeat">
+      <a:schemeClr val="accent1"/>
+    </dgm:fillClrLst>
+    <dgm:linClrLst meth="repeat">
+      <a:schemeClr val="accent1"/>
+    </dgm:linClrLst>
+    <dgm:effectClrLst/>
+    <dgm:txLinClrLst/>
+    <dgm:txFillClrLst meth="repeat">
+      <a:schemeClr val="lt1"/>
+    </dgm:txFillClrLst>
+    <dgm:txEffectClrLst/>
+  </dgm:styleLbl>
+  <dgm:styleLbl name="parChTrans1D1">
+    <dgm:fillClrLst meth="repeat">
+      <a:schemeClr val="accent1"/>
+    </dgm:fillClrLst>
+    <dgm:linClrLst meth="repeat">
+      <a:schemeClr val="accent1">
+        <a:shade val="60000"/>
+      </a:schemeClr>
+    </dgm:linClrLst>
+    <dgm:effectClrLst/>
+    <dgm:txLinClrLst/>
+    <dgm:txFillClrLst meth="repeat">
+      <a:schemeClr val="tx1"/>
+    </dgm:txFillClrLst>
+    <dgm:txEffectClrLst/>
+  </dgm:styleLbl>
+  <dgm:styleLbl name="parChTrans1D2">
+    <dgm:fillClrLst meth="repeat">
+      <a:schemeClr val="accent1"/>
+    </dgm:fillClrLst>
+    <dgm:linClrLst meth="repeat">
+      <a:schemeClr val="accent1">
+        <a:shade val="60000"/>
+      </a:schemeClr>
+    </dgm:linClrLst>
+    <dgm:effectClrLst/>
+    <dgm:txLinClrLst/>
+    <dgm:txFillClrLst meth="repeat">
+      <a:schemeClr val="tx1"/>
+    </dgm:txFillClrLst>
+    <dgm:txEffectClrLst/>
+  </dgm:styleLbl>
+  <dgm:styleLbl name="parChTrans1D3">
+    <dgm:fillClrLst meth="repeat">
+      <a:schemeClr val="accent1"/>
+    </dgm:fillClrLst>
+    <dgm:linClrLst meth="repeat">
+      <a:schemeClr val="accent1">
+        <a:shade val="80000"/>
+      </a:schemeClr>
+    </dgm:linClrLst>
+    <dgm:effectClrLst/>
+    <dgm:txLinClrLst/>
+    <dgm:txFillClrLst meth="repeat">
+      <a:schemeClr val="tx1"/>
+    </dgm:txFillClrLst>
+    <dgm:txEffectClrLst/>
+  </dgm:styleLbl>
+  <dgm:styleLbl name="parChTrans1D4">
+    <dgm:fillClrLst meth="repeat">
+      <a:schemeClr val="accent1"/>
+    </dgm:fillClrLst>
+    <dgm:linClrLst meth="repeat">
+      <a:schemeClr val="accent1">
+        <a:shade val="80000"/>
+      </a:schemeClr>
+    </dgm:linClrLst>
+    <dgm:effectClrLst/>
+    <dgm:txLinClrLst/>
+    <dgm:txFillClrLst meth="repeat">
+      <a:schemeClr val="tx1"/>
+    </dgm:txFillClrLst>
+    <dgm:txEffectClrLst/>
+  </dgm:styleLbl>
+  <dgm:styleLbl name="fgAcc1">
+    <dgm:fillClrLst meth="repeat">
+      <a:schemeClr val="lt1">
+        <a:alpha val="90000"/>
+      </a:schemeClr>
+    </dgm:fillClrLst>
+    <dgm:linClrLst meth="repeat">
+      <a:schemeClr val="accent1"/>
+    </dgm:linClrLst>
+    <dgm:effectClrLst/>
+    <dgm:txLinClrLst/>
+    <dgm:txFillClrLst meth="repeat">
+      <a:schemeClr val="dk1"/>
+    </dgm:txFillClrLst>
+    <dgm:txEffectClrLst/>
+  </dgm:styleLbl>
+  <dgm:styleLbl name="conFgAcc1">
+    <dgm:fillClrLst meth="repeat">
+      <a:schemeClr val="lt1">
+        <a:alpha val="90000"/>
+      </a:schemeClr>
+    </dgm:fillClrLst>
+    <dgm:linClrLst meth="repeat">
+      <a:schemeClr val="accent1"/>
+    </dgm:linClrLst>
+    <dgm:effectClrLst/>
+    <dgm:txLinClrLst/>
+    <dgm:txFillClrLst meth="repeat">
+      <a:schemeClr val="dk1"/>
+    </dgm:txFillClrLst>
+    <dgm:txEffectClrLst/>
+  </dgm:styleLbl>
+  <dgm:styleLbl name="alignAcc1">
+    <dgm:fillClrLst meth="repeat">
+      <a:schemeClr val="lt1">
+        <a:alpha val="90000"/>
+      </a:schemeClr>
+    </dgm:fillClrLst>
+    <dgm:linClrLst meth="repeat">
+      <a:schemeClr val="accent1"/>
+    </dgm:linClrLst>
+    <dgm:effectClrLst/>
+    <dgm:txLinClrLst/>
+    <dgm:txFillClrLst meth="repeat">
+      <a:schemeClr val="dk1"/>
+    </dgm:txFillClrLst>
+    <dgm:txEffectClrLst/>
+  </dgm:styleLbl>
+  <dgm:styleLbl name="trAlignAcc1">
+    <dgm:fillClrLst meth="repeat">
+      <a:schemeClr val="lt1">
+        <a:alpha val="40000"/>
+      </a:schemeClr>
+    </dgm:fillClrLst>
+    <dgm:linClrLst meth="repeat">
+      <a:schemeClr val="accent1"/>
+    </dgm:linClrLst>
+    <dgm:effectClrLst/>
+    <dgm:txLinClrLst/>
+    <dgm:txFillClrLst meth="repeat">
+      <a:schemeClr val="dk1"/>
+    </dgm:txFillClrLst>
+    <dgm:txEffectClrLst/>
+  </dgm:styleLbl>
+  <dgm:styleLbl name="bgAcc1">
+    <dgm:fillClrLst meth="repeat">
+      <a:schemeClr val="lt1">
+        <a:alpha val="90000"/>
+      </a:schemeClr>
+    </dgm:fillClrLst>
+    <dgm:linClrLst meth="repeat">
+      <a:schemeClr val="accent1"/>
+    </dgm:linClrLst>
+    <dgm:effectClrLst/>
+    <dgm:txLinClrLst/>
+    <dgm:txFillClrLst meth="repeat">
+      <a:schemeClr val="dk1"/>
+    </dgm:txFillClrLst>
+    <dgm:txEffectClrLst/>
+  </dgm:styleLbl>
+  <dgm:styleLbl name="solidFgAcc1">
+    <dgm:fillClrLst meth="repeat">
+      <a:schemeClr val="lt1"/>
+    </dgm:fillClrLst>
+    <dgm:linClrLst meth="repeat">
+      <a:schemeClr val="accent1"/>
+    </dgm:linClrLst>
+    <dgm:effectClrLst/>
+    <dgm:txLinClrLst/>
+    <dgm:txFillClrLst meth="repeat">
+      <a:schemeClr val="dk1"/>
+    </dgm:txFillClrLst>
+    <dgm:txEffectClrLst/>
+  </dgm:styleLbl>
+  <dgm:styleLbl name="solidAlignAcc1">
+    <dgm:fillClrLst meth="repeat">
+      <a:schemeClr val="lt1"/>
+    </dgm:fillClrLst>
+    <dgm:linClrLst meth="repeat">
+      <a:schemeClr val="accent1"/>
+    </dgm:linClrLst>
+    <dgm:effectClrLst/>
+    <dgm:txLinClrLst/>
+    <dgm:txFillClrLst meth="repeat">
+      <a:schemeClr val="dk1"/>
+    </dgm:txFillClrLst>
+    <dgm:txEffectClrLst/>
+  </dgm:styleLbl>
+  <dgm:styleLbl name="solidBgAcc1">
+    <dgm:fillClrLst meth="repeat">
+      <a:schemeClr val="lt1"/>
+    </dgm:fillClrLst>
+    <dgm:linClrLst meth="repeat">
+      <a:schemeClr val="accent1"/>
+    </dgm:linClrLst>
+    <dgm:effectClrLst/>
+    <dgm:txLinClrLst/>
+    <dgm:txFillClrLst meth="repeat">
+      <a:schemeClr val="dk1"/>
+    </dgm:txFillClrLst>
+    <dgm:txEffectClrLst/>
+  </dgm:styleLbl>
+  <dgm:styleLbl name="fgAccFollowNode1">
+    <dgm:fillClrLst meth="repeat">
+      <a:schemeClr val="accent1">
+        <a:alpha val="90000"/>
+        <a:tint val="40000"/>
+      </a:schemeClr>
+    </dgm:fillClrLst>
+    <dgm:linClrLst meth="repeat">
+      <a:schemeClr val="accent1">
+        <a:alpha val="90000"/>
+        <a:tint val="40000"/>
+      </a:schemeClr>
+    </dgm:linClrLst>
+    <dgm:effectClrLst/>
+    <dgm:txLinClrLst/>
+    <dgm:txFillClrLst meth="repeat">
+      <a:schemeClr val="dk1"/>
+    </dgm:txFillClrLst>
+    <dgm:txEffectClrLst/>
+  </dgm:styleLbl>
+  <dgm:styleLbl name="alignAccFollowNode1">
+    <dgm:fillClrLst meth="repeat">
+      <a:schemeClr val="accent1">
+        <a:alpha val="90000"/>
+        <a:tint val="40000"/>
+      </a:schemeClr>
+    </dgm:fillClrLst>
+    <dgm:linClrLst meth="repeat">
+      <a:schemeClr val="accent1">
+        <a:alpha val="90000"/>
+        <a:tint val="40000"/>
+      </a:schemeClr>
+    </dgm:linClrLst>
+    <dgm:effectClrLst/>
+    <dgm:txLinClrLst/>
+    <dgm:txFillClrLst meth="repeat">
+      <a:schemeClr val="dk1"/>
+    </dgm:txFillClrLst>
+    <dgm:txEffectClrLst/>
+  </dgm:styleLbl>
+  <dgm:styleLbl name="bgAccFollowNode1">
+    <dgm:fillClrLst meth="repeat">
+      <a:schemeClr val="accent1">
+        <a:alpha val="90000"/>
+        <a:tint val="40000"/>
+      </a:schemeClr>
+    </dgm:fillClrLst>
+    <dgm:linClrLst meth="repeat">
+      <a:schemeClr val="accent1">
+        <a:alpha val="90000"/>
+        <a:tint val="40000"/>
+      </a:schemeClr>
+    </dgm:linClrLst>
+    <dgm:effectClrLst/>
+    <dgm:txLinClrLst/>
+    <dgm:txFillClrLst meth="repeat">
+      <a:schemeClr val="dk1"/>
+    </dgm:txFillClrLst>
+    <dgm:txEffectClrLst/>
+  </dgm:styleLbl>
+  <dgm:styleLbl name="fgAcc0">
+    <dgm:fillClrLst meth="repeat">
+      <a:schemeClr val="lt1">
+        <a:alpha val="90000"/>
+      </a:schemeClr>
+    </dgm:fillClrLst>
+    <dgm:linClrLst meth="repeat">
+      <a:schemeClr val="accent1"/>
+    </dgm:linClrLst>
+    <dgm:effectClrLst/>
+    <dgm:txLinClrLst/>
+    <dgm:txFillClrLst meth="repeat">
+      <a:schemeClr val="dk1"/>
+    </dgm:txFillClrLst>
+    <dgm:txEffectClrLst/>
+  </dgm:styleLbl>
+  <dgm:styleLbl name="fgAcc2">
+    <dgm:fillClrLst meth="repeat">
+      <a:schemeClr val="lt1">
+        <a:alpha val="90000"/>
+      </a:schemeClr>
+    </dgm:fillClrLst>
+    <dgm:linClrLst meth="repeat">
+      <a:schemeClr val="accent1"/>
+    </dgm:linClrLst>
+    <dgm:effectClrLst/>
+    <dgm:txLinClrLst/>
+    <dgm:txFillClrLst meth="repeat">
+      <a:schemeClr val="dk1"/>
+    </dgm:txFillClrLst>
+    <dgm:txEffectClrLst/>
+  </dgm:styleLbl>
+  <dgm:styleLbl name="fgAcc3">
+    <dgm:fillClrLst meth="repeat">
+      <a:schemeClr val="lt1">
+        <a:alpha val="90000"/>
+      </a:schemeClr>
+    </dgm:fillClrLst>
+    <dgm:linClrLst meth="repeat">
+      <a:schemeClr val="accent1"/>
+    </dgm:linClrLst>
+    <dgm:effectClrLst/>
+    <dgm:txLinClrLst/>
+    <dgm:txFillClrLst meth="repeat">
+      <a:schemeClr val="dk1"/>
+    </dgm:txFillClrLst>
+    <dgm:txEffectClrLst/>
+  </dgm:styleLbl>
+  <dgm:styleLbl name="fgAcc4">
+    <dgm:fillClrLst meth="repeat">
+      <a:schemeClr val="lt1">
+        <a:alpha val="90000"/>
+      </a:schemeClr>
+    </dgm:fillClrLst>
+    <dgm:linClrLst meth="repeat">
+      <a:schemeClr val="accent1"/>
+    </dgm:linClrLst>
+    <dgm:effectClrLst/>
+    <dgm:txLinClrLst/>
+    <dgm:txFillClrLst meth="repeat">
+      <a:schemeClr val="dk1"/>
+    </dgm:txFillClrLst>
+    <dgm:txEffectClrLst/>
+  </dgm:styleLbl>
+  <dgm:styleLbl name="bgShp">
+    <dgm:fillClrLst meth="repeat">
+      <a:schemeClr val="accent1">
+        <a:tint val="40000"/>
+      </a:schemeClr>
+    </dgm:fillClrLst>
+    <dgm:linClrLst meth="repeat">
+      <a:schemeClr val="accent1"/>
+    </dgm:linClrLst>
+    <dgm:effectClrLst/>
+    <dgm:txLinClrLst/>
+    <dgm:txFillClrLst meth="repeat">
+      <a:schemeClr val="dk1"/>
+    </dgm:txFillClrLst>
+    <dgm:txEffectClrLst/>
+  </dgm:styleLbl>
+  <dgm:styleLbl name="dkBgShp">
+    <dgm:fillClrLst meth="repeat">
+      <a:schemeClr val="accent1">
+        <a:shade val="80000"/>
+      </a:schemeClr>
+    </dgm:fillClrLst>
+    <dgm:linClrLst meth="repeat">
+      <a:schemeClr val="accent1"/>
+    </dgm:linClrLst>
+    <dgm:effectClrLst/>
+    <dgm:txLinClrLst/>
+    <dgm:txFillClrLst meth="repeat">
+      <a:schemeClr val="lt1"/>
+    </dgm:txFillClrLst>
+    <dgm:txEffectClrLst/>
+  </dgm:styleLbl>
+  <dgm:styleLbl name="trBgShp">
+    <dgm:fillClrLst meth="repeat">
+      <a:schemeClr val="accent1">
+        <a:tint val="50000"/>
+        <a:alpha val="40000"/>
+      </a:schemeClr>
+    </dgm:fillClrLst>
+    <dgm:linClrLst meth="repeat">
+      <a:schemeClr val="accent1"/>
+    </dgm:linClrLst>
+    <dgm:effectClrLst/>
+    <dgm:txLinClrLst/>
+    <dgm:txFillClrLst meth="repeat">
+      <a:schemeClr val="lt1"/>
+    </dgm:txFillClrLst>
+    <dgm:txEffectClrLst/>
+  </dgm:styleLbl>
+  <dgm:styleLbl name="fgShp">
+    <dgm:fillClrLst meth="repeat">
+      <a:schemeClr val="accent1">
+        <a:tint val="60000"/>
+      </a:schemeClr>
+    </dgm:fillClrLst>
+    <dgm:linClrLst meth="repeat">
+      <a:schemeClr val="lt1"/>
+    </dgm:linClrLst>
+    <dgm:effectClrLst/>
+    <dgm:txLinClrLst/>
+    <dgm:txFillClrLst meth="repeat">
+      <a:schemeClr val="dk1"/>
+    </dgm:txFillClrLst>
+    <dgm:txEffectClrLst/>
+  </dgm:styleLbl>
+  <dgm:styleLbl name="revTx">
+    <dgm:fillClrLst meth="repeat">
+      <a:schemeClr val="lt1">
+        <a:alpha val="0"/>
+      </a:schemeClr>
+    </dgm:fillClrLst>
+    <dgm:linClrLst meth="repeat">
+      <a:schemeClr val="dk1">
+        <a:alpha val="0"/>
+      </a:schemeClr>
+    </dgm:linClrLst>
+    <dgm:effectClrLst/>
+    <dgm:txLinClrLst/>
+    <dgm:txFillClrLst meth="repeat">
+      <a:schemeClr val="tx1"/>
+    </dgm:txFillClrLst>
+    <dgm:txEffectClrLst/>
+  </dgm:styleLbl>
+</dgm:colorsDef>
+</file>
+
+<file path=ppt/diagrams/colors3.xml><?xml version="1.0" encoding="utf-8"?>
 <dgm:colorsDef xmlns:dgm="http://schemas.openxmlformats.org/drawingml/2006/diagram" xmlns:a="http://schemas.openxmlformats.org/drawingml/2006/main" uniqueId="urn:microsoft.com/office/officeart/2005/8/colors/accent1_2">
   <dgm:title val=""/>
   <dgm:desc val=""/>
@@ -3321,6 +2504,13 @@
         </dgm:presLayoutVars>
       </dgm:prSet>
       <dgm:spPr/>
+      <dgm:t>
+        <a:bodyPr/>
+        <a:lstStyle/>
+        <a:p>
+          <a:endParaRPr lang="en-US"/>
+        </a:p>
+      </dgm:t>
     </dgm:pt>
     <dgm:pt modelId="{E593FEC8-BCEB-DE44-A14A-A83AD246DC36}" type="pres">
       <dgm:prSet presAssocID="{52581020-7890-3F44-A890-F28A5D7C48EE}" presName="spacerL" presStyleCnt="0"/>
@@ -3329,6 +2519,13 @@
     <dgm:pt modelId="{18946B4B-5698-EE42-BF7D-125F7E2EE693}" type="pres">
       <dgm:prSet presAssocID="{52581020-7890-3F44-A890-F28A5D7C48EE}" presName="sibTrans" presStyleLbl="sibTrans2D1" presStyleIdx="0" presStyleCnt="2"/>
       <dgm:spPr/>
+      <dgm:t>
+        <a:bodyPr/>
+        <a:lstStyle/>
+        <a:p>
+          <a:endParaRPr lang="en-US"/>
+        </a:p>
+      </dgm:t>
     </dgm:pt>
     <dgm:pt modelId="{D57F461E-2841-0043-8022-AE7728F1D7C8}" type="pres">
       <dgm:prSet presAssocID="{52581020-7890-3F44-A890-F28A5D7C48EE}" presName="spacerR" presStyleCnt="0"/>
@@ -3341,6 +2538,13 @@
         </dgm:presLayoutVars>
       </dgm:prSet>
       <dgm:spPr/>
+      <dgm:t>
+        <a:bodyPr/>
+        <a:lstStyle/>
+        <a:p>
+          <a:endParaRPr lang="en-US"/>
+        </a:p>
+      </dgm:t>
     </dgm:pt>
     <dgm:pt modelId="{7280A87B-792D-AD4C-B3A0-0DA4C77CADC7}" type="pres">
       <dgm:prSet presAssocID="{AE93453B-BDEF-3F41-A688-9C1D0BDFC101}" presName="spacerL" presStyleCnt="0"/>
@@ -3349,6 +2553,13 @@
     <dgm:pt modelId="{6B50A6D9-45B4-3F46-BD8C-8FD4F037326E}" type="pres">
       <dgm:prSet presAssocID="{AE93453B-BDEF-3F41-A688-9C1D0BDFC101}" presName="sibTrans" presStyleLbl="sibTrans2D1" presStyleIdx="1" presStyleCnt="2"/>
       <dgm:spPr/>
+      <dgm:t>
+        <a:bodyPr/>
+        <a:lstStyle/>
+        <a:p>
+          <a:endParaRPr lang="en-US"/>
+        </a:p>
+      </dgm:t>
     </dgm:pt>
     <dgm:pt modelId="{5FE3FEB3-1C39-C441-8F51-FBCAAB49843D}" type="pres">
       <dgm:prSet presAssocID="{AE93453B-BDEF-3F41-A688-9C1D0BDFC101}" presName="spacerR" presStyleCnt="0"/>
@@ -3361,18 +2572,25 @@
         </dgm:presLayoutVars>
       </dgm:prSet>
       <dgm:spPr/>
+      <dgm:t>
+        <a:bodyPr/>
+        <a:lstStyle/>
+        <a:p>
+          <a:endParaRPr lang="en-US"/>
+        </a:p>
+      </dgm:t>
     </dgm:pt>
   </dgm:ptLst>
   <dgm:cxnLst>
+    <dgm:cxn modelId="{CCA996A1-318D-6A4E-9533-A889880CD802}" type="presOf" srcId="{12F8EC89-9055-B44A-8103-35A5BB780004}" destId="{F28CD827-FC40-8246-A2E4-C239FDC84363}" srcOrd="0" destOrd="0" presId="urn:microsoft.com/office/officeart/2005/8/layout/equation1"/>
+    <dgm:cxn modelId="{F1D9183F-6CC0-5C49-9506-C2A06D716479}" type="presOf" srcId="{237340D4-3905-E742-967B-2D399DDE7B9D}" destId="{144F6ED5-83E9-D349-A69D-DDB49626C033}" srcOrd="0" destOrd="0" presId="urn:microsoft.com/office/officeart/2005/8/layout/equation1"/>
+    <dgm:cxn modelId="{C10A37B4-07A5-6B4B-9773-5433DD659C3E}" srcId="{12F8EC89-9055-B44A-8103-35A5BB780004}" destId="{B3D8F302-9F8D-C443-81F3-D402632C7C4E}" srcOrd="0" destOrd="0" parTransId="{543DBF88-A80C-9B4F-BE64-500F33EA36C5}" sibTransId="{52581020-7890-3F44-A890-F28A5D7C48EE}"/>
+    <dgm:cxn modelId="{470CD5AB-24CD-E64A-9138-9CC6F7D4BCBB}" type="presOf" srcId="{0D81BDE3-1AE1-FC4D-B7B7-56DB92939268}" destId="{971E74A1-0580-4041-A710-FD96FCC106BA}" srcOrd="0" destOrd="0" presId="urn:microsoft.com/office/officeart/2005/8/layout/equation1"/>
+    <dgm:cxn modelId="{4051E3A6-A983-B14A-8C65-AD145A7FCAC4}" srcId="{12F8EC89-9055-B44A-8103-35A5BB780004}" destId="{0D81BDE3-1AE1-FC4D-B7B7-56DB92939268}" srcOrd="1" destOrd="0" parTransId="{496194B7-CAF8-8049-B9DD-F70E01C11781}" sibTransId="{AE93453B-BDEF-3F41-A688-9C1D0BDFC101}"/>
+    <dgm:cxn modelId="{B5BC2AAF-45F7-4242-A2B4-41B71E7B0F80}" type="presOf" srcId="{AE93453B-BDEF-3F41-A688-9C1D0BDFC101}" destId="{6B50A6D9-45B4-3F46-BD8C-8FD4F037326E}" srcOrd="0" destOrd="0" presId="urn:microsoft.com/office/officeart/2005/8/layout/equation1"/>
     <dgm:cxn modelId="{746AC977-2FBB-B944-A985-B2B7D6DFBFE8}" srcId="{12F8EC89-9055-B44A-8103-35A5BB780004}" destId="{237340D4-3905-E742-967B-2D399DDE7B9D}" srcOrd="2" destOrd="0" parTransId="{791E0C17-6D90-F945-A04E-4D5EE65E1E04}" sibTransId="{124FC874-D43D-3A4D-B133-A075A1BEA960}"/>
-    <dgm:cxn modelId="{B5BC2AAF-45F7-4242-A2B4-41B71E7B0F80}" type="presOf" srcId="{AE93453B-BDEF-3F41-A688-9C1D0BDFC101}" destId="{6B50A6D9-45B4-3F46-BD8C-8FD4F037326E}" srcOrd="0" destOrd="0" presId="urn:microsoft.com/office/officeart/2005/8/layout/equation1"/>
-    <dgm:cxn modelId="{CCA996A1-318D-6A4E-9533-A889880CD802}" type="presOf" srcId="{12F8EC89-9055-B44A-8103-35A5BB780004}" destId="{F28CD827-FC40-8246-A2E4-C239FDC84363}" srcOrd="0" destOrd="0" presId="urn:microsoft.com/office/officeart/2005/8/layout/equation1"/>
-    <dgm:cxn modelId="{470CD5AB-24CD-E64A-9138-9CC6F7D4BCBB}" type="presOf" srcId="{0D81BDE3-1AE1-FC4D-B7B7-56DB92939268}" destId="{971E74A1-0580-4041-A710-FD96FCC106BA}" srcOrd="0" destOrd="0" presId="urn:microsoft.com/office/officeart/2005/8/layout/equation1"/>
+    <dgm:cxn modelId="{D0F2FF4F-5E62-C149-96C6-B2A0B97B5C37}" type="presOf" srcId="{B3D8F302-9F8D-C443-81F3-D402632C7C4E}" destId="{E3D25776-1101-4745-922A-FD7D5802F9C5}" srcOrd="0" destOrd="0" presId="urn:microsoft.com/office/officeart/2005/8/layout/equation1"/>
     <dgm:cxn modelId="{0729E7FA-A2CB-E749-894A-1A6E415E05BB}" type="presOf" srcId="{52581020-7890-3F44-A890-F28A5D7C48EE}" destId="{18946B4B-5698-EE42-BF7D-125F7E2EE693}" srcOrd="0" destOrd="0" presId="urn:microsoft.com/office/officeart/2005/8/layout/equation1"/>
-    <dgm:cxn modelId="{C10A37B4-07A5-6B4B-9773-5433DD659C3E}" srcId="{12F8EC89-9055-B44A-8103-35A5BB780004}" destId="{B3D8F302-9F8D-C443-81F3-D402632C7C4E}" srcOrd="0" destOrd="0" parTransId="{543DBF88-A80C-9B4F-BE64-500F33EA36C5}" sibTransId="{52581020-7890-3F44-A890-F28A5D7C48EE}"/>
-    <dgm:cxn modelId="{D0F2FF4F-5E62-C149-96C6-B2A0B97B5C37}" type="presOf" srcId="{B3D8F302-9F8D-C443-81F3-D402632C7C4E}" destId="{E3D25776-1101-4745-922A-FD7D5802F9C5}" srcOrd="0" destOrd="0" presId="urn:microsoft.com/office/officeart/2005/8/layout/equation1"/>
-    <dgm:cxn modelId="{4051E3A6-A983-B14A-8C65-AD145A7FCAC4}" srcId="{12F8EC89-9055-B44A-8103-35A5BB780004}" destId="{0D81BDE3-1AE1-FC4D-B7B7-56DB92939268}" srcOrd="1" destOrd="0" parTransId="{496194B7-CAF8-8049-B9DD-F70E01C11781}" sibTransId="{AE93453B-BDEF-3F41-A688-9C1D0BDFC101}"/>
-    <dgm:cxn modelId="{F1D9183F-6CC0-5C49-9506-C2A06D716479}" type="presOf" srcId="{237340D4-3905-E742-967B-2D399DDE7B9D}" destId="{144F6ED5-83E9-D349-A69D-DDB49626C033}" srcOrd="0" destOrd="0" presId="urn:microsoft.com/office/officeart/2005/8/layout/equation1"/>
     <dgm:cxn modelId="{41F2851E-2BE3-DF4F-BA15-D77340503E87}" type="presParOf" srcId="{F28CD827-FC40-8246-A2E4-C239FDC84363}" destId="{E3D25776-1101-4745-922A-FD7D5802F9C5}" srcOrd="0" destOrd="0" presId="urn:microsoft.com/office/officeart/2005/8/layout/equation1"/>
     <dgm:cxn modelId="{115690F5-2B6F-7643-9118-1926E79B092D}" type="presParOf" srcId="{F28CD827-FC40-8246-A2E4-C239FDC84363}" destId="{E593FEC8-BCEB-DE44-A14A-A83AD246DC36}" srcOrd="1" destOrd="0" presId="urn:microsoft.com/office/officeart/2005/8/layout/equation1"/>
     <dgm:cxn modelId="{33AD2CC3-4540-3F4D-8D7E-0F1CC6EA346C}" type="presParOf" srcId="{F28CD827-FC40-8246-A2E4-C239FDC84363}" destId="{18946B4B-5698-EE42-BF7D-125F7E2EE693}" srcOrd="2" destOrd="0" presId="urn:microsoft.com/office/officeart/2005/8/layout/equation1"/>
@@ -3527,6 +2745,13 @@
         </dgm:presLayoutVars>
       </dgm:prSet>
       <dgm:spPr/>
+      <dgm:t>
+        <a:bodyPr/>
+        <a:lstStyle/>
+        <a:p>
+          <a:endParaRPr lang="en-US"/>
+        </a:p>
+      </dgm:t>
     </dgm:pt>
     <dgm:pt modelId="{3359F4C9-6D40-F74D-91A9-8472FF6E5FC8}" type="pres">
       <dgm:prSet presAssocID="{61155215-847E-C247-95E9-1BC8D0460B9C}" presName="spacerL" presStyleCnt="0"/>
@@ -3535,6 +2760,13 @@
     <dgm:pt modelId="{E6769C0B-A474-554E-BB93-553F177AD04C}" type="pres">
       <dgm:prSet presAssocID="{61155215-847E-C247-95E9-1BC8D0460B9C}" presName="sibTrans" presStyleLbl="sibTrans2D1" presStyleIdx="0" presStyleCnt="2"/>
       <dgm:spPr/>
+      <dgm:t>
+        <a:bodyPr/>
+        <a:lstStyle/>
+        <a:p>
+          <a:endParaRPr lang="en-US"/>
+        </a:p>
+      </dgm:t>
     </dgm:pt>
     <dgm:pt modelId="{41D87204-D482-8A49-BAA6-3233DC02E60B}" type="pres">
       <dgm:prSet presAssocID="{61155215-847E-C247-95E9-1BC8D0460B9C}" presName="spacerR" presStyleCnt="0"/>
@@ -3547,6 +2779,13 @@
         </dgm:presLayoutVars>
       </dgm:prSet>
       <dgm:spPr/>
+      <dgm:t>
+        <a:bodyPr/>
+        <a:lstStyle/>
+        <a:p>
+          <a:endParaRPr lang="en-US"/>
+        </a:p>
+      </dgm:t>
     </dgm:pt>
     <dgm:pt modelId="{EA9456B2-FADA-034A-A9EA-A754AECAD8B0}" type="pres">
       <dgm:prSet presAssocID="{C2296F04-49F0-5842-865C-E7D6D1C3EC22}" presName="spacerL" presStyleCnt="0"/>
@@ -3555,6 +2794,13 @@
     <dgm:pt modelId="{305B0828-1DCC-1A47-8779-AB147A0258CC}" type="pres">
       <dgm:prSet presAssocID="{C2296F04-49F0-5842-865C-E7D6D1C3EC22}" presName="sibTrans" presStyleLbl="sibTrans2D1" presStyleIdx="1" presStyleCnt="2"/>
       <dgm:spPr/>
+      <dgm:t>
+        <a:bodyPr/>
+        <a:lstStyle/>
+        <a:p>
+          <a:endParaRPr lang="en-US"/>
+        </a:p>
+      </dgm:t>
     </dgm:pt>
     <dgm:pt modelId="{4965C490-381F-9F4C-A75C-84D7A18B7EC7}" type="pres">
       <dgm:prSet presAssocID="{C2296F04-49F0-5842-865C-E7D6D1C3EC22}" presName="spacerR" presStyleCnt="0"/>
@@ -3567,6 +2813,13 @@
         </dgm:presLayoutVars>
       </dgm:prSet>
       <dgm:spPr/>
+      <dgm:t>
+        <a:bodyPr/>
+        <a:lstStyle/>
+        <a:p>
+          <a:endParaRPr lang="en-US"/>
+        </a:p>
+      </dgm:t>
     </dgm:pt>
   </dgm:ptLst>
   <dgm:cxnLst>
@@ -3599,6 +2852,262 @@
 </dgm:dataModel>
 </file>
 
+<file path=ppt/diagrams/data3.xml><?xml version="1.0" encoding="utf-8"?>
+<dgm:dataModel xmlns:dgm="http://schemas.openxmlformats.org/drawingml/2006/diagram" xmlns:a="http://schemas.openxmlformats.org/drawingml/2006/main">
+  <dgm:ptLst>
+    <dgm:pt modelId="{B024D95A-30B9-CC45-A1BF-CB200818752E}" type="doc">
+      <dgm:prSet loTypeId="urn:microsoft.com/office/officeart/2005/8/layout/hierarchy1" loCatId="" qsTypeId="urn:microsoft.com/office/officeart/2005/8/quickstyle/simple4" qsCatId="simple" csTypeId="urn:microsoft.com/office/officeart/2005/8/colors/accent1_2" csCatId="accent1" phldr="1"/>
+      <dgm:spPr/>
+      <dgm:t>
+        <a:bodyPr/>
+        <a:lstStyle/>
+        <a:p>
+          <a:endParaRPr lang="en-US"/>
+        </a:p>
+      </dgm:t>
+    </dgm:pt>
+    <dgm:pt modelId="{3ADB2364-75C2-C745-9BC3-13A12D772BEB}">
+      <dgm:prSet phldrT="[Text]"/>
+      <dgm:spPr/>
+      <dgm:t>
+        <a:bodyPr/>
+        <a:lstStyle/>
+        <a:p>
+          <a:r>
+            <a:rPr lang="en-US" dirty="0" smtClean="0"/>
+            <a:t>Stance Model</a:t>
+          </a:r>
+          <a:endParaRPr lang="en-US" dirty="0"/>
+        </a:p>
+      </dgm:t>
+    </dgm:pt>
+    <dgm:pt modelId="{8C23E21C-25AB-AE41-8239-4C674B1ED7BE}" type="parTrans" cxnId="{A700A1F6-A99E-3246-9304-273C51249CA1}">
+      <dgm:prSet/>
+      <dgm:spPr/>
+      <dgm:t>
+        <a:bodyPr/>
+        <a:lstStyle/>
+        <a:p>
+          <a:endParaRPr lang="en-US"/>
+        </a:p>
+      </dgm:t>
+    </dgm:pt>
+    <dgm:pt modelId="{36050D71-4E75-914B-85C7-CB4DB1D04B76}" type="sibTrans" cxnId="{A700A1F6-A99E-3246-9304-273C51249CA1}">
+      <dgm:prSet/>
+      <dgm:spPr/>
+      <dgm:t>
+        <a:bodyPr/>
+        <a:lstStyle/>
+        <a:p>
+          <a:endParaRPr lang="en-US"/>
+        </a:p>
+      </dgm:t>
+    </dgm:pt>
+    <dgm:pt modelId="{BC2D6196-ED7D-594B-BCA9-A4FE367784DD}">
+      <dgm:prSet phldrT="[Text]"/>
+      <dgm:spPr/>
+      <dgm:t>
+        <a:bodyPr/>
+        <a:lstStyle/>
+        <a:p>
+          <a:r>
+            <a:rPr lang="en-US" dirty="0" smtClean="0"/>
+            <a:t>Fashion Model</a:t>
+          </a:r>
+          <a:endParaRPr lang="en-US" dirty="0"/>
+        </a:p>
+      </dgm:t>
+    </dgm:pt>
+    <dgm:pt modelId="{F7A25E7A-364E-604E-90E2-1FAA4674CF52}" type="parTrans" cxnId="{97B6ED9A-FDA4-AA42-A5CC-80FAE1C936D6}">
+      <dgm:prSet/>
+      <dgm:spPr/>
+      <dgm:t>
+        <a:bodyPr/>
+        <a:lstStyle/>
+        <a:p>
+          <a:endParaRPr lang="en-US"/>
+        </a:p>
+      </dgm:t>
+    </dgm:pt>
+    <dgm:pt modelId="{D6C077F7-FF0C-5845-B901-CF64FFA40C32}" type="sibTrans" cxnId="{97B6ED9A-FDA4-AA42-A5CC-80FAE1C936D6}">
+      <dgm:prSet/>
+      <dgm:spPr/>
+      <dgm:t>
+        <a:bodyPr/>
+        <a:lstStyle/>
+        <a:p>
+          <a:endParaRPr lang="en-US"/>
+        </a:p>
+      </dgm:t>
+    </dgm:pt>
+    <dgm:pt modelId="{78C9BB4D-2AB5-C84F-9A74-3661421ED247}">
+      <dgm:prSet phldrT="[Text]"/>
+      <dgm:spPr/>
+      <dgm:t>
+        <a:bodyPr/>
+        <a:lstStyle/>
+        <a:p>
+          <a:r>
+            <a:rPr lang="en-US" dirty="0" smtClean="0"/>
+            <a:t>Finance Model</a:t>
+          </a:r>
+          <a:endParaRPr lang="en-US" dirty="0"/>
+        </a:p>
+      </dgm:t>
+    </dgm:pt>
+    <dgm:pt modelId="{17885A37-9EE6-794A-AD29-C80177E32105}" type="parTrans" cxnId="{02B73BF9-2BF5-3B4A-A1E0-9A5956806A18}">
+      <dgm:prSet/>
+      <dgm:spPr/>
+      <dgm:t>
+        <a:bodyPr/>
+        <a:lstStyle/>
+        <a:p>
+          <a:endParaRPr lang="en-US"/>
+        </a:p>
+      </dgm:t>
+    </dgm:pt>
+    <dgm:pt modelId="{6CE4C160-E81E-2C44-A195-46B7F063FA27}" type="sibTrans" cxnId="{02B73BF9-2BF5-3B4A-A1E0-9A5956806A18}">
+      <dgm:prSet/>
+      <dgm:spPr/>
+      <dgm:t>
+        <a:bodyPr/>
+        <a:lstStyle/>
+        <a:p>
+          <a:endParaRPr lang="en-US"/>
+        </a:p>
+      </dgm:t>
+    </dgm:pt>
+    <dgm:pt modelId="{38C370E5-6B60-FD4D-93CB-9632EEC07773}" type="pres">
+      <dgm:prSet presAssocID="{B024D95A-30B9-CC45-A1BF-CB200818752E}" presName="hierChild1" presStyleCnt="0">
+        <dgm:presLayoutVars>
+          <dgm:chPref val="1"/>
+          <dgm:dir/>
+          <dgm:animOne val="branch"/>
+          <dgm:animLvl val="lvl"/>
+          <dgm:resizeHandles/>
+        </dgm:presLayoutVars>
+      </dgm:prSet>
+      <dgm:spPr/>
+    </dgm:pt>
+    <dgm:pt modelId="{6CE9CA63-5451-6A4B-9D32-F72498ED41DA}" type="pres">
+      <dgm:prSet presAssocID="{3ADB2364-75C2-C745-9BC3-13A12D772BEB}" presName="hierRoot1" presStyleCnt="0"/>
+      <dgm:spPr/>
+    </dgm:pt>
+    <dgm:pt modelId="{D191744A-5D06-1D47-93E0-393342349D96}" type="pres">
+      <dgm:prSet presAssocID="{3ADB2364-75C2-C745-9BC3-13A12D772BEB}" presName="composite" presStyleCnt="0"/>
+      <dgm:spPr/>
+    </dgm:pt>
+    <dgm:pt modelId="{7DDF201A-F444-4345-A1A1-AEF2A4BB6A14}" type="pres">
+      <dgm:prSet presAssocID="{3ADB2364-75C2-C745-9BC3-13A12D772BEB}" presName="background" presStyleLbl="node0" presStyleIdx="0" presStyleCnt="1"/>
+      <dgm:spPr/>
+    </dgm:pt>
+    <dgm:pt modelId="{5C240A09-E82C-5140-AFCF-7A220B9DE7F1}" type="pres">
+      <dgm:prSet presAssocID="{3ADB2364-75C2-C745-9BC3-13A12D772BEB}" presName="text" presStyleLbl="fgAcc0" presStyleIdx="0" presStyleCnt="1" custLinFactNeighborX="895" custLinFactNeighborY="-115">
+        <dgm:presLayoutVars>
+          <dgm:chPref val="3"/>
+        </dgm:presLayoutVars>
+      </dgm:prSet>
+      <dgm:spPr/>
+    </dgm:pt>
+    <dgm:pt modelId="{2D95F9D5-1B6D-D74C-8A20-32279FBFF6CC}" type="pres">
+      <dgm:prSet presAssocID="{3ADB2364-75C2-C745-9BC3-13A12D772BEB}" presName="hierChild2" presStyleCnt="0"/>
+      <dgm:spPr/>
+    </dgm:pt>
+    <dgm:pt modelId="{55CABC5F-D9AF-D242-8035-6C3F837FDFF8}" type="pres">
+      <dgm:prSet presAssocID="{F7A25E7A-364E-604E-90E2-1FAA4674CF52}" presName="Name10" presStyleLbl="parChTrans1D2" presStyleIdx="0" presStyleCnt="2"/>
+      <dgm:spPr/>
+    </dgm:pt>
+    <dgm:pt modelId="{BBB76A66-55E1-FF46-9B3D-4A0480CE3374}" type="pres">
+      <dgm:prSet presAssocID="{BC2D6196-ED7D-594B-BCA9-A4FE367784DD}" presName="hierRoot2" presStyleCnt="0"/>
+      <dgm:spPr/>
+    </dgm:pt>
+    <dgm:pt modelId="{7ED4B132-DC36-3D4E-927C-09758CA49FB6}" type="pres">
+      <dgm:prSet presAssocID="{BC2D6196-ED7D-594B-BCA9-A4FE367784DD}" presName="composite2" presStyleCnt="0"/>
+      <dgm:spPr/>
+    </dgm:pt>
+    <dgm:pt modelId="{4BD93975-27E9-B749-8B06-4136446FD7FC}" type="pres">
+      <dgm:prSet presAssocID="{BC2D6196-ED7D-594B-BCA9-A4FE367784DD}" presName="background2" presStyleLbl="node2" presStyleIdx="0" presStyleCnt="2"/>
+      <dgm:spPr/>
+    </dgm:pt>
+    <dgm:pt modelId="{8B3CDEA6-B010-B64B-B61A-A8819C5E7316}" type="pres">
+      <dgm:prSet presAssocID="{BC2D6196-ED7D-594B-BCA9-A4FE367784DD}" presName="text2" presStyleLbl="fgAcc2" presStyleIdx="0" presStyleCnt="2">
+        <dgm:presLayoutVars>
+          <dgm:chPref val="3"/>
+        </dgm:presLayoutVars>
+      </dgm:prSet>
+      <dgm:spPr/>
+    </dgm:pt>
+    <dgm:pt modelId="{04011833-D140-9741-9F80-F4F1A2B2645A}" type="pres">
+      <dgm:prSet presAssocID="{BC2D6196-ED7D-594B-BCA9-A4FE367784DD}" presName="hierChild3" presStyleCnt="0"/>
+      <dgm:spPr/>
+    </dgm:pt>
+    <dgm:pt modelId="{7D5694B7-AC48-D14A-A9D0-4DDDD76A1177}" type="pres">
+      <dgm:prSet presAssocID="{17885A37-9EE6-794A-AD29-C80177E32105}" presName="Name10" presStyleLbl="parChTrans1D2" presStyleIdx="1" presStyleCnt="2"/>
+      <dgm:spPr/>
+    </dgm:pt>
+    <dgm:pt modelId="{C33FA435-0642-F84F-A048-714EB8A496CD}" type="pres">
+      <dgm:prSet presAssocID="{78C9BB4D-2AB5-C84F-9A74-3661421ED247}" presName="hierRoot2" presStyleCnt="0"/>
+      <dgm:spPr/>
+    </dgm:pt>
+    <dgm:pt modelId="{D858400C-3268-0646-A809-754DBD7441ED}" type="pres">
+      <dgm:prSet presAssocID="{78C9BB4D-2AB5-C84F-9A74-3661421ED247}" presName="composite2" presStyleCnt="0"/>
+      <dgm:spPr/>
+    </dgm:pt>
+    <dgm:pt modelId="{8BD90299-E781-D740-A958-4F92A6A6E35B}" type="pres">
+      <dgm:prSet presAssocID="{78C9BB4D-2AB5-C84F-9A74-3661421ED247}" presName="background2" presStyleLbl="node2" presStyleIdx="1" presStyleCnt="2"/>
+      <dgm:spPr/>
+    </dgm:pt>
+    <dgm:pt modelId="{B3115A6C-A995-C84F-90C2-3D4FA9093C93}" type="pres">
+      <dgm:prSet presAssocID="{78C9BB4D-2AB5-C84F-9A74-3661421ED247}" presName="text2" presStyleLbl="fgAcc2" presStyleIdx="1" presStyleCnt="2">
+        <dgm:presLayoutVars>
+          <dgm:chPref val="3"/>
+        </dgm:presLayoutVars>
+      </dgm:prSet>
+      <dgm:spPr/>
+    </dgm:pt>
+    <dgm:pt modelId="{FF3E7589-144C-134F-8ED4-977471249AD0}" type="pres">
+      <dgm:prSet presAssocID="{78C9BB4D-2AB5-C84F-9A74-3661421ED247}" presName="hierChild3" presStyleCnt="0"/>
+      <dgm:spPr/>
+    </dgm:pt>
+  </dgm:ptLst>
+  <dgm:cxnLst>
+    <dgm:cxn modelId="{02B73BF9-2BF5-3B4A-A1E0-9A5956806A18}" srcId="{3ADB2364-75C2-C745-9BC3-13A12D772BEB}" destId="{78C9BB4D-2AB5-C84F-9A74-3661421ED247}" srcOrd="1" destOrd="0" parTransId="{17885A37-9EE6-794A-AD29-C80177E32105}" sibTransId="{6CE4C160-E81E-2C44-A195-46B7F063FA27}"/>
+    <dgm:cxn modelId="{3FB4673A-E00F-CC47-BD27-47C354BC4CAC}" type="presOf" srcId="{3ADB2364-75C2-C745-9BC3-13A12D772BEB}" destId="{5C240A09-E82C-5140-AFCF-7A220B9DE7F1}" srcOrd="0" destOrd="0" presId="urn:microsoft.com/office/officeart/2005/8/layout/hierarchy1"/>
+    <dgm:cxn modelId="{97B6ED9A-FDA4-AA42-A5CC-80FAE1C936D6}" srcId="{3ADB2364-75C2-C745-9BC3-13A12D772BEB}" destId="{BC2D6196-ED7D-594B-BCA9-A4FE367784DD}" srcOrd="0" destOrd="0" parTransId="{F7A25E7A-364E-604E-90E2-1FAA4674CF52}" sibTransId="{D6C077F7-FF0C-5845-B901-CF64FFA40C32}"/>
+    <dgm:cxn modelId="{2E206709-529E-384D-BA27-D30DCAF28C7F}" type="presOf" srcId="{F7A25E7A-364E-604E-90E2-1FAA4674CF52}" destId="{55CABC5F-D9AF-D242-8035-6C3F837FDFF8}" srcOrd="0" destOrd="0" presId="urn:microsoft.com/office/officeart/2005/8/layout/hierarchy1"/>
+    <dgm:cxn modelId="{B670B48D-8C4D-A544-A76B-66213BCBE418}" type="presOf" srcId="{78C9BB4D-2AB5-C84F-9A74-3661421ED247}" destId="{B3115A6C-A995-C84F-90C2-3D4FA9093C93}" srcOrd="0" destOrd="0" presId="urn:microsoft.com/office/officeart/2005/8/layout/hierarchy1"/>
+    <dgm:cxn modelId="{A700A1F6-A99E-3246-9304-273C51249CA1}" srcId="{B024D95A-30B9-CC45-A1BF-CB200818752E}" destId="{3ADB2364-75C2-C745-9BC3-13A12D772BEB}" srcOrd="0" destOrd="0" parTransId="{8C23E21C-25AB-AE41-8239-4C674B1ED7BE}" sibTransId="{36050D71-4E75-914B-85C7-CB4DB1D04B76}"/>
+    <dgm:cxn modelId="{3EF371E0-6A70-0E4F-96D5-629130F99D2F}" type="presOf" srcId="{BC2D6196-ED7D-594B-BCA9-A4FE367784DD}" destId="{8B3CDEA6-B010-B64B-B61A-A8819C5E7316}" srcOrd="0" destOrd="0" presId="urn:microsoft.com/office/officeart/2005/8/layout/hierarchy1"/>
+    <dgm:cxn modelId="{937920C2-04C4-2149-9224-ED746872E283}" type="presOf" srcId="{B024D95A-30B9-CC45-A1BF-CB200818752E}" destId="{38C370E5-6B60-FD4D-93CB-9632EEC07773}" srcOrd="0" destOrd="0" presId="urn:microsoft.com/office/officeart/2005/8/layout/hierarchy1"/>
+    <dgm:cxn modelId="{7918B857-DB32-E44D-A621-93320936067D}" type="presOf" srcId="{17885A37-9EE6-794A-AD29-C80177E32105}" destId="{7D5694B7-AC48-D14A-A9D0-4DDDD76A1177}" srcOrd="0" destOrd="0" presId="urn:microsoft.com/office/officeart/2005/8/layout/hierarchy1"/>
+    <dgm:cxn modelId="{14454BC9-55E9-5044-9D5F-92D44A1223D9}" type="presParOf" srcId="{38C370E5-6B60-FD4D-93CB-9632EEC07773}" destId="{6CE9CA63-5451-6A4B-9D32-F72498ED41DA}" srcOrd="0" destOrd="0" presId="urn:microsoft.com/office/officeart/2005/8/layout/hierarchy1"/>
+    <dgm:cxn modelId="{1C1C6614-21AC-784F-9368-B22853BE8B1D}" type="presParOf" srcId="{6CE9CA63-5451-6A4B-9D32-F72498ED41DA}" destId="{D191744A-5D06-1D47-93E0-393342349D96}" srcOrd="0" destOrd="0" presId="urn:microsoft.com/office/officeart/2005/8/layout/hierarchy1"/>
+    <dgm:cxn modelId="{52E2F944-9DEE-464C-9945-121129BAAAD7}" type="presParOf" srcId="{D191744A-5D06-1D47-93E0-393342349D96}" destId="{7DDF201A-F444-4345-A1A1-AEF2A4BB6A14}" srcOrd="0" destOrd="0" presId="urn:microsoft.com/office/officeart/2005/8/layout/hierarchy1"/>
+    <dgm:cxn modelId="{AFB46DE9-99AC-794D-8572-35A74F23BC34}" type="presParOf" srcId="{D191744A-5D06-1D47-93E0-393342349D96}" destId="{5C240A09-E82C-5140-AFCF-7A220B9DE7F1}" srcOrd="1" destOrd="0" presId="urn:microsoft.com/office/officeart/2005/8/layout/hierarchy1"/>
+    <dgm:cxn modelId="{43F4396B-2C7F-DE48-81E4-71A14EDD7CE7}" type="presParOf" srcId="{6CE9CA63-5451-6A4B-9D32-F72498ED41DA}" destId="{2D95F9D5-1B6D-D74C-8A20-32279FBFF6CC}" srcOrd="1" destOrd="0" presId="urn:microsoft.com/office/officeart/2005/8/layout/hierarchy1"/>
+    <dgm:cxn modelId="{C991F31F-978E-E947-9C22-A241386A652C}" type="presParOf" srcId="{2D95F9D5-1B6D-D74C-8A20-32279FBFF6CC}" destId="{55CABC5F-D9AF-D242-8035-6C3F837FDFF8}" srcOrd="0" destOrd="0" presId="urn:microsoft.com/office/officeart/2005/8/layout/hierarchy1"/>
+    <dgm:cxn modelId="{96BE140A-B766-9240-86D4-1F4260A7B8E3}" type="presParOf" srcId="{2D95F9D5-1B6D-D74C-8A20-32279FBFF6CC}" destId="{BBB76A66-55E1-FF46-9B3D-4A0480CE3374}" srcOrd="1" destOrd="0" presId="urn:microsoft.com/office/officeart/2005/8/layout/hierarchy1"/>
+    <dgm:cxn modelId="{DAD55ED6-3D3C-EE4E-BCD7-7F828DF75518}" type="presParOf" srcId="{BBB76A66-55E1-FF46-9B3D-4A0480CE3374}" destId="{7ED4B132-DC36-3D4E-927C-09758CA49FB6}" srcOrd="0" destOrd="0" presId="urn:microsoft.com/office/officeart/2005/8/layout/hierarchy1"/>
+    <dgm:cxn modelId="{D83BC37A-7252-B145-AFF3-76894E939822}" type="presParOf" srcId="{7ED4B132-DC36-3D4E-927C-09758CA49FB6}" destId="{4BD93975-27E9-B749-8B06-4136446FD7FC}" srcOrd="0" destOrd="0" presId="urn:microsoft.com/office/officeart/2005/8/layout/hierarchy1"/>
+    <dgm:cxn modelId="{9963063C-8F25-3F42-98A2-83F0DC70AA17}" type="presParOf" srcId="{7ED4B132-DC36-3D4E-927C-09758CA49FB6}" destId="{8B3CDEA6-B010-B64B-B61A-A8819C5E7316}" srcOrd="1" destOrd="0" presId="urn:microsoft.com/office/officeart/2005/8/layout/hierarchy1"/>
+    <dgm:cxn modelId="{270FB8FF-BD1D-D743-9AA4-404CF9DD2A44}" type="presParOf" srcId="{BBB76A66-55E1-FF46-9B3D-4A0480CE3374}" destId="{04011833-D140-9741-9F80-F4F1A2B2645A}" srcOrd="1" destOrd="0" presId="urn:microsoft.com/office/officeart/2005/8/layout/hierarchy1"/>
+    <dgm:cxn modelId="{5A4FAB83-2725-C840-BF80-6075E686A05E}" type="presParOf" srcId="{2D95F9D5-1B6D-D74C-8A20-32279FBFF6CC}" destId="{7D5694B7-AC48-D14A-A9D0-4DDDD76A1177}" srcOrd="2" destOrd="0" presId="urn:microsoft.com/office/officeart/2005/8/layout/hierarchy1"/>
+    <dgm:cxn modelId="{F3AEF7EC-F2EE-7443-A7E7-BFA7C25FD5A9}" type="presParOf" srcId="{2D95F9D5-1B6D-D74C-8A20-32279FBFF6CC}" destId="{C33FA435-0642-F84F-A048-714EB8A496CD}" srcOrd="3" destOrd="0" presId="urn:microsoft.com/office/officeart/2005/8/layout/hierarchy1"/>
+    <dgm:cxn modelId="{34F24C60-B47D-7B4C-8ED6-8B14A2F036EE}" type="presParOf" srcId="{C33FA435-0642-F84F-A048-714EB8A496CD}" destId="{D858400C-3268-0646-A809-754DBD7441ED}" srcOrd="0" destOrd="0" presId="urn:microsoft.com/office/officeart/2005/8/layout/hierarchy1"/>
+    <dgm:cxn modelId="{FFD3A8C2-F002-1F42-895F-F4CC432FF774}" type="presParOf" srcId="{D858400C-3268-0646-A809-754DBD7441ED}" destId="{8BD90299-E781-D740-A958-4F92A6A6E35B}" srcOrd="0" destOrd="0" presId="urn:microsoft.com/office/officeart/2005/8/layout/hierarchy1"/>
+    <dgm:cxn modelId="{BFC295E8-DAAA-794B-99BF-3DA007F0D885}" type="presParOf" srcId="{D858400C-3268-0646-A809-754DBD7441ED}" destId="{B3115A6C-A995-C84F-90C2-3D4FA9093C93}" srcOrd="1" destOrd="0" presId="urn:microsoft.com/office/officeart/2005/8/layout/hierarchy1"/>
+    <dgm:cxn modelId="{3D92A671-BCB9-D049-9C0D-EEF824FC829A}" type="presParOf" srcId="{C33FA435-0642-F84F-A048-714EB8A496CD}" destId="{FF3E7589-144C-134F-8ED4-977471249AD0}" srcOrd="1" destOrd="0" presId="urn:microsoft.com/office/officeart/2005/8/layout/hierarchy1"/>
+  </dgm:cxnLst>
+  <dgm:bg/>
+  <dgm:whole/>
+  <dgm:extLst>
+    <a:ext uri="http://schemas.microsoft.com/office/drawing/2008/diagram">
+      <dsp:dataModelExt xmlns:dsp="http://schemas.microsoft.com/office/drawing/2008/diagram" relId="rId6" minVer="http://schemas.openxmlformats.org/drawingml/2006/diagram"/>
+    </a:ext>
+  </dgm:extLst>
+</dgm:dataModel>
+</file>
+
 <file path=ppt/diagrams/drawing1.xml><?xml version="1.0" encoding="utf-8"?>
 <dsp:drawing xmlns:dgm="http://schemas.openxmlformats.org/drawingml/2006/diagram" xmlns:dsp="http://schemas.microsoft.com/office/drawing/2008/diagram" xmlns:a="http://schemas.openxmlformats.org/drawingml/2006/main">
   <dsp:spTree>
@@ -3614,7 +3123,7 @@
       </dsp:nvSpPr>
       <dsp:spPr>
         <a:xfrm>
-          <a:off x="525" y="794807"/>
+          <a:off x="525" y="490007"/>
           <a:ext cx="696385" cy="696385"/>
         </a:xfrm>
         <a:prstGeom prst="ellipse">
@@ -3717,7 +3226,7 @@
         </a:p>
       </dsp:txBody>
       <dsp:txXfrm>
-        <a:off x="102508" y="896790"/>
+        <a:off x="102508" y="591990"/>
         <a:ext cx="492419" cy="492419"/>
       </dsp:txXfrm>
     </dsp:sp>
@@ -3728,7 +3237,7 @@
       </dsp:nvSpPr>
       <dsp:spPr>
         <a:xfrm>
-          <a:off x="753457" y="941048"/>
+          <a:off x="753457" y="636248"/>
           <a:ext cx="403903" cy="403903"/>
         </a:xfrm>
         <a:prstGeom prst="mathPlus">
@@ -3831,7 +3340,7 @@
         </a:p>
       </dsp:txBody>
       <dsp:txXfrm>
-        <a:off x="806994" y="1095501"/>
+        <a:off x="806994" y="790701"/>
         <a:ext cx="296829" cy="94997"/>
       </dsp:txXfrm>
     </dsp:sp>
@@ -3842,7 +3351,7 @@
       </dsp:nvSpPr>
       <dsp:spPr>
         <a:xfrm>
-          <a:off x="1213907" y="794807"/>
+          <a:off x="1213907" y="490007"/>
           <a:ext cx="696385" cy="696385"/>
         </a:xfrm>
         <a:prstGeom prst="ellipse">
@@ -3945,7 +3454,7 @@
         </a:p>
       </dsp:txBody>
       <dsp:txXfrm>
-        <a:off x="1315890" y="896790"/>
+        <a:off x="1315890" y="591990"/>
         <a:ext cx="492419" cy="492419"/>
       </dsp:txXfrm>
     </dsp:sp>
@@ -3956,7 +3465,7 @@
       </dsp:nvSpPr>
       <dsp:spPr>
         <a:xfrm>
-          <a:off x="1966839" y="941048"/>
+          <a:off x="1966839" y="636248"/>
           <a:ext cx="403903" cy="403903"/>
         </a:xfrm>
         <a:prstGeom prst="mathEqual">
@@ -4059,7 +3568,7 @@
         </a:p>
       </dsp:txBody>
       <dsp:txXfrm>
-        <a:off x="2020376" y="1024252"/>
+        <a:off x="2020376" y="719452"/>
         <a:ext cx="296829" cy="237495"/>
       </dsp:txXfrm>
     </dsp:sp>
@@ -4070,7 +3579,7 @@
       </dsp:nvSpPr>
       <dsp:spPr>
         <a:xfrm>
-          <a:off x="2427289" y="794807"/>
+          <a:off x="2427289" y="490007"/>
           <a:ext cx="696385" cy="696385"/>
         </a:xfrm>
         <a:prstGeom prst="ellipse">
@@ -4173,7 +3682,7 @@
         </a:p>
       </dsp:txBody>
       <dsp:txXfrm>
-        <a:off x="2529272" y="896790"/>
+        <a:off x="2529272" y="591990"/>
         <a:ext cx="492419" cy="492419"/>
       </dsp:txXfrm>
     </dsp:sp>
@@ -4763,6 +4272,638 @@
 </dsp:drawing>
 </file>
 
+<file path=ppt/diagrams/drawing3.xml><?xml version="1.0" encoding="utf-8"?>
+<dsp:drawing xmlns:dgm="http://schemas.openxmlformats.org/drawingml/2006/diagram" xmlns:dsp="http://schemas.microsoft.com/office/drawing/2008/diagram" xmlns:a="http://schemas.openxmlformats.org/drawingml/2006/main">
+  <dsp:spTree>
+    <dsp:nvGrpSpPr>
+      <dsp:cNvPr id="0" name=""/>
+      <dsp:cNvGrpSpPr/>
+    </dsp:nvGrpSpPr>
+    <dsp:grpSpPr/>
+    <dsp:sp modelId="{7D5694B7-AC48-D14A-A9D0-4DDDD76A1177}">
+      <dsp:nvSpPr>
+        <dsp:cNvPr id="0" name=""/>
+        <dsp:cNvSpPr/>
+      </dsp:nvSpPr>
+      <dsp:spPr>
+        <a:xfrm>
+          <a:off x="2430137" y="1150792"/>
+          <a:ext cx="1091284" cy="528394"/>
+        </a:xfrm>
+        <a:custGeom>
+          <a:avLst/>
+          <a:gdLst/>
+          <a:ahLst/>
+          <a:cxnLst/>
+          <a:rect l="0" t="0" r="0" b="0"/>
+          <a:pathLst>
+            <a:path>
+              <a:moveTo>
+                <a:pt x="0" y="0"/>
+              </a:moveTo>
+              <a:lnTo>
+                <a:pt x="0" y="360507"/>
+              </a:lnTo>
+              <a:lnTo>
+                <a:pt x="1091284" y="360507"/>
+              </a:lnTo>
+              <a:lnTo>
+                <a:pt x="1091284" y="528394"/>
+              </a:lnTo>
+            </a:path>
+          </a:pathLst>
+        </a:custGeom>
+        <a:noFill/>
+        <a:ln w="9525" cap="flat" cmpd="sng" algn="ctr">
+          <a:solidFill>
+            <a:schemeClr val="accent1">
+              <a:shade val="60000"/>
+              <a:hueOff val="0"/>
+              <a:satOff val="0"/>
+              <a:lumOff val="0"/>
+              <a:alphaOff val="0"/>
+            </a:schemeClr>
+          </a:solidFill>
+          <a:prstDash val="solid"/>
+        </a:ln>
+        <a:effectLst/>
+      </dsp:spPr>
+      <dsp:style>
+        <a:lnRef idx="1">
+          <a:scrgbClr r="0" g="0" b="0"/>
+        </a:lnRef>
+        <a:fillRef idx="0">
+          <a:scrgbClr r="0" g="0" b="0"/>
+        </a:fillRef>
+        <a:effectRef idx="0">
+          <a:scrgbClr r="0" g="0" b="0"/>
+        </a:effectRef>
+        <a:fontRef idx="minor"/>
+      </dsp:style>
+    </dsp:sp>
+    <dsp:sp modelId="{55CABC5F-D9AF-D242-8035-6C3F837FDFF8}">
+      <dsp:nvSpPr>
+        <dsp:cNvPr id="0" name=""/>
+        <dsp:cNvSpPr/>
+      </dsp:nvSpPr>
+      <dsp:spPr>
+        <a:xfrm>
+          <a:off x="1306413" y="1150792"/>
+          <a:ext cx="1123724" cy="528394"/>
+        </a:xfrm>
+        <a:custGeom>
+          <a:avLst/>
+          <a:gdLst/>
+          <a:ahLst/>
+          <a:cxnLst/>
+          <a:rect l="0" t="0" r="0" b="0"/>
+          <a:pathLst>
+            <a:path>
+              <a:moveTo>
+                <a:pt x="1123724" y="0"/>
+              </a:moveTo>
+              <a:lnTo>
+                <a:pt x="1123724" y="360507"/>
+              </a:lnTo>
+              <a:lnTo>
+                <a:pt x="0" y="360507"/>
+              </a:lnTo>
+              <a:lnTo>
+                <a:pt x="0" y="528394"/>
+              </a:lnTo>
+            </a:path>
+          </a:pathLst>
+        </a:custGeom>
+        <a:noFill/>
+        <a:ln w="9525" cap="flat" cmpd="sng" algn="ctr">
+          <a:solidFill>
+            <a:schemeClr val="accent1">
+              <a:shade val="60000"/>
+              <a:hueOff val="0"/>
+              <a:satOff val="0"/>
+              <a:lumOff val="0"/>
+              <a:alphaOff val="0"/>
+            </a:schemeClr>
+          </a:solidFill>
+          <a:prstDash val="solid"/>
+        </a:ln>
+        <a:effectLst/>
+      </dsp:spPr>
+      <dsp:style>
+        <a:lnRef idx="1">
+          <a:scrgbClr r="0" g="0" b="0"/>
+        </a:lnRef>
+        <a:fillRef idx="0">
+          <a:scrgbClr r="0" g="0" b="0"/>
+        </a:fillRef>
+        <a:effectRef idx="0">
+          <a:scrgbClr r="0" g="0" b="0"/>
+        </a:effectRef>
+        <a:fontRef idx="minor"/>
+      </dsp:style>
+    </dsp:sp>
+    <dsp:sp modelId="{7DDF201A-F444-4345-A1A1-AEF2A4BB6A14}">
+      <dsp:nvSpPr>
+        <dsp:cNvPr id="0" name=""/>
+        <dsp:cNvSpPr/>
+      </dsp:nvSpPr>
+      <dsp:spPr>
+        <a:xfrm>
+          <a:off x="1523997" y="-5"/>
+          <a:ext cx="1812280" cy="1150797"/>
+        </a:xfrm>
+        <a:prstGeom prst="roundRect">
+          <a:avLst>
+            <a:gd name="adj" fmla="val 10000"/>
+          </a:avLst>
+        </a:prstGeom>
+        <a:gradFill rotWithShape="0">
+          <a:gsLst>
+            <a:gs pos="0">
+              <a:schemeClr val="accent1">
+                <a:hueOff val="0"/>
+                <a:satOff val="0"/>
+                <a:lumOff val="0"/>
+                <a:alphaOff val="0"/>
+                <a:shade val="15000"/>
+                <a:satMod val="180000"/>
+              </a:schemeClr>
+            </a:gs>
+            <a:gs pos="50000">
+              <a:schemeClr val="accent1">
+                <a:hueOff val="0"/>
+                <a:satOff val="0"/>
+                <a:lumOff val="0"/>
+                <a:alphaOff val="0"/>
+                <a:shade val="45000"/>
+                <a:satMod val="170000"/>
+              </a:schemeClr>
+            </a:gs>
+            <a:gs pos="70000">
+              <a:schemeClr val="accent1">
+                <a:hueOff val="0"/>
+                <a:satOff val="0"/>
+                <a:lumOff val="0"/>
+                <a:alphaOff val="0"/>
+                <a:tint val="99000"/>
+                <a:shade val="65000"/>
+                <a:satMod val="155000"/>
+              </a:schemeClr>
+            </a:gs>
+            <a:gs pos="100000">
+              <a:schemeClr val="accent1">
+                <a:hueOff val="0"/>
+                <a:satOff val="0"/>
+                <a:lumOff val="0"/>
+                <a:alphaOff val="0"/>
+                <a:tint val="95500"/>
+                <a:shade val="100000"/>
+                <a:satMod val="155000"/>
+              </a:schemeClr>
+            </a:gs>
+          </a:gsLst>
+          <a:lin ang="16200000" scaled="0"/>
+        </a:gradFill>
+        <a:ln>
+          <a:noFill/>
+        </a:ln>
+        <a:effectLst>
+          <a:outerShdw blurRad="50800" dist="38100" dir="5400000" rotWithShape="0">
+            <a:srgbClr val="000000">
+              <a:alpha val="35000"/>
+            </a:srgbClr>
+          </a:outerShdw>
+        </a:effectLst>
+      </dsp:spPr>
+      <dsp:style>
+        <a:lnRef idx="0">
+          <a:scrgbClr r="0" g="0" b="0"/>
+        </a:lnRef>
+        <a:fillRef idx="3">
+          <a:scrgbClr r="0" g="0" b="0"/>
+        </a:fillRef>
+        <a:effectRef idx="2">
+          <a:scrgbClr r="0" g="0" b="0"/>
+        </a:effectRef>
+        <a:fontRef idx="minor">
+          <a:schemeClr val="lt1"/>
+        </a:fontRef>
+      </dsp:style>
+    </dsp:sp>
+    <dsp:sp modelId="{5C240A09-E82C-5140-AFCF-7A220B9DE7F1}">
+      <dsp:nvSpPr>
+        <dsp:cNvPr id="0" name=""/>
+        <dsp:cNvSpPr/>
+      </dsp:nvSpPr>
+      <dsp:spPr>
+        <a:xfrm>
+          <a:off x="1725362" y="191291"/>
+          <a:ext cx="1812280" cy="1150797"/>
+        </a:xfrm>
+        <a:prstGeom prst="roundRect">
+          <a:avLst>
+            <a:gd name="adj" fmla="val 10000"/>
+          </a:avLst>
+        </a:prstGeom>
+        <a:solidFill>
+          <a:schemeClr val="lt1">
+            <a:alpha val="90000"/>
+            <a:hueOff val="0"/>
+            <a:satOff val="0"/>
+            <a:lumOff val="0"/>
+            <a:alphaOff val="0"/>
+          </a:schemeClr>
+        </a:solidFill>
+        <a:ln w="9525" cap="flat" cmpd="sng" algn="ctr">
+          <a:solidFill>
+            <a:schemeClr val="accent1">
+              <a:hueOff val="0"/>
+              <a:satOff val="0"/>
+              <a:lumOff val="0"/>
+              <a:alphaOff val="0"/>
+            </a:schemeClr>
+          </a:solidFill>
+          <a:prstDash val="solid"/>
+        </a:ln>
+        <a:effectLst/>
+      </dsp:spPr>
+      <dsp:style>
+        <a:lnRef idx="1">
+          <a:scrgbClr r="0" g="0" b="0"/>
+        </a:lnRef>
+        <a:fillRef idx="1">
+          <a:scrgbClr r="0" g="0" b="0"/>
+        </a:fillRef>
+        <a:effectRef idx="0">
+          <a:scrgbClr r="0" g="0" b="0"/>
+        </a:effectRef>
+        <a:fontRef idx="minor"/>
+      </dsp:style>
+      <dsp:txBody>
+        <a:bodyPr spcFirstLastPara="0" vert="horz" wrap="square" lIns="114300" tIns="114300" rIns="114300" bIns="114300" numCol="1" spcCol="1270" anchor="ctr" anchorCtr="0">
+          <a:noAutofit/>
+        </a:bodyPr>
+        <a:lstStyle/>
+        <a:p>
+          <a:pPr lvl="0" algn="ctr" defTabSz="1333500">
+            <a:lnSpc>
+              <a:spcPct val="90000"/>
+            </a:lnSpc>
+            <a:spcBef>
+              <a:spcPct val="0"/>
+            </a:spcBef>
+            <a:spcAft>
+              <a:spcPct val="35000"/>
+            </a:spcAft>
+          </a:pPr>
+          <a:r>
+            <a:rPr lang="en-US" sz="3000" kern="1200" dirty="0" smtClean="0"/>
+            <a:t>Stance Model</a:t>
+          </a:r>
+          <a:endParaRPr lang="en-US" sz="3000" kern="1200" dirty="0"/>
+        </a:p>
+      </dsp:txBody>
+      <dsp:txXfrm>
+        <a:off x="1759068" y="224997"/>
+        <a:ext cx="1744868" cy="1083385"/>
+      </dsp:txXfrm>
+    </dsp:sp>
+    <dsp:sp modelId="{4BD93975-27E9-B749-8B06-4136446FD7FC}">
+      <dsp:nvSpPr>
+        <dsp:cNvPr id="0" name=""/>
+        <dsp:cNvSpPr/>
+      </dsp:nvSpPr>
+      <dsp:spPr>
+        <a:xfrm>
+          <a:off x="400273" y="1679187"/>
+          <a:ext cx="1812280" cy="1150797"/>
+        </a:xfrm>
+        <a:prstGeom prst="roundRect">
+          <a:avLst>
+            <a:gd name="adj" fmla="val 10000"/>
+          </a:avLst>
+        </a:prstGeom>
+        <a:gradFill rotWithShape="0">
+          <a:gsLst>
+            <a:gs pos="0">
+              <a:schemeClr val="accent1">
+                <a:hueOff val="0"/>
+                <a:satOff val="0"/>
+                <a:lumOff val="0"/>
+                <a:alphaOff val="0"/>
+                <a:shade val="15000"/>
+                <a:satMod val="180000"/>
+              </a:schemeClr>
+            </a:gs>
+            <a:gs pos="50000">
+              <a:schemeClr val="accent1">
+                <a:hueOff val="0"/>
+                <a:satOff val="0"/>
+                <a:lumOff val="0"/>
+                <a:alphaOff val="0"/>
+                <a:shade val="45000"/>
+                <a:satMod val="170000"/>
+              </a:schemeClr>
+            </a:gs>
+            <a:gs pos="70000">
+              <a:schemeClr val="accent1">
+                <a:hueOff val="0"/>
+                <a:satOff val="0"/>
+                <a:lumOff val="0"/>
+                <a:alphaOff val="0"/>
+                <a:tint val="99000"/>
+                <a:shade val="65000"/>
+                <a:satMod val="155000"/>
+              </a:schemeClr>
+            </a:gs>
+            <a:gs pos="100000">
+              <a:schemeClr val="accent1">
+                <a:hueOff val="0"/>
+                <a:satOff val="0"/>
+                <a:lumOff val="0"/>
+                <a:alphaOff val="0"/>
+                <a:tint val="95500"/>
+                <a:shade val="100000"/>
+                <a:satMod val="155000"/>
+              </a:schemeClr>
+            </a:gs>
+          </a:gsLst>
+          <a:lin ang="16200000" scaled="0"/>
+        </a:gradFill>
+        <a:ln>
+          <a:noFill/>
+        </a:ln>
+        <a:effectLst>
+          <a:outerShdw blurRad="50800" dist="38100" dir="5400000" rotWithShape="0">
+            <a:srgbClr val="000000">
+              <a:alpha val="35000"/>
+            </a:srgbClr>
+          </a:outerShdw>
+        </a:effectLst>
+      </dsp:spPr>
+      <dsp:style>
+        <a:lnRef idx="0">
+          <a:scrgbClr r="0" g="0" b="0"/>
+        </a:lnRef>
+        <a:fillRef idx="3">
+          <a:scrgbClr r="0" g="0" b="0"/>
+        </a:fillRef>
+        <a:effectRef idx="2">
+          <a:scrgbClr r="0" g="0" b="0"/>
+        </a:effectRef>
+        <a:fontRef idx="minor">
+          <a:schemeClr val="lt1"/>
+        </a:fontRef>
+      </dsp:style>
+    </dsp:sp>
+    <dsp:sp modelId="{8B3CDEA6-B010-B64B-B61A-A8819C5E7316}">
+      <dsp:nvSpPr>
+        <dsp:cNvPr id="0" name=""/>
+        <dsp:cNvSpPr/>
+      </dsp:nvSpPr>
+      <dsp:spPr>
+        <a:xfrm>
+          <a:off x="601637" y="1870483"/>
+          <a:ext cx="1812280" cy="1150797"/>
+        </a:xfrm>
+        <a:prstGeom prst="roundRect">
+          <a:avLst>
+            <a:gd name="adj" fmla="val 10000"/>
+          </a:avLst>
+        </a:prstGeom>
+        <a:solidFill>
+          <a:schemeClr val="lt1">
+            <a:alpha val="90000"/>
+            <a:hueOff val="0"/>
+            <a:satOff val="0"/>
+            <a:lumOff val="0"/>
+            <a:alphaOff val="0"/>
+          </a:schemeClr>
+        </a:solidFill>
+        <a:ln w="9525" cap="flat" cmpd="sng" algn="ctr">
+          <a:solidFill>
+            <a:schemeClr val="accent1">
+              <a:hueOff val="0"/>
+              <a:satOff val="0"/>
+              <a:lumOff val="0"/>
+              <a:alphaOff val="0"/>
+            </a:schemeClr>
+          </a:solidFill>
+          <a:prstDash val="solid"/>
+        </a:ln>
+        <a:effectLst/>
+      </dsp:spPr>
+      <dsp:style>
+        <a:lnRef idx="1">
+          <a:scrgbClr r="0" g="0" b="0"/>
+        </a:lnRef>
+        <a:fillRef idx="1">
+          <a:scrgbClr r="0" g="0" b="0"/>
+        </a:fillRef>
+        <a:effectRef idx="0">
+          <a:scrgbClr r="0" g="0" b="0"/>
+        </a:effectRef>
+        <a:fontRef idx="minor"/>
+      </dsp:style>
+      <dsp:txBody>
+        <a:bodyPr spcFirstLastPara="0" vert="horz" wrap="square" lIns="114300" tIns="114300" rIns="114300" bIns="114300" numCol="1" spcCol="1270" anchor="ctr" anchorCtr="0">
+          <a:noAutofit/>
+        </a:bodyPr>
+        <a:lstStyle/>
+        <a:p>
+          <a:pPr lvl="0" algn="ctr" defTabSz="1333500">
+            <a:lnSpc>
+              <a:spcPct val="90000"/>
+            </a:lnSpc>
+            <a:spcBef>
+              <a:spcPct val="0"/>
+            </a:spcBef>
+            <a:spcAft>
+              <a:spcPct val="35000"/>
+            </a:spcAft>
+          </a:pPr>
+          <a:r>
+            <a:rPr lang="en-US" sz="3000" kern="1200" dirty="0" smtClean="0"/>
+            <a:t>Fashion Model</a:t>
+          </a:r>
+          <a:endParaRPr lang="en-US" sz="3000" kern="1200" dirty="0"/>
+        </a:p>
+      </dsp:txBody>
+      <dsp:txXfrm>
+        <a:off x="635343" y="1904189"/>
+        <a:ext cx="1744868" cy="1083385"/>
+      </dsp:txXfrm>
+    </dsp:sp>
+    <dsp:sp modelId="{8BD90299-E781-D740-A958-4F92A6A6E35B}">
+      <dsp:nvSpPr>
+        <dsp:cNvPr id="0" name=""/>
+        <dsp:cNvSpPr/>
+      </dsp:nvSpPr>
+      <dsp:spPr>
+        <a:xfrm>
+          <a:off x="2615282" y="1679187"/>
+          <a:ext cx="1812280" cy="1150797"/>
+        </a:xfrm>
+        <a:prstGeom prst="roundRect">
+          <a:avLst>
+            <a:gd name="adj" fmla="val 10000"/>
+          </a:avLst>
+        </a:prstGeom>
+        <a:gradFill rotWithShape="0">
+          <a:gsLst>
+            <a:gs pos="0">
+              <a:schemeClr val="accent1">
+                <a:hueOff val="0"/>
+                <a:satOff val="0"/>
+                <a:lumOff val="0"/>
+                <a:alphaOff val="0"/>
+                <a:shade val="15000"/>
+                <a:satMod val="180000"/>
+              </a:schemeClr>
+            </a:gs>
+            <a:gs pos="50000">
+              <a:schemeClr val="accent1">
+                <a:hueOff val="0"/>
+                <a:satOff val="0"/>
+                <a:lumOff val="0"/>
+                <a:alphaOff val="0"/>
+                <a:shade val="45000"/>
+                <a:satMod val="170000"/>
+              </a:schemeClr>
+            </a:gs>
+            <a:gs pos="70000">
+              <a:schemeClr val="accent1">
+                <a:hueOff val="0"/>
+                <a:satOff val="0"/>
+                <a:lumOff val="0"/>
+                <a:alphaOff val="0"/>
+                <a:tint val="99000"/>
+                <a:shade val="65000"/>
+                <a:satMod val="155000"/>
+              </a:schemeClr>
+            </a:gs>
+            <a:gs pos="100000">
+              <a:schemeClr val="accent1">
+                <a:hueOff val="0"/>
+                <a:satOff val="0"/>
+                <a:lumOff val="0"/>
+                <a:alphaOff val="0"/>
+                <a:tint val="95500"/>
+                <a:shade val="100000"/>
+                <a:satMod val="155000"/>
+              </a:schemeClr>
+            </a:gs>
+          </a:gsLst>
+          <a:lin ang="16200000" scaled="0"/>
+        </a:gradFill>
+        <a:ln>
+          <a:noFill/>
+        </a:ln>
+        <a:effectLst>
+          <a:outerShdw blurRad="50800" dist="38100" dir="5400000" rotWithShape="0">
+            <a:srgbClr val="000000">
+              <a:alpha val="35000"/>
+            </a:srgbClr>
+          </a:outerShdw>
+        </a:effectLst>
+      </dsp:spPr>
+      <dsp:style>
+        <a:lnRef idx="0">
+          <a:scrgbClr r="0" g="0" b="0"/>
+        </a:lnRef>
+        <a:fillRef idx="3">
+          <a:scrgbClr r="0" g="0" b="0"/>
+        </a:fillRef>
+        <a:effectRef idx="2">
+          <a:scrgbClr r="0" g="0" b="0"/>
+        </a:effectRef>
+        <a:fontRef idx="minor">
+          <a:schemeClr val="lt1"/>
+        </a:fontRef>
+      </dsp:style>
+    </dsp:sp>
+    <dsp:sp modelId="{B3115A6C-A995-C84F-90C2-3D4FA9093C93}">
+      <dsp:nvSpPr>
+        <dsp:cNvPr id="0" name=""/>
+        <dsp:cNvSpPr/>
+      </dsp:nvSpPr>
+      <dsp:spPr>
+        <a:xfrm>
+          <a:off x="2816646" y="1870483"/>
+          <a:ext cx="1812280" cy="1150797"/>
+        </a:xfrm>
+        <a:prstGeom prst="roundRect">
+          <a:avLst>
+            <a:gd name="adj" fmla="val 10000"/>
+          </a:avLst>
+        </a:prstGeom>
+        <a:solidFill>
+          <a:schemeClr val="lt1">
+            <a:alpha val="90000"/>
+            <a:hueOff val="0"/>
+            <a:satOff val="0"/>
+            <a:lumOff val="0"/>
+            <a:alphaOff val="0"/>
+          </a:schemeClr>
+        </a:solidFill>
+        <a:ln w="9525" cap="flat" cmpd="sng" algn="ctr">
+          <a:solidFill>
+            <a:schemeClr val="accent1">
+              <a:hueOff val="0"/>
+              <a:satOff val="0"/>
+              <a:lumOff val="0"/>
+              <a:alphaOff val="0"/>
+            </a:schemeClr>
+          </a:solidFill>
+          <a:prstDash val="solid"/>
+        </a:ln>
+        <a:effectLst/>
+      </dsp:spPr>
+      <dsp:style>
+        <a:lnRef idx="1">
+          <a:scrgbClr r="0" g="0" b="0"/>
+        </a:lnRef>
+        <a:fillRef idx="1">
+          <a:scrgbClr r="0" g="0" b="0"/>
+        </a:fillRef>
+        <a:effectRef idx="0">
+          <a:scrgbClr r="0" g="0" b="0"/>
+        </a:effectRef>
+        <a:fontRef idx="minor"/>
+      </dsp:style>
+      <dsp:txBody>
+        <a:bodyPr spcFirstLastPara="0" vert="horz" wrap="square" lIns="114300" tIns="114300" rIns="114300" bIns="114300" numCol="1" spcCol="1270" anchor="ctr" anchorCtr="0">
+          <a:noAutofit/>
+        </a:bodyPr>
+        <a:lstStyle/>
+        <a:p>
+          <a:pPr lvl="0" algn="ctr" defTabSz="1333500">
+            <a:lnSpc>
+              <a:spcPct val="90000"/>
+            </a:lnSpc>
+            <a:spcBef>
+              <a:spcPct val="0"/>
+            </a:spcBef>
+            <a:spcAft>
+              <a:spcPct val="35000"/>
+            </a:spcAft>
+          </a:pPr>
+          <a:r>
+            <a:rPr lang="en-US" sz="3000" kern="1200" dirty="0" smtClean="0"/>
+            <a:t>Finance Model</a:t>
+          </a:r>
+          <a:endParaRPr lang="en-US" sz="3000" kern="1200" dirty="0"/>
+        </a:p>
+      </dsp:txBody>
+      <dsp:txXfrm>
+        <a:off x="2850352" y="1904189"/>
+        <a:ext cx="1744868" cy="1083385"/>
+      </dsp:txXfrm>
+    </dsp:sp>
+  </dsp:spTree>
+</dsp:drawing>
+</file>
+
 <file path=ppt/diagrams/layout1.xml><?xml version="1.0" encoding="utf-8"?>
 <dgm:layoutDef xmlns:dgm="http://schemas.openxmlformats.org/drawingml/2006/diagram" xmlns:a="http://schemas.openxmlformats.org/drawingml/2006/main" uniqueId="urn:microsoft.com/office/officeart/2005/8/layout/equation1">
   <dgm:title val=""/>
@@ -5073,6 +5214,569 @@
 </dgm:layoutDef>
 </file>
 
+<file path=ppt/diagrams/layout3.xml><?xml version="1.0" encoding="utf-8"?>
+<dgm:layoutDef xmlns:dgm="http://schemas.openxmlformats.org/drawingml/2006/diagram" xmlns:a="http://schemas.openxmlformats.org/drawingml/2006/main" uniqueId="urn:microsoft.com/office/officeart/2005/8/layout/hierarchy1">
+  <dgm:title val=""/>
+  <dgm:desc val=""/>
+  <dgm:catLst>
+    <dgm:cat type="hierarchy" pri="2000"/>
+  </dgm:catLst>
+  <dgm:sampData>
+    <dgm:dataModel>
+      <dgm:ptLst>
+        <dgm:pt modelId="0" type="doc"/>
+        <dgm:pt modelId="1">
+          <dgm:prSet phldr="1"/>
+        </dgm:pt>
+        <dgm:pt modelId="2">
+          <dgm:prSet phldr="1"/>
+        </dgm:pt>
+        <dgm:pt modelId="21">
+          <dgm:prSet phldr="1"/>
+        </dgm:pt>
+        <dgm:pt modelId="22">
+          <dgm:prSet phldr="1"/>
+        </dgm:pt>
+        <dgm:pt modelId="3">
+          <dgm:prSet phldr="1"/>
+        </dgm:pt>
+        <dgm:pt modelId="31">
+          <dgm:prSet phldr="1"/>
+        </dgm:pt>
+      </dgm:ptLst>
+      <dgm:cxnLst>
+        <dgm:cxn modelId="4" srcId="0" destId="1" srcOrd="0" destOrd="0"/>
+        <dgm:cxn modelId="5" srcId="1" destId="2" srcOrd="0" destOrd="0"/>
+        <dgm:cxn modelId="6" srcId="1" destId="3" srcOrd="1" destOrd="0"/>
+        <dgm:cxn modelId="23" srcId="2" destId="21" srcOrd="0" destOrd="0"/>
+        <dgm:cxn modelId="24" srcId="2" destId="22" srcOrd="1" destOrd="0"/>
+        <dgm:cxn modelId="33" srcId="3" destId="31" srcOrd="0" destOrd="0"/>
+      </dgm:cxnLst>
+      <dgm:bg/>
+      <dgm:whole/>
+    </dgm:dataModel>
+  </dgm:sampData>
+  <dgm:styleData>
+    <dgm:dataModel>
+      <dgm:ptLst>
+        <dgm:pt modelId="0" type="doc"/>
+        <dgm:pt modelId="1"/>
+        <dgm:pt modelId="11"/>
+        <dgm:pt modelId="12"/>
+      </dgm:ptLst>
+      <dgm:cxnLst>
+        <dgm:cxn modelId="2" srcId="0" destId="1" srcOrd="0" destOrd="0"/>
+        <dgm:cxn modelId="13" srcId="1" destId="11" srcOrd="0" destOrd="0"/>
+        <dgm:cxn modelId="14" srcId="1" destId="12" srcOrd="1" destOrd="0"/>
+      </dgm:cxnLst>
+      <dgm:bg/>
+      <dgm:whole/>
+    </dgm:dataModel>
+  </dgm:styleData>
+  <dgm:clrData>
+    <dgm:dataModel>
+      <dgm:ptLst>
+        <dgm:pt modelId="0" type="doc"/>
+        <dgm:pt modelId="1"/>
+        <dgm:pt modelId="2"/>
+        <dgm:pt modelId="21"/>
+        <dgm:pt modelId="211"/>
+        <dgm:pt modelId="3"/>
+        <dgm:pt modelId="31"/>
+        <dgm:pt modelId="311"/>
+      </dgm:ptLst>
+      <dgm:cxnLst>
+        <dgm:cxn modelId="4" srcId="0" destId="1" srcOrd="0" destOrd="0"/>
+        <dgm:cxn modelId="5" srcId="1" destId="2" srcOrd="0" destOrd="0"/>
+        <dgm:cxn modelId="6" srcId="1" destId="3" srcOrd="1" destOrd="0"/>
+        <dgm:cxn modelId="23" srcId="2" destId="21" srcOrd="0" destOrd="0"/>
+        <dgm:cxn modelId="24" srcId="21" destId="211" srcOrd="0" destOrd="0"/>
+        <dgm:cxn modelId="33" srcId="3" destId="31" srcOrd="0" destOrd="0"/>
+        <dgm:cxn modelId="34" srcId="31" destId="311" srcOrd="0" destOrd="0"/>
+      </dgm:cxnLst>
+      <dgm:bg/>
+      <dgm:whole/>
+    </dgm:dataModel>
+  </dgm:clrData>
+  <dgm:layoutNode name="hierChild1">
+    <dgm:varLst>
+      <dgm:chPref val="1"/>
+      <dgm:dir/>
+      <dgm:animOne val="branch"/>
+      <dgm:animLvl val="lvl"/>
+      <dgm:resizeHandles/>
+    </dgm:varLst>
+    <dgm:choose name="Name0">
+      <dgm:if name="Name1" func="var" arg="dir" op="equ" val="norm">
+        <dgm:alg type="hierChild">
+          <dgm:param type="linDir" val="fromL"/>
+        </dgm:alg>
+      </dgm:if>
+      <dgm:else name="Name2">
+        <dgm:alg type="hierChild">
+          <dgm:param type="linDir" val="fromR"/>
+        </dgm:alg>
+      </dgm:else>
+    </dgm:choose>
+    <dgm:shape xmlns:r="http://schemas.openxmlformats.org/officeDocument/2006/relationships" r:blip="">
+      <dgm:adjLst/>
+    </dgm:shape>
+    <dgm:presOf/>
+    <dgm:constrLst>
+      <dgm:constr type="primFontSz" for="des" ptType="node" op="equ" val="65"/>
+      <dgm:constr type="w" for="des" forName="composite" refType="w"/>
+      <dgm:constr type="h" for="des" forName="composite" refType="w" refFor="des" refForName="composite" fact="0.667"/>
+      <dgm:constr type="w" for="des" forName="composite2" refType="w" refFor="des" refForName="composite"/>
+      <dgm:constr type="h" for="des" forName="composite2" refType="h" refFor="des" refForName="composite"/>
+      <dgm:constr type="w" for="des" forName="composite3" refType="w" refFor="des" refForName="composite"/>
+      <dgm:constr type="h" for="des" forName="composite3" refType="h" refFor="des" refForName="composite"/>
+      <dgm:constr type="w" for="des" forName="composite4" refType="w" refFor="des" refForName="composite"/>
+      <dgm:constr type="h" for="des" forName="composite4" refType="h" refFor="des" refForName="composite"/>
+      <dgm:constr type="w" for="des" forName="composite5" refType="w" refFor="des" refForName="composite"/>
+      <dgm:constr type="h" for="des" forName="composite5" refType="h" refFor="des" refForName="composite"/>
+      <dgm:constr type="sibSp" refType="w" refFor="des" refForName="composite" fact="0.1"/>
+      <dgm:constr type="sibSp" for="des" forName="hierChild2" refType="sibSp"/>
+      <dgm:constr type="sibSp" for="des" forName="hierChild3" refType="sibSp"/>
+      <dgm:constr type="sibSp" for="des" forName="hierChild4" refType="sibSp"/>
+      <dgm:constr type="sibSp" for="des" forName="hierChild5" refType="sibSp"/>
+      <dgm:constr type="sibSp" for="des" forName="hierChild6" refType="sibSp"/>
+      <dgm:constr type="sp" for="des" forName="hierRoot1" refType="h" refFor="des" refForName="composite" fact="0.25"/>
+      <dgm:constr type="sp" for="des" forName="hierRoot2" refType="sp" refFor="des" refForName="hierRoot1"/>
+      <dgm:constr type="sp" for="des" forName="hierRoot3" refType="sp" refFor="des" refForName="hierRoot1"/>
+      <dgm:constr type="sp" for="des" forName="hierRoot4" refType="sp" refFor="des" refForName="hierRoot1"/>
+      <dgm:constr type="sp" for="des" forName="hierRoot5" refType="sp" refFor="des" refForName="hierRoot1"/>
+    </dgm:constrLst>
+    <dgm:ruleLst/>
+    <dgm:forEach name="Name3" axis="ch">
+      <dgm:forEach name="Name4" axis="self" ptType="node">
+        <dgm:layoutNode name="hierRoot1">
+          <dgm:alg type="hierRoot"/>
+          <dgm:shape xmlns:r="http://schemas.openxmlformats.org/officeDocument/2006/relationships" r:blip="">
+            <dgm:adjLst/>
+          </dgm:shape>
+          <dgm:presOf/>
+          <dgm:constrLst>
+            <dgm:constr type="bendDist" for="des" ptType="parTrans" refType="sp" fact="0.5"/>
+          </dgm:constrLst>
+          <dgm:ruleLst/>
+          <dgm:layoutNode name="composite">
+            <dgm:alg type="composite"/>
+            <dgm:shape xmlns:r="http://schemas.openxmlformats.org/officeDocument/2006/relationships" r:blip="">
+              <dgm:adjLst/>
+            </dgm:shape>
+            <dgm:presOf/>
+            <dgm:constrLst>
+              <dgm:constr type="w" for="ch" forName="background" refType="w" fact="0.9"/>
+              <dgm:constr type="h" for="ch" forName="background" refType="w" refFor="ch" refForName="background" fact="0.635"/>
+              <dgm:constr type="t" for="ch" forName="background"/>
+              <dgm:constr type="l" for="ch" forName="background"/>
+              <dgm:constr type="w" for="ch" forName="text" refType="w" fact="0.9"/>
+              <dgm:constr type="h" for="ch" forName="text" refType="w" refFor="ch" refForName="text" fact="0.635"/>
+              <dgm:constr type="t" for="ch" forName="text" refType="w" fact="0.095"/>
+              <dgm:constr type="l" for="ch" forName="text" refType="w" fact="0.1"/>
+            </dgm:constrLst>
+            <dgm:ruleLst/>
+            <dgm:layoutNode name="background" styleLbl="node0" moveWith="text">
+              <dgm:alg type="sp"/>
+              <dgm:shape xmlns:r="http://schemas.openxmlformats.org/officeDocument/2006/relationships" type="roundRect" r:blip="">
+                <dgm:adjLst>
+                  <dgm:adj idx="1" val="0.1"/>
+                </dgm:adjLst>
+              </dgm:shape>
+              <dgm:presOf/>
+              <dgm:constrLst/>
+              <dgm:ruleLst/>
+            </dgm:layoutNode>
+            <dgm:layoutNode name="text" styleLbl="fgAcc0">
+              <dgm:varLst>
+                <dgm:chPref val="3"/>
+              </dgm:varLst>
+              <dgm:alg type="tx"/>
+              <dgm:shape xmlns:r="http://schemas.openxmlformats.org/officeDocument/2006/relationships" type="roundRect" r:blip="">
+                <dgm:adjLst>
+                  <dgm:adj idx="1" val="0.1"/>
+                </dgm:adjLst>
+              </dgm:shape>
+              <dgm:presOf axis="self"/>
+              <dgm:constrLst>
+                <dgm:constr type="tMarg" refType="primFontSz" fact="0.3"/>
+                <dgm:constr type="bMarg" refType="primFontSz" fact="0.3"/>
+                <dgm:constr type="lMarg" refType="primFontSz" fact="0.3"/>
+                <dgm:constr type="rMarg" refType="primFontSz" fact="0.3"/>
+              </dgm:constrLst>
+              <dgm:ruleLst>
+                <dgm:rule type="primFontSz" val="5" fact="NaN" max="NaN"/>
+              </dgm:ruleLst>
+            </dgm:layoutNode>
+          </dgm:layoutNode>
+          <dgm:layoutNode name="hierChild2">
+            <dgm:choose name="Name5">
+              <dgm:if name="Name6" func="var" arg="dir" op="equ" val="norm">
+                <dgm:alg type="hierChild">
+                  <dgm:param type="linDir" val="fromL"/>
+                </dgm:alg>
+              </dgm:if>
+              <dgm:else name="Name7">
+                <dgm:alg type="hierChild">
+                  <dgm:param type="linDir" val="fromR"/>
+                </dgm:alg>
+              </dgm:else>
+            </dgm:choose>
+            <dgm:shape xmlns:r="http://schemas.openxmlformats.org/officeDocument/2006/relationships" r:blip="">
+              <dgm:adjLst/>
+            </dgm:shape>
+            <dgm:presOf/>
+            <dgm:constrLst/>
+            <dgm:ruleLst/>
+            <dgm:forEach name="Name8" axis="ch">
+              <dgm:forEach name="Name9" axis="self" ptType="parTrans" cnt="1">
+                <dgm:layoutNode name="Name10">
+                  <dgm:alg type="conn">
+                    <dgm:param type="dim" val="1D"/>
+                    <dgm:param type="endSty" val="noArr"/>
+                    <dgm:param type="connRout" val="bend"/>
+                    <dgm:param type="bendPt" val="end"/>
+                    <dgm:param type="begPts" val="bCtr"/>
+                    <dgm:param type="endPts" val="tCtr"/>
+                    <dgm:param type="srcNode" val="background"/>
+                    <dgm:param type="dstNode" val="background2"/>
+                  </dgm:alg>
+                  <dgm:shape xmlns:r="http://schemas.openxmlformats.org/officeDocument/2006/relationships" type="conn" r:blip="" zOrderOff="-999">
+                    <dgm:adjLst/>
+                  </dgm:shape>
+                  <dgm:presOf axis="self"/>
+                  <dgm:constrLst>
+                    <dgm:constr type="begPad"/>
+                    <dgm:constr type="endPad"/>
+                  </dgm:constrLst>
+                  <dgm:ruleLst/>
+                </dgm:layoutNode>
+              </dgm:forEach>
+              <dgm:forEach name="Name11" axis="self" ptType="node">
+                <dgm:layoutNode name="hierRoot2">
+                  <dgm:alg type="hierRoot"/>
+                  <dgm:shape xmlns:r="http://schemas.openxmlformats.org/officeDocument/2006/relationships" r:blip="">
+                    <dgm:adjLst/>
+                  </dgm:shape>
+                  <dgm:presOf/>
+                  <dgm:constrLst>
+                    <dgm:constr type="bendDist" for="des" ptType="parTrans" refType="sp" fact="0.5"/>
+                  </dgm:constrLst>
+                  <dgm:ruleLst/>
+                  <dgm:layoutNode name="composite2">
+                    <dgm:alg type="composite"/>
+                    <dgm:shape xmlns:r="http://schemas.openxmlformats.org/officeDocument/2006/relationships" r:blip="">
+                      <dgm:adjLst/>
+                    </dgm:shape>
+                    <dgm:presOf/>
+                    <dgm:constrLst>
+                      <dgm:constr type="w" for="ch" forName="background2" refType="w" fact="0.9"/>
+                      <dgm:constr type="h" for="ch" forName="background2" refType="w" refFor="ch" refForName="background2" fact="0.635"/>
+                      <dgm:constr type="t" for="ch" forName="background2"/>
+                      <dgm:constr type="l" for="ch" forName="background2"/>
+                      <dgm:constr type="w" for="ch" forName="text2" refType="w" fact="0.9"/>
+                      <dgm:constr type="h" for="ch" forName="text2" refType="w" refFor="ch" refForName="text2" fact="0.635"/>
+                      <dgm:constr type="t" for="ch" forName="text2" refType="w" fact="0.095"/>
+                      <dgm:constr type="l" for="ch" forName="text2" refType="w" fact="0.1"/>
+                    </dgm:constrLst>
+                    <dgm:ruleLst/>
+                    <dgm:layoutNode name="background2" moveWith="text2">
+                      <dgm:alg type="sp"/>
+                      <dgm:shape xmlns:r="http://schemas.openxmlformats.org/officeDocument/2006/relationships" type="roundRect" r:blip="">
+                        <dgm:adjLst>
+                          <dgm:adj idx="1" val="0.1"/>
+                        </dgm:adjLst>
+                      </dgm:shape>
+                      <dgm:presOf/>
+                      <dgm:constrLst/>
+                      <dgm:ruleLst/>
+                    </dgm:layoutNode>
+                    <dgm:layoutNode name="text2" styleLbl="fgAcc2">
+                      <dgm:varLst>
+                        <dgm:chPref val="3"/>
+                      </dgm:varLst>
+                      <dgm:alg type="tx"/>
+                      <dgm:shape xmlns:r="http://schemas.openxmlformats.org/officeDocument/2006/relationships" type="roundRect" r:blip="">
+                        <dgm:adjLst>
+                          <dgm:adj idx="1" val="0.1"/>
+                        </dgm:adjLst>
+                      </dgm:shape>
+                      <dgm:presOf axis="self"/>
+                      <dgm:constrLst>
+                        <dgm:constr type="tMarg" refType="primFontSz" fact="0.3"/>
+                        <dgm:constr type="bMarg" refType="primFontSz" fact="0.3"/>
+                        <dgm:constr type="lMarg" refType="primFontSz" fact="0.3"/>
+                        <dgm:constr type="rMarg" refType="primFontSz" fact="0.3"/>
+                      </dgm:constrLst>
+                      <dgm:ruleLst>
+                        <dgm:rule type="primFontSz" val="5" fact="NaN" max="NaN"/>
+                      </dgm:ruleLst>
+                    </dgm:layoutNode>
+                  </dgm:layoutNode>
+                  <dgm:layoutNode name="hierChild3">
+                    <dgm:choose name="Name12">
+                      <dgm:if name="Name13" func="var" arg="dir" op="equ" val="norm">
+                        <dgm:alg type="hierChild">
+                          <dgm:param type="linDir" val="fromL"/>
+                        </dgm:alg>
+                      </dgm:if>
+                      <dgm:else name="Name14">
+                        <dgm:alg type="hierChild">
+                          <dgm:param type="linDir" val="fromR"/>
+                        </dgm:alg>
+                      </dgm:else>
+                    </dgm:choose>
+                    <dgm:shape xmlns:r="http://schemas.openxmlformats.org/officeDocument/2006/relationships" r:blip="">
+                      <dgm:adjLst/>
+                    </dgm:shape>
+                    <dgm:presOf/>
+                    <dgm:constrLst/>
+                    <dgm:ruleLst/>
+                    <dgm:forEach name="Name15" axis="ch">
+                      <dgm:forEach name="Name16" axis="self" ptType="parTrans" cnt="1">
+                        <dgm:layoutNode name="Name17">
+                          <dgm:alg type="conn">
+                            <dgm:param type="dim" val="1D"/>
+                            <dgm:param type="endSty" val="noArr"/>
+                            <dgm:param type="connRout" val="bend"/>
+                            <dgm:param type="bendPt" val="end"/>
+                            <dgm:param type="begPts" val="bCtr"/>
+                            <dgm:param type="endPts" val="tCtr"/>
+                            <dgm:param type="srcNode" val="background2"/>
+                            <dgm:param type="dstNode" val="background3"/>
+                          </dgm:alg>
+                          <dgm:shape xmlns:r="http://schemas.openxmlformats.org/officeDocument/2006/relationships" type="conn" r:blip="" zOrderOff="-999">
+                            <dgm:adjLst/>
+                          </dgm:shape>
+                          <dgm:presOf axis="self"/>
+                          <dgm:constrLst>
+                            <dgm:constr type="begPad"/>
+                            <dgm:constr type="endPad"/>
+                          </dgm:constrLst>
+                          <dgm:ruleLst/>
+                        </dgm:layoutNode>
+                      </dgm:forEach>
+                      <dgm:forEach name="Name18" axis="self" ptType="node">
+                        <dgm:layoutNode name="hierRoot3">
+                          <dgm:alg type="hierRoot"/>
+                          <dgm:shape xmlns:r="http://schemas.openxmlformats.org/officeDocument/2006/relationships" r:blip="">
+                            <dgm:adjLst/>
+                          </dgm:shape>
+                          <dgm:presOf/>
+                          <dgm:constrLst>
+                            <dgm:constr type="bendDist" for="des" ptType="parTrans" refType="sp" fact="0.5"/>
+                          </dgm:constrLst>
+                          <dgm:ruleLst/>
+                          <dgm:layoutNode name="composite3">
+                            <dgm:alg type="composite"/>
+                            <dgm:shape xmlns:r="http://schemas.openxmlformats.org/officeDocument/2006/relationships" r:blip="">
+                              <dgm:adjLst/>
+                            </dgm:shape>
+                            <dgm:presOf/>
+                            <dgm:constrLst>
+                              <dgm:constr type="w" for="ch" forName="background3" refType="w" fact="0.9"/>
+                              <dgm:constr type="h" for="ch" forName="background3" refType="w" refFor="ch" refForName="background3" fact="0.635"/>
+                              <dgm:constr type="t" for="ch" forName="background3"/>
+                              <dgm:constr type="l" for="ch" forName="background3"/>
+                              <dgm:constr type="w" for="ch" forName="text3" refType="w" fact="0.9"/>
+                              <dgm:constr type="h" for="ch" forName="text3" refType="w" refFor="ch" refForName="text3" fact="0.635"/>
+                              <dgm:constr type="t" for="ch" forName="text3" refType="w" fact="0.095"/>
+                              <dgm:constr type="l" for="ch" forName="text3" refType="w" fact="0.1"/>
+                            </dgm:constrLst>
+                            <dgm:ruleLst/>
+                            <dgm:layoutNode name="background3" moveWith="text3">
+                              <dgm:alg type="sp"/>
+                              <dgm:shape xmlns:r="http://schemas.openxmlformats.org/officeDocument/2006/relationships" type="roundRect" r:blip="">
+                                <dgm:adjLst>
+                                  <dgm:adj idx="1" val="0.1"/>
+                                </dgm:adjLst>
+                              </dgm:shape>
+                              <dgm:presOf/>
+                              <dgm:constrLst/>
+                              <dgm:ruleLst/>
+                            </dgm:layoutNode>
+                            <dgm:layoutNode name="text3" styleLbl="fgAcc3">
+                              <dgm:varLst>
+                                <dgm:chPref val="3"/>
+                              </dgm:varLst>
+                              <dgm:alg type="tx"/>
+                              <dgm:shape xmlns:r="http://schemas.openxmlformats.org/officeDocument/2006/relationships" type="roundRect" r:blip="">
+                                <dgm:adjLst>
+                                  <dgm:adj idx="1" val="0.1"/>
+                                </dgm:adjLst>
+                              </dgm:shape>
+                              <dgm:presOf axis="self"/>
+                              <dgm:constrLst>
+                                <dgm:constr type="tMarg" refType="primFontSz" fact="0.3"/>
+                                <dgm:constr type="bMarg" refType="primFontSz" fact="0.3"/>
+                                <dgm:constr type="lMarg" refType="primFontSz" fact="0.3"/>
+                                <dgm:constr type="rMarg" refType="primFontSz" fact="0.3"/>
+                              </dgm:constrLst>
+                              <dgm:ruleLst>
+                                <dgm:rule type="primFontSz" val="5" fact="NaN" max="NaN"/>
+                              </dgm:ruleLst>
+                            </dgm:layoutNode>
+                          </dgm:layoutNode>
+                          <dgm:layoutNode name="hierChild4">
+                            <dgm:choose name="Name19">
+                              <dgm:if name="Name20" func="var" arg="dir" op="equ" val="norm">
+                                <dgm:alg type="hierChild">
+                                  <dgm:param type="linDir" val="fromL"/>
+                                </dgm:alg>
+                              </dgm:if>
+                              <dgm:else name="Name21">
+                                <dgm:alg type="hierChild">
+                                  <dgm:param type="linDir" val="fromR"/>
+                                </dgm:alg>
+                              </dgm:else>
+                            </dgm:choose>
+                            <dgm:shape xmlns:r="http://schemas.openxmlformats.org/officeDocument/2006/relationships" r:blip="">
+                              <dgm:adjLst/>
+                            </dgm:shape>
+                            <dgm:presOf/>
+                            <dgm:constrLst/>
+                            <dgm:ruleLst/>
+                            <dgm:forEach name="repeat" axis="ch">
+                              <dgm:forEach name="Name22" axis="self" ptType="parTrans" cnt="1">
+                                <dgm:layoutNode name="Name23">
+                                  <dgm:choose name="Name24">
+                                    <dgm:if name="Name25" axis="self" func="depth" op="lte" val="4">
+                                      <dgm:alg type="conn">
+                                        <dgm:param type="dim" val="1D"/>
+                                        <dgm:param type="endSty" val="noArr"/>
+                                        <dgm:param type="connRout" val="bend"/>
+                                        <dgm:param type="bendPt" val="end"/>
+                                        <dgm:param type="begPts" val="bCtr"/>
+                                        <dgm:param type="endPts" val="tCtr"/>
+                                        <dgm:param type="srcNode" val="background3"/>
+                                        <dgm:param type="dstNode" val="background4"/>
+                                      </dgm:alg>
+                                    </dgm:if>
+                                    <dgm:else name="Name26">
+                                      <dgm:alg type="conn">
+                                        <dgm:param type="dim" val="1D"/>
+                                        <dgm:param type="endSty" val="noArr"/>
+                                        <dgm:param type="connRout" val="bend"/>
+                                        <dgm:param type="bendPt" val="end"/>
+                                        <dgm:param type="begPts" val="bCtr"/>
+                                        <dgm:param type="endPts" val="tCtr"/>
+                                        <dgm:param type="srcNode" val="background4"/>
+                                        <dgm:param type="dstNode" val="background4"/>
+                                      </dgm:alg>
+                                    </dgm:else>
+                                  </dgm:choose>
+                                  <dgm:shape xmlns:r="http://schemas.openxmlformats.org/officeDocument/2006/relationships" type="conn" r:blip="" zOrderOff="-999">
+                                    <dgm:adjLst/>
+                                  </dgm:shape>
+                                  <dgm:presOf axis="self"/>
+                                  <dgm:constrLst>
+                                    <dgm:constr type="begPad"/>
+                                    <dgm:constr type="endPad"/>
+                                  </dgm:constrLst>
+                                  <dgm:ruleLst/>
+                                </dgm:layoutNode>
+                              </dgm:forEach>
+                              <dgm:forEach name="Name27" axis="self" ptType="node">
+                                <dgm:layoutNode name="hierRoot4">
+                                  <dgm:alg type="hierRoot"/>
+                                  <dgm:shape xmlns:r="http://schemas.openxmlformats.org/officeDocument/2006/relationships" r:blip="">
+                                    <dgm:adjLst/>
+                                  </dgm:shape>
+                                  <dgm:presOf/>
+                                  <dgm:constrLst>
+                                    <dgm:constr type="bendDist" for="des" ptType="parTrans" refType="sp" fact="0.5"/>
+                                  </dgm:constrLst>
+                                  <dgm:ruleLst/>
+                                  <dgm:layoutNode name="composite4">
+                                    <dgm:alg type="composite"/>
+                                    <dgm:shape xmlns:r="http://schemas.openxmlformats.org/officeDocument/2006/relationships" r:blip="">
+                                      <dgm:adjLst/>
+                                    </dgm:shape>
+                                    <dgm:presOf/>
+                                    <dgm:constrLst>
+                                      <dgm:constr type="w" for="ch" forName="background4" refType="w" fact="0.9"/>
+                                      <dgm:constr type="h" for="ch" forName="background4" refType="w" refFor="ch" refForName="background4" fact="0.635"/>
+                                      <dgm:constr type="t" for="ch" forName="background4"/>
+                                      <dgm:constr type="l" for="ch" forName="background4"/>
+                                      <dgm:constr type="w" for="ch" forName="text4" refType="w" fact="0.9"/>
+                                      <dgm:constr type="h" for="ch" forName="text4" refType="w" refFor="ch" refForName="text4" fact="0.635"/>
+                                      <dgm:constr type="t" for="ch" forName="text4" refType="w" fact="0.095"/>
+                                      <dgm:constr type="l" for="ch" forName="text4" refType="w" fact="0.1"/>
+                                    </dgm:constrLst>
+                                    <dgm:ruleLst/>
+                                    <dgm:layoutNode name="background4" moveWith="text4">
+                                      <dgm:alg type="sp"/>
+                                      <dgm:shape xmlns:r="http://schemas.openxmlformats.org/officeDocument/2006/relationships" type="roundRect" r:blip="">
+                                        <dgm:adjLst>
+                                          <dgm:adj idx="1" val="0.1"/>
+                                        </dgm:adjLst>
+                                      </dgm:shape>
+                                      <dgm:presOf/>
+                                      <dgm:constrLst/>
+                                      <dgm:ruleLst/>
+                                    </dgm:layoutNode>
+                                    <dgm:layoutNode name="text4" styleLbl="fgAcc4">
+                                      <dgm:varLst>
+                                        <dgm:chPref val="3"/>
+                                      </dgm:varLst>
+                                      <dgm:alg type="tx"/>
+                                      <dgm:shape xmlns:r="http://schemas.openxmlformats.org/officeDocument/2006/relationships" type="roundRect" r:blip="">
+                                        <dgm:adjLst>
+                                          <dgm:adj idx="1" val="0.1"/>
+                                        </dgm:adjLst>
+                                      </dgm:shape>
+                                      <dgm:presOf axis="self"/>
+                                      <dgm:constrLst>
+                                        <dgm:constr type="tMarg" refType="primFontSz" fact="0.3"/>
+                                        <dgm:constr type="bMarg" refType="primFontSz" fact="0.3"/>
+                                        <dgm:constr type="lMarg" refType="primFontSz" fact="0.3"/>
+                                        <dgm:constr type="rMarg" refType="primFontSz" fact="0.3"/>
+                                      </dgm:constrLst>
+                                      <dgm:ruleLst>
+                                        <dgm:rule type="primFontSz" val="5" fact="NaN" max="NaN"/>
+                                      </dgm:ruleLst>
+                                    </dgm:layoutNode>
+                                  </dgm:layoutNode>
+                                  <dgm:layoutNode name="hierChild5">
+                                    <dgm:choose name="Name28">
+                                      <dgm:if name="Name29" func="var" arg="dir" op="equ" val="norm">
+                                        <dgm:alg type="hierChild">
+                                          <dgm:param type="linDir" val="fromL"/>
+                                        </dgm:alg>
+                                      </dgm:if>
+                                      <dgm:else name="Name30">
+                                        <dgm:alg type="hierChild">
+                                          <dgm:param type="linDir" val="fromR"/>
+                                        </dgm:alg>
+                                      </dgm:else>
+                                    </dgm:choose>
+                                    <dgm:shape xmlns:r="http://schemas.openxmlformats.org/officeDocument/2006/relationships" r:blip="">
+                                      <dgm:adjLst/>
+                                    </dgm:shape>
+                                    <dgm:presOf/>
+                                    <dgm:constrLst/>
+                                    <dgm:ruleLst/>
+                                    <dgm:forEach name="Name31" ref="repeat"/>
+                                  </dgm:layoutNode>
+                                </dgm:layoutNode>
+                              </dgm:forEach>
+                            </dgm:forEach>
+                          </dgm:layoutNode>
+                        </dgm:layoutNode>
+                      </dgm:forEach>
+                    </dgm:forEach>
+                  </dgm:layoutNode>
+                </dgm:layoutNode>
+              </dgm:forEach>
+            </dgm:forEach>
+          </dgm:layoutNode>
+        </dgm:layoutNode>
+      </dgm:forEach>
+    </dgm:forEach>
+  </dgm:layoutNode>
+</dgm:layoutDef>
+</file>
+
 <file path=ppt/diagrams/quickStyle1.xml><?xml version="1.0" encoding="utf-8"?>
 <dgm:styleDef xmlns:dgm="http://schemas.openxmlformats.org/drawingml/2006/diagram" xmlns:a="http://schemas.openxmlformats.org/drawingml/2006/main" uniqueId="urn:microsoft.com/office/officeart/2005/8/quickstyle/simple4">
   <dgm:title val=""/>
@@ -6108,6 +6812,1040 @@
 </file>
 
 <file path=ppt/diagrams/quickStyle2.xml><?xml version="1.0" encoding="utf-8"?>
+<dgm:styleDef xmlns:dgm="http://schemas.openxmlformats.org/drawingml/2006/diagram" xmlns:a="http://schemas.openxmlformats.org/drawingml/2006/main" uniqueId="urn:microsoft.com/office/officeart/2005/8/quickstyle/simple4">
+  <dgm:title val=""/>
+  <dgm:desc val=""/>
+  <dgm:catLst>
+    <dgm:cat type="simple" pri="10400"/>
+  </dgm:catLst>
+  <dgm:scene3d>
+    <a:camera prst="orthographicFront"/>
+    <a:lightRig rig="threePt" dir="t"/>
+  </dgm:scene3d>
+  <dgm:styleLbl name="node0">
+    <dgm:scene3d>
+      <a:camera prst="orthographicFront"/>
+      <a:lightRig rig="threePt" dir="t"/>
+    </dgm:scene3d>
+    <dgm:sp3d/>
+    <dgm:txPr/>
+    <dgm:style>
+      <a:lnRef idx="0">
+        <a:scrgbClr r="0" g="0" b="0"/>
+      </a:lnRef>
+      <a:fillRef idx="3">
+        <a:scrgbClr r="0" g="0" b="0"/>
+      </a:fillRef>
+      <a:effectRef idx="2">
+        <a:scrgbClr r="0" g="0" b="0"/>
+      </a:effectRef>
+      <a:fontRef idx="minor">
+        <a:schemeClr val="lt1"/>
+      </a:fontRef>
+    </dgm:style>
+  </dgm:styleLbl>
+  <dgm:styleLbl name="lnNode1">
+    <dgm:scene3d>
+      <a:camera prst="orthographicFront"/>
+      <a:lightRig rig="threePt" dir="t"/>
+    </dgm:scene3d>
+    <dgm:sp3d/>
+    <dgm:txPr/>
+    <dgm:style>
+      <a:lnRef idx="1">
+        <a:scrgbClr r="0" g="0" b="0"/>
+      </a:lnRef>
+      <a:fillRef idx="3">
+        <a:scrgbClr r="0" g="0" b="0"/>
+      </a:fillRef>
+      <a:effectRef idx="2">
+        <a:scrgbClr r="0" g="0" b="0"/>
+      </a:effectRef>
+      <a:fontRef idx="minor">
+        <a:schemeClr val="lt1"/>
+      </a:fontRef>
+    </dgm:style>
+  </dgm:styleLbl>
+  <dgm:styleLbl name="vennNode1">
+    <dgm:scene3d>
+      <a:camera prst="orthographicFront"/>
+      <a:lightRig rig="threePt" dir="t"/>
+    </dgm:scene3d>
+    <dgm:sp3d/>
+    <dgm:txPr/>
+    <dgm:style>
+      <a:lnRef idx="0">
+        <a:scrgbClr r="0" g="0" b="0"/>
+      </a:lnRef>
+      <a:fillRef idx="3">
+        <a:scrgbClr r="0" g="0" b="0"/>
+      </a:fillRef>
+      <a:effectRef idx="0">
+        <a:scrgbClr r="0" g="0" b="0"/>
+      </a:effectRef>
+      <a:fontRef idx="minor">
+        <a:schemeClr val="tx1"/>
+      </a:fontRef>
+    </dgm:style>
+  </dgm:styleLbl>
+  <dgm:styleLbl name="alignNode1">
+    <dgm:scene3d>
+      <a:camera prst="orthographicFront"/>
+      <a:lightRig rig="threePt" dir="t"/>
+    </dgm:scene3d>
+    <dgm:sp3d/>
+    <dgm:txPr/>
+    <dgm:style>
+      <a:lnRef idx="1">
+        <a:scrgbClr r="0" g="0" b="0"/>
+      </a:lnRef>
+      <a:fillRef idx="3">
+        <a:scrgbClr r="0" g="0" b="0"/>
+      </a:fillRef>
+      <a:effectRef idx="2">
+        <a:scrgbClr r="0" g="0" b="0"/>
+      </a:effectRef>
+      <a:fontRef idx="minor">
+        <a:schemeClr val="lt1"/>
+      </a:fontRef>
+    </dgm:style>
+  </dgm:styleLbl>
+  <dgm:styleLbl name="node1">
+    <dgm:scene3d>
+      <a:camera prst="orthographicFront"/>
+      <a:lightRig rig="threePt" dir="t"/>
+    </dgm:scene3d>
+    <dgm:sp3d/>
+    <dgm:txPr/>
+    <dgm:style>
+      <a:lnRef idx="0">
+        <a:scrgbClr r="0" g="0" b="0"/>
+      </a:lnRef>
+      <a:fillRef idx="3">
+        <a:scrgbClr r="0" g="0" b="0"/>
+      </a:fillRef>
+      <a:effectRef idx="2">
+        <a:scrgbClr r="0" g="0" b="0"/>
+      </a:effectRef>
+      <a:fontRef idx="minor">
+        <a:schemeClr val="lt1"/>
+      </a:fontRef>
+    </dgm:style>
+  </dgm:styleLbl>
+  <dgm:styleLbl name="node2">
+    <dgm:scene3d>
+      <a:camera prst="orthographicFront"/>
+      <a:lightRig rig="threePt" dir="t"/>
+    </dgm:scene3d>
+    <dgm:sp3d/>
+    <dgm:txPr/>
+    <dgm:style>
+      <a:lnRef idx="0">
+        <a:scrgbClr r="0" g="0" b="0"/>
+      </a:lnRef>
+      <a:fillRef idx="3">
+        <a:scrgbClr r="0" g="0" b="0"/>
+      </a:fillRef>
+      <a:effectRef idx="2">
+        <a:scrgbClr r="0" g="0" b="0"/>
+      </a:effectRef>
+      <a:fontRef idx="minor">
+        <a:schemeClr val="lt1"/>
+      </a:fontRef>
+    </dgm:style>
+  </dgm:styleLbl>
+  <dgm:styleLbl name="node3">
+    <dgm:scene3d>
+      <a:camera prst="orthographicFront"/>
+      <a:lightRig rig="threePt" dir="t"/>
+    </dgm:scene3d>
+    <dgm:sp3d/>
+    <dgm:txPr/>
+    <dgm:style>
+      <a:lnRef idx="0">
+        <a:scrgbClr r="0" g="0" b="0"/>
+      </a:lnRef>
+      <a:fillRef idx="3">
+        <a:scrgbClr r="0" g="0" b="0"/>
+      </a:fillRef>
+      <a:effectRef idx="2">
+        <a:scrgbClr r="0" g="0" b="0"/>
+      </a:effectRef>
+      <a:fontRef idx="minor">
+        <a:schemeClr val="lt1"/>
+      </a:fontRef>
+    </dgm:style>
+  </dgm:styleLbl>
+  <dgm:styleLbl name="node4">
+    <dgm:scene3d>
+      <a:camera prst="orthographicFront"/>
+      <a:lightRig rig="threePt" dir="t"/>
+    </dgm:scene3d>
+    <dgm:sp3d/>
+    <dgm:txPr/>
+    <dgm:style>
+      <a:lnRef idx="0">
+        <a:scrgbClr r="0" g="0" b="0"/>
+      </a:lnRef>
+      <a:fillRef idx="3">
+        <a:scrgbClr r="0" g="0" b="0"/>
+      </a:fillRef>
+      <a:effectRef idx="2">
+        <a:scrgbClr r="0" g="0" b="0"/>
+      </a:effectRef>
+      <a:fontRef idx="minor">
+        <a:schemeClr val="lt1"/>
+      </a:fontRef>
+    </dgm:style>
+  </dgm:styleLbl>
+  <dgm:styleLbl name="fgImgPlace1">
+    <dgm:scene3d>
+      <a:camera prst="orthographicFront"/>
+      <a:lightRig rig="threePt" dir="t"/>
+    </dgm:scene3d>
+    <dgm:sp3d/>
+    <dgm:txPr/>
+    <dgm:style>
+      <a:lnRef idx="0">
+        <a:scrgbClr r="0" g="0" b="0"/>
+      </a:lnRef>
+      <a:fillRef idx="1">
+        <a:scrgbClr r="0" g="0" b="0"/>
+      </a:fillRef>
+      <a:effectRef idx="2">
+        <a:scrgbClr r="0" g="0" b="0"/>
+      </a:effectRef>
+      <a:fontRef idx="minor"/>
+    </dgm:style>
+  </dgm:styleLbl>
+  <dgm:styleLbl name="alignImgPlace1">
+    <dgm:scene3d>
+      <a:camera prst="orthographicFront"/>
+      <a:lightRig rig="threePt" dir="t"/>
+    </dgm:scene3d>
+    <dgm:sp3d/>
+    <dgm:txPr/>
+    <dgm:style>
+      <a:lnRef idx="0">
+        <a:scrgbClr r="0" g="0" b="0"/>
+      </a:lnRef>
+      <a:fillRef idx="1">
+        <a:scrgbClr r="0" g="0" b="0"/>
+      </a:fillRef>
+      <a:effectRef idx="2">
+        <a:scrgbClr r="0" g="0" b="0"/>
+      </a:effectRef>
+      <a:fontRef idx="minor"/>
+    </dgm:style>
+  </dgm:styleLbl>
+  <dgm:styleLbl name="bgImgPlace1">
+    <dgm:scene3d>
+      <a:camera prst="orthographicFront"/>
+      <a:lightRig rig="threePt" dir="t"/>
+    </dgm:scene3d>
+    <dgm:sp3d/>
+    <dgm:txPr/>
+    <dgm:style>
+      <a:lnRef idx="0">
+        <a:scrgbClr r="0" g="0" b="0"/>
+      </a:lnRef>
+      <a:fillRef idx="1">
+        <a:scrgbClr r="0" g="0" b="0"/>
+      </a:fillRef>
+      <a:effectRef idx="2">
+        <a:scrgbClr r="0" g="0" b="0"/>
+      </a:effectRef>
+      <a:fontRef idx="minor"/>
+    </dgm:style>
+  </dgm:styleLbl>
+  <dgm:styleLbl name="sibTrans2D1">
+    <dgm:scene3d>
+      <a:camera prst="orthographicFront"/>
+      <a:lightRig rig="threePt" dir="t"/>
+    </dgm:scene3d>
+    <dgm:sp3d/>
+    <dgm:txPr/>
+    <dgm:style>
+      <a:lnRef idx="0">
+        <a:scrgbClr r="0" g="0" b="0"/>
+      </a:lnRef>
+      <a:fillRef idx="3">
+        <a:scrgbClr r="0" g="0" b="0"/>
+      </a:fillRef>
+      <a:effectRef idx="2">
+        <a:scrgbClr r="0" g="0" b="0"/>
+      </a:effectRef>
+      <a:fontRef idx="minor">
+        <a:schemeClr val="lt1"/>
+      </a:fontRef>
+    </dgm:style>
+  </dgm:styleLbl>
+  <dgm:styleLbl name="fgSibTrans2D1">
+    <dgm:scene3d>
+      <a:camera prst="orthographicFront"/>
+      <a:lightRig rig="threePt" dir="t"/>
+    </dgm:scene3d>
+    <dgm:sp3d/>
+    <dgm:txPr/>
+    <dgm:style>
+      <a:lnRef idx="0">
+        <a:scrgbClr r="0" g="0" b="0"/>
+      </a:lnRef>
+      <a:fillRef idx="3">
+        <a:scrgbClr r="0" g="0" b="0"/>
+      </a:fillRef>
+      <a:effectRef idx="2">
+        <a:scrgbClr r="0" g="0" b="0"/>
+      </a:effectRef>
+      <a:fontRef idx="minor">
+        <a:schemeClr val="lt1"/>
+      </a:fontRef>
+    </dgm:style>
+  </dgm:styleLbl>
+  <dgm:styleLbl name="bgSibTrans2D1">
+    <dgm:scene3d>
+      <a:camera prst="orthographicFront"/>
+      <a:lightRig rig="threePt" dir="t"/>
+    </dgm:scene3d>
+    <dgm:sp3d/>
+    <dgm:txPr/>
+    <dgm:style>
+      <a:lnRef idx="0">
+        <a:scrgbClr r="0" g="0" b="0"/>
+      </a:lnRef>
+      <a:fillRef idx="3">
+        <a:scrgbClr r="0" g="0" b="0"/>
+      </a:fillRef>
+      <a:effectRef idx="2">
+        <a:scrgbClr r="0" g="0" b="0"/>
+      </a:effectRef>
+      <a:fontRef idx="minor">
+        <a:schemeClr val="lt1"/>
+      </a:fontRef>
+    </dgm:style>
+  </dgm:styleLbl>
+  <dgm:styleLbl name="sibTrans1D1">
+    <dgm:scene3d>
+      <a:camera prst="orthographicFront"/>
+      <a:lightRig rig="threePt" dir="t"/>
+    </dgm:scene3d>
+    <dgm:sp3d/>
+    <dgm:txPr/>
+    <dgm:style>
+      <a:lnRef idx="1">
+        <a:scrgbClr r="0" g="0" b="0"/>
+      </a:lnRef>
+      <a:fillRef idx="0">
+        <a:scrgbClr r="0" g="0" b="0"/>
+      </a:fillRef>
+      <a:effectRef idx="0">
+        <a:scrgbClr r="0" g="0" b="0"/>
+      </a:effectRef>
+      <a:fontRef idx="minor"/>
+    </dgm:style>
+  </dgm:styleLbl>
+  <dgm:styleLbl name="callout">
+    <dgm:scene3d>
+      <a:camera prst="orthographicFront"/>
+      <a:lightRig rig="threePt" dir="t"/>
+    </dgm:scene3d>
+    <dgm:sp3d/>
+    <dgm:txPr/>
+    <dgm:style>
+      <a:lnRef idx="2">
+        <a:scrgbClr r="0" g="0" b="0"/>
+      </a:lnRef>
+      <a:fillRef idx="1">
+        <a:scrgbClr r="0" g="0" b="0"/>
+      </a:fillRef>
+      <a:effectRef idx="1">
+        <a:scrgbClr r="0" g="0" b="0"/>
+      </a:effectRef>
+      <a:fontRef idx="minor"/>
+    </dgm:style>
+  </dgm:styleLbl>
+  <dgm:styleLbl name="asst0">
+    <dgm:scene3d>
+      <a:camera prst="orthographicFront"/>
+      <a:lightRig rig="threePt" dir="t"/>
+    </dgm:scene3d>
+    <dgm:sp3d/>
+    <dgm:txPr/>
+    <dgm:style>
+      <a:lnRef idx="0">
+        <a:scrgbClr r="0" g="0" b="0"/>
+      </a:lnRef>
+      <a:fillRef idx="3">
+        <a:scrgbClr r="0" g="0" b="0"/>
+      </a:fillRef>
+      <a:effectRef idx="2">
+        <a:scrgbClr r="0" g="0" b="0"/>
+      </a:effectRef>
+      <a:fontRef idx="minor">
+        <a:schemeClr val="lt1"/>
+      </a:fontRef>
+    </dgm:style>
+  </dgm:styleLbl>
+  <dgm:styleLbl name="asst1">
+    <dgm:scene3d>
+      <a:camera prst="orthographicFront"/>
+      <a:lightRig rig="threePt" dir="t"/>
+    </dgm:scene3d>
+    <dgm:sp3d/>
+    <dgm:txPr/>
+    <dgm:style>
+      <a:lnRef idx="0">
+        <a:scrgbClr r="0" g="0" b="0"/>
+      </a:lnRef>
+      <a:fillRef idx="3">
+        <a:scrgbClr r="0" g="0" b="0"/>
+      </a:fillRef>
+      <a:effectRef idx="2">
+        <a:scrgbClr r="0" g="0" b="0"/>
+      </a:effectRef>
+      <a:fontRef idx="minor">
+        <a:schemeClr val="lt1"/>
+      </a:fontRef>
+    </dgm:style>
+  </dgm:styleLbl>
+  <dgm:styleLbl name="asst2">
+    <dgm:scene3d>
+      <a:camera prst="orthographicFront"/>
+      <a:lightRig rig="threePt" dir="t"/>
+    </dgm:scene3d>
+    <dgm:sp3d/>
+    <dgm:txPr/>
+    <dgm:style>
+      <a:lnRef idx="0">
+        <a:scrgbClr r="0" g="0" b="0"/>
+      </a:lnRef>
+      <a:fillRef idx="3">
+        <a:scrgbClr r="0" g="0" b="0"/>
+      </a:fillRef>
+      <a:effectRef idx="2">
+        <a:scrgbClr r="0" g="0" b="0"/>
+      </a:effectRef>
+      <a:fontRef idx="minor">
+        <a:schemeClr val="lt1"/>
+      </a:fontRef>
+    </dgm:style>
+  </dgm:styleLbl>
+  <dgm:styleLbl name="asst3">
+    <dgm:scene3d>
+      <a:camera prst="orthographicFront"/>
+      <a:lightRig rig="threePt" dir="t"/>
+    </dgm:scene3d>
+    <dgm:sp3d/>
+    <dgm:txPr/>
+    <dgm:style>
+      <a:lnRef idx="0">
+        <a:scrgbClr r="0" g="0" b="0"/>
+      </a:lnRef>
+      <a:fillRef idx="3">
+        <a:scrgbClr r="0" g="0" b="0"/>
+      </a:fillRef>
+      <a:effectRef idx="2">
+        <a:scrgbClr r="0" g="0" b="0"/>
+      </a:effectRef>
+      <a:fontRef idx="minor">
+        <a:schemeClr val="lt1"/>
+      </a:fontRef>
+    </dgm:style>
+  </dgm:styleLbl>
+  <dgm:styleLbl name="asst4">
+    <dgm:scene3d>
+      <a:camera prst="orthographicFront"/>
+      <a:lightRig rig="threePt" dir="t"/>
+    </dgm:scene3d>
+    <dgm:sp3d/>
+    <dgm:txPr/>
+    <dgm:style>
+      <a:lnRef idx="0">
+        <a:scrgbClr r="0" g="0" b="0"/>
+      </a:lnRef>
+      <a:fillRef idx="3">
+        <a:scrgbClr r="0" g="0" b="0"/>
+      </a:fillRef>
+      <a:effectRef idx="2">
+        <a:scrgbClr r="0" g="0" b="0"/>
+      </a:effectRef>
+      <a:fontRef idx="minor">
+        <a:schemeClr val="lt1"/>
+      </a:fontRef>
+    </dgm:style>
+  </dgm:styleLbl>
+  <dgm:styleLbl name="parChTrans2D1">
+    <dgm:scene3d>
+      <a:camera prst="orthographicFront"/>
+      <a:lightRig rig="threePt" dir="t"/>
+    </dgm:scene3d>
+    <dgm:sp3d/>
+    <dgm:txPr/>
+    <dgm:style>
+      <a:lnRef idx="0">
+        <a:scrgbClr r="0" g="0" b="0"/>
+      </a:lnRef>
+      <a:fillRef idx="3">
+        <a:scrgbClr r="0" g="0" b="0"/>
+      </a:fillRef>
+      <a:effectRef idx="2">
+        <a:scrgbClr r="0" g="0" b="0"/>
+      </a:effectRef>
+      <a:fontRef idx="minor">
+        <a:schemeClr val="lt1"/>
+      </a:fontRef>
+    </dgm:style>
+  </dgm:styleLbl>
+  <dgm:styleLbl name="parChTrans2D2">
+    <dgm:scene3d>
+      <a:camera prst="orthographicFront"/>
+      <a:lightRig rig="threePt" dir="t"/>
+    </dgm:scene3d>
+    <dgm:sp3d/>
+    <dgm:txPr/>
+    <dgm:style>
+      <a:lnRef idx="0">
+        <a:scrgbClr r="0" g="0" b="0"/>
+      </a:lnRef>
+      <a:fillRef idx="3">
+        <a:scrgbClr r="0" g="0" b="0"/>
+      </a:fillRef>
+      <a:effectRef idx="2">
+        <a:scrgbClr r="0" g="0" b="0"/>
+      </a:effectRef>
+      <a:fontRef idx="minor">
+        <a:schemeClr val="lt1"/>
+      </a:fontRef>
+    </dgm:style>
+  </dgm:styleLbl>
+  <dgm:styleLbl name="parChTrans2D3">
+    <dgm:scene3d>
+      <a:camera prst="orthographicFront"/>
+      <a:lightRig rig="threePt" dir="t"/>
+    </dgm:scene3d>
+    <dgm:sp3d/>
+    <dgm:txPr/>
+    <dgm:style>
+      <a:lnRef idx="1">
+        <a:scrgbClr r="0" g="0" b="0"/>
+      </a:lnRef>
+      <a:fillRef idx="3">
+        <a:scrgbClr r="0" g="0" b="0"/>
+      </a:fillRef>
+      <a:effectRef idx="2">
+        <a:scrgbClr r="0" g="0" b="0"/>
+      </a:effectRef>
+      <a:fontRef idx="minor">
+        <a:schemeClr val="lt1"/>
+      </a:fontRef>
+    </dgm:style>
+  </dgm:styleLbl>
+  <dgm:styleLbl name="parChTrans2D4">
+    <dgm:scene3d>
+      <a:camera prst="orthographicFront"/>
+      <a:lightRig rig="threePt" dir="t"/>
+    </dgm:scene3d>
+    <dgm:sp3d/>
+    <dgm:txPr/>
+    <dgm:style>
+      <a:lnRef idx="1">
+        <a:scrgbClr r="0" g="0" b="0"/>
+      </a:lnRef>
+      <a:fillRef idx="3">
+        <a:scrgbClr r="0" g="0" b="0"/>
+      </a:fillRef>
+      <a:effectRef idx="2">
+        <a:scrgbClr r="0" g="0" b="0"/>
+      </a:effectRef>
+      <a:fontRef idx="minor">
+        <a:schemeClr val="lt1"/>
+      </a:fontRef>
+    </dgm:style>
+  </dgm:styleLbl>
+  <dgm:styleLbl name="parChTrans1D1">
+    <dgm:scene3d>
+      <a:camera prst="orthographicFront"/>
+      <a:lightRig rig="threePt" dir="t"/>
+    </dgm:scene3d>
+    <dgm:sp3d/>
+    <dgm:txPr/>
+    <dgm:style>
+      <a:lnRef idx="1">
+        <a:scrgbClr r="0" g="0" b="0"/>
+      </a:lnRef>
+      <a:fillRef idx="0">
+        <a:scrgbClr r="0" g="0" b="0"/>
+      </a:fillRef>
+      <a:effectRef idx="0">
+        <a:scrgbClr r="0" g="0" b="0"/>
+      </a:effectRef>
+      <a:fontRef idx="minor"/>
+    </dgm:style>
+  </dgm:styleLbl>
+  <dgm:styleLbl name="parChTrans1D2">
+    <dgm:scene3d>
+      <a:camera prst="orthographicFront"/>
+      <a:lightRig rig="threePt" dir="t"/>
+    </dgm:scene3d>
+    <dgm:sp3d/>
+    <dgm:txPr/>
+    <dgm:style>
+      <a:lnRef idx="1">
+        <a:scrgbClr r="0" g="0" b="0"/>
+      </a:lnRef>
+      <a:fillRef idx="0">
+        <a:scrgbClr r="0" g="0" b="0"/>
+      </a:fillRef>
+      <a:effectRef idx="0">
+        <a:scrgbClr r="0" g="0" b="0"/>
+      </a:effectRef>
+      <a:fontRef idx="minor"/>
+    </dgm:style>
+  </dgm:styleLbl>
+  <dgm:styleLbl name="parChTrans1D3">
+    <dgm:scene3d>
+      <a:camera prst="orthographicFront"/>
+      <a:lightRig rig="threePt" dir="t"/>
+    </dgm:scene3d>
+    <dgm:sp3d/>
+    <dgm:txPr/>
+    <dgm:style>
+      <a:lnRef idx="1">
+        <a:scrgbClr r="0" g="0" b="0"/>
+      </a:lnRef>
+      <a:fillRef idx="0">
+        <a:scrgbClr r="0" g="0" b="0"/>
+      </a:fillRef>
+      <a:effectRef idx="0">
+        <a:scrgbClr r="0" g="0" b="0"/>
+      </a:effectRef>
+      <a:fontRef idx="minor"/>
+    </dgm:style>
+  </dgm:styleLbl>
+  <dgm:styleLbl name="parChTrans1D4">
+    <dgm:scene3d>
+      <a:camera prst="orthographicFront"/>
+      <a:lightRig rig="threePt" dir="t"/>
+    </dgm:scene3d>
+    <dgm:sp3d/>
+    <dgm:txPr/>
+    <dgm:style>
+      <a:lnRef idx="1">
+        <a:scrgbClr r="0" g="0" b="0"/>
+      </a:lnRef>
+      <a:fillRef idx="0">
+        <a:scrgbClr r="0" g="0" b="0"/>
+      </a:fillRef>
+      <a:effectRef idx="0">
+        <a:scrgbClr r="0" g="0" b="0"/>
+      </a:effectRef>
+      <a:fontRef idx="minor"/>
+    </dgm:style>
+  </dgm:styleLbl>
+  <dgm:styleLbl name="fgAcc1">
+    <dgm:scene3d>
+      <a:camera prst="orthographicFront"/>
+      <a:lightRig rig="threePt" dir="t"/>
+    </dgm:scene3d>
+    <dgm:sp3d/>
+    <dgm:txPr/>
+    <dgm:style>
+      <a:lnRef idx="1">
+        <a:scrgbClr r="0" g="0" b="0"/>
+      </a:lnRef>
+      <a:fillRef idx="1">
+        <a:scrgbClr r="0" g="0" b="0"/>
+      </a:fillRef>
+      <a:effectRef idx="0">
+        <a:scrgbClr r="0" g="0" b="0"/>
+      </a:effectRef>
+      <a:fontRef idx="minor"/>
+    </dgm:style>
+  </dgm:styleLbl>
+  <dgm:styleLbl name="conFgAcc1">
+    <dgm:scene3d>
+      <a:camera prst="orthographicFront"/>
+      <a:lightRig rig="threePt" dir="t"/>
+    </dgm:scene3d>
+    <dgm:sp3d/>
+    <dgm:txPr/>
+    <dgm:style>
+      <a:lnRef idx="1">
+        <a:scrgbClr r="0" g="0" b="0"/>
+      </a:lnRef>
+      <a:fillRef idx="1">
+        <a:scrgbClr r="0" g="0" b="0"/>
+      </a:fillRef>
+      <a:effectRef idx="0">
+        <a:scrgbClr r="0" g="0" b="0"/>
+      </a:effectRef>
+      <a:fontRef idx="minor"/>
+    </dgm:style>
+  </dgm:styleLbl>
+  <dgm:styleLbl name="alignAcc1">
+    <dgm:scene3d>
+      <a:camera prst="orthographicFront"/>
+      <a:lightRig rig="threePt" dir="t"/>
+    </dgm:scene3d>
+    <dgm:sp3d/>
+    <dgm:txPr/>
+    <dgm:style>
+      <a:lnRef idx="1">
+        <a:scrgbClr r="0" g="0" b="0"/>
+      </a:lnRef>
+      <a:fillRef idx="1">
+        <a:scrgbClr r="0" g="0" b="0"/>
+      </a:fillRef>
+      <a:effectRef idx="0">
+        <a:scrgbClr r="0" g="0" b="0"/>
+      </a:effectRef>
+      <a:fontRef idx="minor"/>
+    </dgm:style>
+  </dgm:styleLbl>
+  <dgm:styleLbl name="trAlignAcc1">
+    <dgm:scene3d>
+      <a:camera prst="orthographicFront"/>
+      <a:lightRig rig="threePt" dir="t"/>
+    </dgm:scene3d>
+    <dgm:sp3d/>
+    <dgm:txPr/>
+    <dgm:style>
+      <a:lnRef idx="1">
+        <a:scrgbClr r="0" g="0" b="0"/>
+      </a:lnRef>
+      <a:fillRef idx="1">
+        <a:scrgbClr r="0" g="0" b="0"/>
+      </a:fillRef>
+      <a:effectRef idx="0">
+        <a:scrgbClr r="0" g="0" b="0"/>
+      </a:effectRef>
+      <a:fontRef idx="minor"/>
+    </dgm:style>
+  </dgm:styleLbl>
+  <dgm:styleLbl name="bgAcc1">
+    <dgm:scene3d>
+      <a:camera prst="orthographicFront"/>
+      <a:lightRig rig="threePt" dir="t"/>
+    </dgm:scene3d>
+    <dgm:sp3d/>
+    <dgm:txPr/>
+    <dgm:style>
+      <a:lnRef idx="1">
+        <a:scrgbClr r="0" g="0" b="0"/>
+      </a:lnRef>
+      <a:fillRef idx="1">
+        <a:scrgbClr r="0" g="0" b="0"/>
+      </a:fillRef>
+      <a:effectRef idx="0">
+        <a:scrgbClr r="0" g="0" b="0"/>
+      </a:effectRef>
+      <a:fontRef idx="minor"/>
+    </dgm:style>
+  </dgm:styleLbl>
+  <dgm:styleLbl name="solidFgAcc1">
+    <dgm:scene3d>
+      <a:camera prst="orthographicFront"/>
+      <a:lightRig rig="threePt" dir="t"/>
+    </dgm:scene3d>
+    <dgm:sp3d/>
+    <dgm:txPr/>
+    <dgm:style>
+      <a:lnRef idx="1">
+        <a:scrgbClr r="0" g="0" b="0"/>
+      </a:lnRef>
+      <a:fillRef idx="1">
+        <a:scrgbClr r="0" g="0" b="0"/>
+      </a:fillRef>
+      <a:effectRef idx="0">
+        <a:scrgbClr r="0" g="0" b="0"/>
+      </a:effectRef>
+      <a:fontRef idx="minor"/>
+    </dgm:style>
+  </dgm:styleLbl>
+  <dgm:styleLbl name="solidAlignAcc1">
+    <dgm:scene3d>
+      <a:camera prst="orthographicFront"/>
+      <a:lightRig rig="threePt" dir="t"/>
+    </dgm:scene3d>
+    <dgm:sp3d/>
+    <dgm:txPr/>
+    <dgm:style>
+      <a:lnRef idx="1">
+        <a:scrgbClr r="0" g="0" b="0"/>
+      </a:lnRef>
+      <a:fillRef idx="1">
+        <a:scrgbClr r="0" g="0" b="0"/>
+      </a:fillRef>
+      <a:effectRef idx="0">
+        <a:scrgbClr r="0" g="0" b="0"/>
+      </a:effectRef>
+      <a:fontRef idx="minor"/>
+    </dgm:style>
+  </dgm:styleLbl>
+  <dgm:styleLbl name="solidBgAcc1">
+    <dgm:scene3d>
+      <a:camera prst="orthographicFront"/>
+      <a:lightRig rig="threePt" dir="t"/>
+    </dgm:scene3d>
+    <dgm:sp3d/>
+    <dgm:txPr/>
+    <dgm:style>
+      <a:lnRef idx="1">
+        <a:scrgbClr r="0" g="0" b="0"/>
+      </a:lnRef>
+      <a:fillRef idx="1">
+        <a:scrgbClr r="0" g="0" b="0"/>
+      </a:fillRef>
+      <a:effectRef idx="0">
+        <a:scrgbClr r="0" g="0" b="0"/>
+      </a:effectRef>
+      <a:fontRef idx="minor"/>
+    </dgm:style>
+  </dgm:styleLbl>
+  <dgm:styleLbl name="fgAccFollowNode1">
+    <dgm:scene3d>
+      <a:camera prst="orthographicFront"/>
+      <a:lightRig rig="threePt" dir="t"/>
+    </dgm:scene3d>
+    <dgm:sp3d/>
+    <dgm:txPr/>
+    <dgm:style>
+      <a:lnRef idx="1">
+        <a:scrgbClr r="0" g="0" b="0"/>
+      </a:lnRef>
+      <a:fillRef idx="1">
+        <a:scrgbClr r="0" g="0" b="0"/>
+      </a:fillRef>
+      <a:effectRef idx="0">
+        <a:scrgbClr r="0" g="0" b="0"/>
+      </a:effectRef>
+      <a:fontRef idx="minor"/>
+    </dgm:style>
+  </dgm:styleLbl>
+  <dgm:styleLbl name="alignAccFollowNode1">
+    <dgm:scene3d>
+      <a:camera prst="orthographicFront"/>
+      <a:lightRig rig="threePt" dir="t"/>
+    </dgm:scene3d>
+    <dgm:sp3d/>
+    <dgm:txPr/>
+    <dgm:style>
+      <a:lnRef idx="1">
+        <a:scrgbClr r="0" g="0" b="0"/>
+      </a:lnRef>
+      <a:fillRef idx="1">
+        <a:scrgbClr r="0" g="0" b="0"/>
+      </a:fillRef>
+      <a:effectRef idx="0">
+        <a:scrgbClr r="0" g="0" b="0"/>
+      </a:effectRef>
+      <a:fontRef idx="minor"/>
+    </dgm:style>
+  </dgm:styleLbl>
+  <dgm:styleLbl name="bgAccFollowNode1">
+    <dgm:scene3d>
+      <a:camera prst="orthographicFront"/>
+      <a:lightRig rig="threePt" dir="t"/>
+    </dgm:scene3d>
+    <dgm:sp3d/>
+    <dgm:txPr/>
+    <dgm:style>
+      <a:lnRef idx="1">
+        <a:scrgbClr r="0" g="0" b="0"/>
+      </a:lnRef>
+      <a:fillRef idx="1">
+        <a:scrgbClr r="0" g="0" b="0"/>
+      </a:fillRef>
+      <a:effectRef idx="0">
+        <a:scrgbClr r="0" g="0" b="0"/>
+      </a:effectRef>
+      <a:fontRef idx="minor"/>
+    </dgm:style>
+  </dgm:styleLbl>
+  <dgm:styleLbl name="fgAcc0">
+    <dgm:scene3d>
+      <a:camera prst="orthographicFront"/>
+      <a:lightRig rig="threePt" dir="t"/>
+    </dgm:scene3d>
+    <dgm:sp3d/>
+    <dgm:txPr/>
+    <dgm:style>
+      <a:lnRef idx="1">
+        <a:scrgbClr r="0" g="0" b="0"/>
+      </a:lnRef>
+      <a:fillRef idx="1">
+        <a:scrgbClr r="0" g="0" b="0"/>
+      </a:fillRef>
+      <a:effectRef idx="0">
+        <a:scrgbClr r="0" g="0" b="0"/>
+      </a:effectRef>
+      <a:fontRef idx="minor"/>
+    </dgm:style>
+  </dgm:styleLbl>
+  <dgm:styleLbl name="fgAcc2">
+    <dgm:scene3d>
+      <a:camera prst="orthographicFront"/>
+      <a:lightRig rig="threePt" dir="t"/>
+    </dgm:scene3d>
+    <dgm:sp3d/>
+    <dgm:txPr/>
+    <dgm:style>
+      <a:lnRef idx="1">
+        <a:scrgbClr r="0" g="0" b="0"/>
+      </a:lnRef>
+      <a:fillRef idx="1">
+        <a:scrgbClr r="0" g="0" b="0"/>
+      </a:fillRef>
+      <a:effectRef idx="0">
+        <a:scrgbClr r="0" g="0" b="0"/>
+      </a:effectRef>
+      <a:fontRef idx="minor"/>
+    </dgm:style>
+  </dgm:styleLbl>
+  <dgm:styleLbl name="fgAcc3">
+    <dgm:scene3d>
+      <a:camera prst="orthographicFront"/>
+      <a:lightRig rig="threePt" dir="t"/>
+    </dgm:scene3d>
+    <dgm:sp3d/>
+    <dgm:txPr/>
+    <dgm:style>
+      <a:lnRef idx="1">
+        <a:scrgbClr r="0" g="0" b="0"/>
+      </a:lnRef>
+      <a:fillRef idx="1">
+        <a:scrgbClr r="0" g="0" b="0"/>
+      </a:fillRef>
+      <a:effectRef idx="0">
+        <a:scrgbClr r="0" g="0" b="0"/>
+      </a:effectRef>
+      <a:fontRef idx="minor"/>
+    </dgm:style>
+  </dgm:styleLbl>
+  <dgm:styleLbl name="fgAcc4">
+    <dgm:scene3d>
+      <a:camera prst="orthographicFront"/>
+      <a:lightRig rig="threePt" dir="t"/>
+    </dgm:scene3d>
+    <dgm:sp3d/>
+    <dgm:txPr/>
+    <dgm:style>
+      <a:lnRef idx="1">
+        <a:scrgbClr r="0" g="0" b="0"/>
+      </a:lnRef>
+      <a:fillRef idx="1">
+        <a:scrgbClr r="0" g="0" b="0"/>
+      </a:fillRef>
+      <a:effectRef idx="0">
+        <a:scrgbClr r="0" g="0" b="0"/>
+      </a:effectRef>
+      <a:fontRef idx="minor"/>
+    </dgm:style>
+  </dgm:styleLbl>
+  <dgm:styleLbl name="bgShp">
+    <dgm:scene3d>
+      <a:camera prst="orthographicFront"/>
+      <a:lightRig rig="threePt" dir="t"/>
+    </dgm:scene3d>
+    <dgm:sp3d/>
+    <dgm:txPr/>
+    <dgm:style>
+      <a:lnRef idx="0">
+        <a:scrgbClr r="0" g="0" b="0"/>
+      </a:lnRef>
+      <a:fillRef idx="1">
+        <a:scrgbClr r="0" g="0" b="0"/>
+      </a:fillRef>
+      <a:effectRef idx="2">
+        <a:scrgbClr r="0" g="0" b="0"/>
+      </a:effectRef>
+      <a:fontRef idx="minor"/>
+    </dgm:style>
+  </dgm:styleLbl>
+  <dgm:styleLbl name="dkBgShp">
+    <dgm:scene3d>
+      <a:camera prst="orthographicFront"/>
+      <a:lightRig rig="threePt" dir="t"/>
+    </dgm:scene3d>
+    <dgm:sp3d/>
+    <dgm:txPr/>
+    <dgm:style>
+      <a:lnRef idx="0">
+        <a:scrgbClr r="0" g="0" b="0"/>
+      </a:lnRef>
+      <a:fillRef idx="1">
+        <a:scrgbClr r="0" g="0" b="0"/>
+      </a:fillRef>
+      <a:effectRef idx="2">
+        <a:scrgbClr r="0" g="0" b="0"/>
+      </a:effectRef>
+      <a:fontRef idx="minor"/>
+    </dgm:style>
+  </dgm:styleLbl>
+  <dgm:styleLbl name="trBgShp">
+    <dgm:scene3d>
+      <a:camera prst="orthographicFront"/>
+      <a:lightRig rig="threePt" dir="t"/>
+    </dgm:scene3d>
+    <dgm:sp3d/>
+    <dgm:txPr/>
+    <dgm:style>
+      <a:lnRef idx="0">
+        <a:scrgbClr r="0" g="0" b="0"/>
+      </a:lnRef>
+      <a:fillRef idx="1">
+        <a:scrgbClr r="0" g="0" b="0"/>
+      </a:fillRef>
+      <a:effectRef idx="0">
+        <a:scrgbClr r="0" g="0" b="0"/>
+      </a:effectRef>
+      <a:fontRef idx="minor"/>
+    </dgm:style>
+  </dgm:styleLbl>
+  <dgm:styleLbl name="fgShp">
+    <dgm:scene3d>
+      <a:camera prst="orthographicFront"/>
+      <a:lightRig rig="threePt" dir="t"/>
+    </dgm:scene3d>
+    <dgm:sp3d/>
+    <dgm:txPr/>
+    <dgm:style>
+      <a:lnRef idx="0">
+        <a:scrgbClr r="0" g="0" b="0"/>
+      </a:lnRef>
+      <a:fillRef idx="3">
+        <a:scrgbClr r="0" g="0" b="0"/>
+      </a:fillRef>
+      <a:effectRef idx="2">
+        <a:scrgbClr r="0" g="0" b="0"/>
+      </a:effectRef>
+      <a:fontRef idx="minor"/>
+    </dgm:style>
+  </dgm:styleLbl>
+  <dgm:styleLbl name="revTx">
+    <dgm:scene3d>
+      <a:camera prst="orthographicFront"/>
+      <a:lightRig rig="threePt" dir="t"/>
+    </dgm:scene3d>
+    <dgm:sp3d/>
+    <dgm:txPr/>
+    <dgm:style>
+      <a:lnRef idx="0">
+        <a:scrgbClr r="0" g="0" b="0"/>
+      </a:lnRef>
+      <a:fillRef idx="0">
+        <a:scrgbClr r="0" g="0" b="0"/>
+      </a:fillRef>
+      <a:effectRef idx="0">
+        <a:scrgbClr r="0" g="0" b="0"/>
+      </a:effectRef>
+      <a:fontRef idx="minor"/>
+    </dgm:style>
+  </dgm:styleLbl>
+</dgm:styleDef>
+</file>
+
+<file path=ppt/diagrams/quickStyle3.xml><?xml version="1.0" encoding="utf-8"?>
 <dgm:styleDef xmlns:dgm="http://schemas.openxmlformats.org/drawingml/2006/diagram" xmlns:a="http://schemas.openxmlformats.org/drawingml/2006/main" uniqueId="urn:microsoft.com/office/officeart/2005/8/quickstyle/simple4">
   <dgm:title val=""/>
   <dgm:desc val=""/>
@@ -7224,7 +8962,7 @@
             <a:fld id="{AB1CDEB6-C0D8-439D-94AA-7569540F08E4}" type="datetimeFigureOut">
               <a:rPr lang="en-US" smtClean="0"/>
               <a:pPr/>
-              <a:t>8/5/15</a:t>
+              <a:t>8/8/15</a:t>
             </a:fld>
             <a:endParaRPr lang="en-US"/>
           </a:p>
@@ -7582,7 +9320,7 @@
             <a:fld id="{81331B57-0BE5-4F82-AA58-76F53EFF3ADA}" type="datetime8">
               <a:rPr lang="en-US" smtClean="0"/>
               <a:pPr/>
-              <a:t>8/5/15 20:15</a:t>
+              <a:t>8/8/15 01:26</a:t>
             </a:fld>
             <a:endParaRPr lang="en-US" dirty="0"/>
           </a:p>
@@ -7771,7 +9509,7 @@
             <a:fld id="{81331B57-0BE5-4F82-AA58-76F53EFF3ADA}" type="datetime8">
               <a:rPr lang="en-US" smtClean="0"/>
               <a:pPr/>
-              <a:t>8/5/15 20:15</a:t>
+              <a:t>8/8/15 01:26</a:t>
             </a:fld>
             <a:endParaRPr lang="en-US"/>
           </a:p>
@@ -7849,7 +9587,7 @@
             <a:fld id="{EC87E0CF-87F6-4B58-B8B8-DCAB2DAAF3CA}" type="slidenum">
               <a:rPr lang="en-US" smtClean="0"/>
               <a:pPr/>
-              <a:t>10</a:t>
+              <a:t>18</a:t>
             </a:fld>
             <a:endParaRPr lang="en-US" dirty="0"/>
           </a:p>
@@ -7950,7 +9688,7 @@
             <a:fld id="{81331B57-0BE5-4F82-AA58-76F53EFF3ADA}" type="datetime8">
               <a:rPr lang="en-US" smtClean="0"/>
               <a:pPr/>
-              <a:t>8/5/15 20:15</a:t>
+              <a:t>8/8/15 01:26</a:t>
             </a:fld>
             <a:endParaRPr lang="en-US"/>
           </a:p>
@@ -8028,350 +9766,7 @@
             <a:fld id="{EC87E0CF-87F6-4B58-B8B8-DCAB2DAAF3CA}" type="slidenum">
               <a:rPr lang="en-US" smtClean="0"/>
               <a:pPr/>
-              <a:t>11</a:t>
-            </a:fld>
-            <a:endParaRPr lang="en-US" dirty="0"/>
-          </a:p>
-        </p:txBody>
-      </p:sp>
-    </p:spTree>
-  </p:cSld>
-  <p:clrMapOvr>
-    <a:masterClrMapping/>
-  </p:clrMapOvr>
-</p:notes>
-</file>
-
-<file path=ppt/notesSlides/notesSlide12.xml><?xml version="1.0" encoding="utf-8"?>
-<p:notes xmlns:a="http://schemas.openxmlformats.org/drawingml/2006/main" xmlns:r="http://schemas.openxmlformats.org/officeDocument/2006/relationships" xmlns:p="http://schemas.openxmlformats.org/presentationml/2006/main">
-  <p:cSld>
-    <p:spTree>
-      <p:nvGrpSpPr>
-        <p:cNvPr id="1" name=""/>
-        <p:cNvGrpSpPr/>
-        <p:nvPr/>
-      </p:nvGrpSpPr>
-      <p:grpSpPr>
-        <a:xfrm>
-          <a:off x="0" y="0"/>
-          <a:ext cx="0" cy="0"/>
-          <a:chOff x="0" y="0"/>
-          <a:chExt cx="0" cy="0"/>
-        </a:xfrm>
-      </p:grpSpPr>
-      <p:sp>
-        <p:nvSpPr>
-          <p:cNvPr id="2" name="Slide Image Placeholder 1"/>
-          <p:cNvSpPr>
-            <a:spLocks noGrp="1" noRot="1" noChangeAspect="1"/>
-          </p:cNvSpPr>
-          <p:nvPr>
-            <p:ph type="sldImg"/>
-          </p:nvPr>
-        </p:nvSpPr>
-        <p:spPr/>
-      </p:sp>
-      <p:sp>
-        <p:nvSpPr>
-          <p:cNvPr id="3" name="Notes Placeholder 2"/>
-          <p:cNvSpPr>
-            <a:spLocks noGrp="1"/>
-          </p:cNvSpPr>
-          <p:nvPr>
-            <p:ph type="body" idx="1"/>
-          </p:nvPr>
-        </p:nvSpPr>
-        <p:spPr/>
-        <p:txBody>
-          <a:bodyPr>
-            <a:normAutofit/>
-          </a:bodyPr>
-          <a:lstStyle/>
-          <a:p>
-            <a:endParaRPr lang="en-US"/>
-          </a:p>
-        </p:txBody>
-      </p:sp>
-      <p:sp>
-        <p:nvSpPr>
-          <p:cNvPr id="4" name="Slide Number Placeholder 3"/>
-          <p:cNvSpPr>
-            <a:spLocks noGrp="1"/>
-          </p:cNvSpPr>
-          <p:nvPr>
-            <p:ph type="sldNum" sz="quarter" idx="10"/>
-          </p:nvPr>
-        </p:nvSpPr>
-        <p:spPr/>
-        <p:txBody>
-          <a:bodyPr/>
-          <a:lstStyle/>
-          <a:p>
-            <a:fld id="{8B263312-38AA-4E1E-B2B5-0F8F122B24FE}" type="slidenum">
-              <a:rPr lang="en-US" smtClean="0"/>
-              <a:pPr/>
-              <a:t>12</a:t>
-            </a:fld>
-            <a:endParaRPr lang="en-US" dirty="0"/>
-          </a:p>
-        </p:txBody>
-      </p:sp>
-    </p:spTree>
-  </p:cSld>
-  <p:clrMapOvr>
-    <a:masterClrMapping/>
-  </p:clrMapOvr>
-</p:notes>
-</file>
-
-<file path=ppt/notesSlides/notesSlide13.xml><?xml version="1.0" encoding="utf-8"?>
-<p:notes xmlns:a="http://schemas.openxmlformats.org/drawingml/2006/main" xmlns:r="http://schemas.openxmlformats.org/officeDocument/2006/relationships" xmlns:p="http://schemas.openxmlformats.org/presentationml/2006/main">
-  <p:cSld>
-    <p:spTree>
-      <p:nvGrpSpPr>
-        <p:cNvPr id="1" name=""/>
-        <p:cNvGrpSpPr/>
-        <p:nvPr/>
-      </p:nvGrpSpPr>
-      <p:grpSpPr>
-        <a:xfrm>
-          <a:off x="0" y="0"/>
-          <a:ext cx="0" cy="0"/>
-          <a:chOff x="0" y="0"/>
-          <a:chExt cx="0" cy="0"/>
-        </a:xfrm>
-      </p:grpSpPr>
-      <p:sp>
-        <p:nvSpPr>
-          <p:cNvPr id="2" name="Slide Image Placeholder 1"/>
-          <p:cNvSpPr>
-            <a:spLocks noGrp="1" noRot="1" noChangeAspect="1"/>
-          </p:cNvSpPr>
-          <p:nvPr>
-            <p:ph type="sldImg"/>
-          </p:nvPr>
-        </p:nvSpPr>
-        <p:spPr/>
-      </p:sp>
-      <p:sp>
-        <p:nvSpPr>
-          <p:cNvPr id="3" name="Notes Placeholder 2"/>
-          <p:cNvSpPr>
-            <a:spLocks noGrp="1"/>
-          </p:cNvSpPr>
-          <p:nvPr>
-            <p:ph type="body" idx="1"/>
-          </p:nvPr>
-        </p:nvSpPr>
-        <p:spPr/>
-        <p:txBody>
-          <a:bodyPr>
-            <a:normAutofit/>
-          </a:bodyPr>
-          <a:lstStyle/>
-          <a:p>
-            <a:endParaRPr lang="en-US"/>
-          </a:p>
-        </p:txBody>
-      </p:sp>
-      <p:sp>
-        <p:nvSpPr>
-          <p:cNvPr id="4" name="Slide Number Placeholder 3"/>
-          <p:cNvSpPr>
-            <a:spLocks noGrp="1"/>
-          </p:cNvSpPr>
-          <p:nvPr>
-            <p:ph type="sldNum" sz="quarter" idx="10"/>
-          </p:nvPr>
-        </p:nvSpPr>
-        <p:spPr/>
-        <p:txBody>
-          <a:bodyPr/>
-          <a:lstStyle/>
-          <a:p>
-            <a:fld id="{8B263312-38AA-4E1E-B2B5-0F8F122B24FE}" type="slidenum">
-              <a:rPr lang="en-US" smtClean="0"/>
-              <a:pPr/>
-              <a:t>13</a:t>
-            </a:fld>
-            <a:endParaRPr lang="en-US" dirty="0"/>
-          </a:p>
-        </p:txBody>
-      </p:sp>
-    </p:spTree>
-  </p:cSld>
-  <p:clrMapOvr>
-    <a:masterClrMapping/>
-  </p:clrMapOvr>
-</p:notes>
-</file>
-
-<file path=ppt/notesSlides/notesSlide14.xml><?xml version="1.0" encoding="utf-8"?>
-<p:notes xmlns:a="http://schemas.openxmlformats.org/drawingml/2006/main" xmlns:r="http://schemas.openxmlformats.org/officeDocument/2006/relationships" xmlns:p="http://schemas.openxmlformats.org/presentationml/2006/main">
-  <p:cSld>
-    <p:spTree>
-      <p:nvGrpSpPr>
-        <p:cNvPr id="1" name=""/>
-        <p:cNvGrpSpPr/>
-        <p:nvPr/>
-      </p:nvGrpSpPr>
-      <p:grpSpPr>
-        <a:xfrm>
-          <a:off x="0" y="0"/>
-          <a:ext cx="0" cy="0"/>
-          <a:chOff x="0" y="0"/>
-          <a:chExt cx="0" cy="0"/>
-        </a:xfrm>
-      </p:grpSpPr>
-      <p:sp>
-        <p:nvSpPr>
-          <p:cNvPr id="2" name="Slide Image Placeholder 1"/>
-          <p:cNvSpPr>
-            <a:spLocks noGrp="1" noRot="1" noChangeAspect="1"/>
-          </p:cNvSpPr>
-          <p:nvPr>
-            <p:ph type="sldImg"/>
-          </p:nvPr>
-        </p:nvSpPr>
-        <p:spPr/>
-      </p:sp>
-      <p:sp>
-        <p:nvSpPr>
-          <p:cNvPr id="3" name="Notes Placeholder 2"/>
-          <p:cNvSpPr>
-            <a:spLocks noGrp="1"/>
-          </p:cNvSpPr>
-          <p:nvPr>
-            <p:ph type="body" idx="1"/>
-          </p:nvPr>
-        </p:nvSpPr>
-        <p:spPr/>
-        <p:txBody>
-          <a:bodyPr>
-            <a:normAutofit/>
-          </a:bodyPr>
-          <a:lstStyle/>
-          <a:p>
-            <a:endParaRPr lang="en-US" dirty="0"/>
-          </a:p>
-        </p:txBody>
-      </p:sp>
-      <p:sp>
-        <p:nvSpPr>
-          <p:cNvPr id="4" name="Header Placeholder 3"/>
-          <p:cNvSpPr>
-            <a:spLocks noGrp="1"/>
-          </p:cNvSpPr>
-          <p:nvPr>
-            <p:ph type="hdr" sz="quarter" idx="10"/>
-          </p:nvPr>
-        </p:nvSpPr>
-        <p:spPr/>
-        <p:txBody>
-          <a:bodyPr/>
-          <a:lstStyle/>
-          <a:p>
-            <a:endParaRPr lang="en-US" dirty="0"/>
-          </a:p>
-        </p:txBody>
-      </p:sp>
-      <p:sp>
-        <p:nvSpPr>
-          <p:cNvPr id="5" name="Date Placeholder 4"/>
-          <p:cNvSpPr>
-            <a:spLocks noGrp="1"/>
-          </p:cNvSpPr>
-          <p:nvPr>
-            <p:ph type="dt" idx="11"/>
-          </p:nvPr>
-        </p:nvSpPr>
-        <p:spPr/>
-        <p:txBody>
-          <a:bodyPr/>
-          <a:lstStyle/>
-          <a:p>
-            <a:fld id="{81331B57-0BE5-4F82-AA58-76F53EFF3ADA}" type="datetime8">
-              <a:rPr lang="en-US" smtClean="0"/>
-              <a:pPr/>
-              <a:t>8/5/15 20:15</a:t>
-            </a:fld>
-            <a:endParaRPr lang="en-US"/>
-          </a:p>
-        </p:txBody>
-      </p:sp>
-      <p:sp>
-        <p:nvSpPr>
-          <p:cNvPr id="6" name="Footer Placeholder 5"/>
-          <p:cNvSpPr>
-            <a:spLocks noGrp="1"/>
-          </p:cNvSpPr>
-          <p:nvPr>
-            <p:ph type="ftr" sz="quarter" idx="12"/>
-          </p:nvPr>
-        </p:nvSpPr>
-        <p:spPr/>
-        <p:txBody>
-          <a:bodyPr/>
-          <a:lstStyle/>
-          <a:p>
-            <a:r>
-              <a:rPr lang="en-US" smtClean="0">
-                <a:solidFill>
-                  <a:srgbClr val="000000"/>
-                </a:solidFill>
-              </a:rPr>
-              <a:t>© 2007 Microsoft Corporation. All rights reserved. Microsoft, Windows, Windows Vista and other product names are or may be registered trademarks and/or trademarks in the U.S. and/or other countries.</a:t>
-            </a:r>
-          </a:p>
-          <a:p>
-            <a:r>
-              <a:rPr lang="en-US" smtClean="0">
-                <a:solidFill>
-                  <a:srgbClr val="000000"/>
-                </a:solidFill>
-              </a:rPr>
-              <a:t>The information herein is for informational purposes only and represents the current view of Microsoft Corporation as of the date of this presentation.  Because Microsoft must respond to changing market conditions, it should not be interpreted to be a commitment on the part of Microsoft, and Microsoft cannot guarantee the accuracy of any information provided after the date of this presentation.  </a:t>
-            </a:r>
-            <a:br>
-              <a:rPr lang="en-US" smtClean="0">
-                <a:solidFill>
-                  <a:srgbClr val="000000"/>
-                </a:solidFill>
-              </a:rPr>
-            </a:br>
-            <a:r>
-              <a:rPr lang="en-US" smtClean="0">
-                <a:solidFill>
-                  <a:srgbClr val="000000"/>
-                </a:solidFill>
-              </a:rPr>
-              <a:t>MICROSOFT MAKES NO WARRANTIES, EXPRESS, IMPLIED OR STATUTORY, AS TO THE INFORMATION IN THIS PRESENTATION.</a:t>
-            </a:r>
-          </a:p>
-          <a:p>
-            <a:endParaRPr lang="en-US" dirty="0"/>
-          </a:p>
-        </p:txBody>
-      </p:sp>
-      <p:sp>
-        <p:nvSpPr>
-          <p:cNvPr id="7" name="Slide Number Placeholder 6"/>
-          <p:cNvSpPr>
-            <a:spLocks noGrp="1"/>
-          </p:cNvSpPr>
-          <p:nvPr>
-            <p:ph type="sldNum" sz="quarter" idx="13"/>
-          </p:nvPr>
-        </p:nvSpPr>
-        <p:spPr/>
-        <p:txBody>
-          <a:bodyPr/>
-          <a:lstStyle/>
-          <a:p>
-            <a:fld id="{EC87E0CF-87F6-4B58-B8B8-DCAB2DAAF3CA}" type="slidenum">
-              <a:rPr lang="en-US" smtClean="0"/>
-              <a:pPr/>
-              <a:t>14</a:t>
+              <a:t>19</a:t>
             </a:fld>
             <a:endParaRPr lang="en-US" dirty="0"/>
           </a:p>
@@ -8472,7 +9867,7 @@
             <a:fld id="{81331B57-0BE5-4F82-AA58-76F53EFF3ADA}" type="datetime8">
               <a:rPr lang="en-US" smtClean="0"/>
               <a:pPr/>
-              <a:t>8/5/15 20:22</a:t>
+              <a:t>8/8/15 01:26</a:t>
             </a:fld>
             <a:endParaRPr lang="en-US"/>
           </a:p>
@@ -8651,7 +10046,7 @@
             <a:fld id="{81331B57-0BE5-4F82-AA58-76F53EFF3ADA}" type="datetime8">
               <a:rPr lang="en-US" smtClean="0"/>
               <a:pPr/>
-              <a:t>8/5/15 20:22</a:t>
+              <a:t>8/8/15 01:26</a:t>
             </a:fld>
             <a:endParaRPr lang="en-US"/>
           </a:p>
@@ -8830,7 +10225,7 @@
             <a:fld id="{81331B57-0BE5-4F82-AA58-76F53EFF3ADA}" type="datetime8">
               <a:rPr lang="en-US" smtClean="0"/>
               <a:pPr/>
-              <a:t>8/5/15 20:40</a:t>
+              <a:t>8/8/15 01:26</a:t>
             </a:fld>
             <a:endParaRPr lang="en-US"/>
           </a:p>
@@ -9009,7 +10404,7 @@
             <a:fld id="{81331B57-0BE5-4F82-AA58-76F53EFF3ADA}" type="datetime8">
               <a:rPr lang="en-US" smtClean="0"/>
               <a:pPr/>
-              <a:t>8/5/15 21:46</a:t>
+              <a:t>8/8/15 01:26</a:t>
             </a:fld>
             <a:endParaRPr lang="en-US"/>
           </a:p>
@@ -9188,7 +10583,7 @@
             <a:fld id="{81331B57-0BE5-4F82-AA58-76F53EFF3ADA}" type="datetime8">
               <a:rPr lang="en-US" smtClean="0"/>
               <a:pPr/>
-              <a:t>8/5/15 21:50</a:t>
+              <a:t>8/8/15 01:26</a:t>
             </a:fld>
             <a:endParaRPr lang="en-US"/>
           </a:p>
@@ -9367,7 +10762,7 @@
             <a:fld id="{81331B57-0BE5-4F82-AA58-76F53EFF3ADA}" type="datetime8">
               <a:rPr lang="en-US" smtClean="0"/>
               <a:pPr/>
-              <a:t>8/5/15 22:46</a:t>
+              <a:t>8/8/15 01:26</a:t>
             </a:fld>
             <a:endParaRPr lang="en-US"/>
           </a:p>
@@ -9546,7 +10941,7 @@
             <a:fld id="{81331B57-0BE5-4F82-AA58-76F53EFF3ADA}" type="datetime8">
               <a:rPr lang="en-US" smtClean="0"/>
               <a:pPr/>
-              <a:t>8/5/15 20:45</a:t>
+              <a:t>8/8/15 01:26</a:t>
             </a:fld>
             <a:endParaRPr lang="en-US"/>
           </a:p>
@@ -9624,7 +11019,7 @@
             <a:fld id="{EC87E0CF-87F6-4B58-B8B8-DCAB2DAAF3CA}" type="slidenum">
               <a:rPr lang="en-US" smtClean="0"/>
               <a:pPr/>
-              <a:t>8</a:t>
+              <a:t>16</a:t>
             </a:fld>
             <a:endParaRPr lang="en-US" dirty="0"/>
           </a:p>
@@ -9690,12 +11085,12 @@
       </p:sp>
       <p:sp>
         <p:nvSpPr>
-          <p:cNvPr id="4" name="Slide Number Placeholder 3"/>
+          <p:cNvPr id="4" name="Header Placeholder 3"/>
           <p:cNvSpPr>
             <a:spLocks noGrp="1"/>
           </p:cNvSpPr>
           <p:nvPr>
-            <p:ph type="sldNum" sz="quarter" idx="10"/>
+            <p:ph type="hdr" sz="quarter" idx="10"/>
           </p:nvPr>
         </p:nvSpPr>
         <p:spPr/>
@@ -9703,10 +11098,107 @@
           <a:bodyPr/>
           <a:lstStyle/>
           <a:p>
-            <a:fld id="{8B263312-38AA-4E1E-B2B5-0F8F122B24FE}" type="slidenum">
+            <a:endParaRPr lang="en-US" dirty="0"/>
+          </a:p>
+        </p:txBody>
+      </p:sp>
+      <p:sp>
+        <p:nvSpPr>
+          <p:cNvPr id="5" name="Date Placeholder 4"/>
+          <p:cNvSpPr>
+            <a:spLocks noGrp="1"/>
+          </p:cNvSpPr>
+          <p:nvPr>
+            <p:ph type="dt" idx="11"/>
+          </p:nvPr>
+        </p:nvSpPr>
+        <p:spPr/>
+        <p:txBody>
+          <a:bodyPr/>
+          <a:lstStyle/>
+          <a:p>
+            <a:fld id="{81331B57-0BE5-4F82-AA58-76F53EFF3ADA}" type="datetime8">
               <a:rPr lang="en-US" smtClean="0"/>
               <a:pPr/>
-              <a:t>9</a:t>
+              <a:t>8/8/15 01:26</a:t>
+            </a:fld>
+            <a:endParaRPr lang="en-US"/>
+          </a:p>
+        </p:txBody>
+      </p:sp>
+      <p:sp>
+        <p:nvSpPr>
+          <p:cNvPr id="6" name="Footer Placeholder 5"/>
+          <p:cNvSpPr>
+            <a:spLocks noGrp="1"/>
+          </p:cNvSpPr>
+          <p:nvPr>
+            <p:ph type="ftr" sz="quarter" idx="12"/>
+          </p:nvPr>
+        </p:nvSpPr>
+        <p:spPr/>
+        <p:txBody>
+          <a:bodyPr/>
+          <a:lstStyle/>
+          <a:p>
+            <a:r>
+              <a:rPr lang="en-US" smtClean="0">
+                <a:solidFill>
+                  <a:srgbClr val="000000"/>
+                </a:solidFill>
+              </a:rPr>
+              <a:t>© 2007 Microsoft Corporation. All rights reserved. Microsoft, Windows, Windows Vista and other product names are or may be registered trademarks and/or trademarks in the U.S. and/or other countries.</a:t>
+            </a:r>
+          </a:p>
+          <a:p>
+            <a:r>
+              <a:rPr lang="en-US" smtClean="0">
+                <a:solidFill>
+                  <a:srgbClr val="000000"/>
+                </a:solidFill>
+              </a:rPr>
+              <a:t>The information herein is for informational purposes only and represents the current view of Microsoft Corporation as of the date of this presentation.  Because Microsoft must respond to changing market conditions, it should not be interpreted to be a commitment on the part of Microsoft, and Microsoft cannot guarantee the accuracy of any information provided after the date of this presentation.  </a:t>
+            </a:r>
+            <a:br>
+              <a:rPr lang="en-US" smtClean="0">
+                <a:solidFill>
+                  <a:srgbClr val="000000"/>
+                </a:solidFill>
+              </a:rPr>
+            </a:br>
+            <a:r>
+              <a:rPr lang="en-US" smtClean="0">
+                <a:solidFill>
+                  <a:srgbClr val="000000"/>
+                </a:solidFill>
+              </a:rPr>
+              <a:t>MICROSOFT MAKES NO WARRANTIES, EXPRESS, IMPLIED OR STATUTORY, AS TO THE INFORMATION IN THIS PRESENTATION.</a:t>
+            </a:r>
+          </a:p>
+          <a:p>
+            <a:endParaRPr lang="en-US" dirty="0"/>
+          </a:p>
+        </p:txBody>
+      </p:sp>
+      <p:sp>
+        <p:nvSpPr>
+          <p:cNvPr id="7" name="Slide Number Placeholder 6"/>
+          <p:cNvSpPr>
+            <a:spLocks noGrp="1"/>
+          </p:cNvSpPr>
+          <p:nvPr>
+            <p:ph type="sldNum" sz="quarter" idx="13"/>
+          </p:nvPr>
+        </p:nvSpPr>
+        <p:spPr/>
+        <p:txBody>
+          <a:bodyPr/>
+          <a:lstStyle/>
+          <a:p>
+            <a:fld id="{EC87E0CF-87F6-4B58-B8B8-DCAB2DAAF3CA}" type="slidenum">
+              <a:rPr lang="en-US" smtClean="0"/>
+              <a:pPr/>
+              <a:t>17</a:t>
             </a:fld>
             <a:endParaRPr lang="en-US" dirty="0"/>
           </a:p>
@@ -12935,7 +14427,6 @@
               <a:rPr lang="en-US" dirty="0" smtClean="0"/>
               <a:t>Dr. Gene Callahan</a:t>
             </a:r>
-            <a:endParaRPr lang="en-US" dirty="0" smtClean="0"/>
           </a:p>
           <a:p>
             <a:r>
@@ -12983,7 +14474,7 @@
       </p:grpSpPr>
       <p:sp>
         <p:nvSpPr>
-          <p:cNvPr id="3" name="Title 2"/>
+          <p:cNvPr id="2" name="Title 1"/>
           <p:cNvSpPr>
             <a:spLocks noGrp="1"/>
           </p:cNvSpPr>
@@ -12991,36 +14482,753 @@
             <p:ph type="title"/>
           </p:nvPr>
         </p:nvSpPr>
-        <p:spPr/>
+        <p:spPr>
+          <a:xfrm>
+            <a:off x="381000" y="230188"/>
+            <a:ext cx="8382000" cy="677108"/>
+          </a:xfrm>
+        </p:spPr>
         <p:txBody>
           <a:bodyPr/>
           <a:lstStyle/>
           <a:p>
             <a:r>
-              <a:rPr smtClean="0"/>
-              <a:t>Pie Chart Example</a:t>
+              <a:rPr lang="en-US" dirty="0" smtClean="0"/>
+              <a:t>ABM and Generic Programming</a:t>
             </a:r>
             <a:endParaRPr lang="en-US" dirty="0"/>
+          </a:p>
+        </p:txBody>
+      </p:sp>
+      <p:sp>
+        <p:nvSpPr>
+          <p:cNvPr id="3" name="Text Placeholder 2"/>
+          <p:cNvSpPr>
+            <a:spLocks noGrp="1"/>
+          </p:cNvSpPr>
+          <p:nvPr>
+            <p:ph type="body" sz="quarter" idx="10"/>
+          </p:nvPr>
+        </p:nvSpPr>
+        <p:spPr>
+          <a:xfrm>
+            <a:off x="381000" y="1411552"/>
+            <a:ext cx="8382000" cy="451406"/>
+          </a:xfrm>
+        </p:spPr>
+        <p:txBody>
+          <a:bodyPr/>
+          <a:lstStyle/>
+          <a:p>
+            <a:r>
+              <a:rPr lang="en-US" dirty="0" smtClean="0"/>
+              <a:t>Grid views.</a:t>
+            </a:r>
+            <a:endParaRPr lang="en-US" dirty="0"/>
+          </a:p>
+        </p:txBody>
+      </p:sp>
+    </p:spTree>
+    <p:extLst>
+      <p:ext uri="{BB962C8B-B14F-4D97-AF65-F5344CB8AC3E}">
+        <p14:creationId xmlns:p14="http://schemas.microsoft.com/office/powerpoint/2010/main" val="4259044637"/>
+      </p:ext>
+    </p:extLst>
+  </p:cSld>
+  <p:clrMapOvr>
+    <a:masterClrMapping/>
+  </p:clrMapOvr>
+  <p:transition xmlns:p14="http://schemas.microsoft.com/office/powerpoint/2010/main">
+    <p:fade/>
+  </p:transition>
+</p:sld>
+</file>
+
+<file path=ppt/slides/slide11.xml><?xml version="1.0" encoding="utf-8"?>
+<p:sld xmlns:a="http://schemas.openxmlformats.org/drawingml/2006/main" xmlns:r="http://schemas.openxmlformats.org/officeDocument/2006/relationships" xmlns:p="http://schemas.openxmlformats.org/presentationml/2006/main">
+  <p:cSld>
+    <p:spTree>
+      <p:nvGrpSpPr>
+        <p:cNvPr id="1" name=""/>
+        <p:cNvGrpSpPr/>
+        <p:nvPr/>
+      </p:nvGrpSpPr>
+      <p:grpSpPr>
+        <a:xfrm>
+          <a:off x="0" y="0"/>
+          <a:ext cx="0" cy="0"/>
+          <a:chOff x="0" y="0"/>
+          <a:chExt cx="0" cy="0"/>
+        </a:xfrm>
+      </p:grpSpPr>
+      <p:sp>
+        <p:nvSpPr>
+          <p:cNvPr id="2" name="Title 1"/>
+          <p:cNvSpPr>
+            <a:spLocks noGrp="1"/>
+          </p:cNvSpPr>
+          <p:nvPr>
+            <p:ph type="title"/>
+          </p:nvPr>
+        </p:nvSpPr>
+        <p:spPr>
+          <a:xfrm>
+            <a:off x="381000" y="230188"/>
+            <a:ext cx="8382000" cy="677108"/>
+          </a:xfrm>
+        </p:spPr>
+        <p:txBody>
+          <a:bodyPr/>
+          <a:lstStyle/>
+          <a:p>
+            <a:r>
+              <a:rPr lang="en-US" dirty="0" smtClean="0"/>
+              <a:t>ABM and Generic Programming</a:t>
+            </a:r>
+            <a:endParaRPr lang="en-US" dirty="0"/>
+          </a:p>
+        </p:txBody>
+      </p:sp>
+      <p:sp>
+        <p:nvSpPr>
+          <p:cNvPr id="3" name="Text Placeholder 2"/>
+          <p:cNvSpPr>
+            <a:spLocks noGrp="1"/>
+          </p:cNvSpPr>
+          <p:nvPr>
+            <p:ph type="body" sz="quarter" idx="10"/>
+          </p:nvPr>
+        </p:nvSpPr>
+        <p:spPr>
+          <a:xfrm>
+            <a:off x="381000" y="1411552"/>
+            <a:ext cx="8382000" cy="3897477"/>
+          </a:xfrm>
+        </p:spPr>
+        <p:txBody>
+          <a:bodyPr/>
+          <a:lstStyle/>
+          <a:p>
+            <a:r>
+              <a:rPr lang="en-US" dirty="0" smtClean="0"/>
+              <a:t>Agent loops.</a:t>
+            </a:r>
+          </a:p>
+          <a:p>
+            <a:pPr lvl="1"/>
+            <a:r>
+              <a:rPr lang="en-US" dirty="0" smtClean="0"/>
+              <a:t>All models have an </a:t>
+            </a:r>
+            <a:r>
+              <a:rPr lang="en-US" dirty="0" err="1" smtClean="0"/>
+              <a:t>act_loop</a:t>
+            </a:r>
+            <a:r>
+              <a:rPr lang="en-US" dirty="0" smtClean="0"/>
+              <a:t>.</a:t>
+            </a:r>
+          </a:p>
+          <a:p>
+            <a:pPr lvl="1"/>
+            <a:r>
+              <a:rPr lang="en-US" dirty="0" smtClean="0"/>
+              <a:t>Optionally, any model can have a </a:t>
+            </a:r>
+            <a:r>
+              <a:rPr lang="en-US" dirty="0" err="1" smtClean="0"/>
+              <a:t>preact_loop</a:t>
+            </a:r>
+            <a:r>
+              <a:rPr lang="en-US" dirty="0" smtClean="0"/>
+              <a:t> and/or a </a:t>
+            </a:r>
+            <a:r>
+              <a:rPr lang="en-US" dirty="0" err="1" smtClean="0"/>
+              <a:t>postact_loop</a:t>
+            </a:r>
+            <a:r>
+              <a:rPr lang="en-US" dirty="0" smtClean="0"/>
+              <a:t>. These are useful for setting up for acting or </a:t>
+            </a:r>
+            <a:r>
+              <a:rPr lang="en-US" dirty="0" err="1" smtClean="0"/>
+              <a:t>clean-up</a:t>
+            </a:r>
+            <a:r>
+              <a:rPr lang="en-US" dirty="0" smtClean="0"/>
+              <a:t> afterwards.</a:t>
+            </a:r>
+          </a:p>
+          <a:p>
+            <a:pPr lvl="1"/>
+            <a:r>
+              <a:rPr lang="en-US" dirty="0" smtClean="0"/>
+              <a:t>Example: setting state in forest fire model.</a:t>
+            </a:r>
+          </a:p>
+          <a:p>
+            <a:pPr lvl="1"/>
+            <a:r>
+              <a:rPr lang="en-US" dirty="0" smtClean="0"/>
+              <a:t>Rather than having to write these in each model that needs them, they are turned on by flags and performed in the base environment.</a:t>
+            </a:r>
+            <a:endParaRPr lang="en-US" dirty="0"/>
+          </a:p>
+        </p:txBody>
+      </p:sp>
+    </p:spTree>
+    <p:extLst>
+      <p:ext uri="{BB962C8B-B14F-4D97-AF65-F5344CB8AC3E}">
+        <p14:creationId xmlns:p14="http://schemas.microsoft.com/office/powerpoint/2010/main" val="4259044637"/>
+      </p:ext>
+    </p:extLst>
+  </p:cSld>
+  <p:clrMapOvr>
+    <a:masterClrMapping/>
+  </p:clrMapOvr>
+  <p:transition xmlns:p14="http://schemas.microsoft.com/office/powerpoint/2010/main">
+    <p:fade/>
+  </p:transition>
+</p:sld>
+</file>
+
+<file path=ppt/slides/slide12.xml><?xml version="1.0" encoding="utf-8"?>
+<p:sld xmlns:a="http://schemas.openxmlformats.org/drawingml/2006/main" xmlns:r="http://schemas.openxmlformats.org/officeDocument/2006/relationships" xmlns:p="http://schemas.openxmlformats.org/presentationml/2006/main">
+  <p:cSld>
+    <p:spTree>
+      <p:nvGrpSpPr>
+        <p:cNvPr id="1" name=""/>
+        <p:cNvGrpSpPr/>
+        <p:nvPr/>
+      </p:nvGrpSpPr>
+      <p:grpSpPr>
+        <a:xfrm>
+          <a:off x="0" y="0"/>
+          <a:ext cx="0" cy="0"/>
+          <a:chOff x="0" y="0"/>
+          <a:chExt cx="0" cy="0"/>
+        </a:xfrm>
+      </p:grpSpPr>
+      <p:sp>
+        <p:nvSpPr>
+          <p:cNvPr id="2" name="Title 1"/>
+          <p:cNvSpPr>
+            <a:spLocks noGrp="1"/>
+          </p:cNvSpPr>
+          <p:nvPr>
+            <p:ph type="title"/>
+          </p:nvPr>
+        </p:nvSpPr>
+        <p:spPr>
+          <a:xfrm>
+            <a:off x="381000" y="230188"/>
+            <a:ext cx="8382000" cy="677108"/>
+          </a:xfrm>
+        </p:spPr>
+        <p:txBody>
+          <a:bodyPr/>
+          <a:lstStyle/>
+          <a:p>
+            <a:r>
+              <a:rPr lang="en-US" dirty="0" smtClean="0"/>
+              <a:t>ABM and Generic Programming</a:t>
+            </a:r>
+            <a:endParaRPr lang="en-US" dirty="0"/>
+          </a:p>
+        </p:txBody>
+      </p:sp>
+      <p:sp>
+        <p:nvSpPr>
+          <p:cNvPr id="3" name="Text Placeholder 2"/>
+          <p:cNvSpPr>
+            <a:spLocks noGrp="1"/>
+          </p:cNvSpPr>
+          <p:nvPr>
+            <p:ph type="body" sz="quarter" idx="10"/>
+          </p:nvPr>
+        </p:nvSpPr>
+        <p:spPr>
+          <a:xfrm>
+            <a:off x="152400" y="1066800"/>
+            <a:ext cx="8915400" cy="2362200"/>
+          </a:xfrm>
+        </p:spPr>
+        <p:txBody>
+          <a:bodyPr/>
+          <a:lstStyle/>
+          <a:p>
+            <a:r>
+              <a:rPr lang="en-US" sz="2800" dirty="0" smtClean="0"/>
+              <a:t>Abstracting common patterns from models.</a:t>
+            </a:r>
+          </a:p>
+          <a:p>
+            <a:pPr lvl="1"/>
+            <a:r>
+              <a:rPr lang="en-US" sz="2400" dirty="0" smtClean="0"/>
+              <a:t>Begin with a fashion model, with trend-setters and followers.</a:t>
+            </a:r>
+          </a:p>
+          <a:p>
+            <a:pPr lvl="1"/>
+            <a:r>
+              <a:rPr lang="en-US" sz="2400" dirty="0" smtClean="0"/>
+              <a:t>Add a model of asset traders, with value investors and chart followers.</a:t>
+            </a:r>
+          </a:p>
+          <a:p>
+            <a:pPr lvl="1"/>
+            <a:r>
+              <a:rPr lang="en-US" sz="2400" dirty="0" smtClean="0"/>
+              <a:t>From the two, abstract a “stance model.”</a:t>
+            </a:r>
+          </a:p>
+          <a:p>
+            <a:pPr lvl="1"/>
+            <a:r>
+              <a:rPr lang="en-US" sz="2400" dirty="0" smtClean="0"/>
+              <a:t>Insert it “behind” the other two models.</a:t>
+            </a:r>
+            <a:endParaRPr lang="en-US" sz="2400" dirty="0"/>
           </a:p>
         </p:txBody>
       </p:sp>
       <p:graphicFrame>
         <p:nvGraphicFramePr>
-          <p:cNvPr id="5" name="Chart 4"/>
+          <p:cNvPr id="5" name="Diagram 4"/>
           <p:cNvGraphicFramePr/>
-          <p:nvPr/>
+          <p:nvPr>
+            <p:extLst>
+              <p:ext uri="{D42A27DB-BD31-4B8C-83A1-F6EECF244321}">
+                <p14:modId xmlns:p14="http://schemas.microsoft.com/office/powerpoint/2010/main" val="3487425669"/>
+              </p:ext>
+            </p:extLst>
+          </p:nvPr>
         </p:nvGraphicFramePr>
         <p:xfrm>
-          <a:off x="619125" y="1293813"/>
-          <a:ext cx="7762875" cy="4889499"/>
+          <a:off x="2055976" y="3622078"/>
+          <a:ext cx="5029200" cy="3022600"/>
         </p:xfrm>
         <a:graphic>
-          <a:graphicData uri="http://schemas.openxmlformats.org/drawingml/2006/chart">
-            <c:chart xmlns:c="http://schemas.openxmlformats.org/drawingml/2006/chart" xmlns:r="http://schemas.openxmlformats.org/officeDocument/2006/relationships" r:id="rId3"/>
+          <a:graphicData uri="http://schemas.openxmlformats.org/drawingml/2006/diagram">
+            <dgm:relIds xmlns:dgm="http://schemas.openxmlformats.org/drawingml/2006/diagram" xmlns:r="http://schemas.openxmlformats.org/officeDocument/2006/relationships" r:dm="rId2" r:lo="rId3" r:qs="rId4" r:cs="rId5"/>
           </a:graphicData>
         </a:graphic>
       </p:graphicFrame>
     </p:spTree>
+    <p:extLst>
+      <p:ext uri="{BB962C8B-B14F-4D97-AF65-F5344CB8AC3E}">
+        <p14:creationId xmlns:p14="http://schemas.microsoft.com/office/powerpoint/2010/main" val="4259044637"/>
+      </p:ext>
+    </p:extLst>
+  </p:cSld>
+  <p:clrMapOvr>
+    <a:masterClrMapping/>
+  </p:clrMapOvr>
+  <p:transition xmlns:p14="http://schemas.microsoft.com/office/powerpoint/2010/main">
+    <p:fade/>
+  </p:transition>
+</p:sld>
+</file>
+
+<file path=ppt/slides/slide13.xml><?xml version="1.0" encoding="utf-8"?>
+<p:sld xmlns:a="http://schemas.openxmlformats.org/drawingml/2006/main" xmlns:r="http://schemas.openxmlformats.org/officeDocument/2006/relationships" xmlns:p="http://schemas.openxmlformats.org/presentationml/2006/main">
+  <p:cSld>
+    <p:spTree>
+      <p:nvGrpSpPr>
+        <p:cNvPr id="1" name=""/>
+        <p:cNvGrpSpPr/>
+        <p:nvPr/>
+      </p:nvGrpSpPr>
+      <p:grpSpPr>
+        <a:xfrm>
+          <a:off x="0" y="0"/>
+          <a:ext cx="0" cy="0"/>
+          <a:chOff x="0" y="0"/>
+          <a:chExt cx="0" cy="0"/>
+        </a:xfrm>
+      </p:grpSpPr>
+      <p:sp>
+        <p:nvSpPr>
+          <p:cNvPr id="2" name="Title 1"/>
+          <p:cNvSpPr>
+            <a:spLocks noGrp="1"/>
+          </p:cNvSpPr>
+          <p:nvPr>
+            <p:ph type="title"/>
+          </p:nvPr>
+        </p:nvSpPr>
+        <p:spPr>
+          <a:xfrm>
+            <a:off x="381000" y="230188"/>
+            <a:ext cx="8382000" cy="677108"/>
+          </a:xfrm>
+        </p:spPr>
+        <p:txBody>
+          <a:bodyPr/>
+          <a:lstStyle/>
+          <a:p>
+            <a:r>
+              <a:rPr lang="en-US" dirty="0" smtClean="0"/>
+              <a:t>ABM and Generic Programming</a:t>
+            </a:r>
+            <a:endParaRPr lang="en-US" dirty="0"/>
+          </a:p>
+        </p:txBody>
+      </p:sp>
+      <p:sp>
+        <p:nvSpPr>
+          <p:cNvPr id="3" name="Text Placeholder 2"/>
+          <p:cNvSpPr>
+            <a:spLocks noGrp="1"/>
+          </p:cNvSpPr>
+          <p:nvPr>
+            <p:ph type="body" sz="quarter" idx="10"/>
+          </p:nvPr>
+        </p:nvSpPr>
+        <p:spPr>
+          <a:xfrm>
+            <a:off x="381000" y="1411552"/>
+            <a:ext cx="8382000" cy="451406"/>
+          </a:xfrm>
+        </p:spPr>
+        <p:txBody>
+          <a:bodyPr/>
+          <a:lstStyle/>
+          <a:p>
+            <a:endParaRPr lang="en-US" dirty="0"/>
+          </a:p>
+        </p:txBody>
+      </p:sp>
+    </p:spTree>
+    <p:extLst>
+      <p:ext uri="{BB962C8B-B14F-4D97-AF65-F5344CB8AC3E}">
+        <p14:creationId xmlns:p14="http://schemas.microsoft.com/office/powerpoint/2010/main" val="2150116417"/>
+      </p:ext>
+    </p:extLst>
+  </p:cSld>
+  <p:clrMapOvr>
+    <a:masterClrMapping/>
+  </p:clrMapOvr>
+  <p:transition xmlns:p14="http://schemas.microsoft.com/office/powerpoint/2010/main">
+    <p:fade/>
+  </p:transition>
+</p:sld>
+</file>
+
+<file path=ppt/slides/slide14.xml><?xml version="1.0" encoding="utf-8"?>
+<p:sld xmlns:a="http://schemas.openxmlformats.org/drawingml/2006/main" xmlns:r="http://schemas.openxmlformats.org/officeDocument/2006/relationships" xmlns:p="http://schemas.openxmlformats.org/presentationml/2006/main">
+  <p:cSld>
+    <p:spTree>
+      <p:nvGrpSpPr>
+        <p:cNvPr id="1" name=""/>
+        <p:cNvGrpSpPr/>
+        <p:nvPr/>
+      </p:nvGrpSpPr>
+      <p:grpSpPr>
+        <a:xfrm>
+          <a:off x="0" y="0"/>
+          <a:ext cx="0" cy="0"/>
+          <a:chOff x="0" y="0"/>
+          <a:chExt cx="0" cy="0"/>
+        </a:xfrm>
+      </p:grpSpPr>
+      <p:sp>
+        <p:nvSpPr>
+          <p:cNvPr id="2" name="Title 1"/>
+          <p:cNvSpPr>
+            <a:spLocks noGrp="1"/>
+          </p:cNvSpPr>
+          <p:nvPr>
+            <p:ph type="title"/>
+          </p:nvPr>
+        </p:nvSpPr>
+        <p:spPr>
+          <a:xfrm>
+            <a:off x="381000" y="230188"/>
+            <a:ext cx="8382000" cy="677108"/>
+          </a:xfrm>
+        </p:spPr>
+        <p:txBody>
+          <a:bodyPr/>
+          <a:lstStyle/>
+          <a:p>
+            <a:r>
+              <a:rPr lang="en-US" dirty="0" smtClean="0"/>
+              <a:t>ABM and Generic Programming</a:t>
+            </a:r>
+            <a:endParaRPr lang="en-US" dirty="0"/>
+          </a:p>
+        </p:txBody>
+      </p:sp>
+      <p:sp>
+        <p:nvSpPr>
+          <p:cNvPr id="3" name="Text Placeholder 2"/>
+          <p:cNvSpPr>
+            <a:spLocks noGrp="1"/>
+          </p:cNvSpPr>
+          <p:nvPr>
+            <p:ph type="body" sz="quarter" idx="10"/>
+          </p:nvPr>
+        </p:nvSpPr>
+        <p:spPr>
+          <a:xfrm>
+            <a:off x="381000" y="1411552"/>
+            <a:ext cx="8382000" cy="451406"/>
+          </a:xfrm>
+        </p:spPr>
+        <p:txBody>
+          <a:bodyPr/>
+          <a:lstStyle/>
+          <a:p>
+            <a:endParaRPr lang="en-US" dirty="0"/>
+          </a:p>
+        </p:txBody>
+      </p:sp>
+    </p:spTree>
+    <p:extLst>
+      <p:ext uri="{BB962C8B-B14F-4D97-AF65-F5344CB8AC3E}">
+        <p14:creationId xmlns:p14="http://schemas.microsoft.com/office/powerpoint/2010/main" val="2150116417"/>
+      </p:ext>
+    </p:extLst>
+  </p:cSld>
+  <p:clrMapOvr>
+    <a:masterClrMapping/>
+  </p:clrMapOvr>
+  <p:transition xmlns:p14="http://schemas.microsoft.com/office/powerpoint/2010/main">
+    <p:fade/>
+  </p:transition>
+</p:sld>
+</file>
+
+<file path=ppt/slides/slide15.xml><?xml version="1.0" encoding="utf-8"?>
+<p:sld xmlns:a="http://schemas.openxmlformats.org/drawingml/2006/main" xmlns:r="http://schemas.openxmlformats.org/officeDocument/2006/relationships" xmlns:p="http://schemas.openxmlformats.org/presentationml/2006/main">
+  <p:cSld>
+    <p:spTree>
+      <p:nvGrpSpPr>
+        <p:cNvPr id="1" name=""/>
+        <p:cNvGrpSpPr/>
+        <p:nvPr/>
+      </p:nvGrpSpPr>
+      <p:grpSpPr>
+        <a:xfrm>
+          <a:off x="0" y="0"/>
+          <a:ext cx="0" cy="0"/>
+          <a:chOff x="0" y="0"/>
+          <a:chExt cx="0" cy="0"/>
+        </a:xfrm>
+      </p:grpSpPr>
+      <p:sp>
+        <p:nvSpPr>
+          <p:cNvPr id="2" name="Title 1"/>
+          <p:cNvSpPr>
+            <a:spLocks noGrp="1"/>
+          </p:cNvSpPr>
+          <p:nvPr>
+            <p:ph type="title"/>
+          </p:nvPr>
+        </p:nvSpPr>
+        <p:spPr>
+          <a:xfrm>
+            <a:off x="381000" y="230188"/>
+            <a:ext cx="8382000" cy="677108"/>
+          </a:xfrm>
+        </p:spPr>
+        <p:txBody>
+          <a:bodyPr/>
+          <a:lstStyle/>
+          <a:p>
+            <a:r>
+              <a:rPr lang="en-US" dirty="0" smtClean="0"/>
+              <a:t>ABM and Generic Programming</a:t>
+            </a:r>
+            <a:endParaRPr lang="en-US" dirty="0"/>
+          </a:p>
+        </p:txBody>
+      </p:sp>
+      <p:sp>
+        <p:nvSpPr>
+          <p:cNvPr id="3" name="Text Placeholder 2"/>
+          <p:cNvSpPr>
+            <a:spLocks noGrp="1"/>
+          </p:cNvSpPr>
+          <p:nvPr>
+            <p:ph type="body" sz="quarter" idx="10"/>
+          </p:nvPr>
+        </p:nvSpPr>
+        <p:spPr>
+          <a:xfrm>
+            <a:off x="381000" y="1411552"/>
+            <a:ext cx="8382000" cy="1781000"/>
+          </a:xfrm>
+        </p:spPr>
+        <p:txBody>
+          <a:bodyPr/>
+          <a:lstStyle/>
+          <a:p>
+            <a:r>
+              <a:rPr lang="en-US" dirty="0" smtClean="0"/>
+              <a:t>We are now working on ways to treat the entire agent population as a vector, and use matrix multiplication to rest all agent’s states in a single operation.</a:t>
+            </a:r>
+            <a:endParaRPr lang="en-US" dirty="0"/>
+          </a:p>
+        </p:txBody>
+      </p:sp>
+    </p:spTree>
+    <p:extLst>
+      <p:ext uri="{BB962C8B-B14F-4D97-AF65-F5344CB8AC3E}">
+        <p14:creationId xmlns:p14="http://schemas.microsoft.com/office/powerpoint/2010/main" val="4259044637"/>
+      </p:ext>
+    </p:extLst>
+  </p:cSld>
+  <p:clrMapOvr>
+    <a:masterClrMapping/>
+  </p:clrMapOvr>
+  <p:transition xmlns:p14="http://schemas.microsoft.com/office/powerpoint/2010/main">
+    <p:fade/>
+  </p:transition>
+</p:sld>
+</file>
+
+<file path=ppt/slides/slide16.xml><?xml version="1.0" encoding="utf-8"?>
+<p:sld xmlns:a="http://schemas.openxmlformats.org/drawingml/2006/main" xmlns:r="http://schemas.openxmlformats.org/officeDocument/2006/relationships" xmlns:p="http://schemas.openxmlformats.org/presentationml/2006/main">
+  <p:cSld>
+    <p:spTree>
+      <p:nvGrpSpPr>
+        <p:cNvPr id="1" name=""/>
+        <p:cNvGrpSpPr/>
+        <p:nvPr/>
+      </p:nvGrpSpPr>
+      <p:grpSpPr>
+        <a:xfrm>
+          <a:off x="0" y="0"/>
+          <a:ext cx="0" cy="0"/>
+          <a:chOff x="0" y="0"/>
+          <a:chExt cx="0" cy="0"/>
+        </a:xfrm>
+      </p:grpSpPr>
+      <p:sp>
+        <p:nvSpPr>
+          <p:cNvPr id="2" name="Title 1"/>
+          <p:cNvSpPr>
+            <a:spLocks noGrp="1"/>
+          </p:cNvSpPr>
+          <p:nvPr>
+            <p:ph type="title"/>
+          </p:nvPr>
+        </p:nvSpPr>
+        <p:spPr>
+          <a:xfrm>
+            <a:off x="381000" y="230189"/>
+            <a:ext cx="8382000" cy="836612"/>
+          </a:xfrm>
+        </p:spPr>
+        <p:txBody>
+          <a:bodyPr>
+            <a:normAutofit fontScale="90000"/>
+          </a:bodyPr>
+          <a:lstStyle/>
+          <a:p>
+            <a:r>
+              <a:rPr lang="en-US" dirty="0" smtClean="0"/>
+              <a:t>Credits</a:t>
+            </a:r>
+            <a:br>
+              <a:rPr lang="en-US" dirty="0" smtClean="0"/>
+            </a:br>
+            <a:endParaRPr lang="en-US" dirty="0">
+              <a:solidFill>
+                <a:schemeClr val="tx2"/>
+              </a:solidFill>
+            </a:endParaRPr>
+          </a:p>
+        </p:txBody>
+      </p:sp>
+      <p:sp>
+        <p:nvSpPr>
+          <p:cNvPr id="3" name="Text Placeholder 2"/>
+          <p:cNvSpPr>
+            <a:spLocks noGrp="1"/>
+          </p:cNvSpPr>
+          <p:nvPr>
+            <p:ph type="body" sz="quarter" idx="10"/>
+          </p:nvPr>
+        </p:nvSpPr>
+        <p:spPr>
+          <a:xfrm>
+            <a:off x="381000" y="1295400"/>
+            <a:ext cx="8382000" cy="5029200"/>
+          </a:xfrm>
+        </p:spPr>
+        <p:txBody>
+          <a:bodyPr>
+            <a:normAutofit/>
+          </a:bodyPr>
+          <a:lstStyle/>
+          <a:p>
+            <a:endParaRPr lang="en-US" dirty="0" smtClean="0"/>
+          </a:p>
+          <a:p>
+            <a:r>
+              <a:rPr lang="en-US" dirty="0"/>
+              <a:t>"Knot with </a:t>
+            </a:r>
+            <a:r>
+              <a:rPr lang="en-US" dirty="0" err="1"/>
+              <a:t>borromean</a:t>
+            </a:r>
+            <a:r>
+              <a:rPr lang="en-US" dirty="0"/>
+              <a:t> rings in </a:t>
+            </a:r>
+            <a:r>
+              <a:rPr lang="en-US" dirty="0" err="1"/>
+              <a:t>jsj</a:t>
+            </a:r>
+            <a:r>
+              <a:rPr lang="en-US" dirty="0"/>
+              <a:t> </a:t>
+            </a:r>
+            <a:r>
+              <a:rPr lang="en-US" dirty="0" err="1"/>
+              <a:t>decomp</a:t>
+            </a:r>
+            <a:r>
+              <a:rPr lang="en-US" dirty="0"/>
+              <a:t> small". Licensed under CC BY-SA 3.0 via Wikipedia - </a:t>
+            </a:r>
+            <a:r>
+              <a:rPr lang="en-US" dirty="0">
+                <a:hlinkClick r:id="rId3"/>
+              </a:rPr>
+              <a:t>https://en.wikipedia.org/wiki/File:Knot_with_borromean_rings_in_jsj_decomp_small.png#/media/</a:t>
+            </a:r>
+            <a:r>
+              <a:rPr lang="en-US" dirty="0" smtClean="0">
+                <a:hlinkClick r:id="rId3"/>
+              </a:rPr>
+              <a:t>File:Knot_with_borromean_rings_in_jsj_decomp_small.png</a:t>
+            </a:r>
+            <a:endParaRPr lang="en-US" dirty="0" smtClean="0"/>
+          </a:p>
+          <a:p>
+            <a:r>
+              <a:rPr lang="en-US" dirty="0" smtClean="0"/>
+              <a:t>The Mesa team at George Mason has contributed code to this project.</a:t>
+            </a:r>
+          </a:p>
+          <a:p>
+            <a:endParaRPr lang="en-US" dirty="0" smtClean="0"/>
+          </a:p>
+        </p:txBody>
+      </p:sp>
+    </p:spTree>
+    <p:extLst>
+      <p:ext uri="{BB962C8B-B14F-4D97-AF65-F5344CB8AC3E}">
+        <p14:creationId xmlns:p14="http://schemas.microsoft.com/office/powerpoint/2010/main" val="3776600832"/>
+      </p:ext>
+    </p:extLst>
   </p:cSld>
   <p:clrMapOvr>
     <a:masterClrMapping/>
@@ -13038,7 +15246,317 @@
 </p:sld>
 </file>
 
-<file path=ppt/slides/slide11.xml><?xml version="1.0" encoding="utf-8"?>
+<file path=ppt/slides/slide17.xml><?xml version="1.0" encoding="utf-8"?>
+<p:sld xmlns:a="http://schemas.openxmlformats.org/drawingml/2006/main" xmlns:r="http://schemas.openxmlformats.org/officeDocument/2006/relationships" xmlns:p="http://schemas.openxmlformats.org/presentationml/2006/main">
+  <p:cSld>
+    <p:spTree>
+      <p:nvGrpSpPr>
+        <p:cNvPr id="1" name=""/>
+        <p:cNvGrpSpPr/>
+        <p:nvPr/>
+      </p:nvGrpSpPr>
+      <p:grpSpPr>
+        <a:xfrm>
+          <a:off x="0" y="0"/>
+          <a:ext cx="0" cy="0"/>
+          <a:chOff x="0" y="0"/>
+          <a:chExt cx="0" cy="0"/>
+        </a:xfrm>
+      </p:grpSpPr>
+      <p:sp>
+        <p:nvSpPr>
+          <p:cNvPr id="2" name="Title 1"/>
+          <p:cNvSpPr>
+            <a:spLocks noGrp="1"/>
+          </p:cNvSpPr>
+          <p:nvPr>
+            <p:ph type="title"/>
+          </p:nvPr>
+        </p:nvSpPr>
+        <p:spPr>
+          <a:xfrm>
+            <a:off x="381000" y="230189"/>
+            <a:ext cx="8382000" cy="836612"/>
+          </a:xfrm>
+        </p:spPr>
+        <p:txBody>
+          <a:bodyPr>
+            <a:normAutofit fontScale="90000"/>
+          </a:bodyPr>
+          <a:lstStyle/>
+          <a:p>
+            <a:r>
+              <a:rPr lang="en-US" dirty="0" smtClean="0"/>
+              <a:t>Credits</a:t>
+            </a:r>
+            <a:br>
+              <a:rPr lang="en-US" dirty="0" smtClean="0"/>
+            </a:br>
+            <a:endParaRPr lang="en-US" dirty="0">
+              <a:solidFill>
+                <a:schemeClr val="tx2"/>
+              </a:solidFill>
+            </a:endParaRPr>
+          </a:p>
+        </p:txBody>
+      </p:sp>
+      <p:sp>
+        <p:nvSpPr>
+          <p:cNvPr id="3" name="Text Placeholder 2"/>
+          <p:cNvSpPr>
+            <a:spLocks noGrp="1"/>
+          </p:cNvSpPr>
+          <p:nvPr>
+            <p:ph type="body" sz="quarter" idx="10"/>
+          </p:nvPr>
+        </p:nvSpPr>
+        <p:spPr>
+          <a:xfrm>
+            <a:off x="381000" y="1295400"/>
+            <a:ext cx="8382000" cy="5029200"/>
+          </a:xfrm>
+        </p:spPr>
+        <p:txBody>
+          <a:bodyPr>
+            <a:normAutofit/>
+          </a:bodyPr>
+          <a:lstStyle/>
+          <a:p>
+            <a:endParaRPr lang="en-US" dirty="0" smtClean="0"/>
+          </a:p>
+          <a:p>
+            <a:r>
+              <a:rPr lang="en-US" dirty="0"/>
+              <a:t>"Knot with </a:t>
+            </a:r>
+            <a:r>
+              <a:rPr lang="en-US" dirty="0" err="1"/>
+              <a:t>borromean</a:t>
+            </a:r>
+            <a:r>
+              <a:rPr lang="en-US" dirty="0"/>
+              <a:t> rings in </a:t>
+            </a:r>
+            <a:r>
+              <a:rPr lang="en-US" dirty="0" err="1"/>
+              <a:t>jsj</a:t>
+            </a:r>
+            <a:r>
+              <a:rPr lang="en-US" dirty="0"/>
+              <a:t> </a:t>
+            </a:r>
+            <a:r>
+              <a:rPr lang="en-US" dirty="0" err="1"/>
+              <a:t>decomp</a:t>
+            </a:r>
+            <a:r>
+              <a:rPr lang="en-US" dirty="0"/>
+              <a:t> small". Licensed under CC BY-SA 3.0 via Wikipedia - </a:t>
+            </a:r>
+            <a:r>
+              <a:rPr lang="en-US" dirty="0">
+                <a:hlinkClick r:id="rId3"/>
+              </a:rPr>
+              <a:t>https://en.wikipedia.org/wiki/File:Knot_with_borromean_rings_in_jsj_decomp_small.png#/media/</a:t>
+            </a:r>
+            <a:r>
+              <a:rPr lang="en-US" dirty="0" smtClean="0">
+                <a:hlinkClick r:id="rId3"/>
+              </a:rPr>
+              <a:t>File:Knot_with_borromean_rings_in_jsj_decomp_small.png</a:t>
+            </a:r>
+            <a:endParaRPr lang="en-US" dirty="0" smtClean="0"/>
+          </a:p>
+          <a:p>
+            <a:r>
+              <a:rPr lang="en-US" dirty="0" smtClean="0"/>
+              <a:t>The Mesa team at George Mason has contributed code to this project.</a:t>
+            </a:r>
+          </a:p>
+          <a:p>
+            <a:endParaRPr lang="en-US" dirty="0" smtClean="0"/>
+          </a:p>
+        </p:txBody>
+      </p:sp>
+    </p:spTree>
+    <p:extLst>
+      <p:ext uri="{BB962C8B-B14F-4D97-AF65-F5344CB8AC3E}">
+        <p14:creationId xmlns:p14="http://schemas.microsoft.com/office/powerpoint/2010/main" val="3729891041"/>
+      </p:ext>
+    </p:extLst>
+  </p:cSld>
+  <p:clrMapOvr>
+    <a:masterClrMapping/>
+  </p:clrMapOvr>
+  <p:transition xmlns:p14="http://schemas.microsoft.com/office/powerpoint/2010/main">
+    <p:fade/>
+  </p:transition>
+  <p:timing>
+    <p:tnLst>
+      <p:par>
+        <p:cTn xmlns:p14="http://schemas.microsoft.com/office/powerpoint/2010/main" id="1" dur="indefinite" restart="never" nodeType="tmRoot"/>
+      </p:par>
+    </p:tnLst>
+  </p:timing>
+</p:sld>
+</file>
+
+<file path=ppt/slides/slide18.xml><?xml version="1.0" encoding="utf-8"?>
+<p:sld xmlns:a="http://schemas.openxmlformats.org/drawingml/2006/main" xmlns:r="http://schemas.openxmlformats.org/officeDocument/2006/relationships" xmlns:p="http://schemas.openxmlformats.org/presentationml/2006/main">
+  <p:cSld>
+    <p:spTree>
+      <p:nvGrpSpPr>
+        <p:cNvPr id="1" name=""/>
+        <p:cNvGrpSpPr/>
+        <p:nvPr/>
+      </p:nvGrpSpPr>
+      <p:grpSpPr>
+        <a:xfrm>
+          <a:off x="0" y="0"/>
+          <a:ext cx="0" cy="0"/>
+          <a:chOff x="0" y="0"/>
+          <a:chExt cx="0" cy="0"/>
+        </a:xfrm>
+      </p:grpSpPr>
+      <p:sp>
+        <p:nvSpPr>
+          <p:cNvPr id="2" name="Title 1"/>
+          <p:cNvSpPr>
+            <a:spLocks noGrp="1"/>
+          </p:cNvSpPr>
+          <p:nvPr>
+            <p:ph type="title"/>
+          </p:nvPr>
+        </p:nvSpPr>
+        <p:spPr>
+          <a:xfrm>
+            <a:off x="381000" y="230189"/>
+            <a:ext cx="8382000" cy="836612"/>
+          </a:xfrm>
+        </p:spPr>
+        <p:txBody>
+          <a:bodyPr>
+            <a:normAutofit fontScale="90000"/>
+          </a:bodyPr>
+          <a:lstStyle/>
+          <a:p>
+            <a:r>
+              <a:rPr lang="en-US" dirty="0" smtClean="0"/>
+              <a:t>Credits</a:t>
+            </a:r>
+            <a:br>
+              <a:rPr lang="en-US" dirty="0" smtClean="0"/>
+            </a:br>
+            <a:endParaRPr lang="en-US" dirty="0">
+              <a:solidFill>
+                <a:schemeClr val="tx2"/>
+              </a:solidFill>
+            </a:endParaRPr>
+          </a:p>
+        </p:txBody>
+      </p:sp>
+      <p:sp>
+        <p:nvSpPr>
+          <p:cNvPr id="3" name="Text Placeholder 2"/>
+          <p:cNvSpPr>
+            <a:spLocks noGrp="1"/>
+          </p:cNvSpPr>
+          <p:nvPr>
+            <p:ph type="body" sz="quarter" idx="10"/>
+          </p:nvPr>
+        </p:nvSpPr>
+        <p:spPr>
+          <a:xfrm>
+            <a:off x="381000" y="1295400"/>
+            <a:ext cx="8382000" cy="5029200"/>
+          </a:xfrm>
+        </p:spPr>
+        <p:txBody>
+          <a:bodyPr>
+            <a:normAutofit/>
+          </a:bodyPr>
+          <a:lstStyle/>
+          <a:p>
+            <a:endParaRPr lang="en-US" dirty="0" smtClean="0"/>
+          </a:p>
+          <a:p>
+            <a:r>
+              <a:rPr lang="en-US" dirty="0"/>
+              <a:t>"Knot with </a:t>
+            </a:r>
+            <a:r>
+              <a:rPr lang="en-US" dirty="0" err="1"/>
+              <a:t>borromean</a:t>
+            </a:r>
+            <a:r>
+              <a:rPr lang="en-US" dirty="0"/>
+              <a:t> rings in </a:t>
+            </a:r>
+            <a:r>
+              <a:rPr lang="en-US" dirty="0" err="1"/>
+              <a:t>jsj</a:t>
+            </a:r>
+            <a:r>
+              <a:rPr lang="en-US" dirty="0"/>
+              <a:t> </a:t>
+            </a:r>
+            <a:r>
+              <a:rPr lang="en-US" dirty="0" err="1"/>
+              <a:t>decomp</a:t>
+            </a:r>
+            <a:r>
+              <a:rPr lang="en-US" dirty="0"/>
+              <a:t> small". Licensed under CC BY-SA 3.0 via Wikipedia - </a:t>
+            </a:r>
+            <a:r>
+              <a:rPr lang="en-US" dirty="0">
+                <a:hlinkClick r:id="rId3"/>
+              </a:rPr>
+              <a:t>https://en.wikipedia.org/wiki/File:Knot_with_borromean_rings_in_jsj_decomp_small.png#/media/</a:t>
+            </a:r>
+            <a:r>
+              <a:rPr lang="en-US" dirty="0" smtClean="0">
+                <a:hlinkClick r:id="rId3"/>
+              </a:rPr>
+              <a:t>File:Knot_with_borromean_rings_in_jsj_decomp_small.png</a:t>
+            </a:r>
+            <a:endParaRPr lang="en-US" dirty="0" smtClean="0"/>
+          </a:p>
+          <a:p>
+            <a:r>
+              <a:rPr lang="en-US" dirty="0" smtClean="0"/>
+              <a:t>The Mesa team at George Mason has contributed code to this project.</a:t>
+            </a:r>
+          </a:p>
+          <a:p>
+            <a:endParaRPr lang="en-US" dirty="0" smtClean="0"/>
+          </a:p>
+        </p:txBody>
+      </p:sp>
+    </p:spTree>
+    <p:extLst>
+      <p:ext uri="{BB962C8B-B14F-4D97-AF65-F5344CB8AC3E}">
+        <p14:creationId xmlns:p14="http://schemas.microsoft.com/office/powerpoint/2010/main" val="69031901"/>
+      </p:ext>
+    </p:extLst>
+  </p:cSld>
+  <p:clrMapOvr>
+    <a:masterClrMapping/>
+  </p:clrMapOvr>
+  <p:transition xmlns:p14="http://schemas.microsoft.com/office/powerpoint/2010/main">
+    <p:fade/>
+  </p:transition>
+  <p:timing>
+    <p:tnLst>
+      <p:par>
+        <p:cTn xmlns:p14="http://schemas.microsoft.com/office/powerpoint/2010/main" id="1" dur="indefinite" restart="never" nodeType="tmRoot"/>
+      </p:par>
+    </p:tnLst>
+  </p:timing>
+</p:sld>
+</file>
+
+<file path=ppt/slides/slide19.xml><?xml version="1.0" encoding="utf-8"?>
 <p:sld xmlns:a="http://schemas.openxmlformats.org/drawingml/2006/main" xmlns:r="http://schemas.openxmlformats.org/officeDocument/2006/relationships" xmlns:p="http://schemas.openxmlformats.org/presentationml/2006/main">
   <p:cSld>
     <p:spTree>
@@ -13530,275 +16048,6 @@
               </a:rPr>
               <a:t>Sample Fill</a:t>
             </a:r>
-          </a:p>
-        </p:txBody>
-      </p:sp>
-    </p:spTree>
-  </p:cSld>
-  <p:clrMapOvr>
-    <a:masterClrMapping/>
-  </p:clrMapOvr>
-  <p:transition xmlns:p14="http://schemas.microsoft.com/office/powerpoint/2010/main">
-    <p:fade/>
-  </p:transition>
-  <p:timing>
-    <p:tnLst>
-      <p:par>
-        <p:cTn xmlns:p14="http://schemas.microsoft.com/office/powerpoint/2010/main" id="1" dur="indefinite" restart="never" nodeType="tmRoot"/>
-      </p:par>
-    </p:tnLst>
-  </p:timing>
-</p:sld>
-</file>
-
-<file path=ppt/slides/slide12.xml><?xml version="1.0" encoding="utf-8"?>
-<p:sld xmlns:a="http://schemas.openxmlformats.org/drawingml/2006/main" xmlns:r="http://schemas.openxmlformats.org/officeDocument/2006/relationships" xmlns:p="http://schemas.openxmlformats.org/presentationml/2006/main">
-  <p:cSld>
-    <p:spTree>
-      <p:nvGrpSpPr>
-        <p:cNvPr id="1" name=""/>
-        <p:cNvGrpSpPr/>
-        <p:nvPr/>
-      </p:nvGrpSpPr>
-      <p:grpSpPr>
-        <a:xfrm>
-          <a:off x="0" y="0"/>
-          <a:ext cx="0" cy="0"/>
-          <a:chOff x="0" y="0"/>
-          <a:chExt cx="0" cy="0"/>
-        </a:xfrm>
-      </p:grpSpPr>
-      <p:sp>
-        <p:nvSpPr>
-          <p:cNvPr id="2" name="Title 1"/>
-          <p:cNvSpPr>
-            <a:spLocks noGrp="1"/>
-          </p:cNvSpPr>
-          <p:nvPr>
-            <p:ph type="title"/>
-          </p:nvPr>
-        </p:nvSpPr>
-        <p:spPr/>
-        <p:txBody>
-          <a:bodyPr/>
-          <a:lstStyle/>
-          <a:p>
-            <a:r>
-              <a:rPr smtClean="0"/>
-              <a:t>Line Chart Example</a:t>
-            </a:r>
-            <a:endParaRPr lang="en-US" dirty="0"/>
-          </a:p>
-        </p:txBody>
-      </p:sp>
-      <p:graphicFrame>
-        <p:nvGraphicFramePr>
-          <p:cNvPr id="3" name="Chart 2"/>
-          <p:cNvGraphicFramePr/>
-          <p:nvPr/>
-        </p:nvGraphicFramePr>
-        <p:xfrm>
-          <a:off x="347579" y="1149685"/>
-          <a:ext cx="8181473" cy="5240421"/>
-        </p:xfrm>
-        <a:graphic>
-          <a:graphicData uri="http://schemas.openxmlformats.org/drawingml/2006/chart">
-            <c:chart xmlns:c="http://schemas.openxmlformats.org/drawingml/2006/chart" xmlns:r="http://schemas.openxmlformats.org/officeDocument/2006/relationships" r:id="rId3"/>
-          </a:graphicData>
-        </a:graphic>
-      </p:graphicFrame>
-    </p:spTree>
-  </p:cSld>
-  <p:clrMapOvr>
-    <a:masterClrMapping/>
-  </p:clrMapOvr>
-  <p:transition xmlns:p14="http://schemas.microsoft.com/office/powerpoint/2010/main">
-    <p:fade/>
-  </p:transition>
-  <p:timing>
-    <p:tnLst>
-      <p:par>
-        <p:cTn xmlns:p14="http://schemas.microsoft.com/office/powerpoint/2010/main" id="1" dur="indefinite" restart="never" nodeType="tmRoot"/>
-      </p:par>
-    </p:tnLst>
-  </p:timing>
-</p:sld>
-</file>
-
-<file path=ppt/slides/slide13.xml><?xml version="1.0" encoding="utf-8"?>
-<p:sld xmlns:a="http://schemas.openxmlformats.org/drawingml/2006/main" xmlns:r="http://schemas.openxmlformats.org/officeDocument/2006/relationships" xmlns:p="http://schemas.openxmlformats.org/presentationml/2006/main">
-  <p:cSld>
-    <p:spTree>
-      <p:nvGrpSpPr>
-        <p:cNvPr id="1" name=""/>
-        <p:cNvGrpSpPr/>
-        <p:nvPr/>
-      </p:nvGrpSpPr>
-      <p:grpSpPr>
-        <a:xfrm>
-          <a:off x="0" y="0"/>
-          <a:ext cx="0" cy="0"/>
-          <a:chOff x="0" y="0"/>
-          <a:chExt cx="0" cy="0"/>
-        </a:xfrm>
-      </p:grpSpPr>
-      <p:sp>
-        <p:nvSpPr>
-          <p:cNvPr id="2" name="Title 1"/>
-          <p:cNvSpPr>
-            <a:spLocks noGrp="1"/>
-          </p:cNvSpPr>
-          <p:nvPr>
-            <p:ph type="title"/>
-          </p:nvPr>
-        </p:nvSpPr>
-        <p:spPr/>
-        <p:txBody>
-          <a:bodyPr/>
-          <a:lstStyle/>
-          <a:p>
-            <a:r>
-              <a:rPr smtClean="0"/>
-              <a:t>Area Chart Example</a:t>
-            </a:r>
-            <a:endParaRPr lang="en-US" dirty="0"/>
-          </a:p>
-        </p:txBody>
-      </p:sp>
-      <p:graphicFrame>
-        <p:nvGraphicFramePr>
-          <p:cNvPr id="3" name="Chart 2"/>
-          <p:cNvGraphicFramePr/>
-          <p:nvPr/>
-        </p:nvGraphicFramePr>
-        <p:xfrm>
-          <a:off x="508000" y="1087438"/>
-          <a:ext cx="7826375" cy="5341938"/>
-        </p:xfrm>
-        <a:graphic>
-          <a:graphicData uri="http://schemas.openxmlformats.org/drawingml/2006/chart">
-            <c:chart xmlns:c="http://schemas.openxmlformats.org/drawingml/2006/chart" xmlns:r="http://schemas.openxmlformats.org/officeDocument/2006/relationships" r:id="rId3"/>
-          </a:graphicData>
-        </a:graphic>
-      </p:graphicFrame>
-    </p:spTree>
-  </p:cSld>
-  <p:clrMapOvr>
-    <a:masterClrMapping/>
-  </p:clrMapOvr>
-  <p:transition xmlns:p14="http://schemas.microsoft.com/office/powerpoint/2010/main">
-    <p:fade/>
-  </p:transition>
-  <p:timing>
-    <p:tnLst>
-      <p:par>
-        <p:cTn xmlns:p14="http://schemas.microsoft.com/office/powerpoint/2010/main" id="1" dur="indefinite" restart="never" nodeType="tmRoot"/>
-      </p:par>
-    </p:tnLst>
-  </p:timing>
-</p:sld>
-</file>
-
-<file path=ppt/slides/slide14.xml><?xml version="1.0" encoding="utf-8"?>
-<p:sld xmlns:a="http://schemas.openxmlformats.org/drawingml/2006/main" xmlns:r="http://schemas.openxmlformats.org/officeDocument/2006/relationships" xmlns:p="http://schemas.openxmlformats.org/presentationml/2006/main">
-  <p:cSld>
-    <p:spTree>
-      <p:nvGrpSpPr>
-        <p:cNvPr id="1" name=""/>
-        <p:cNvGrpSpPr/>
-        <p:nvPr/>
-      </p:nvGrpSpPr>
-      <p:grpSpPr>
-        <a:xfrm>
-          <a:off x="0" y="0"/>
-          <a:ext cx="0" cy="0"/>
-          <a:chOff x="0" y="0"/>
-          <a:chExt cx="0" cy="0"/>
-        </a:xfrm>
-      </p:grpSpPr>
-      <p:sp>
-        <p:nvSpPr>
-          <p:cNvPr id="2" name="Title 1"/>
-          <p:cNvSpPr>
-            <a:spLocks noGrp="1"/>
-          </p:cNvSpPr>
-          <p:nvPr>
-            <p:ph type="ctrTitle"/>
-          </p:nvPr>
-        </p:nvSpPr>
-        <p:spPr/>
-        <p:txBody>
-          <a:bodyPr/>
-          <a:lstStyle/>
-          <a:p>
-            <a:r>
-              <a:rPr lang="en-US" dirty="0" smtClean="0"/>
-              <a:t>Demo Title</a:t>
-            </a:r>
-            <a:endParaRPr lang="en-US" dirty="0"/>
-          </a:p>
-        </p:txBody>
-      </p:sp>
-      <p:sp>
-        <p:nvSpPr>
-          <p:cNvPr id="3" name="Subtitle 2"/>
-          <p:cNvSpPr>
-            <a:spLocks noGrp="1"/>
-          </p:cNvSpPr>
-          <p:nvPr>
-            <p:ph type="subTitle" idx="1"/>
-          </p:nvPr>
-        </p:nvSpPr>
-        <p:spPr>
-          <a:xfrm>
-            <a:off x="1368955" y="4344988"/>
-            <a:ext cx="7043208" cy="1446212"/>
-          </a:xfrm>
-        </p:spPr>
-        <p:txBody>
-          <a:bodyPr/>
-          <a:lstStyle/>
-          <a:p>
-            <a:r>
-              <a:rPr lang="en-US" dirty="0" smtClean="0"/>
-              <a:t>Name</a:t>
-            </a:r>
-          </a:p>
-          <a:p>
-            <a:r>
-              <a:rPr lang="en-US" dirty="0" smtClean="0"/>
-              <a:t>Title</a:t>
-            </a:r>
-          </a:p>
-          <a:p>
-            <a:r>
-              <a:rPr lang="en-US" dirty="0" smtClean="0"/>
-              <a:t>Group</a:t>
-            </a:r>
-            <a:endParaRPr lang="en-US" dirty="0"/>
-          </a:p>
-        </p:txBody>
-      </p:sp>
-      <p:sp>
-        <p:nvSpPr>
-          <p:cNvPr id="4" name="Text Placeholder 3"/>
-          <p:cNvSpPr>
-            <a:spLocks noGrp="1"/>
-          </p:cNvSpPr>
-          <p:nvPr>
-            <p:ph type="body" sz="quarter" idx="10"/>
-          </p:nvPr>
-        </p:nvSpPr>
-        <p:spPr/>
-        <p:txBody>
-          <a:bodyPr/>
-          <a:lstStyle/>
-          <a:p>
-            <a:r>
-              <a:rPr lang="en-US" dirty="0" smtClean="0"/>
-              <a:t>demo </a:t>
-            </a:r>
-            <a:endParaRPr lang="en-US" dirty="0"/>
           </a:p>
         </p:txBody>
       </p:sp>
@@ -13863,10 +16112,6 @@
               <a:rPr lang="en-US" dirty="0" smtClean="0"/>
               <a:t>Generic Programming</a:t>
             </a:r>
-            <a:r>
-              <a:rPr lang="en-US" dirty="0" smtClean="0"/>
-              <a:t/>
-            </a:r>
             <a:br>
               <a:rPr lang="en-US" dirty="0" smtClean="0"/>
             </a:br>
@@ -13912,7 +16157,6 @@
               <a:rPr lang="en-US" dirty="0" smtClean="0"/>
               <a:t>Inspired by abstract algebra</a:t>
             </a:r>
-            <a:endParaRPr lang="en-US" dirty="0" smtClean="0"/>
           </a:p>
           <a:p>
             <a:pPr lvl="1"/>
@@ -13928,7 +16172,6 @@
               <a:rPr lang="en-US" dirty="0" smtClean="0"/>
               <a:t> of addition</a:t>
             </a:r>
-            <a:endParaRPr lang="en-US" dirty="0" smtClean="0"/>
           </a:p>
           <a:p>
             <a:pPr lvl="1"/>
@@ -13950,13 +16193,16 @@
               <a:rPr lang="en-US" dirty="0" smtClean="0"/>
               <a:t>Be commutative</a:t>
             </a:r>
-            <a:endParaRPr lang="en-US" dirty="0" smtClean="0"/>
           </a:p>
           <a:p>
             <a:pPr lvl="2"/>
             <a:r>
               <a:rPr lang="en-US" dirty="0" smtClean="0"/>
-              <a:t>Have an identity element</a:t>
+              <a:t>Have an identity </a:t>
+            </a:r>
+            <a:r>
+              <a:rPr lang="en-US" dirty="0" smtClean="0"/>
+              <a:t>element (e.g., 0, or the unknot)</a:t>
             </a:r>
             <a:endParaRPr lang="en-US" dirty="0" smtClean="0"/>
           </a:p>
@@ -13969,14 +16215,14 @@
           <p:nvPr>
             <p:extLst>
               <p:ext uri="{D42A27DB-BD31-4B8C-83A1-F6EECF244321}">
-                <p14:modId xmlns:p14="http://schemas.microsoft.com/office/powerpoint/2010/main" val="478109135"/>
+                <p14:modId xmlns:p14="http://schemas.microsoft.com/office/powerpoint/2010/main" val="3339970318"/>
               </p:ext>
             </p:extLst>
           </p:nvPr>
         </p:nvGraphicFramePr>
         <p:xfrm>
-          <a:off x="5334000" y="4532978"/>
-          <a:ext cx="3124200" cy="2286000"/>
+          <a:off x="5181600" y="5029200"/>
+          <a:ext cx="3124200" cy="1676400"/>
         </p:xfrm>
         <a:graphic>
           <a:graphicData uri="http://schemas.openxmlformats.org/drawingml/2006/diagram">
@@ -14045,10 +16291,6 @@
               <a:rPr lang="en-US" dirty="0" smtClean="0"/>
               <a:t>Generic Programming</a:t>
             </a:r>
-            <a:r>
-              <a:rPr lang="en-US" dirty="0" smtClean="0"/>
-              <a:t/>
-            </a:r>
             <a:br>
               <a:rPr lang="en-US" dirty="0" smtClean="0"/>
             </a:br>
@@ -14102,7 +16344,6 @@
               <a:rPr lang="en-US" dirty="0" smtClean="0"/>
               <a:t>!</a:t>
             </a:r>
-            <a:endParaRPr lang="en-US" dirty="0" smtClean="0"/>
           </a:p>
         </p:txBody>
       </p:sp>
@@ -14226,10 +16467,6 @@
               <a:rPr lang="en-US" dirty="0" smtClean="0"/>
               <a:t>Generic Programming</a:t>
             </a:r>
-            <a:r>
-              <a:rPr lang="en-US" dirty="0" smtClean="0"/>
-              <a:t/>
-            </a:r>
             <a:br>
               <a:rPr lang="en-US" dirty="0" smtClean="0"/>
             </a:br>
@@ -14279,17 +16516,8 @@
           <a:p>
             <a:r>
               <a:rPr lang="en-US" dirty="0" smtClean="0"/>
-              <a:t>We then pass in an addition function to our sum that correctly handles the particula</a:t>
-            </a:r>
-            <a:r>
-              <a:rPr lang="en-US" dirty="0" smtClean="0"/>
-              <a:t>r </a:t>
-            </a:r>
-            <a:r>
-              <a:rPr lang="en-US" dirty="0" smtClean="0"/>
-              <a:t>data type; e.g., for a clock:</a:t>
-            </a:r>
-            <a:endParaRPr lang="en-US" dirty="0" smtClean="0"/>
+              <a:t>We then pass in an addition function to our sum that correctly handles the particular data type; e.g., for a clock:</a:t>
+            </a:r>
           </a:p>
         </p:txBody>
       </p:sp>
@@ -14381,10 +16609,6 @@
               <a:rPr lang="en-US" dirty="0" smtClean="0"/>
               <a:t>Agent-Based Modeling</a:t>
             </a:r>
-            <a:r>
-              <a:rPr lang="en-US" dirty="0" smtClean="0"/>
-              <a:t/>
-            </a:r>
             <a:br>
               <a:rPr lang="en-US" dirty="0" smtClean="0"/>
             </a:br>
@@ -14458,7 +16682,6 @@
               <a:rPr lang="en-US" dirty="0" smtClean="0"/>
               <a:t>Influence other agents by their actions</a:t>
             </a:r>
-            <a:endParaRPr lang="en-US" dirty="0" smtClean="0"/>
           </a:p>
         </p:txBody>
       </p:sp>
@@ -14528,10 +16751,6 @@
               <a:rPr lang="en-US" dirty="0" smtClean="0"/>
               <a:t>Agent-Based Modeling</a:t>
             </a:r>
-            <a:r>
-              <a:rPr lang="en-US" dirty="0" smtClean="0"/>
-              <a:t/>
-            </a:r>
             <a:br>
               <a:rPr lang="en-US" dirty="0" smtClean="0"/>
             </a:br>
@@ -14576,7 +16795,6 @@
               <a:rPr lang="en-US" dirty="0" smtClean="0"/>
               <a:t>Lightening strikes randomly, starting a fire</a:t>
             </a:r>
-            <a:endParaRPr lang="en-US" dirty="0" smtClean="0"/>
           </a:p>
           <a:p>
             <a:pPr lvl="1"/>
@@ -14584,7 +16802,6 @@
               <a:rPr lang="en-US" dirty="0" smtClean="0"/>
               <a:t>Trees on fire ignite neighbors</a:t>
             </a:r>
-            <a:endParaRPr lang="en-US" dirty="0" smtClean="0"/>
           </a:p>
           <a:p>
             <a:pPr lvl="1"/>
@@ -14592,7 +16809,6 @@
               <a:rPr lang="en-US" dirty="0" smtClean="0"/>
               <a:t>Trees grow anew in burned out spots</a:t>
             </a:r>
-            <a:endParaRPr lang="en-US" dirty="0" smtClean="0"/>
           </a:p>
         </p:txBody>
       </p:sp>
@@ -14690,11 +16906,7 @@
           <a:p>
             <a:r>
               <a:rPr lang="en-US" dirty="0" smtClean="0"/>
-              <a:t>Agent-Based Modeling</a:t>
-            </a:r>
-            <a:r>
-              <a:rPr lang="en-US" dirty="0" smtClean="0"/>
-              <a:t/>
+              <a:t>Agent-Based Modeling (ABM)</a:t>
             </a:r>
             <a:br>
               <a:rPr lang="en-US" dirty="0" smtClean="0"/>
@@ -14833,31 +17045,18 @@
         <p:spPr>
           <a:xfrm>
             <a:off x="381000" y="230188"/>
-            <a:ext cx="8382000" cy="1163395"/>
+            <a:ext cx="8382000" cy="677108"/>
           </a:xfrm>
         </p:spPr>
         <p:txBody>
-          <a:bodyPr>
-            <a:normAutofit fontScale="90000"/>
-          </a:bodyPr>
+          <a:bodyPr/>
           <a:lstStyle/>
           <a:p>
             <a:r>
               <a:rPr lang="en-US" dirty="0" smtClean="0"/>
-              <a:t>Credits</a:t>
-            </a:r>
-            <a:r>
-              <a:rPr lang="en-US" dirty="0" smtClean="0"/>
-              <a:t/>
-            </a:r>
-            <a:br>
-              <a:rPr lang="en-US" dirty="0" smtClean="0"/>
-            </a:br>
-            <a:endParaRPr lang="en-US" dirty="0">
-              <a:solidFill>
-                <a:schemeClr val="tx2"/>
-              </a:solidFill>
-            </a:endParaRPr>
+              <a:t>ABM and Generic Programming</a:t>
+            </a:r>
+            <a:endParaRPr lang="en-US" dirty="0"/>
           </a:p>
         </p:txBody>
       </p:sp>
@@ -14873,75 +17072,34 @@
         </p:nvSpPr>
         <p:spPr>
           <a:xfrm>
-            <a:off x="381000" y="1752600"/>
-            <a:ext cx="8382000" cy="3502497"/>
+            <a:off x="381000" y="1411552"/>
+            <a:ext cx="8382000" cy="1337802"/>
           </a:xfrm>
         </p:spPr>
         <p:txBody>
-          <a:bodyPr>
-            <a:normAutofit lnSpcReduction="10000"/>
-          </a:bodyPr>
+          <a:bodyPr/>
           <a:lstStyle/>
           <a:p>
-            <a:endParaRPr lang="en-US" dirty="0" smtClean="0"/>
-          </a:p>
-          <a:p>
-            <a:r>
-              <a:rPr lang="en-US" dirty="0"/>
-              <a:t>"Knot with </a:t>
-            </a:r>
-            <a:r>
-              <a:rPr lang="en-US" dirty="0" err="1"/>
-              <a:t>borromean</a:t>
-            </a:r>
-            <a:r>
-              <a:rPr lang="en-US" dirty="0"/>
-              <a:t> rings in </a:t>
-            </a:r>
-            <a:r>
-              <a:rPr lang="en-US" dirty="0" err="1"/>
-              <a:t>jsj</a:t>
-            </a:r>
-            <a:r>
-              <a:rPr lang="en-US" dirty="0"/>
-              <a:t> </a:t>
-            </a:r>
-            <a:r>
-              <a:rPr lang="en-US" dirty="0" err="1"/>
-              <a:t>decomp</a:t>
-            </a:r>
-            <a:r>
-              <a:rPr lang="en-US" dirty="0"/>
-              <a:t> small". Licensed under CC BY-SA 3.0 via Wikipedia - https://</a:t>
-            </a:r>
-            <a:r>
-              <a:rPr lang="en-US" dirty="0" err="1"/>
-              <a:t>en.wikipedia.org</a:t>
-            </a:r>
-            <a:r>
-              <a:rPr lang="en-US" dirty="0"/>
-              <a:t>/wiki/</a:t>
-            </a:r>
-            <a:r>
-              <a:rPr lang="en-US" dirty="0" err="1"/>
-              <a:t>File:Knot_with_borromean_rings_in_jsj_decomp_small.png</a:t>
-            </a:r>
-            <a:r>
-              <a:rPr lang="en-US" dirty="0"/>
-              <a:t>#/media/</a:t>
-            </a:r>
-            <a:r>
-              <a:rPr lang="en-US" dirty="0" err="1"/>
-              <a:t>File:Knot_with_borromean_rings_in_jsj_decomp_small.png</a:t>
-            </a:r>
-            <a:endParaRPr lang="en-US" dirty="0" smtClean="0"/>
+            <a:r>
+              <a:rPr lang="en-US" dirty="0" smtClean="0"/>
+              <a:t>Our goal in creating </a:t>
+            </a:r>
+            <a:r>
+              <a:rPr lang="en-US" dirty="0" err="1" smtClean="0"/>
+              <a:t>Indra</a:t>
+            </a:r>
+            <a:r>
+              <a:rPr lang="en-US" dirty="0" smtClean="0"/>
+              <a:t> has been to continually to push more and more of the “work” into generic libraries</a:t>
+            </a:r>
+            <a:endParaRPr lang="en-US" dirty="0"/>
           </a:p>
         </p:txBody>
       </p:sp>
     </p:spTree>
     <p:extLst>
       <p:ext uri="{BB962C8B-B14F-4D97-AF65-F5344CB8AC3E}">
-        <p14:creationId xmlns:p14="http://schemas.microsoft.com/office/powerpoint/2010/main" val="3776600832"/>
+        <p14:creationId xmlns:p14="http://schemas.microsoft.com/office/powerpoint/2010/main" val="1136954897"/>
       </p:ext>
     </p:extLst>
   </p:cSld>
@@ -14951,13 +17109,6 @@
   <p:transition xmlns:p14="http://schemas.microsoft.com/office/powerpoint/2010/main">
     <p:fade/>
   </p:transition>
-  <p:timing>
-    <p:tnLst>
-      <p:par>
-        <p:cTn xmlns:p14="http://schemas.microsoft.com/office/powerpoint/2010/main" id="1" dur="indefinite" restart="never" nodeType="tmRoot"/>
-      </p:par>
-    </p:tnLst>
-  </p:timing>
 </p:sld>
 </file>
 
@@ -14988,36 +17139,99 @@
             <p:ph type="title"/>
           </p:nvPr>
         </p:nvSpPr>
-        <p:spPr/>
+        <p:spPr>
+          <a:xfrm>
+            <a:off x="381000" y="230188"/>
+            <a:ext cx="8382000" cy="677108"/>
+          </a:xfrm>
+        </p:spPr>
         <p:txBody>
           <a:bodyPr/>
           <a:lstStyle/>
           <a:p>
             <a:r>
-              <a:rPr smtClean="0"/>
-              <a:t>Bar Chart Example</a:t>
+              <a:rPr lang="en-US" dirty="0" smtClean="0"/>
+              <a:t>ABM and Generic Programming</a:t>
             </a:r>
             <a:endParaRPr lang="en-US" dirty="0"/>
           </a:p>
         </p:txBody>
       </p:sp>
-      <p:graphicFrame>
-        <p:nvGraphicFramePr>
-          <p:cNvPr id="3" name="Chart 2"/>
-          <p:cNvGraphicFramePr/>
-          <p:nvPr/>
-        </p:nvGraphicFramePr>
-        <p:xfrm>
-          <a:off x="381000" y="1182687"/>
-          <a:ext cx="8031428" cy="5270500"/>
-        </p:xfrm>
-        <a:graphic>
-          <a:graphicData uri="http://schemas.openxmlformats.org/drawingml/2006/chart">
-            <c:chart xmlns:c="http://schemas.openxmlformats.org/drawingml/2006/chart" xmlns:r="http://schemas.openxmlformats.org/officeDocument/2006/relationships" r:id="rId3"/>
-          </a:graphicData>
-        </a:graphic>
-      </p:graphicFrame>
+      <p:sp>
+        <p:nvSpPr>
+          <p:cNvPr id="3" name="Text Placeholder 2"/>
+          <p:cNvSpPr>
+            <a:spLocks noGrp="1"/>
+          </p:cNvSpPr>
+          <p:nvPr>
+            <p:ph type="body" sz="quarter" idx="10"/>
+          </p:nvPr>
+        </p:nvSpPr>
+        <p:spPr>
+          <a:xfrm>
+            <a:off x="381000" y="1411552"/>
+            <a:ext cx="8382000" cy="4836848"/>
+          </a:xfrm>
+        </p:spPr>
+        <p:txBody>
+          <a:bodyPr/>
+          <a:lstStyle/>
+          <a:p>
+            <a:r>
+              <a:rPr lang="en-US" dirty="0" smtClean="0"/>
+              <a:t>Space is usually represented as a grid.</a:t>
+            </a:r>
+          </a:p>
+          <a:p>
+            <a:pPr lvl="1"/>
+            <a:r>
+              <a:rPr lang="en-US" dirty="0" smtClean="0"/>
+              <a:t>For finer-grained space, add more cells!</a:t>
+            </a:r>
+          </a:p>
+          <a:p>
+            <a:r>
+              <a:rPr lang="en-US" dirty="0" smtClean="0"/>
+              <a:t>Many models have agents look at a “neighborhood” around their location, often a square.</a:t>
+            </a:r>
+          </a:p>
+          <a:p>
+            <a:pPr lvl="1"/>
+            <a:r>
+              <a:rPr lang="en-US" dirty="0" smtClean="0"/>
+              <a:t>Special methods are written to deal with this neighborhood.</a:t>
+            </a:r>
+          </a:p>
+          <a:p>
+            <a:r>
+              <a:rPr lang="en-US" dirty="0" smtClean="0"/>
+              <a:t>A powerful abstraction is the “grid view.” This can be </a:t>
+            </a:r>
+            <a:r>
+              <a:rPr lang="en-US" i="1" dirty="0" smtClean="0"/>
+              <a:t>any</a:t>
+            </a:r>
+            <a:r>
+              <a:rPr lang="en-US" dirty="0" smtClean="0"/>
+              <a:t> collection of cells around an agent.</a:t>
+            </a:r>
+          </a:p>
+          <a:p>
+            <a:pPr lvl="1"/>
+            <a:r>
+              <a:rPr lang="en-US" dirty="0" smtClean="0"/>
+              <a:t>All grid methods work on grid views.</a:t>
+            </a:r>
+            <a:endParaRPr lang="en-US" dirty="0"/>
+          </a:p>
+        </p:txBody>
+      </p:sp>
     </p:spTree>
+    <p:extLst>
+      <p:ext uri="{BB962C8B-B14F-4D97-AF65-F5344CB8AC3E}">
+        <p14:creationId xmlns:p14="http://schemas.microsoft.com/office/powerpoint/2010/main" val="2985670801"/>
+      </p:ext>
+    </p:extLst>
   </p:cSld>
   <p:clrMapOvr>
     <a:masterClrMapping/>
@@ -15025,13 +17239,6 @@
   <p:transition xmlns:p14="http://schemas.microsoft.com/office/powerpoint/2010/main">
     <p:fade/>
   </p:transition>
-  <p:timing>
-    <p:tnLst>
-      <p:par>
-        <p:cTn xmlns:p14="http://schemas.microsoft.com/office/powerpoint/2010/main" id="1" dur="indefinite" restart="never" nodeType="tmRoot"/>
-      </p:par>
-    </p:tnLst>
-  </p:timing>
 </p:sld>
 </file>
 

--- a/docs/GenericProgrammingAndABM.pptx
+++ b/docs/GenericProgrammingAndABM.pptx
@@ -14513,7 +14513,7 @@
         <p:spPr>
           <a:xfrm>
             <a:off x="381000" y="1411552"/>
-            <a:ext cx="8382000" cy="451406"/>
+            <a:ext cx="8382000" cy="4849532"/>
           </a:xfrm>
         </p:spPr>
         <p:txBody>
@@ -14522,9 +14522,175 @@
           <a:p>
             <a:r>
               <a:rPr lang="en-US" dirty="0" smtClean="0"/>
-              <a:t>Grid views.</a:t>
-            </a:r>
-            <a:endParaRPr lang="en-US" dirty="0"/>
+              <a:t>Grid views implementation sample:</a:t>
+            </a:r>
+          </a:p>
+          <a:p>
+            <a:r>
+              <a:rPr lang="en-US" sz="2000" dirty="0" err="1"/>
+              <a:t>def</a:t>
+            </a:r>
+            <a:r>
+              <a:rPr lang="en-US" sz="2000" dirty="0"/>
+              <a:t> </a:t>
+            </a:r>
+            <a:r>
+              <a:rPr lang="en-US" sz="2000" dirty="0" err="1"/>
+              <a:t>find_empty</a:t>
+            </a:r>
+            <a:r>
+              <a:rPr lang="en-US" sz="2000" dirty="0"/>
+              <a:t>(self, </a:t>
+            </a:r>
+            <a:r>
+              <a:rPr lang="en-US" sz="2000" dirty="0" err="1"/>
+              <a:t>grid_view</a:t>
+            </a:r>
+            <a:r>
+              <a:rPr lang="en-US" sz="2000" dirty="0"/>
+              <a:t>=None):                                             </a:t>
+            </a:r>
+          </a:p>
+          <a:p>
+            <a:r>
+              <a:rPr lang="en-US" sz="2000" dirty="0"/>
+              <a:t>    """                                                                          </a:t>
+            </a:r>
+          </a:p>
+          <a:p>
+            <a:r>
+              <a:rPr lang="en-US" sz="2000" dirty="0"/>
+              <a:t>    Return a random, empty cell.                                                 </a:t>
+            </a:r>
+          </a:p>
+          <a:p>
+            <a:r>
+              <a:rPr lang="en-US" sz="2000" dirty="0"/>
+              <a:t>    """                                                                           </a:t>
+            </a:r>
+          </a:p>
+          <a:p>
+            <a:r>
+              <a:rPr lang="en-US" sz="2000" dirty="0"/>
+              <a:t>    if </a:t>
+            </a:r>
+            <a:r>
+              <a:rPr lang="en-US" sz="2000" dirty="0" err="1"/>
+              <a:t>self.exists_empty_cells</a:t>
+            </a:r>
+            <a:r>
+              <a:rPr lang="en-US" sz="2000" dirty="0"/>
+              <a:t>():                                                 </a:t>
+            </a:r>
+          </a:p>
+          <a:p>
+            <a:r>
+              <a:rPr lang="en-US" sz="2000" dirty="0"/>
+              <a:t>        if </a:t>
+            </a:r>
+            <a:r>
+              <a:rPr lang="en-US" sz="2000" dirty="0" err="1"/>
+              <a:t>grid_view</a:t>
+            </a:r>
+            <a:r>
+              <a:rPr lang="en-US" sz="2000" dirty="0"/>
+              <a:t> is None:                                                     </a:t>
+            </a:r>
+          </a:p>
+          <a:p>
+            <a:r>
+              <a:rPr lang="en-US" sz="2000" dirty="0"/>
+              <a:t>            return </a:t>
+            </a:r>
+            <a:r>
+              <a:rPr lang="en-US" sz="2000" dirty="0" err="1"/>
+              <a:t>random.choice</a:t>
+            </a:r>
+            <a:r>
+              <a:rPr lang="en-US" sz="2000" dirty="0"/>
+              <a:t>(</a:t>
+            </a:r>
+            <a:r>
+              <a:rPr lang="en-US" sz="2000" dirty="0" err="1"/>
+              <a:t>self.empties</a:t>
+            </a:r>
+            <a:r>
+              <a:rPr lang="en-US" sz="2000" dirty="0"/>
+              <a:t>)                                    </a:t>
+            </a:r>
+          </a:p>
+          <a:p>
+            <a:r>
+              <a:rPr lang="en-US" sz="2000" dirty="0"/>
+              <a:t>        else:                                                                     </a:t>
+            </a:r>
+          </a:p>
+          <a:p>
+            <a:r>
+              <a:rPr lang="en-US" sz="2000" dirty="0"/>
+              <a:t>            </a:t>
+            </a:r>
+            <a:r>
+              <a:rPr lang="en-US" sz="2000" dirty="0" err="1"/>
+              <a:t>view_empties</a:t>
+            </a:r>
+            <a:r>
+              <a:rPr lang="en-US" sz="2000" dirty="0"/>
+              <a:t> = </a:t>
+            </a:r>
+            <a:r>
+              <a:rPr lang="en-US" sz="2000" dirty="0" err="1"/>
+              <a:t>grid_view.get_empties</a:t>
+            </a:r>
+            <a:r>
+              <a:rPr lang="en-US" sz="2000" dirty="0"/>
+              <a:t>()                                </a:t>
+            </a:r>
+          </a:p>
+          <a:p>
+            <a:r>
+              <a:rPr lang="en-US" sz="2000" dirty="0"/>
+              <a:t>            if </a:t>
+            </a:r>
+            <a:r>
+              <a:rPr lang="en-US" sz="2000" dirty="0" err="1"/>
+              <a:t>view_empties</a:t>
+            </a:r>
+            <a:r>
+              <a:rPr lang="en-US" sz="2000" dirty="0"/>
+              <a:t>:                                                      </a:t>
+            </a:r>
+          </a:p>
+          <a:p>
+            <a:r>
+              <a:rPr lang="en-US" sz="2000" dirty="0"/>
+              <a:t>                return </a:t>
+            </a:r>
+            <a:r>
+              <a:rPr lang="en-US" sz="2000" dirty="0" err="1"/>
+              <a:t>random.choice</a:t>
+            </a:r>
+            <a:r>
+              <a:rPr lang="en-US" sz="2000" dirty="0"/>
+              <a:t>(</a:t>
+            </a:r>
+            <a:r>
+              <a:rPr lang="en-US" sz="2000" dirty="0" err="1"/>
+              <a:t>view_empties</a:t>
+            </a:r>
+            <a:r>
+              <a:rPr lang="en-US" sz="2000" dirty="0"/>
+              <a:t>)                                </a:t>
+            </a:r>
+          </a:p>
+          <a:p>
+            <a:r>
+              <a:rPr lang="en-US" sz="2000" dirty="0"/>
+              <a:t>    return None                                                                   </a:t>
+            </a:r>
+          </a:p>
+          <a:p>
+            <a:endParaRPr lang="en-US" sz="2000" dirty="0"/>
           </a:p>
         </p:txBody>
       </p:sp>

--- a/docs/GenericProgrammingAndABM.pptx
+++ b/docs/GenericProgrammingAndABM.pptx
@@ -15056,13 +15056,62 @@
         <p:spPr>
           <a:xfrm>
             <a:off x="381000" y="1411552"/>
-            <a:ext cx="8382000" cy="451406"/>
+            <a:ext cx="8382000" cy="1872307"/>
           </a:xfrm>
         </p:spPr>
         <p:txBody>
           <a:bodyPr/>
           <a:lstStyle/>
           <a:p>
+            <a:r>
+              <a:rPr lang="en-US" dirty="0" smtClean="0"/>
+              <a:t>Analyzing the components of an agent’s act():</a:t>
+            </a:r>
+          </a:p>
+          <a:p>
+            <a:pPr lvl="1"/>
+            <a:r>
+              <a:rPr lang="en-US" dirty="0" err="1"/>
+              <a:t>s</a:t>
+            </a:r>
+            <a:r>
+              <a:rPr lang="en-US" dirty="0" err="1" smtClean="0"/>
+              <a:t>urvey_env</a:t>
+            </a:r>
+            <a:r>
+              <a:rPr lang="en-US" dirty="0" smtClean="0"/>
+              <a:t>()</a:t>
+            </a:r>
+          </a:p>
+          <a:p>
+            <a:pPr lvl="1"/>
+            <a:r>
+              <a:rPr lang="en-US" dirty="0" err="1"/>
+              <a:t>e</a:t>
+            </a:r>
+            <a:r>
+              <a:rPr lang="en-US" dirty="0" err="1" smtClean="0"/>
+              <a:t>valuate_env</a:t>
+            </a:r>
+            <a:r>
+              <a:rPr lang="en-US" dirty="0" smtClean="0"/>
+              <a:t>()</a:t>
+            </a:r>
+          </a:p>
+          <a:p>
+            <a:pPr lvl="1"/>
+            <a:r>
+              <a:rPr lang="en-US" dirty="0" err="1"/>
+              <a:t>r</a:t>
+            </a:r>
+            <a:r>
+              <a:rPr lang="en-US" dirty="0" err="1" smtClean="0"/>
+              <a:t>espond_to_cond</a:t>
+            </a:r>
+            <a:r>
+              <a:rPr lang="en-US" dirty="0" smtClean="0"/>
+              <a:t>()</a:t>
+            </a:r>
             <a:endParaRPr lang="en-US" dirty="0"/>
           </a:p>
         </p:txBody>
@@ -17256,7 +17305,11 @@
             </a:r>
             <a:r>
               <a:rPr lang="en-US" dirty="0" smtClean="0"/>
-              <a:t> has been to continually to push more and more of the “work” into generic libraries</a:t>
+              <a:t> has been to continually to push more and more of the “work” into </a:t>
+            </a:r>
+            <a:r>
+              <a:rPr lang="en-US" dirty="0" smtClean="0"/>
+              <a:t>generic ABM libraries.</a:t>
             </a:r>
             <a:endParaRPr lang="en-US" dirty="0"/>
           </a:p>

--- a/docs/GenericProgrammingAndABM.pptx
+++ b/docs/GenericProgrammingAndABM.pptx
@@ -6,7 +6,7 @@
     <p:sldMasterId id="2147483674" r:id="rId5"/>
   </p:sldMasterIdLst>
   <p:notesMasterIdLst>
-    <p:notesMasterId r:id="rId25"/>
+    <p:notesMasterId r:id="rId26"/>
   </p:notesMasterIdLst>
   <p:sldIdLst>
     <p:sldId id="257" r:id="rId6"/>
@@ -23,11 +23,12 @@
     <p:sldId id="276" r:id="rId17"/>
     <p:sldId id="280" r:id="rId18"/>
     <p:sldId id="281" r:id="rId19"/>
-    <p:sldId id="277" r:id="rId20"/>
-    <p:sldId id="268" r:id="rId21"/>
-    <p:sldId id="278" r:id="rId22"/>
-    <p:sldId id="279" r:id="rId23"/>
-    <p:sldId id="258" r:id="rId24"/>
+    <p:sldId id="282" r:id="rId20"/>
+    <p:sldId id="277" r:id="rId21"/>
+    <p:sldId id="268" r:id="rId22"/>
+    <p:sldId id="278" r:id="rId23"/>
+    <p:sldId id="279" r:id="rId24"/>
+    <p:sldId id="258" r:id="rId25"/>
   </p:sldIdLst>
   <p:sldSz cx="9144000" cy="6858000" type="screen4x3"/>
   <p:notesSz cx="6858000" cy="9144000"/>
@@ -9587,7 +9588,7 @@
             <a:fld id="{EC87E0CF-87F6-4B58-B8B8-DCAB2DAAF3CA}" type="slidenum">
               <a:rPr lang="en-US" smtClean="0"/>
               <a:pPr/>
-              <a:t>18</a:t>
+              <a:t>19</a:t>
             </a:fld>
             <a:endParaRPr lang="en-US" dirty="0"/>
           </a:p>
@@ -9766,7 +9767,7 @@
             <a:fld id="{EC87E0CF-87F6-4B58-B8B8-DCAB2DAAF3CA}" type="slidenum">
               <a:rPr lang="en-US" smtClean="0"/>
               <a:pPr/>
-              <a:t>19</a:t>
+              <a:t>20</a:t>
             </a:fld>
             <a:endParaRPr lang="en-US" dirty="0"/>
           </a:p>
@@ -11019,7 +11020,7 @@
             <a:fld id="{EC87E0CF-87F6-4B58-B8B8-DCAB2DAAF3CA}" type="slidenum">
               <a:rPr lang="en-US" smtClean="0"/>
               <a:pPr/>
-              <a:t>16</a:t>
+              <a:t>17</a:t>
             </a:fld>
             <a:endParaRPr lang="en-US" dirty="0"/>
           </a:p>
@@ -11198,7 +11199,7 @@
             <a:fld id="{EC87E0CF-87F6-4B58-B8B8-DCAB2DAAF3CA}" type="slidenum">
               <a:rPr lang="en-US" smtClean="0"/>
               <a:pPr/>
-              <a:t>17</a:t>
+              <a:t>18</a:t>
             </a:fld>
             <a:endParaRPr lang="en-US" dirty="0"/>
           </a:p>
@@ -14522,7 +14523,7 @@
           <a:p>
             <a:r>
               <a:rPr lang="en-US" dirty="0" smtClean="0"/>
-              <a:t>Grid views implementation sample:</a:t>
+              <a:t>Grid views implementation example:</a:t>
             </a:r>
           </a:p>
           <a:p>
@@ -15056,7 +15057,7 @@
         <p:spPr>
           <a:xfrm>
             <a:off x="381000" y="1411552"/>
-            <a:ext cx="8382000" cy="1872307"/>
+            <a:ext cx="8382000" cy="3158813"/>
           </a:xfrm>
         </p:spPr>
         <p:txBody>
@@ -15084,6 +15085,14 @@
             </a:r>
           </a:p>
           <a:p>
+            <a:pPr lvl="2"/>
+            <a:r>
+              <a:rPr lang="en-US" dirty="0" smtClean="0"/>
+              <a:t>Get a grid view.</a:t>
+            </a:r>
+            <a:endParaRPr lang="en-US" dirty="0" smtClean="0"/>
+          </a:p>
+          <a:p>
             <a:pPr lvl="1"/>
             <a:r>
               <a:rPr lang="en-US" dirty="0" err="1"/>
@@ -15099,6 +15108,13 @@
             </a:r>
           </a:p>
           <a:p>
+            <a:pPr lvl="2"/>
+            <a:r>
+              <a:rPr lang="en-US" dirty="0" smtClean="0"/>
+              <a:t>Do some calculation on characteristics in the view.</a:t>
+            </a:r>
+          </a:p>
+          <a:p>
             <a:pPr lvl="1"/>
             <a:r>
               <a:rPr lang="en-US" dirty="0" err="1"/>
@@ -15111,6 +15127,13 @@
             <a:r>
               <a:rPr lang="en-US" dirty="0" smtClean="0"/>
               <a:t>()</a:t>
+            </a:r>
+          </a:p>
+          <a:p>
+            <a:pPr lvl="2"/>
+            <a:r>
+              <a:rPr lang="en-US" dirty="0" smtClean="0"/>
+              <a:t>Jump to a new cell; change fashion; eat a sheep.</a:t>
             </a:r>
             <a:endParaRPr lang="en-US" dirty="0"/>
           </a:p>
@@ -15275,17 +15298,13 @@
         <p:spPr>
           <a:xfrm>
             <a:off x="381000" y="1411552"/>
-            <a:ext cx="8382000" cy="1781000"/>
+            <a:ext cx="8382000" cy="451406"/>
           </a:xfrm>
         </p:spPr>
         <p:txBody>
           <a:bodyPr/>
           <a:lstStyle/>
           <a:p>
-            <a:r>
-              <a:rPr lang="en-US" dirty="0" smtClean="0"/>
-              <a:t>We are now working on ways to treat the entire agent population as a vector, and use matrix multiplication to rest all agent’s states in a single operation.</a:t>
-            </a:r>
             <a:endParaRPr lang="en-US" dirty="0"/>
           </a:p>
         </p:txBody>
@@ -15293,7 +15312,7 @@
     </p:spTree>
     <p:extLst>
       <p:ext uri="{BB962C8B-B14F-4D97-AF65-F5344CB8AC3E}">
-        <p14:creationId xmlns:p14="http://schemas.microsoft.com/office/powerpoint/2010/main" val="4259044637"/>
+        <p14:creationId xmlns:p14="http://schemas.microsoft.com/office/powerpoint/2010/main" val="2427681662"/>
       </p:ext>
     </p:extLst>
   </p:cSld>
@@ -15335,28 +15354,19 @@
         </p:nvSpPr>
         <p:spPr>
           <a:xfrm>
-            <a:off x="381000" y="230189"/>
-            <a:ext cx="8382000" cy="836612"/>
+            <a:off x="381000" y="230188"/>
+            <a:ext cx="8382000" cy="677108"/>
           </a:xfrm>
         </p:spPr>
         <p:txBody>
-          <a:bodyPr>
-            <a:normAutofit fontScale="90000"/>
-          </a:bodyPr>
+          <a:bodyPr/>
           <a:lstStyle/>
           <a:p>
             <a:r>
               <a:rPr lang="en-US" dirty="0" smtClean="0"/>
-              <a:t>Credits</a:t>
-            </a:r>
-            <a:br>
-              <a:rPr lang="en-US" dirty="0" smtClean="0"/>
-            </a:br>
-            <a:endParaRPr lang="en-US" dirty="0">
-              <a:solidFill>
-                <a:schemeClr val="tx2"/>
-              </a:solidFill>
-            </a:endParaRPr>
+              <a:t>ABM and Generic Programming</a:t>
+            </a:r>
+            <a:endParaRPr lang="en-US" dirty="0"/>
           </a:p>
         </p:txBody>
       </p:sp>
@@ -15372,76 +15382,26 @@
         </p:nvSpPr>
         <p:spPr>
           <a:xfrm>
-            <a:off x="381000" y="1295400"/>
-            <a:ext cx="8382000" cy="5029200"/>
+            <a:off x="381000" y="1411552"/>
+            <a:ext cx="8382000" cy="1781000"/>
           </a:xfrm>
         </p:spPr>
         <p:txBody>
-          <a:bodyPr>
-            <a:normAutofit/>
-          </a:bodyPr>
+          <a:bodyPr/>
           <a:lstStyle/>
           <a:p>
-            <a:endParaRPr lang="en-US" dirty="0" smtClean="0"/>
-          </a:p>
-          <a:p>
-            <a:r>
-              <a:rPr lang="en-US" dirty="0"/>
-              <a:t>"Knot with </a:t>
-            </a:r>
-            <a:r>
-              <a:rPr lang="en-US" dirty="0" err="1"/>
-              <a:t>borromean</a:t>
-            </a:r>
-            <a:r>
-              <a:rPr lang="en-US" dirty="0"/>
-              <a:t> rings in </a:t>
-            </a:r>
-            <a:r>
-              <a:rPr lang="en-US" dirty="0" err="1"/>
-              <a:t>jsj</a:t>
-            </a:r>
-            <a:r>
-              <a:rPr lang="en-US" dirty="0"/>
-              <a:t> </a:t>
-            </a:r>
-            <a:r>
-              <a:rPr lang="en-US" dirty="0" err="1"/>
-              <a:t>decomp</a:t>
-            </a:r>
-            <a:r>
-              <a:rPr lang="en-US" dirty="0"/>
-              <a:t> small". Licensed under CC BY-SA 3.0 via Wikipedia - </a:t>
-            </a:r>
-            <a:r>
-              <a:rPr lang="en-US" dirty="0">
-                <a:hlinkClick r:id="rId3"/>
-              </a:rPr>
-              <a:t>https://en.wikipedia.org/wiki/File:Knot_with_borromean_rings_in_jsj_decomp_small.png#/media/</a:t>
-            </a:r>
-            <a:r>
-              <a:rPr lang="en-US" dirty="0" smtClean="0">
-                <a:hlinkClick r:id="rId3"/>
-              </a:rPr>
-              <a:t>File:Knot_with_borromean_rings_in_jsj_decomp_small.png</a:t>
-            </a:r>
-            <a:endParaRPr lang="en-US" dirty="0" smtClean="0"/>
-          </a:p>
-          <a:p>
             <a:r>
               <a:rPr lang="en-US" dirty="0" smtClean="0"/>
-              <a:t>The Mesa team at George Mason has contributed code to this project.</a:t>
-            </a:r>
-          </a:p>
-          <a:p>
-            <a:endParaRPr lang="en-US" dirty="0" smtClean="0"/>
+              <a:t>We are now working on ways to treat the entire agent population as a vector, and use matrix multiplication to rest all agent’s states in a single operation.</a:t>
+            </a:r>
+            <a:endParaRPr lang="en-US" dirty="0"/>
           </a:p>
         </p:txBody>
       </p:sp>
     </p:spTree>
     <p:extLst>
       <p:ext uri="{BB962C8B-B14F-4D97-AF65-F5344CB8AC3E}">
-        <p14:creationId xmlns:p14="http://schemas.microsoft.com/office/powerpoint/2010/main" val="3776600832"/>
+        <p14:creationId xmlns:p14="http://schemas.microsoft.com/office/powerpoint/2010/main" val="4259044637"/>
       </p:ext>
     </p:extLst>
   </p:cSld>
@@ -15451,13 +15411,6 @@
   <p:transition xmlns:p14="http://schemas.microsoft.com/office/powerpoint/2010/main">
     <p:fade/>
   </p:transition>
-  <p:timing>
-    <p:tnLst>
-      <p:par>
-        <p:cTn xmlns:p14="http://schemas.microsoft.com/office/powerpoint/2010/main" id="1" dur="indefinite" restart="never" nodeType="tmRoot"/>
-      </p:par>
-    </p:tnLst>
-  </p:timing>
 </p:sld>
 </file>
 
@@ -15596,7 +15549,7 @@
     </p:spTree>
     <p:extLst>
       <p:ext uri="{BB962C8B-B14F-4D97-AF65-F5344CB8AC3E}">
-        <p14:creationId xmlns:p14="http://schemas.microsoft.com/office/powerpoint/2010/main" val="3729891041"/>
+        <p14:creationId xmlns:p14="http://schemas.microsoft.com/office/powerpoint/2010/main" val="3776600832"/>
       </p:ext>
     </p:extLst>
   </p:cSld>
@@ -15751,7 +15704,7 @@
     </p:spTree>
     <p:extLst>
       <p:ext uri="{BB962C8B-B14F-4D97-AF65-F5344CB8AC3E}">
-        <p14:creationId xmlns:p14="http://schemas.microsoft.com/office/powerpoint/2010/main" val="69031901"/>
+        <p14:creationId xmlns:p14="http://schemas.microsoft.com/office/powerpoint/2010/main" val="3729891041"/>
       </p:ext>
     </p:extLst>
   </p:cSld>
@@ -15798,16 +15751,30 @@
             <p:ph type="title"/>
           </p:nvPr>
         </p:nvSpPr>
-        <p:spPr/>
+        <p:spPr>
+          <a:xfrm>
+            <a:off x="381000" y="230189"/>
+            <a:ext cx="8382000" cy="836612"/>
+          </a:xfrm>
+        </p:spPr>
         <p:txBody>
-          <a:bodyPr/>
+          <a:bodyPr>
+            <a:normAutofit fontScale="90000"/>
+          </a:bodyPr>
           <a:lstStyle/>
           <a:p>
             <a:r>
               <a:rPr lang="en-US" dirty="0" smtClean="0"/>
-              <a:t>PowerPoint Guidelines</a:t>
-            </a:r>
-            <a:endParaRPr lang="en-US" dirty="0"/>
+              <a:t>Credits</a:t>
+            </a:r>
+            <a:br>
+              <a:rPr lang="en-US" dirty="0" smtClean="0"/>
+            </a:br>
+            <a:endParaRPr lang="en-US" dirty="0">
+              <a:solidFill>
+                <a:schemeClr val="tx2"/>
+              </a:solidFill>
+            </a:endParaRPr>
           </a:p>
         </p:txBody>
       </p:sp>
@@ -15823,450 +15790,78 @@
         </p:nvSpPr>
         <p:spPr>
           <a:xfrm>
-            <a:off x="381000" y="1411552"/>
-            <a:ext cx="8382000" cy="2627048"/>
+            <a:off x="381000" y="1295400"/>
+            <a:ext cx="8382000" cy="5029200"/>
           </a:xfrm>
         </p:spPr>
         <p:txBody>
-          <a:bodyPr/>
+          <a:bodyPr>
+            <a:normAutofit/>
+          </a:bodyPr>
           <a:lstStyle/>
           <a:p>
-            <a:r>
-              <a:rPr lang="en-US" dirty="0" smtClean="0"/>
-              <a:t>Font, size, and color for text have been formatted for you in the Slide Master</a:t>
-            </a:r>
-          </a:p>
-          <a:p>
-            <a:r>
-              <a:rPr lang="en-US" dirty="0" smtClean="0"/>
-              <a:t>Use the color palette shown below</a:t>
-            </a:r>
-          </a:p>
-          <a:p>
-            <a:r>
-              <a:rPr lang="en-US" dirty="0" smtClean="0"/>
-              <a:t>See next slide for additional guidelines</a:t>
-            </a:r>
-          </a:p>
-          <a:p>
-            <a:r>
-              <a:rPr lang="en-US" dirty="0" smtClean="0"/>
-              <a:t>Hyperlink color: </a:t>
+            <a:endParaRPr lang="en-US" dirty="0" smtClean="0"/>
+          </a:p>
+          <a:p>
+            <a:r>
+              <a:rPr lang="en-US" dirty="0"/>
+              <a:t>"Knot with </a:t>
+            </a:r>
+            <a:r>
+              <a:rPr lang="en-US" dirty="0" err="1"/>
+              <a:t>borromean</a:t>
+            </a:r>
+            <a:r>
+              <a:rPr lang="en-US" dirty="0"/>
+              <a:t> rings in </a:t>
+            </a:r>
+            <a:r>
+              <a:rPr lang="en-US" dirty="0" err="1"/>
+              <a:t>jsj</a:t>
+            </a:r>
+            <a:r>
+              <a:rPr lang="en-US" dirty="0"/>
+              <a:t> </a:t>
+            </a:r>
+            <a:r>
+              <a:rPr lang="en-US" dirty="0" err="1"/>
+              <a:t>decomp</a:t>
+            </a:r>
+            <a:r>
+              <a:rPr lang="en-US" dirty="0"/>
+              <a:t> small". Licensed under CC BY-SA 3.0 via Wikipedia - </a:t>
+            </a:r>
+            <a:r>
+              <a:rPr lang="en-US" dirty="0">
+                <a:hlinkClick r:id="rId3"/>
+              </a:rPr>
+              <a:t>https://en.wikipedia.org/wiki/File:Knot_with_borromean_rings_in_jsj_decomp_small.png#/media/</a:t>
             </a:r>
             <a:r>
               <a:rPr lang="en-US" dirty="0" smtClean="0">
                 <a:hlinkClick r:id="rId3"/>
               </a:rPr>
-              <a:t>www.microsoft.com</a:t>
-            </a:r>
+              <a:t>File:Knot_with_borromean_rings_in_jsj_decomp_small.png</a:t>
+            </a:r>
+            <a:endParaRPr lang="en-US" dirty="0" smtClean="0"/>
+          </a:p>
+          <a:p>
             <a:r>
               <a:rPr lang="en-US" dirty="0" smtClean="0"/>
-              <a:t> </a:t>
-            </a:r>
-          </a:p>
-        </p:txBody>
-      </p:sp>
-      <p:sp>
-        <p:nvSpPr>
-          <p:cNvPr id="4" name="Rounded Rectangle 3"/>
-          <p:cNvSpPr/>
-          <p:nvPr/>
-        </p:nvSpPr>
-        <p:spPr bwMode="auto">
-          <a:xfrm>
-            <a:off x="6216952" y="4381500"/>
-            <a:ext cx="2201333" cy="882953"/>
-          </a:xfrm>
-          <a:prstGeom prst="roundRect">
-            <a:avLst>
-              <a:gd name="adj" fmla="val 9033"/>
-            </a:avLst>
-          </a:prstGeom>
-          <a:ln>
-            <a:headEnd type="none" w="med" len="med"/>
-            <a:tailEnd type="none" w="med" len="med"/>
-          </a:ln>
-        </p:spPr>
-        <p:style>
-          <a:lnRef idx="0">
-            <a:schemeClr val="accent3"/>
-          </a:lnRef>
-          <a:fillRef idx="3">
-            <a:schemeClr val="accent3"/>
-          </a:fillRef>
-          <a:effectRef idx="3">
-            <a:schemeClr val="accent3"/>
-          </a:effectRef>
-          <a:fontRef idx="minor">
-            <a:schemeClr val="lt1"/>
-          </a:fontRef>
-        </p:style>
-        <p:txBody>
-          <a:bodyPr vert="horz" wrap="square" lIns="91436" tIns="45718" rIns="91436" bIns="45718" numCol="1" rtlCol="0" anchor="ctr" anchorCtr="0" compatLnSpc="1">
-            <a:prstTxWarp prst="textNoShape">
-              <a:avLst/>
-            </a:prstTxWarp>
-          </a:bodyPr>
-          <a:lstStyle/>
-          <a:p>
-            <a:pPr algn="ctr" defTabSz="914099" fontAlgn="base">
-              <a:spcBef>
-                <a:spcPct val="0"/>
-              </a:spcBef>
-              <a:spcAft>
-                <a:spcPct val="0"/>
-              </a:spcAft>
-            </a:pPr>
-            <a:r>
-              <a:rPr lang="en-US" sz="2300" dirty="0" smtClean="0">
-                <a:solidFill>
-                  <a:srgbClr val="FFFFFF"/>
-                </a:solidFill>
-                <a:effectLst>
-                  <a:outerShdw blurRad="38100" dist="38100" dir="2700000" algn="tl">
-                    <a:srgbClr val="000000">
-                      <a:alpha val="43137"/>
-                    </a:srgbClr>
-                  </a:outerShdw>
-                </a:effectLst>
-              </a:rPr>
-              <a:t>Sample Fill</a:t>
-            </a:r>
-          </a:p>
-        </p:txBody>
-      </p:sp>
-      <p:sp>
-        <p:nvSpPr>
-          <p:cNvPr id="5" name="Rounded Rectangle 4"/>
-          <p:cNvSpPr/>
-          <p:nvPr/>
-        </p:nvSpPr>
-        <p:spPr bwMode="auto">
-          <a:xfrm>
-            <a:off x="3556000" y="4381500"/>
-            <a:ext cx="2201333" cy="882953"/>
-          </a:xfrm>
-          <a:prstGeom prst="roundRect">
-            <a:avLst>
-              <a:gd name="adj" fmla="val 9033"/>
-            </a:avLst>
-          </a:prstGeom>
-          <a:ln>
-            <a:headEnd type="none" w="med" len="med"/>
-            <a:tailEnd type="none" w="med" len="med"/>
-          </a:ln>
-        </p:spPr>
-        <p:style>
-          <a:lnRef idx="0">
-            <a:schemeClr val="accent2"/>
-          </a:lnRef>
-          <a:fillRef idx="3">
-            <a:schemeClr val="accent2"/>
-          </a:fillRef>
-          <a:effectRef idx="3">
-            <a:schemeClr val="accent2"/>
-          </a:effectRef>
-          <a:fontRef idx="minor">
-            <a:schemeClr val="lt1"/>
-          </a:fontRef>
-        </p:style>
-        <p:txBody>
-          <a:bodyPr vert="horz" wrap="square" lIns="91436" tIns="45718" rIns="91436" bIns="45718" numCol="1" rtlCol="0" anchor="ctr" anchorCtr="0" compatLnSpc="1">
-            <a:prstTxWarp prst="textNoShape">
-              <a:avLst/>
-            </a:prstTxWarp>
-          </a:bodyPr>
-          <a:lstStyle/>
-          <a:p>
-            <a:pPr algn="ctr" defTabSz="914099" fontAlgn="base">
-              <a:spcBef>
-                <a:spcPct val="0"/>
-              </a:spcBef>
-              <a:spcAft>
-                <a:spcPct val="0"/>
-              </a:spcAft>
-            </a:pPr>
-            <a:r>
-              <a:rPr lang="en-US" sz="2300" dirty="0" smtClean="0">
-                <a:solidFill>
-                  <a:srgbClr val="FFFFFF"/>
-                </a:solidFill>
-                <a:effectLst>
-                  <a:outerShdw blurRad="38100" dist="38100" dir="2700000" algn="tl">
-                    <a:srgbClr val="000000">
-                      <a:alpha val="43137"/>
-                    </a:srgbClr>
-                  </a:outerShdw>
-                </a:effectLst>
-              </a:rPr>
-              <a:t>Sample Fill</a:t>
-            </a:r>
-          </a:p>
-        </p:txBody>
-      </p:sp>
-      <p:sp>
-        <p:nvSpPr>
-          <p:cNvPr id="6" name="Rounded Rectangle 5"/>
-          <p:cNvSpPr/>
-          <p:nvPr/>
-        </p:nvSpPr>
-        <p:spPr bwMode="auto">
-          <a:xfrm>
-            <a:off x="825500" y="4381500"/>
-            <a:ext cx="2201333" cy="882953"/>
-          </a:xfrm>
-          <a:prstGeom prst="roundRect">
-            <a:avLst>
-              <a:gd name="adj" fmla="val 9033"/>
-            </a:avLst>
-          </a:prstGeom>
-          <a:ln>
-            <a:headEnd type="none" w="med" len="med"/>
-            <a:tailEnd type="none" w="med" len="med"/>
-          </a:ln>
-        </p:spPr>
-        <p:style>
-          <a:lnRef idx="0">
-            <a:schemeClr val="accent1"/>
-          </a:lnRef>
-          <a:fillRef idx="3">
-            <a:schemeClr val="accent1"/>
-          </a:fillRef>
-          <a:effectRef idx="3">
-            <a:schemeClr val="accent1"/>
-          </a:effectRef>
-          <a:fontRef idx="minor">
-            <a:schemeClr val="lt1"/>
-          </a:fontRef>
-        </p:style>
-        <p:txBody>
-          <a:bodyPr vert="horz" wrap="square" lIns="91436" tIns="45718" rIns="91436" bIns="45718" numCol="1" rtlCol="0" anchor="ctr" anchorCtr="0" compatLnSpc="1">
-            <a:prstTxWarp prst="textNoShape">
-              <a:avLst/>
-            </a:prstTxWarp>
-          </a:bodyPr>
-          <a:lstStyle/>
-          <a:p>
-            <a:pPr algn="ctr" defTabSz="914099"/>
-            <a:r>
-              <a:rPr lang="en-US" sz="2300" dirty="0" smtClean="0">
-                <a:solidFill>
-                  <a:srgbClr val="FFFFFF"/>
-                </a:solidFill>
-                <a:effectLst>
-                  <a:outerShdw blurRad="38100" dist="38100" dir="2700000" algn="tl">
-                    <a:srgbClr val="000000">
-                      <a:alpha val="43137"/>
-                    </a:srgbClr>
-                  </a:outerShdw>
-                </a:effectLst>
-              </a:rPr>
-              <a:t>Sample Fill</a:t>
-            </a:r>
-          </a:p>
-        </p:txBody>
-      </p:sp>
-      <p:sp>
-        <p:nvSpPr>
-          <p:cNvPr id="7" name="Rounded Rectangle 6"/>
-          <p:cNvSpPr/>
-          <p:nvPr/>
-        </p:nvSpPr>
-        <p:spPr bwMode="auto">
-          <a:xfrm>
-            <a:off x="6216952" y="5539619"/>
-            <a:ext cx="2201333" cy="882953"/>
-          </a:xfrm>
-          <a:prstGeom prst="roundRect">
-            <a:avLst>
-              <a:gd name="adj" fmla="val 9033"/>
-            </a:avLst>
-          </a:prstGeom>
-          <a:ln>
-            <a:headEnd type="none" w="med" len="med"/>
-            <a:tailEnd type="none" w="med" len="med"/>
-          </a:ln>
-        </p:spPr>
-        <p:style>
-          <a:lnRef idx="0">
-            <a:schemeClr val="accent6"/>
-          </a:lnRef>
-          <a:fillRef idx="3">
-            <a:schemeClr val="accent6"/>
-          </a:fillRef>
-          <a:effectRef idx="3">
-            <a:schemeClr val="accent6"/>
-          </a:effectRef>
-          <a:fontRef idx="minor">
-            <a:schemeClr val="lt1"/>
-          </a:fontRef>
-        </p:style>
-        <p:txBody>
-          <a:bodyPr vert="horz" wrap="square" lIns="91436" tIns="45718" rIns="91436" bIns="45718" numCol="1" rtlCol="0" anchor="ctr" anchorCtr="0" compatLnSpc="1">
-            <a:prstTxWarp prst="textNoShape">
-              <a:avLst/>
-            </a:prstTxWarp>
-          </a:bodyPr>
-          <a:lstStyle/>
-          <a:p>
-            <a:pPr algn="ctr" defTabSz="914099" fontAlgn="base">
-              <a:spcBef>
-                <a:spcPct val="0"/>
-              </a:spcBef>
-              <a:spcAft>
-                <a:spcPct val="0"/>
-              </a:spcAft>
-            </a:pPr>
-            <a:r>
-              <a:rPr lang="en-US" sz="2300" dirty="0" smtClean="0">
-                <a:solidFill>
-                  <a:srgbClr val="FFFFFF"/>
-                </a:solidFill>
-                <a:effectLst>
-                  <a:outerShdw blurRad="38100" dist="38100" dir="2700000" algn="tl">
-                    <a:srgbClr val="000000">
-                      <a:alpha val="43137"/>
-                    </a:srgbClr>
-                  </a:outerShdw>
-                </a:effectLst>
-              </a:rPr>
-              <a:t>Sample Fill</a:t>
-            </a:r>
-          </a:p>
-        </p:txBody>
-      </p:sp>
-      <p:sp>
-        <p:nvSpPr>
-          <p:cNvPr id="8" name="Rounded Rectangle 7"/>
-          <p:cNvSpPr/>
-          <p:nvPr/>
-        </p:nvSpPr>
-        <p:spPr bwMode="auto">
-          <a:xfrm>
-            <a:off x="3556000" y="5539619"/>
-            <a:ext cx="2201333" cy="882953"/>
-          </a:xfrm>
-          <a:prstGeom prst="roundRect">
-            <a:avLst>
-              <a:gd name="adj" fmla="val 9033"/>
-            </a:avLst>
-          </a:prstGeom>
-          <a:ln>
-            <a:headEnd type="none" w="med" len="med"/>
-            <a:tailEnd type="none" w="med" len="med"/>
-          </a:ln>
-        </p:spPr>
-        <p:style>
-          <a:lnRef idx="0">
-            <a:schemeClr val="accent5"/>
-          </a:lnRef>
-          <a:fillRef idx="3">
-            <a:schemeClr val="accent5"/>
-          </a:fillRef>
-          <a:effectRef idx="3">
-            <a:schemeClr val="accent5"/>
-          </a:effectRef>
-          <a:fontRef idx="minor">
-            <a:schemeClr val="lt1"/>
-          </a:fontRef>
-        </p:style>
-        <p:txBody>
-          <a:bodyPr vert="horz" wrap="square" lIns="91436" tIns="45718" rIns="91436" bIns="45718" numCol="1" rtlCol="0" anchor="ctr" anchorCtr="0" compatLnSpc="1">
-            <a:prstTxWarp prst="textNoShape">
-              <a:avLst/>
-            </a:prstTxWarp>
-          </a:bodyPr>
-          <a:lstStyle/>
-          <a:p>
-            <a:pPr algn="ctr" defTabSz="914099" fontAlgn="base">
-              <a:spcBef>
-                <a:spcPct val="0"/>
-              </a:spcBef>
-              <a:spcAft>
-                <a:spcPct val="0"/>
-              </a:spcAft>
-            </a:pPr>
-            <a:r>
-              <a:rPr lang="en-US" sz="2300" dirty="0" smtClean="0">
-                <a:solidFill>
-                  <a:srgbClr val="FFFFFF"/>
-                </a:solidFill>
-                <a:effectLst>
-                  <a:outerShdw blurRad="38100" dist="38100" dir="2700000" algn="tl">
-                    <a:srgbClr val="000000">
-                      <a:alpha val="43137"/>
-                    </a:srgbClr>
-                  </a:outerShdw>
-                </a:effectLst>
-              </a:rPr>
-              <a:t>Sample Fill</a:t>
-            </a:r>
-          </a:p>
-        </p:txBody>
-      </p:sp>
-      <p:sp>
-        <p:nvSpPr>
-          <p:cNvPr id="9" name="Rounded Rectangle 8"/>
-          <p:cNvSpPr/>
-          <p:nvPr/>
-        </p:nvSpPr>
-        <p:spPr bwMode="auto">
-          <a:xfrm>
-            <a:off x="825500" y="5539619"/>
-            <a:ext cx="2201333" cy="882953"/>
-          </a:xfrm>
-          <a:prstGeom prst="roundRect">
-            <a:avLst>
-              <a:gd name="adj" fmla="val 9033"/>
-            </a:avLst>
-          </a:prstGeom>
-          <a:ln>
-            <a:headEnd type="none" w="med" len="med"/>
-            <a:tailEnd type="none" w="med" len="med"/>
-          </a:ln>
-        </p:spPr>
-        <p:style>
-          <a:lnRef idx="0">
-            <a:schemeClr val="accent4"/>
-          </a:lnRef>
-          <a:fillRef idx="3">
-            <a:schemeClr val="accent4"/>
-          </a:fillRef>
-          <a:effectRef idx="3">
-            <a:schemeClr val="accent4"/>
-          </a:effectRef>
-          <a:fontRef idx="minor">
-            <a:schemeClr val="lt1"/>
-          </a:fontRef>
-        </p:style>
-        <p:txBody>
-          <a:bodyPr vert="horz" wrap="square" lIns="91436" tIns="45718" rIns="91436" bIns="45718" numCol="1" rtlCol="0" anchor="ctr" anchorCtr="0" compatLnSpc="1">
-            <a:prstTxWarp prst="textNoShape">
-              <a:avLst/>
-            </a:prstTxWarp>
-          </a:bodyPr>
-          <a:lstStyle/>
-          <a:p>
-            <a:pPr algn="ctr" defTabSz="914099"/>
-            <a:r>
-              <a:rPr lang="en-US" sz="2300" dirty="0" smtClean="0">
-                <a:solidFill>
-                  <a:srgbClr val="FFFFFF"/>
-                </a:solidFill>
-                <a:effectLst>
-                  <a:outerShdw blurRad="38100" dist="38100" dir="2700000" algn="tl">
-                    <a:srgbClr val="000000">
-                      <a:alpha val="43137"/>
-                    </a:srgbClr>
-                  </a:outerShdw>
-                </a:effectLst>
-              </a:rPr>
-              <a:t>Sample Fill</a:t>
-            </a:r>
+              <a:t>The Mesa team at George Mason has contributed code to this project.</a:t>
+            </a:r>
+          </a:p>
+          <a:p>
+            <a:endParaRPr lang="en-US" dirty="0" smtClean="0"/>
           </a:p>
         </p:txBody>
       </p:sp>
     </p:spTree>
+    <p:extLst>
+      <p:ext uri="{BB962C8B-B14F-4D97-AF65-F5344CB8AC3E}">
+        <p14:creationId xmlns:p14="http://schemas.microsoft.com/office/powerpoint/2010/main" val="69031901"/>
+      </p:ext>
+    </p:extLst>
   </p:cSld>
   <p:clrMapOvr>
     <a:masterClrMapping/>
@@ -16445,6 +16040,519 @@
           </a:graphicData>
         </a:graphic>
       </p:graphicFrame>
+    </p:spTree>
+  </p:cSld>
+  <p:clrMapOvr>
+    <a:masterClrMapping/>
+  </p:clrMapOvr>
+  <p:transition xmlns:p14="http://schemas.microsoft.com/office/powerpoint/2010/main">
+    <p:fade/>
+  </p:transition>
+  <p:timing>
+    <p:tnLst>
+      <p:par>
+        <p:cTn xmlns:p14="http://schemas.microsoft.com/office/powerpoint/2010/main" id="1" dur="indefinite" restart="never" nodeType="tmRoot"/>
+      </p:par>
+    </p:tnLst>
+  </p:timing>
+</p:sld>
+</file>
+
+<file path=ppt/slides/slide20.xml><?xml version="1.0" encoding="utf-8"?>
+<p:sld xmlns:a="http://schemas.openxmlformats.org/drawingml/2006/main" xmlns:r="http://schemas.openxmlformats.org/officeDocument/2006/relationships" xmlns:p="http://schemas.openxmlformats.org/presentationml/2006/main">
+  <p:cSld>
+    <p:spTree>
+      <p:nvGrpSpPr>
+        <p:cNvPr id="1" name=""/>
+        <p:cNvGrpSpPr/>
+        <p:nvPr/>
+      </p:nvGrpSpPr>
+      <p:grpSpPr>
+        <a:xfrm>
+          <a:off x="0" y="0"/>
+          <a:ext cx="0" cy="0"/>
+          <a:chOff x="0" y="0"/>
+          <a:chExt cx="0" cy="0"/>
+        </a:xfrm>
+      </p:grpSpPr>
+      <p:sp>
+        <p:nvSpPr>
+          <p:cNvPr id="2" name="Title 1"/>
+          <p:cNvSpPr>
+            <a:spLocks noGrp="1"/>
+          </p:cNvSpPr>
+          <p:nvPr>
+            <p:ph type="title"/>
+          </p:nvPr>
+        </p:nvSpPr>
+        <p:spPr/>
+        <p:txBody>
+          <a:bodyPr/>
+          <a:lstStyle/>
+          <a:p>
+            <a:r>
+              <a:rPr lang="en-US" dirty="0" smtClean="0"/>
+              <a:t>PowerPoint Guidelines</a:t>
+            </a:r>
+            <a:endParaRPr lang="en-US" dirty="0"/>
+          </a:p>
+        </p:txBody>
+      </p:sp>
+      <p:sp>
+        <p:nvSpPr>
+          <p:cNvPr id="3" name="Text Placeholder 2"/>
+          <p:cNvSpPr>
+            <a:spLocks noGrp="1"/>
+          </p:cNvSpPr>
+          <p:nvPr>
+            <p:ph type="body" sz="quarter" idx="10"/>
+          </p:nvPr>
+        </p:nvSpPr>
+        <p:spPr>
+          <a:xfrm>
+            <a:off x="381000" y="1411552"/>
+            <a:ext cx="8382000" cy="2627048"/>
+          </a:xfrm>
+        </p:spPr>
+        <p:txBody>
+          <a:bodyPr/>
+          <a:lstStyle/>
+          <a:p>
+            <a:r>
+              <a:rPr lang="en-US" dirty="0" smtClean="0"/>
+              <a:t>Font, size, and color for text have been formatted for you in the Slide Master</a:t>
+            </a:r>
+          </a:p>
+          <a:p>
+            <a:r>
+              <a:rPr lang="en-US" dirty="0" smtClean="0"/>
+              <a:t>Use the color palette shown below</a:t>
+            </a:r>
+          </a:p>
+          <a:p>
+            <a:r>
+              <a:rPr lang="en-US" dirty="0" smtClean="0"/>
+              <a:t>See next slide for additional guidelines</a:t>
+            </a:r>
+          </a:p>
+          <a:p>
+            <a:r>
+              <a:rPr lang="en-US" dirty="0" smtClean="0"/>
+              <a:t>Hyperlink color: </a:t>
+            </a:r>
+            <a:r>
+              <a:rPr lang="en-US" dirty="0" smtClean="0">
+                <a:hlinkClick r:id="rId3"/>
+              </a:rPr>
+              <a:t>www.microsoft.com</a:t>
+            </a:r>
+            <a:r>
+              <a:rPr lang="en-US" dirty="0" smtClean="0"/>
+              <a:t> </a:t>
+            </a:r>
+          </a:p>
+        </p:txBody>
+      </p:sp>
+      <p:sp>
+        <p:nvSpPr>
+          <p:cNvPr id="4" name="Rounded Rectangle 3"/>
+          <p:cNvSpPr/>
+          <p:nvPr/>
+        </p:nvSpPr>
+        <p:spPr bwMode="auto">
+          <a:xfrm>
+            <a:off x="6216952" y="4381500"/>
+            <a:ext cx="2201333" cy="882953"/>
+          </a:xfrm>
+          <a:prstGeom prst="roundRect">
+            <a:avLst>
+              <a:gd name="adj" fmla="val 9033"/>
+            </a:avLst>
+          </a:prstGeom>
+          <a:ln>
+            <a:headEnd type="none" w="med" len="med"/>
+            <a:tailEnd type="none" w="med" len="med"/>
+          </a:ln>
+        </p:spPr>
+        <p:style>
+          <a:lnRef idx="0">
+            <a:schemeClr val="accent3"/>
+          </a:lnRef>
+          <a:fillRef idx="3">
+            <a:schemeClr val="accent3"/>
+          </a:fillRef>
+          <a:effectRef idx="3">
+            <a:schemeClr val="accent3"/>
+          </a:effectRef>
+          <a:fontRef idx="minor">
+            <a:schemeClr val="lt1"/>
+          </a:fontRef>
+        </p:style>
+        <p:txBody>
+          <a:bodyPr vert="horz" wrap="square" lIns="91436" tIns="45718" rIns="91436" bIns="45718" numCol="1" rtlCol="0" anchor="ctr" anchorCtr="0" compatLnSpc="1">
+            <a:prstTxWarp prst="textNoShape">
+              <a:avLst/>
+            </a:prstTxWarp>
+          </a:bodyPr>
+          <a:lstStyle/>
+          <a:p>
+            <a:pPr algn="ctr" defTabSz="914099" fontAlgn="base">
+              <a:spcBef>
+                <a:spcPct val="0"/>
+              </a:spcBef>
+              <a:spcAft>
+                <a:spcPct val="0"/>
+              </a:spcAft>
+            </a:pPr>
+            <a:r>
+              <a:rPr lang="en-US" sz="2300" dirty="0" smtClean="0">
+                <a:solidFill>
+                  <a:srgbClr val="FFFFFF"/>
+                </a:solidFill>
+                <a:effectLst>
+                  <a:outerShdw blurRad="38100" dist="38100" dir="2700000" algn="tl">
+                    <a:srgbClr val="000000">
+                      <a:alpha val="43137"/>
+                    </a:srgbClr>
+                  </a:outerShdw>
+                </a:effectLst>
+              </a:rPr>
+              <a:t>Sample Fill</a:t>
+            </a:r>
+          </a:p>
+        </p:txBody>
+      </p:sp>
+      <p:sp>
+        <p:nvSpPr>
+          <p:cNvPr id="5" name="Rounded Rectangle 4"/>
+          <p:cNvSpPr/>
+          <p:nvPr/>
+        </p:nvSpPr>
+        <p:spPr bwMode="auto">
+          <a:xfrm>
+            <a:off x="3556000" y="4381500"/>
+            <a:ext cx="2201333" cy="882953"/>
+          </a:xfrm>
+          <a:prstGeom prst="roundRect">
+            <a:avLst>
+              <a:gd name="adj" fmla="val 9033"/>
+            </a:avLst>
+          </a:prstGeom>
+          <a:ln>
+            <a:headEnd type="none" w="med" len="med"/>
+            <a:tailEnd type="none" w="med" len="med"/>
+          </a:ln>
+        </p:spPr>
+        <p:style>
+          <a:lnRef idx="0">
+            <a:schemeClr val="accent2"/>
+          </a:lnRef>
+          <a:fillRef idx="3">
+            <a:schemeClr val="accent2"/>
+          </a:fillRef>
+          <a:effectRef idx="3">
+            <a:schemeClr val="accent2"/>
+          </a:effectRef>
+          <a:fontRef idx="minor">
+            <a:schemeClr val="lt1"/>
+          </a:fontRef>
+        </p:style>
+        <p:txBody>
+          <a:bodyPr vert="horz" wrap="square" lIns="91436" tIns="45718" rIns="91436" bIns="45718" numCol="1" rtlCol="0" anchor="ctr" anchorCtr="0" compatLnSpc="1">
+            <a:prstTxWarp prst="textNoShape">
+              <a:avLst/>
+            </a:prstTxWarp>
+          </a:bodyPr>
+          <a:lstStyle/>
+          <a:p>
+            <a:pPr algn="ctr" defTabSz="914099" fontAlgn="base">
+              <a:spcBef>
+                <a:spcPct val="0"/>
+              </a:spcBef>
+              <a:spcAft>
+                <a:spcPct val="0"/>
+              </a:spcAft>
+            </a:pPr>
+            <a:r>
+              <a:rPr lang="en-US" sz="2300" dirty="0" smtClean="0">
+                <a:solidFill>
+                  <a:srgbClr val="FFFFFF"/>
+                </a:solidFill>
+                <a:effectLst>
+                  <a:outerShdw blurRad="38100" dist="38100" dir="2700000" algn="tl">
+                    <a:srgbClr val="000000">
+                      <a:alpha val="43137"/>
+                    </a:srgbClr>
+                  </a:outerShdw>
+                </a:effectLst>
+              </a:rPr>
+              <a:t>Sample Fill</a:t>
+            </a:r>
+          </a:p>
+        </p:txBody>
+      </p:sp>
+      <p:sp>
+        <p:nvSpPr>
+          <p:cNvPr id="6" name="Rounded Rectangle 5"/>
+          <p:cNvSpPr/>
+          <p:nvPr/>
+        </p:nvSpPr>
+        <p:spPr bwMode="auto">
+          <a:xfrm>
+            <a:off x="825500" y="4381500"/>
+            <a:ext cx="2201333" cy="882953"/>
+          </a:xfrm>
+          <a:prstGeom prst="roundRect">
+            <a:avLst>
+              <a:gd name="adj" fmla="val 9033"/>
+            </a:avLst>
+          </a:prstGeom>
+          <a:ln>
+            <a:headEnd type="none" w="med" len="med"/>
+            <a:tailEnd type="none" w="med" len="med"/>
+          </a:ln>
+        </p:spPr>
+        <p:style>
+          <a:lnRef idx="0">
+            <a:schemeClr val="accent1"/>
+          </a:lnRef>
+          <a:fillRef idx="3">
+            <a:schemeClr val="accent1"/>
+          </a:fillRef>
+          <a:effectRef idx="3">
+            <a:schemeClr val="accent1"/>
+          </a:effectRef>
+          <a:fontRef idx="minor">
+            <a:schemeClr val="lt1"/>
+          </a:fontRef>
+        </p:style>
+        <p:txBody>
+          <a:bodyPr vert="horz" wrap="square" lIns="91436" tIns="45718" rIns="91436" bIns="45718" numCol="1" rtlCol="0" anchor="ctr" anchorCtr="0" compatLnSpc="1">
+            <a:prstTxWarp prst="textNoShape">
+              <a:avLst/>
+            </a:prstTxWarp>
+          </a:bodyPr>
+          <a:lstStyle/>
+          <a:p>
+            <a:pPr algn="ctr" defTabSz="914099"/>
+            <a:r>
+              <a:rPr lang="en-US" sz="2300" dirty="0" smtClean="0">
+                <a:solidFill>
+                  <a:srgbClr val="FFFFFF"/>
+                </a:solidFill>
+                <a:effectLst>
+                  <a:outerShdw blurRad="38100" dist="38100" dir="2700000" algn="tl">
+                    <a:srgbClr val="000000">
+                      <a:alpha val="43137"/>
+                    </a:srgbClr>
+                  </a:outerShdw>
+                </a:effectLst>
+              </a:rPr>
+              <a:t>Sample Fill</a:t>
+            </a:r>
+          </a:p>
+        </p:txBody>
+      </p:sp>
+      <p:sp>
+        <p:nvSpPr>
+          <p:cNvPr id="7" name="Rounded Rectangle 6"/>
+          <p:cNvSpPr/>
+          <p:nvPr/>
+        </p:nvSpPr>
+        <p:spPr bwMode="auto">
+          <a:xfrm>
+            <a:off x="6216952" y="5539619"/>
+            <a:ext cx="2201333" cy="882953"/>
+          </a:xfrm>
+          <a:prstGeom prst="roundRect">
+            <a:avLst>
+              <a:gd name="adj" fmla="val 9033"/>
+            </a:avLst>
+          </a:prstGeom>
+          <a:ln>
+            <a:headEnd type="none" w="med" len="med"/>
+            <a:tailEnd type="none" w="med" len="med"/>
+          </a:ln>
+        </p:spPr>
+        <p:style>
+          <a:lnRef idx="0">
+            <a:schemeClr val="accent6"/>
+          </a:lnRef>
+          <a:fillRef idx="3">
+            <a:schemeClr val="accent6"/>
+          </a:fillRef>
+          <a:effectRef idx="3">
+            <a:schemeClr val="accent6"/>
+          </a:effectRef>
+          <a:fontRef idx="minor">
+            <a:schemeClr val="lt1"/>
+          </a:fontRef>
+        </p:style>
+        <p:txBody>
+          <a:bodyPr vert="horz" wrap="square" lIns="91436" tIns="45718" rIns="91436" bIns="45718" numCol="1" rtlCol="0" anchor="ctr" anchorCtr="0" compatLnSpc="1">
+            <a:prstTxWarp prst="textNoShape">
+              <a:avLst/>
+            </a:prstTxWarp>
+          </a:bodyPr>
+          <a:lstStyle/>
+          <a:p>
+            <a:pPr algn="ctr" defTabSz="914099" fontAlgn="base">
+              <a:spcBef>
+                <a:spcPct val="0"/>
+              </a:spcBef>
+              <a:spcAft>
+                <a:spcPct val="0"/>
+              </a:spcAft>
+            </a:pPr>
+            <a:r>
+              <a:rPr lang="en-US" sz="2300" dirty="0" smtClean="0">
+                <a:solidFill>
+                  <a:srgbClr val="FFFFFF"/>
+                </a:solidFill>
+                <a:effectLst>
+                  <a:outerShdw blurRad="38100" dist="38100" dir="2700000" algn="tl">
+                    <a:srgbClr val="000000">
+                      <a:alpha val="43137"/>
+                    </a:srgbClr>
+                  </a:outerShdw>
+                </a:effectLst>
+              </a:rPr>
+              <a:t>Sample Fill</a:t>
+            </a:r>
+          </a:p>
+        </p:txBody>
+      </p:sp>
+      <p:sp>
+        <p:nvSpPr>
+          <p:cNvPr id="8" name="Rounded Rectangle 7"/>
+          <p:cNvSpPr/>
+          <p:nvPr/>
+        </p:nvSpPr>
+        <p:spPr bwMode="auto">
+          <a:xfrm>
+            <a:off x="3556000" y="5539619"/>
+            <a:ext cx="2201333" cy="882953"/>
+          </a:xfrm>
+          <a:prstGeom prst="roundRect">
+            <a:avLst>
+              <a:gd name="adj" fmla="val 9033"/>
+            </a:avLst>
+          </a:prstGeom>
+          <a:ln>
+            <a:headEnd type="none" w="med" len="med"/>
+            <a:tailEnd type="none" w="med" len="med"/>
+          </a:ln>
+        </p:spPr>
+        <p:style>
+          <a:lnRef idx="0">
+            <a:schemeClr val="accent5"/>
+          </a:lnRef>
+          <a:fillRef idx="3">
+            <a:schemeClr val="accent5"/>
+          </a:fillRef>
+          <a:effectRef idx="3">
+            <a:schemeClr val="accent5"/>
+          </a:effectRef>
+          <a:fontRef idx="minor">
+            <a:schemeClr val="lt1"/>
+          </a:fontRef>
+        </p:style>
+        <p:txBody>
+          <a:bodyPr vert="horz" wrap="square" lIns="91436" tIns="45718" rIns="91436" bIns="45718" numCol="1" rtlCol="0" anchor="ctr" anchorCtr="0" compatLnSpc="1">
+            <a:prstTxWarp prst="textNoShape">
+              <a:avLst/>
+            </a:prstTxWarp>
+          </a:bodyPr>
+          <a:lstStyle/>
+          <a:p>
+            <a:pPr algn="ctr" defTabSz="914099" fontAlgn="base">
+              <a:spcBef>
+                <a:spcPct val="0"/>
+              </a:spcBef>
+              <a:spcAft>
+                <a:spcPct val="0"/>
+              </a:spcAft>
+            </a:pPr>
+            <a:r>
+              <a:rPr lang="en-US" sz="2300" dirty="0" smtClean="0">
+                <a:solidFill>
+                  <a:srgbClr val="FFFFFF"/>
+                </a:solidFill>
+                <a:effectLst>
+                  <a:outerShdw blurRad="38100" dist="38100" dir="2700000" algn="tl">
+                    <a:srgbClr val="000000">
+                      <a:alpha val="43137"/>
+                    </a:srgbClr>
+                  </a:outerShdw>
+                </a:effectLst>
+              </a:rPr>
+              <a:t>Sample Fill</a:t>
+            </a:r>
+          </a:p>
+        </p:txBody>
+      </p:sp>
+      <p:sp>
+        <p:nvSpPr>
+          <p:cNvPr id="9" name="Rounded Rectangle 8"/>
+          <p:cNvSpPr/>
+          <p:nvPr/>
+        </p:nvSpPr>
+        <p:spPr bwMode="auto">
+          <a:xfrm>
+            <a:off x="825500" y="5539619"/>
+            <a:ext cx="2201333" cy="882953"/>
+          </a:xfrm>
+          <a:prstGeom prst="roundRect">
+            <a:avLst>
+              <a:gd name="adj" fmla="val 9033"/>
+            </a:avLst>
+          </a:prstGeom>
+          <a:ln>
+            <a:headEnd type="none" w="med" len="med"/>
+            <a:tailEnd type="none" w="med" len="med"/>
+          </a:ln>
+        </p:spPr>
+        <p:style>
+          <a:lnRef idx="0">
+            <a:schemeClr val="accent4"/>
+          </a:lnRef>
+          <a:fillRef idx="3">
+            <a:schemeClr val="accent4"/>
+          </a:fillRef>
+          <a:effectRef idx="3">
+            <a:schemeClr val="accent4"/>
+          </a:effectRef>
+          <a:fontRef idx="minor">
+            <a:schemeClr val="lt1"/>
+          </a:fontRef>
+        </p:style>
+        <p:txBody>
+          <a:bodyPr vert="horz" wrap="square" lIns="91436" tIns="45718" rIns="91436" bIns="45718" numCol="1" rtlCol="0" anchor="ctr" anchorCtr="0" compatLnSpc="1">
+            <a:prstTxWarp prst="textNoShape">
+              <a:avLst/>
+            </a:prstTxWarp>
+          </a:bodyPr>
+          <a:lstStyle/>
+          <a:p>
+            <a:pPr algn="ctr" defTabSz="914099"/>
+            <a:r>
+              <a:rPr lang="en-US" sz="2300" dirty="0" smtClean="0">
+                <a:solidFill>
+                  <a:srgbClr val="FFFFFF"/>
+                </a:solidFill>
+                <a:effectLst>
+                  <a:outerShdw blurRad="38100" dist="38100" dir="2700000" algn="tl">
+                    <a:srgbClr val="000000">
+                      <a:alpha val="43137"/>
+                    </a:srgbClr>
+                  </a:outerShdw>
+                </a:effectLst>
+              </a:rPr>
+              <a:t>Sample Fill</a:t>
+            </a:r>
+          </a:p>
+        </p:txBody>
+      </p:sp>
     </p:spTree>
   </p:cSld>
   <p:clrMapOvr>

--- a/docs/GenericProgrammingAndABM.pptx
+++ b/docs/GenericProgrammingAndABM.pptx
@@ -6,7 +6,7 @@
     <p:sldMasterId id="2147483674" r:id="rId5"/>
   </p:sldMasterIdLst>
   <p:notesMasterIdLst>
-    <p:notesMasterId r:id="rId26"/>
+    <p:notesMasterId r:id="rId29"/>
   </p:notesMasterIdLst>
   <p:sldIdLst>
     <p:sldId id="257" r:id="rId6"/>
@@ -24,11 +24,14 @@
     <p:sldId id="280" r:id="rId18"/>
     <p:sldId id="281" r:id="rId19"/>
     <p:sldId id="282" r:id="rId20"/>
-    <p:sldId id="277" r:id="rId21"/>
-    <p:sldId id="268" r:id="rId22"/>
-    <p:sldId id="278" r:id="rId23"/>
-    <p:sldId id="279" r:id="rId24"/>
-    <p:sldId id="258" r:id="rId25"/>
+    <p:sldId id="283" r:id="rId21"/>
+    <p:sldId id="284" r:id="rId22"/>
+    <p:sldId id="285" r:id="rId23"/>
+    <p:sldId id="277" r:id="rId24"/>
+    <p:sldId id="268" r:id="rId25"/>
+    <p:sldId id="278" r:id="rId26"/>
+    <p:sldId id="279" r:id="rId27"/>
+    <p:sldId id="258" r:id="rId28"/>
   </p:sldIdLst>
   <p:sldSz cx="9144000" cy="6858000" type="screen4x3"/>
   <p:notesSz cx="6858000" cy="9144000"/>
@@ -2989,6 +2992,13 @@
         </dgm:presLayoutVars>
       </dgm:prSet>
       <dgm:spPr/>
+      <dgm:t>
+        <a:bodyPr/>
+        <a:lstStyle/>
+        <a:p>
+          <a:endParaRPr lang="en-US"/>
+        </a:p>
+      </dgm:t>
     </dgm:pt>
     <dgm:pt modelId="{6CE9CA63-5451-6A4B-9D32-F72498ED41DA}" type="pres">
       <dgm:prSet presAssocID="{3ADB2364-75C2-C745-9BC3-13A12D772BEB}" presName="hierRoot1" presStyleCnt="0"/>
@@ -3009,6 +3019,13 @@
         </dgm:presLayoutVars>
       </dgm:prSet>
       <dgm:spPr/>
+      <dgm:t>
+        <a:bodyPr/>
+        <a:lstStyle/>
+        <a:p>
+          <a:endParaRPr lang="en-US"/>
+        </a:p>
+      </dgm:t>
     </dgm:pt>
     <dgm:pt modelId="{2D95F9D5-1B6D-D74C-8A20-32279FBFF6CC}" type="pres">
       <dgm:prSet presAssocID="{3ADB2364-75C2-C745-9BC3-13A12D772BEB}" presName="hierChild2" presStyleCnt="0"/>
@@ -3017,6 +3034,13 @@
     <dgm:pt modelId="{55CABC5F-D9AF-D242-8035-6C3F837FDFF8}" type="pres">
       <dgm:prSet presAssocID="{F7A25E7A-364E-604E-90E2-1FAA4674CF52}" presName="Name10" presStyleLbl="parChTrans1D2" presStyleIdx="0" presStyleCnt="2"/>
       <dgm:spPr/>
+      <dgm:t>
+        <a:bodyPr/>
+        <a:lstStyle/>
+        <a:p>
+          <a:endParaRPr lang="en-US"/>
+        </a:p>
+      </dgm:t>
     </dgm:pt>
     <dgm:pt modelId="{BBB76A66-55E1-FF46-9B3D-4A0480CE3374}" type="pres">
       <dgm:prSet presAssocID="{BC2D6196-ED7D-594B-BCA9-A4FE367784DD}" presName="hierRoot2" presStyleCnt="0"/>
@@ -3037,6 +3061,13 @@
         </dgm:presLayoutVars>
       </dgm:prSet>
       <dgm:spPr/>
+      <dgm:t>
+        <a:bodyPr/>
+        <a:lstStyle/>
+        <a:p>
+          <a:endParaRPr lang="en-US"/>
+        </a:p>
+      </dgm:t>
     </dgm:pt>
     <dgm:pt modelId="{04011833-D140-9741-9F80-F4F1A2B2645A}" type="pres">
       <dgm:prSet presAssocID="{BC2D6196-ED7D-594B-BCA9-A4FE367784DD}" presName="hierChild3" presStyleCnt="0"/>
@@ -3045,6 +3076,13 @@
     <dgm:pt modelId="{7D5694B7-AC48-D14A-A9D0-4DDDD76A1177}" type="pres">
       <dgm:prSet presAssocID="{17885A37-9EE6-794A-AD29-C80177E32105}" presName="Name10" presStyleLbl="parChTrans1D2" presStyleIdx="1" presStyleCnt="2"/>
       <dgm:spPr/>
+      <dgm:t>
+        <a:bodyPr/>
+        <a:lstStyle/>
+        <a:p>
+          <a:endParaRPr lang="en-US"/>
+        </a:p>
+      </dgm:t>
     </dgm:pt>
     <dgm:pt modelId="{C33FA435-0642-F84F-A048-714EB8A496CD}" type="pres">
       <dgm:prSet presAssocID="{78C9BB4D-2AB5-C84F-9A74-3661421ED247}" presName="hierRoot2" presStyleCnt="0"/>
@@ -3065,6 +3103,13 @@
         </dgm:presLayoutVars>
       </dgm:prSet>
       <dgm:spPr/>
+      <dgm:t>
+        <a:bodyPr/>
+        <a:lstStyle/>
+        <a:p>
+          <a:endParaRPr lang="en-US"/>
+        </a:p>
+      </dgm:t>
     </dgm:pt>
     <dgm:pt modelId="{FF3E7589-144C-134F-8ED4-977471249AD0}" type="pres">
       <dgm:prSet presAssocID="{78C9BB4D-2AB5-C84F-9A74-3661421ED247}" presName="hierChild3" presStyleCnt="0"/>
@@ -3072,15 +3117,15 @@
     </dgm:pt>
   </dgm:ptLst>
   <dgm:cxnLst>
+    <dgm:cxn modelId="{3FB4673A-E00F-CC47-BD27-47C354BC4CAC}" type="presOf" srcId="{3ADB2364-75C2-C745-9BC3-13A12D772BEB}" destId="{5C240A09-E82C-5140-AFCF-7A220B9DE7F1}" srcOrd="0" destOrd="0" presId="urn:microsoft.com/office/officeart/2005/8/layout/hierarchy1"/>
+    <dgm:cxn modelId="{937920C2-04C4-2149-9224-ED746872E283}" type="presOf" srcId="{B024D95A-30B9-CC45-A1BF-CB200818752E}" destId="{38C370E5-6B60-FD4D-93CB-9632EEC07773}" srcOrd="0" destOrd="0" presId="urn:microsoft.com/office/officeart/2005/8/layout/hierarchy1"/>
+    <dgm:cxn modelId="{A700A1F6-A99E-3246-9304-273C51249CA1}" srcId="{B024D95A-30B9-CC45-A1BF-CB200818752E}" destId="{3ADB2364-75C2-C745-9BC3-13A12D772BEB}" srcOrd="0" destOrd="0" parTransId="{8C23E21C-25AB-AE41-8239-4C674B1ED7BE}" sibTransId="{36050D71-4E75-914B-85C7-CB4DB1D04B76}"/>
+    <dgm:cxn modelId="{3EF371E0-6A70-0E4F-96D5-629130F99D2F}" type="presOf" srcId="{BC2D6196-ED7D-594B-BCA9-A4FE367784DD}" destId="{8B3CDEA6-B010-B64B-B61A-A8819C5E7316}" srcOrd="0" destOrd="0" presId="urn:microsoft.com/office/officeart/2005/8/layout/hierarchy1"/>
+    <dgm:cxn modelId="{7918B857-DB32-E44D-A621-93320936067D}" type="presOf" srcId="{17885A37-9EE6-794A-AD29-C80177E32105}" destId="{7D5694B7-AC48-D14A-A9D0-4DDDD76A1177}" srcOrd="0" destOrd="0" presId="urn:microsoft.com/office/officeart/2005/8/layout/hierarchy1"/>
+    <dgm:cxn modelId="{97B6ED9A-FDA4-AA42-A5CC-80FAE1C936D6}" srcId="{3ADB2364-75C2-C745-9BC3-13A12D772BEB}" destId="{BC2D6196-ED7D-594B-BCA9-A4FE367784DD}" srcOrd="0" destOrd="0" parTransId="{F7A25E7A-364E-604E-90E2-1FAA4674CF52}" sibTransId="{D6C077F7-FF0C-5845-B901-CF64FFA40C32}"/>
     <dgm:cxn modelId="{02B73BF9-2BF5-3B4A-A1E0-9A5956806A18}" srcId="{3ADB2364-75C2-C745-9BC3-13A12D772BEB}" destId="{78C9BB4D-2AB5-C84F-9A74-3661421ED247}" srcOrd="1" destOrd="0" parTransId="{17885A37-9EE6-794A-AD29-C80177E32105}" sibTransId="{6CE4C160-E81E-2C44-A195-46B7F063FA27}"/>
-    <dgm:cxn modelId="{3FB4673A-E00F-CC47-BD27-47C354BC4CAC}" type="presOf" srcId="{3ADB2364-75C2-C745-9BC3-13A12D772BEB}" destId="{5C240A09-E82C-5140-AFCF-7A220B9DE7F1}" srcOrd="0" destOrd="0" presId="urn:microsoft.com/office/officeart/2005/8/layout/hierarchy1"/>
-    <dgm:cxn modelId="{97B6ED9A-FDA4-AA42-A5CC-80FAE1C936D6}" srcId="{3ADB2364-75C2-C745-9BC3-13A12D772BEB}" destId="{BC2D6196-ED7D-594B-BCA9-A4FE367784DD}" srcOrd="0" destOrd="0" parTransId="{F7A25E7A-364E-604E-90E2-1FAA4674CF52}" sibTransId="{D6C077F7-FF0C-5845-B901-CF64FFA40C32}"/>
     <dgm:cxn modelId="{2E206709-529E-384D-BA27-D30DCAF28C7F}" type="presOf" srcId="{F7A25E7A-364E-604E-90E2-1FAA4674CF52}" destId="{55CABC5F-D9AF-D242-8035-6C3F837FDFF8}" srcOrd="0" destOrd="0" presId="urn:microsoft.com/office/officeart/2005/8/layout/hierarchy1"/>
     <dgm:cxn modelId="{B670B48D-8C4D-A544-A76B-66213BCBE418}" type="presOf" srcId="{78C9BB4D-2AB5-C84F-9A74-3661421ED247}" destId="{B3115A6C-A995-C84F-90C2-3D4FA9093C93}" srcOrd="0" destOrd="0" presId="urn:microsoft.com/office/officeart/2005/8/layout/hierarchy1"/>
-    <dgm:cxn modelId="{A700A1F6-A99E-3246-9304-273C51249CA1}" srcId="{B024D95A-30B9-CC45-A1BF-CB200818752E}" destId="{3ADB2364-75C2-C745-9BC3-13A12D772BEB}" srcOrd="0" destOrd="0" parTransId="{8C23E21C-25AB-AE41-8239-4C674B1ED7BE}" sibTransId="{36050D71-4E75-914B-85C7-CB4DB1D04B76}"/>
-    <dgm:cxn modelId="{3EF371E0-6A70-0E4F-96D5-629130F99D2F}" type="presOf" srcId="{BC2D6196-ED7D-594B-BCA9-A4FE367784DD}" destId="{8B3CDEA6-B010-B64B-B61A-A8819C5E7316}" srcOrd="0" destOrd="0" presId="urn:microsoft.com/office/officeart/2005/8/layout/hierarchy1"/>
-    <dgm:cxn modelId="{937920C2-04C4-2149-9224-ED746872E283}" type="presOf" srcId="{B024D95A-30B9-CC45-A1BF-CB200818752E}" destId="{38C370E5-6B60-FD4D-93CB-9632EEC07773}" srcOrd="0" destOrd="0" presId="urn:microsoft.com/office/officeart/2005/8/layout/hierarchy1"/>
-    <dgm:cxn modelId="{7918B857-DB32-E44D-A621-93320936067D}" type="presOf" srcId="{17885A37-9EE6-794A-AD29-C80177E32105}" destId="{7D5694B7-AC48-D14A-A9D0-4DDDD76A1177}" srcOrd="0" destOrd="0" presId="urn:microsoft.com/office/officeart/2005/8/layout/hierarchy1"/>
     <dgm:cxn modelId="{14454BC9-55E9-5044-9D5F-92D44A1223D9}" type="presParOf" srcId="{38C370E5-6B60-FD4D-93CB-9632EEC07773}" destId="{6CE9CA63-5451-6A4B-9D32-F72498ED41DA}" srcOrd="0" destOrd="0" presId="urn:microsoft.com/office/officeart/2005/8/layout/hierarchy1"/>
     <dgm:cxn modelId="{1C1C6614-21AC-784F-9368-B22853BE8B1D}" type="presParOf" srcId="{6CE9CA63-5451-6A4B-9D32-F72498ED41DA}" destId="{D191744A-5D06-1D47-93E0-393342349D96}" srcOrd="0" destOrd="0" presId="urn:microsoft.com/office/officeart/2005/8/layout/hierarchy1"/>
     <dgm:cxn modelId="{52E2F944-9DEE-464C-9945-121129BAAAD7}" type="presParOf" srcId="{D191744A-5D06-1D47-93E0-393342349D96}" destId="{7DDF201A-F444-4345-A1A1-AEF2A4BB6A14}" srcOrd="0" destOrd="0" presId="urn:microsoft.com/office/officeart/2005/8/layout/hierarchy1"/>
@@ -8963,7 +9008,7 @@
             <a:fld id="{AB1CDEB6-C0D8-439D-94AA-7569540F08E4}" type="datetimeFigureOut">
               <a:rPr lang="en-US" smtClean="0"/>
               <a:pPr/>
-              <a:t>8/8/15</a:t>
+              <a:t>8/11/15</a:t>
             </a:fld>
             <a:endParaRPr lang="en-US"/>
           </a:p>
@@ -9321,7 +9366,7 @@
             <a:fld id="{81331B57-0BE5-4F82-AA58-76F53EFF3ADA}" type="datetime8">
               <a:rPr lang="en-US" smtClean="0"/>
               <a:pPr/>
-              <a:t>8/8/15 01:26</a:t>
+              <a:t>8/11/15 18:55</a:t>
             </a:fld>
             <a:endParaRPr lang="en-US" dirty="0"/>
           </a:p>
@@ -9510,7 +9555,7 @@
             <a:fld id="{81331B57-0BE5-4F82-AA58-76F53EFF3ADA}" type="datetime8">
               <a:rPr lang="en-US" smtClean="0"/>
               <a:pPr/>
-              <a:t>8/8/15 01:26</a:t>
+              <a:t>8/11/15 18:55</a:t>
             </a:fld>
             <a:endParaRPr lang="en-US"/>
           </a:p>
@@ -9588,7 +9633,7 @@
             <a:fld id="{EC87E0CF-87F6-4B58-B8B8-DCAB2DAAF3CA}" type="slidenum">
               <a:rPr lang="en-US" smtClean="0"/>
               <a:pPr/>
-              <a:t>19</a:t>
+              <a:t>22</a:t>
             </a:fld>
             <a:endParaRPr lang="en-US" dirty="0"/>
           </a:p>
@@ -9689,7 +9734,7 @@
             <a:fld id="{81331B57-0BE5-4F82-AA58-76F53EFF3ADA}" type="datetime8">
               <a:rPr lang="en-US" smtClean="0"/>
               <a:pPr/>
-              <a:t>8/8/15 01:26</a:t>
+              <a:t>8/11/15 18:55</a:t>
             </a:fld>
             <a:endParaRPr lang="en-US"/>
           </a:p>
@@ -9767,7 +9812,7 @@
             <a:fld id="{EC87E0CF-87F6-4B58-B8B8-DCAB2DAAF3CA}" type="slidenum">
               <a:rPr lang="en-US" smtClean="0"/>
               <a:pPr/>
-              <a:t>20</a:t>
+              <a:t>23</a:t>
             </a:fld>
             <a:endParaRPr lang="en-US" dirty="0"/>
           </a:p>
@@ -9868,7 +9913,7 @@
             <a:fld id="{81331B57-0BE5-4F82-AA58-76F53EFF3ADA}" type="datetime8">
               <a:rPr lang="en-US" smtClean="0"/>
               <a:pPr/>
-              <a:t>8/8/15 01:26</a:t>
+              <a:t>8/11/15 18:55</a:t>
             </a:fld>
             <a:endParaRPr lang="en-US"/>
           </a:p>
@@ -10047,7 +10092,7 @@
             <a:fld id="{81331B57-0BE5-4F82-AA58-76F53EFF3ADA}" type="datetime8">
               <a:rPr lang="en-US" smtClean="0"/>
               <a:pPr/>
-              <a:t>8/8/15 01:26</a:t>
+              <a:t>8/11/15 18:55</a:t>
             </a:fld>
             <a:endParaRPr lang="en-US"/>
           </a:p>
@@ -10226,7 +10271,7 @@
             <a:fld id="{81331B57-0BE5-4F82-AA58-76F53EFF3ADA}" type="datetime8">
               <a:rPr lang="en-US" smtClean="0"/>
               <a:pPr/>
-              <a:t>8/8/15 01:26</a:t>
+              <a:t>8/11/15 18:55</a:t>
             </a:fld>
             <a:endParaRPr lang="en-US"/>
           </a:p>
@@ -10405,7 +10450,7 @@
             <a:fld id="{81331B57-0BE5-4F82-AA58-76F53EFF3ADA}" type="datetime8">
               <a:rPr lang="en-US" smtClean="0"/>
               <a:pPr/>
-              <a:t>8/8/15 01:26</a:t>
+              <a:t>8/11/15 18:55</a:t>
             </a:fld>
             <a:endParaRPr lang="en-US"/>
           </a:p>
@@ -10584,7 +10629,7 @@
             <a:fld id="{81331B57-0BE5-4F82-AA58-76F53EFF3ADA}" type="datetime8">
               <a:rPr lang="en-US" smtClean="0"/>
               <a:pPr/>
-              <a:t>8/8/15 01:26</a:t>
+              <a:t>8/11/15 18:55</a:t>
             </a:fld>
             <a:endParaRPr lang="en-US"/>
           </a:p>
@@ -10763,7 +10808,7 @@
             <a:fld id="{81331B57-0BE5-4F82-AA58-76F53EFF3ADA}" type="datetime8">
               <a:rPr lang="en-US" smtClean="0"/>
               <a:pPr/>
-              <a:t>8/8/15 01:26</a:t>
+              <a:t>8/11/15 18:55</a:t>
             </a:fld>
             <a:endParaRPr lang="en-US"/>
           </a:p>
@@ -10942,7 +10987,7 @@
             <a:fld id="{81331B57-0BE5-4F82-AA58-76F53EFF3ADA}" type="datetime8">
               <a:rPr lang="en-US" smtClean="0"/>
               <a:pPr/>
-              <a:t>8/8/15 01:26</a:t>
+              <a:t>8/11/15 18:55</a:t>
             </a:fld>
             <a:endParaRPr lang="en-US"/>
           </a:p>
@@ -11020,7 +11065,7 @@
             <a:fld id="{EC87E0CF-87F6-4B58-B8B8-DCAB2DAAF3CA}" type="slidenum">
               <a:rPr lang="en-US" smtClean="0"/>
               <a:pPr/>
-              <a:t>17</a:t>
+              <a:t>20</a:t>
             </a:fld>
             <a:endParaRPr lang="en-US" dirty="0"/>
           </a:p>
@@ -11121,7 +11166,7 @@
             <a:fld id="{81331B57-0BE5-4F82-AA58-76F53EFF3ADA}" type="datetime8">
               <a:rPr lang="en-US" smtClean="0"/>
               <a:pPr/>
-              <a:t>8/8/15 01:26</a:t>
+              <a:t>8/11/15 18:55</a:t>
             </a:fld>
             <a:endParaRPr lang="en-US"/>
           </a:p>
@@ -11199,7 +11244,7 @@
             <a:fld id="{EC87E0CF-87F6-4B58-B8B8-DCAB2DAAF3CA}" type="slidenum">
               <a:rPr lang="en-US" smtClean="0"/>
               <a:pPr/>
-              <a:t>18</a:t>
+              <a:t>21</a:t>
             </a:fld>
             <a:endParaRPr lang="en-US" dirty="0"/>
           </a:p>
@@ -15090,7 +15135,6 @@
               <a:rPr lang="en-US" dirty="0" smtClean="0"/>
               <a:t>Get a grid view.</a:t>
             </a:r>
-            <a:endParaRPr lang="en-US" dirty="0" smtClean="0"/>
           </a:p>
           <a:p>
             <a:pPr lvl="1"/>
@@ -15269,8 +15313,8 @@
         </p:nvSpPr>
         <p:spPr>
           <a:xfrm>
-            <a:off x="381000" y="230188"/>
-            <a:ext cx="8382000" cy="677108"/>
+            <a:off x="0" y="230188"/>
+            <a:ext cx="9144000" cy="677108"/>
           </a:xfrm>
         </p:spPr>
         <p:txBody>
@@ -15279,7 +15323,15 @@
           <a:p>
             <a:r>
               <a:rPr lang="en-US" dirty="0" smtClean="0"/>
-              <a:t>ABM and Generic Programming</a:t>
+              <a:t>How to Do</a:t>
+            </a:r>
+            <a:r>
+              <a:rPr lang="en-US" dirty="0" smtClean="0"/>
+              <a:t> </a:t>
+            </a:r>
+            <a:r>
+              <a:rPr lang="en-US" dirty="0" smtClean="0"/>
+              <a:t>Generic Programming</a:t>
             </a:r>
             <a:endParaRPr lang="en-US" dirty="0"/>
           </a:p>
@@ -15297,13 +15349,114 @@
         </p:nvSpPr>
         <p:spPr>
           <a:xfrm>
-            <a:off x="381000" y="1411552"/>
-            <a:ext cx="8382000" cy="451406"/>
+            <a:off x="381000" y="1125149"/>
+            <a:ext cx="8382000" cy="5580451"/>
           </a:xfrm>
         </p:spPr>
         <p:txBody>
           <a:bodyPr/>
           <a:lstStyle/>
+          <a:p>
+            <a:r>
+              <a:rPr lang="en-US" dirty="0"/>
+              <a:t>In </a:t>
+            </a:r>
+            <a:r>
+              <a:rPr lang="en-US" dirty="0" smtClean="0"/>
+              <a:t>math, the process </a:t>
+            </a:r>
+            <a:r>
+              <a:rPr lang="en-US" dirty="0"/>
+              <a:t>of generalization </a:t>
+            </a:r>
+            <a:r>
+              <a:rPr lang="en-US" dirty="0" smtClean="0"/>
+              <a:t>was</a:t>
+            </a:r>
+            <a:r>
+              <a:rPr lang="en-US" dirty="0"/>
+              <a:t>:</a:t>
+            </a:r>
+          </a:p>
+          <a:p>
+            <a:pPr lvl="1"/>
+            <a:r>
+              <a:rPr lang="en-US" dirty="0"/>
+              <a:t>Common measures</a:t>
+            </a:r>
+          </a:p>
+          <a:p>
+            <a:pPr lvl="1"/>
+            <a:r>
+              <a:rPr lang="en-US" dirty="0"/>
+              <a:t>Natural numbers </a:t>
+            </a:r>
+          </a:p>
+          <a:p>
+            <a:pPr lvl="1"/>
+            <a:r>
+              <a:rPr lang="en-US" dirty="0"/>
+              <a:t>Integers</a:t>
+            </a:r>
+          </a:p>
+          <a:p>
+            <a:pPr lvl="1"/>
+            <a:r>
+              <a:rPr lang="en-US" dirty="0"/>
+              <a:t>Rational numbers</a:t>
+            </a:r>
+          </a:p>
+          <a:p>
+            <a:pPr lvl="1"/>
+            <a:r>
+              <a:rPr lang="en-US" dirty="0"/>
+              <a:t>Polynomials</a:t>
+            </a:r>
+          </a:p>
+          <a:p>
+            <a:pPr lvl="1"/>
+            <a:r>
+              <a:rPr lang="en-US" dirty="0"/>
+              <a:t>Real </a:t>
+            </a:r>
+            <a:r>
+              <a:rPr lang="en-US" dirty="0" smtClean="0"/>
+              <a:t>numbers</a:t>
+            </a:r>
+          </a:p>
+          <a:p>
+            <a:pPr lvl="1"/>
+            <a:r>
+              <a:rPr lang="en-US" dirty="0" smtClean="0"/>
+              <a:t>Complex </a:t>
+            </a:r>
+            <a:r>
+              <a:rPr lang="en-US" dirty="0"/>
+              <a:t>numbers</a:t>
+            </a:r>
+          </a:p>
+          <a:p>
+            <a:pPr lvl="1"/>
+            <a:r>
+              <a:rPr lang="en-US" dirty="0" smtClean="0"/>
+              <a:t>Groups</a:t>
+            </a:r>
+          </a:p>
+          <a:p>
+            <a:pPr lvl="1"/>
+            <a:r>
+              <a:rPr lang="en-US" dirty="0" smtClean="0"/>
+              <a:t>Rings</a:t>
+            </a:r>
+            <a:endParaRPr lang="en-US" dirty="0"/>
+          </a:p>
+          <a:p>
+            <a:pPr lvl="1"/>
+            <a:r>
+              <a:rPr lang="en-US" dirty="0"/>
+              <a:t>Fields</a:t>
+            </a:r>
+          </a:p>
           <a:p>
             <a:endParaRPr lang="en-US" dirty="0"/>
           </a:p>
@@ -15322,6 +15475,13 @@
   <p:transition xmlns:p14="http://schemas.microsoft.com/office/powerpoint/2010/main">
     <p:fade/>
   </p:transition>
+  <p:timing>
+    <p:tnLst>
+      <p:par>
+        <p:cTn xmlns:p14="http://schemas.microsoft.com/office/powerpoint/2010/main" id="1" dur="indefinite" restart="never" nodeType="tmRoot"/>
+      </p:par>
+    </p:tnLst>
+  </p:timing>
 </p:sld>
 </file>
 
@@ -15354,8 +15514,8 @@
         </p:nvSpPr>
         <p:spPr>
           <a:xfrm>
-            <a:off x="381000" y="230188"/>
-            <a:ext cx="8382000" cy="677108"/>
+            <a:off x="304800" y="230188"/>
+            <a:ext cx="8686800" cy="677108"/>
           </a:xfrm>
         </p:spPr>
         <p:txBody>
@@ -15364,7 +15524,15 @@
           <a:p>
             <a:r>
               <a:rPr lang="en-US" dirty="0" smtClean="0"/>
-              <a:t>ABM and Generic Programming</a:t>
+              <a:t>How to Do</a:t>
+            </a:r>
+            <a:r>
+              <a:rPr lang="en-US" dirty="0" smtClean="0"/>
+              <a:t> </a:t>
+            </a:r>
+            <a:r>
+              <a:rPr lang="en-US" dirty="0" smtClean="0"/>
+              <a:t>Generic Programming</a:t>
             </a:r>
             <a:endParaRPr lang="en-US" dirty="0"/>
           </a:p>
@@ -15382,8 +15550,8 @@
         </p:nvSpPr>
         <p:spPr>
           <a:xfrm>
-            <a:off x="381000" y="1411552"/>
-            <a:ext cx="8382000" cy="1781000"/>
+            <a:off x="381000" y="1219200"/>
+            <a:ext cx="8382000" cy="2224199"/>
           </a:xfrm>
         </p:spPr>
         <p:txBody>
@@ -15391,17 +15559,177 @@
           <a:lstStyle/>
           <a:p>
             <a:r>
+              <a:rPr lang="en-US" dirty="0"/>
+              <a:t>H</a:t>
+            </a:r>
+            <a:r>
               <a:rPr lang="en-US" dirty="0" smtClean="0"/>
-              <a:t>We are now working on ways to treat the entire agent population as a vector, and use matrix multiplication to rest all agent’s states in a single operation.</a:t>
+              <a:t>ow </a:t>
+            </a:r>
+            <a:r>
+              <a:rPr lang="en-US" dirty="0"/>
+              <a:t>this happened: no one sat down and devised an abstract algebra of rings and fields, and then said, "So farmers: I think you can derive something from this to measure your fields</a:t>
+            </a:r>
+            <a:r>
+              <a:rPr lang="en-US" dirty="0" smtClean="0"/>
+              <a:t>.”</a:t>
             </a:r>
             <a:endParaRPr lang="en-US" dirty="0"/>
           </a:p>
         </p:txBody>
       </p:sp>
+      <p:pic>
+        <p:nvPicPr>
+          <p:cNvPr id="4" name="Picture 3" descr="Peasants.jpg"/>
+          <p:cNvPicPr>
+            <a:picLocks noChangeAspect="1"/>
+          </p:cNvPicPr>
+          <p:nvPr/>
+        </p:nvPicPr>
+        <p:blipFill>
+          <a:blip r:embed="rId2">
+            <a:extLst>
+              <a:ext uri="{28A0092B-C50C-407E-A947-70E740481C1C}">
+                <a14:useLocalDpi xmlns:a14="http://schemas.microsoft.com/office/drawing/2010/main" val="0"/>
+              </a:ext>
+            </a:extLst>
+          </a:blip>
+          <a:stretch>
+            <a:fillRect/>
+          </a:stretch>
+        </p:blipFill>
+        <p:spPr>
+          <a:xfrm>
+            <a:off x="5791200" y="3352800"/>
+            <a:ext cx="2057400" cy="3086100"/>
+          </a:xfrm>
+          <a:prstGeom prst="rect">
+            <a:avLst/>
+          </a:prstGeom>
+        </p:spPr>
+      </p:pic>
+      <p:sp>
+        <p:nvSpPr>
+          <p:cNvPr id="5" name="Right Arrow 4"/>
+          <p:cNvSpPr/>
+          <p:nvPr/>
+        </p:nvSpPr>
+        <p:spPr bwMode="auto">
+          <a:xfrm>
+            <a:off x="4038600" y="4343400"/>
+            <a:ext cx="1203960" cy="1127760"/>
+          </a:xfrm>
+          <a:prstGeom prst="rightArrow">
+            <a:avLst/>
+          </a:prstGeom>
+          <a:solidFill>
+            <a:schemeClr val="accent2"/>
+          </a:solidFill>
+          <a:ln>
+            <a:headEnd type="none" w="med" len="med"/>
+            <a:tailEnd type="none" w="med" len="med"/>
+          </a:ln>
+        </p:spPr>
+        <p:style>
+          <a:lnRef idx="0">
+            <a:schemeClr val="accent2"/>
+          </a:lnRef>
+          <a:fillRef idx="3">
+            <a:schemeClr val="accent2"/>
+          </a:fillRef>
+          <a:effectRef idx="3">
+            <a:schemeClr val="accent2"/>
+          </a:effectRef>
+          <a:fontRef idx="minor">
+            <a:schemeClr val="lt1"/>
+          </a:fontRef>
+        </p:style>
+        <p:txBody>
+          <a:bodyPr/>
+          <a:lstStyle/>
+          <a:p>
+            <a:endParaRPr lang="en-US"/>
+          </a:p>
+        </p:txBody>
+      </p:sp>
+      <p:sp>
+        <p:nvSpPr>
+          <p:cNvPr id="6" name="&quot;No&quot; Symbol 5"/>
+          <p:cNvSpPr/>
+          <p:nvPr/>
+        </p:nvSpPr>
+        <p:spPr bwMode="auto">
+          <a:xfrm>
+            <a:off x="4114800" y="4495800"/>
+            <a:ext cx="822960" cy="822960"/>
+          </a:xfrm>
+          <a:prstGeom prst="noSmoking">
+            <a:avLst/>
+          </a:prstGeom>
+          <a:solidFill>
+            <a:srgbClr val="FF0000"/>
+          </a:solidFill>
+          <a:ln>
+            <a:headEnd type="none" w="med" len="med"/>
+            <a:tailEnd type="none" w="med" len="med"/>
+          </a:ln>
+        </p:spPr>
+        <p:style>
+          <a:lnRef idx="0">
+            <a:schemeClr val="accent2"/>
+          </a:lnRef>
+          <a:fillRef idx="3">
+            <a:schemeClr val="accent2"/>
+          </a:fillRef>
+          <a:effectRef idx="3">
+            <a:schemeClr val="accent2"/>
+          </a:effectRef>
+          <a:fontRef idx="minor">
+            <a:schemeClr val="lt1"/>
+          </a:fontRef>
+        </p:style>
+        <p:txBody>
+          <a:bodyPr/>
+          <a:lstStyle/>
+          <a:p>
+            <a:endParaRPr lang="en-US"/>
+          </a:p>
+        </p:txBody>
+      </p:sp>
+      <p:pic>
+        <p:nvPicPr>
+          <p:cNvPr id="8" name="Picture 7" descr="Reflection_on_vector.svg.png"/>
+          <p:cNvPicPr>
+            <a:picLocks noChangeAspect="1"/>
+          </p:cNvPicPr>
+          <p:nvPr/>
+        </p:nvPicPr>
+        <p:blipFill>
+          <a:blip r:embed="rId3">
+            <a:extLst>
+              <a:ext uri="{28A0092B-C50C-407E-A947-70E740481C1C}">
+                <a14:useLocalDpi xmlns:a14="http://schemas.microsoft.com/office/drawing/2010/main" val="0"/>
+              </a:ext>
+            </a:extLst>
+          </a:blip>
+          <a:stretch>
+            <a:fillRect/>
+          </a:stretch>
+        </p:blipFill>
+        <p:spPr>
+          <a:xfrm>
+            <a:off x="914400" y="3733800"/>
+            <a:ext cx="2540000" cy="2298700"/>
+          </a:xfrm>
+          <a:prstGeom prst="rect">
+            <a:avLst/>
+          </a:prstGeom>
+        </p:spPr>
+      </p:pic>
     </p:spTree>
     <p:extLst>
       <p:ext uri="{BB962C8B-B14F-4D97-AF65-F5344CB8AC3E}">
-        <p14:creationId xmlns:p14="http://schemas.microsoft.com/office/powerpoint/2010/main" val="4259044637"/>
+        <p14:creationId xmlns:p14="http://schemas.microsoft.com/office/powerpoint/2010/main" val="3526871055"/>
       </p:ext>
     </p:extLst>
   </p:cSld>
@@ -15411,6 +15739,13 @@
   <p:transition xmlns:p14="http://schemas.microsoft.com/office/powerpoint/2010/main">
     <p:fade/>
   </p:transition>
+  <p:timing>
+    <p:tnLst>
+      <p:par>
+        <p:cTn xmlns:p14="http://schemas.microsoft.com/office/powerpoint/2010/main" id="1" dur="indefinite" restart="never" nodeType="tmRoot"/>
+      </p:par>
+    </p:tnLst>
+  </p:timing>
 </p:sld>
 </file>
 
@@ -15443,28 +15778,27 @@
         </p:nvSpPr>
         <p:spPr>
           <a:xfrm>
-            <a:off x="381000" y="230189"/>
-            <a:ext cx="8382000" cy="836612"/>
+            <a:off x="304800" y="304800"/>
+            <a:ext cx="8610600" cy="677108"/>
           </a:xfrm>
         </p:spPr>
         <p:txBody>
-          <a:bodyPr>
-            <a:normAutofit fontScale="90000"/>
-          </a:bodyPr>
+          <a:bodyPr/>
           <a:lstStyle/>
           <a:p>
             <a:r>
               <a:rPr lang="en-US" dirty="0" smtClean="0"/>
-              <a:t>Credits</a:t>
-            </a:r>
-            <a:br>
+              <a:t>How to Do</a:t>
+            </a:r>
+            <a:r>
               <a:rPr lang="en-US" dirty="0" smtClean="0"/>
-            </a:br>
-            <a:endParaRPr lang="en-US" dirty="0">
-              <a:solidFill>
-                <a:schemeClr val="tx2"/>
-              </a:solidFill>
-            </a:endParaRPr>
+              <a:t> </a:t>
+            </a:r>
+            <a:r>
+              <a:rPr lang="en-US" dirty="0" smtClean="0"/>
+              <a:t>Generic Programming</a:t>
+            </a:r>
+            <a:endParaRPr lang="en-US" dirty="0"/>
           </a:p>
         </p:txBody>
       </p:sp>
@@ -15480,76 +15814,99 @@
         </p:nvSpPr>
         <p:spPr>
           <a:xfrm>
-            <a:off x="381000" y="1295400"/>
-            <a:ext cx="8382000" cy="5029200"/>
+            <a:off x="381000" y="1371600"/>
+            <a:ext cx="8382000" cy="3755900"/>
           </a:xfrm>
         </p:spPr>
         <p:txBody>
-          <a:bodyPr>
-            <a:normAutofit/>
-          </a:bodyPr>
+          <a:bodyPr/>
           <a:lstStyle/>
           <a:p>
+            <a:r>
+              <a:rPr lang="en-US" dirty="0" smtClean="0"/>
+              <a:t>Similar </a:t>
+            </a:r>
+            <a:r>
+              <a:rPr lang="en-US"/>
+              <a:t>in </a:t>
+            </a:r>
+            <a:r>
+              <a:rPr lang="en-US" smtClean="0"/>
+              <a:t>programming!</a:t>
+            </a:r>
             <a:endParaRPr lang="en-US" dirty="0" smtClean="0"/>
           </a:p>
           <a:p>
             <a:r>
               <a:rPr lang="en-US" dirty="0"/>
-              <a:t>"Knot with </a:t>
-            </a:r>
-            <a:r>
-              <a:rPr lang="en-US" dirty="0" err="1"/>
-              <a:t>borromean</a:t>
+              <a:t>R</a:t>
+            </a:r>
+            <a:r>
+              <a:rPr lang="en-US" dirty="0" smtClean="0"/>
+              <a:t>arely </a:t>
             </a:r>
             <a:r>
               <a:rPr lang="en-US" dirty="0"/>
-              <a:t> rings in </a:t>
-            </a:r>
-            <a:r>
-              <a:rPr lang="en-US" dirty="0" err="1"/>
-              <a:t>jsj</a:t>
-            </a:r>
+              <a:t>a successful strategy to try to start by defining some grand abstraction, and then building one's system around it. </a:t>
+            </a:r>
+            <a:endParaRPr lang="en-US" dirty="0" smtClean="0"/>
+          </a:p>
+          <a:p>
             <a:r>
               <a:rPr lang="en-US" dirty="0"/>
-              <a:t> </a:t>
-            </a:r>
-            <a:r>
-              <a:rPr lang="en-US" dirty="0" err="1"/>
-              <a:t>decomp</a:t>
+              <a:t>S</a:t>
+            </a:r>
+            <a:r>
+              <a:rPr lang="en-US" dirty="0" smtClean="0"/>
+              <a:t>uccessful </a:t>
             </a:r>
             <a:r>
               <a:rPr lang="en-US" dirty="0"/>
-              <a:t> small". Licensed under CC BY-SA 3.0 via Wikipedia - </a:t>
-            </a:r>
-            <a:r>
-              <a:rPr lang="en-US" dirty="0">
-                <a:hlinkClick r:id="rId3"/>
-              </a:rPr>
-              <a:t>https://en.wikipedia.org/wiki/File:Knot_with_borromean_rings_in_jsj_decomp_small.png#/media/</a:t>
-            </a:r>
-            <a:r>
-              <a:rPr lang="en-US" dirty="0" smtClean="0">
-                <a:hlinkClick r:id="rId3"/>
-              </a:rPr>
-              <a:t>File:Knot_with_borromean_rings_in_jsj_decomp_small.png</a:t>
-            </a:r>
-            <a:endParaRPr lang="en-US" dirty="0" smtClean="0"/>
-          </a:p>
-          <a:p>
+              <a:t>generic </a:t>
+            </a:r>
             <a:r>
               <a:rPr lang="en-US" dirty="0" smtClean="0"/>
-              <a:t>The Mesa team at George Mason has contributed code to this project.</a:t>
-            </a:r>
-          </a:p>
-          <a:p>
-            <a:endParaRPr lang="en-US" dirty="0" smtClean="0"/>
+              <a:t>programming:</a:t>
+            </a:r>
+          </a:p>
+          <a:p>
+            <a:pPr lvl="1"/>
+            <a:r>
+              <a:rPr lang="en-US" dirty="0"/>
+              <a:t>B</a:t>
+            </a:r>
+            <a:r>
+              <a:rPr lang="en-US" dirty="0" smtClean="0"/>
+              <a:t>uild </a:t>
+            </a:r>
+            <a:r>
+              <a:rPr lang="en-US" dirty="0"/>
+              <a:t>concrete </a:t>
+            </a:r>
+            <a:r>
+              <a:rPr lang="en-US" dirty="0" smtClean="0"/>
+              <a:t>applications</a:t>
+            </a:r>
+            <a:endParaRPr lang="en-US" dirty="0"/>
+          </a:p>
+          <a:p>
+            <a:pPr lvl="1"/>
+            <a:r>
+              <a:rPr lang="en-US" dirty="0" smtClean="0"/>
+              <a:t>Seek </a:t>
+            </a:r>
+            <a:r>
+              <a:rPr lang="en-US" dirty="0"/>
+              <a:t>out commonalities found in different applications and abstracting them.</a:t>
+            </a:r>
+            <a:endParaRPr lang="en-US" dirty="0"/>
           </a:p>
         </p:txBody>
       </p:sp>
     </p:spTree>
     <p:extLst>
       <p:ext uri="{BB962C8B-B14F-4D97-AF65-F5344CB8AC3E}">
-        <p14:creationId xmlns:p14="http://schemas.microsoft.com/office/powerpoint/2010/main" val="3776600832"/>
+        <p14:creationId xmlns:p14="http://schemas.microsoft.com/office/powerpoint/2010/main" val="3526871055"/>
       </p:ext>
     </p:extLst>
   </p:cSld>
@@ -15598,28 +15955,27 @@
         </p:nvSpPr>
         <p:spPr>
           <a:xfrm>
-            <a:off x="381000" y="230189"/>
-            <a:ext cx="8382000" cy="836612"/>
+            <a:off x="0" y="230188"/>
+            <a:ext cx="9144000" cy="677108"/>
           </a:xfrm>
         </p:spPr>
         <p:txBody>
-          <a:bodyPr>
-            <a:normAutofit fontScale="90000"/>
-          </a:bodyPr>
+          <a:bodyPr/>
           <a:lstStyle/>
           <a:p>
             <a:r>
               <a:rPr lang="en-US" dirty="0" smtClean="0"/>
-              <a:t>Credits</a:t>
-            </a:r>
-            <a:br>
+              <a:t>How to Do</a:t>
+            </a:r>
+            <a:r>
               <a:rPr lang="en-US" dirty="0" smtClean="0"/>
-            </a:br>
-            <a:endParaRPr lang="en-US" dirty="0">
-              <a:solidFill>
-                <a:schemeClr val="tx2"/>
-              </a:solidFill>
-            </a:endParaRPr>
+              <a:t> </a:t>
+            </a:r>
+            <a:r>
+              <a:rPr lang="en-US" dirty="0" smtClean="0"/>
+              <a:t>Generic Programming</a:t>
+            </a:r>
+            <a:endParaRPr lang="en-US" dirty="0"/>
           </a:p>
         </p:txBody>
       </p:sp>
@@ -15635,76 +15991,22 @@
         </p:nvSpPr>
         <p:spPr>
           <a:xfrm>
-            <a:off x="381000" y="1295400"/>
-            <a:ext cx="8382000" cy="5029200"/>
+            <a:off x="381000" y="1371600"/>
+            <a:ext cx="8382000" cy="2057400"/>
           </a:xfrm>
         </p:spPr>
         <p:txBody>
-          <a:bodyPr>
-            <a:normAutofit/>
-          </a:bodyPr>
+          <a:bodyPr/>
           <a:lstStyle/>
           <a:p>
-            <a:endParaRPr lang="en-US" dirty="0" smtClean="0"/>
-          </a:p>
-          <a:p>
-            <a:r>
-              <a:rPr lang="en-US" dirty="0"/>
-              <a:t>"Knot with </a:t>
-            </a:r>
-            <a:r>
-              <a:rPr lang="en-US" dirty="0" err="1"/>
-              <a:t>borromean</a:t>
-            </a:r>
-            <a:r>
-              <a:rPr lang="en-US" dirty="0"/>
-              <a:t> rings in </a:t>
-            </a:r>
-            <a:r>
-              <a:rPr lang="en-US" dirty="0" err="1"/>
-              <a:t>jsj</a:t>
-            </a:r>
-            <a:r>
-              <a:rPr lang="en-US" dirty="0"/>
-              <a:t> </a:t>
-            </a:r>
-            <a:r>
-              <a:rPr lang="en-US" dirty="0" err="1"/>
-              <a:t>decomp</a:t>
-            </a:r>
-            <a:r>
-              <a:rPr lang="en-US" dirty="0"/>
-              <a:t> small". Licensed under CC BY-SA 3.0 via Wikipedia - </a:t>
-            </a:r>
-            <a:r>
-              <a:rPr lang="en-US" dirty="0">
-                <a:hlinkClick r:id="rId3"/>
-              </a:rPr>
-              <a:t>https://en.wikipedia.org/wiki/File:Knot_with_borromean_rings_in_jsj_decomp_small.png#/media/</a:t>
-            </a:r>
-            <a:r>
-              <a:rPr lang="en-US" dirty="0" smtClean="0">
-                <a:hlinkClick r:id="rId3"/>
-              </a:rPr>
-              <a:t>File:Knot_with_borromean_rings_in_jsj_decomp_small.png</a:t>
-            </a:r>
-            <a:endParaRPr lang="en-US" dirty="0" smtClean="0"/>
-          </a:p>
-          <a:p>
-            <a:r>
-              <a:rPr lang="en-US" dirty="0" smtClean="0"/>
-              <a:t>The Mesa team at George Mason has contributed code to this project.</a:t>
-            </a:r>
-          </a:p>
-          <a:p>
-            <a:endParaRPr lang="en-US" dirty="0" smtClean="0"/>
+            <a:endParaRPr lang="en-US" dirty="0"/>
           </a:p>
         </p:txBody>
       </p:sp>
     </p:spTree>
     <p:extLst>
       <p:ext uri="{BB962C8B-B14F-4D97-AF65-F5344CB8AC3E}">
-        <p14:creationId xmlns:p14="http://schemas.microsoft.com/office/powerpoint/2010/main" val="3729891041"/>
+        <p14:creationId xmlns:p14="http://schemas.microsoft.com/office/powerpoint/2010/main" val="3526871055"/>
       </p:ext>
     </p:extLst>
   </p:cSld>
@@ -15714,13 +16016,6 @@
   <p:transition xmlns:p14="http://schemas.microsoft.com/office/powerpoint/2010/main">
     <p:fade/>
   </p:transition>
-  <p:timing>
-    <p:tnLst>
-      <p:par>
-        <p:cTn xmlns:p14="http://schemas.microsoft.com/office/powerpoint/2010/main" id="1" dur="indefinite" restart="never" nodeType="tmRoot"/>
-      </p:par>
-    </p:tnLst>
-  </p:timing>
 </p:sld>
 </file>
 
@@ -15753,28 +16048,19 @@
         </p:nvSpPr>
         <p:spPr>
           <a:xfrm>
-            <a:off x="381000" y="230189"/>
-            <a:ext cx="8382000" cy="836612"/>
+            <a:off x="381000" y="230188"/>
+            <a:ext cx="8382000" cy="677108"/>
           </a:xfrm>
         </p:spPr>
         <p:txBody>
-          <a:bodyPr>
-            <a:normAutofit fontScale="90000"/>
-          </a:bodyPr>
+          <a:bodyPr/>
           <a:lstStyle/>
           <a:p>
             <a:r>
               <a:rPr lang="en-US" dirty="0" smtClean="0"/>
-              <a:t>Credits</a:t>
-            </a:r>
-            <a:br>
-              <a:rPr lang="en-US" dirty="0" smtClean="0"/>
-            </a:br>
-            <a:endParaRPr lang="en-US" dirty="0">
-              <a:solidFill>
-                <a:schemeClr val="tx2"/>
-              </a:solidFill>
-            </a:endParaRPr>
+              <a:t>ABM and Generic Programming</a:t>
+            </a:r>
+            <a:endParaRPr lang="en-US" dirty="0"/>
           </a:p>
         </p:txBody>
       </p:sp>
@@ -15790,76 +16076,26 @@
         </p:nvSpPr>
         <p:spPr>
           <a:xfrm>
-            <a:off x="381000" y="1295400"/>
-            <a:ext cx="8382000" cy="5029200"/>
+            <a:off x="381000" y="1411552"/>
+            <a:ext cx="8382000" cy="1781000"/>
           </a:xfrm>
         </p:spPr>
         <p:txBody>
-          <a:bodyPr>
-            <a:normAutofit/>
-          </a:bodyPr>
+          <a:bodyPr/>
           <a:lstStyle/>
           <a:p>
-            <a:endParaRPr lang="en-US" dirty="0" smtClean="0"/>
-          </a:p>
-          <a:p>
-            <a:r>
-              <a:rPr lang="en-US" dirty="0"/>
-              <a:t>"Knot with </a:t>
-            </a:r>
-            <a:r>
-              <a:rPr lang="en-US" dirty="0" err="1"/>
-              <a:t>borromean</a:t>
-            </a:r>
-            <a:r>
-              <a:rPr lang="en-US" dirty="0"/>
-              <a:t> rings in </a:t>
-            </a:r>
-            <a:r>
-              <a:rPr lang="en-US" dirty="0" err="1"/>
-              <a:t>jsj</a:t>
-            </a:r>
-            <a:r>
-              <a:rPr lang="en-US" dirty="0"/>
-              <a:t> </a:t>
-            </a:r>
-            <a:r>
-              <a:rPr lang="en-US" dirty="0" err="1"/>
-              <a:t>decomp</a:t>
-            </a:r>
-            <a:r>
-              <a:rPr lang="en-US" dirty="0"/>
-              <a:t> small". Licensed under CC BY-SA 3.0 via Wikipedia - </a:t>
-            </a:r>
-            <a:r>
-              <a:rPr lang="en-US" dirty="0">
-                <a:hlinkClick r:id="rId3"/>
-              </a:rPr>
-              <a:t>https://en.wikipedia.org/wiki/File:Knot_with_borromean_rings_in_jsj_decomp_small.png#/media/</a:t>
-            </a:r>
-            <a:r>
-              <a:rPr lang="en-US" dirty="0" smtClean="0">
-                <a:hlinkClick r:id="rId3"/>
-              </a:rPr>
-              <a:t>File:Knot_with_borromean_rings_in_jsj_decomp_small.png</a:t>
-            </a:r>
-            <a:endParaRPr lang="en-US" dirty="0" smtClean="0"/>
-          </a:p>
-          <a:p>
             <a:r>
               <a:rPr lang="en-US" dirty="0" smtClean="0"/>
-              <a:t>The Mesa team at George Mason has contributed code to this project.</a:t>
-            </a:r>
-          </a:p>
-          <a:p>
-            <a:endParaRPr lang="en-US" dirty="0" smtClean="0"/>
+              <a:t>We are now working on ways to treat the entire agent population as a vector, and use matrix multiplication to rest all agent’s states in a single operation.</a:t>
+            </a:r>
+            <a:endParaRPr lang="en-US" dirty="0"/>
           </a:p>
         </p:txBody>
       </p:sp>
     </p:spTree>
     <p:extLst>
       <p:ext uri="{BB962C8B-B14F-4D97-AF65-F5344CB8AC3E}">
-        <p14:creationId xmlns:p14="http://schemas.microsoft.com/office/powerpoint/2010/main" val="69031901"/>
+        <p14:creationId xmlns:p14="http://schemas.microsoft.com/office/powerpoint/2010/main" val="4259044637"/>
       </p:ext>
     </p:extLst>
   </p:cSld>
@@ -15869,13 +16105,6 @@
   <p:transition xmlns:p14="http://schemas.microsoft.com/office/powerpoint/2010/main">
     <p:fade/>
   </p:transition>
-  <p:timing>
-    <p:tnLst>
-      <p:par>
-        <p:cTn xmlns:p14="http://schemas.microsoft.com/office/powerpoint/2010/main" id="1" dur="indefinite" restart="never" nodeType="tmRoot"/>
-      </p:par>
-    </p:tnLst>
-  </p:timing>
 </p:sld>
 </file>
 
@@ -16008,13 +16237,8 @@
             <a:pPr lvl="2"/>
             <a:r>
               <a:rPr lang="en-US" dirty="0" smtClean="0"/>
-              <a:t>Have an identity </a:t>
-            </a:r>
-            <a:r>
-              <a:rPr lang="en-US" dirty="0" smtClean="0"/>
-              <a:t>element (e.g., 0, or the unknot)</a:t>
-            </a:r>
-            <a:endParaRPr lang="en-US" dirty="0" smtClean="0"/>
+              <a:t>Have an identity element (e.g., 0, or the unknot)</a:t>
+            </a:r>
           </a:p>
         </p:txBody>
       </p:sp>
@@ -16059,6 +16283,471 @@
 </file>
 
 <file path=ppt/slides/slide20.xml><?xml version="1.0" encoding="utf-8"?>
+<p:sld xmlns:a="http://schemas.openxmlformats.org/drawingml/2006/main" xmlns:r="http://schemas.openxmlformats.org/officeDocument/2006/relationships" xmlns:p="http://schemas.openxmlformats.org/presentationml/2006/main">
+  <p:cSld>
+    <p:spTree>
+      <p:nvGrpSpPr>
+        <p:cNvPr id="1" name=""/>
+        <p:cNvGrpSpPr/>
+        <p:nvPr/>
+      </p:nvGrpSpPr>
+      <p:grpSpPr>
+        <a:xfrm>
+          <a:off x="0" y="0"/>
+          <a:ext cx="0" cy="0"/>
+          <a:chOff x="0" y="0"/>
+          <a:chExt cx="0" cy="0"/>
+        </a:xfrm>
+      </p:grpSpPr>
+      <p:sp>
+        <p:nvSpPr>
+          <p:cNvPr id="2" name="Title 1"/>
+          <p:cNvSpPr>
+            <a:spLocks noGrp="1"/>
+          </p:cNvSpPr>
+          <p:nvPr>
+            <p:ph type="title"/>
+          </p:nvPr>
+        </p:nvSpPr>
+        <p:spPr>
+          <a:xfrm>
+            <a:off x="381000" y="230189"/>
+            <a:ext cx="8382000" cy="836612"/>
+          </a:xfrm>
+        </p:spPr>
+        <p:txBody>
+          <a:bodyPr>
+            <a:normAutofit fontScale="90000"/>
+          </a:bodyPr>
+          <a:lstStyle/>
+          <a:p>
+            <a:r>
+              <a:rPr lang="en-US" dirty="0" smtClean="0"/>
+              <a:t>Credits</a:t>
+            </a:r>
+            <a:br>
+              <a:rPr lang="en-US" dirty="0" smtClean="0"/>
+            </a:br>
+            <a:endParaRPr lang="en-US" dirty="0">
+              <a:solidFill>
+                <a:schemeClr val="tx2"/>
+              </a:solidFill>
+            </a:endParaRPr>
+          </a:p>
+        </p:txBody>
+      </p:sp>
+      <p:sp>
+        <p:nvSpPr>
+          <p:cNvPr id="3" name="Text Placeholder 2"/>
+          <p:cNvSpPr>
+            <a:spLocks noGrp="1"/>
+          </p:cNvSpPr>
+          <p:nvPr>
+            <p:ph type="body" sz="quarter" idx="10"/>
+          </p:nvPr>
+        </p:nvSpPr>
+        <p:spPr>
+          <a:xfrm>
+            <a:off x="381000" y="1295400"/>
+            <a:ext cx="8382000" cy="5029200"/>
+          </a:xfrm>
+        </p:spPr>
+        <p:txBody>
+          <a:bodyPr>
+            <a:normAutofit/>
+          </a:bodyPr>
+          <a:lstStyle/>
+          <a:p>
+            <a:endParaRPr lang="en-US" dirty="0" smtClean="0"/>
+          </a:p>
+          <a:p>
+            <a:r>
+              <a:rPr lang="en-US" dirty="0"/>
+              <a:t>"Knot with </a:t>
+            </a:r>
+            <a:r>
+              <a:rPr lang="en-US" dirty="0" err="1"/>
+              <a:t>borromean</a:t>
+            </a:r>
+            <a:r>
+              <a:rPr lang="en-US" dirty="0"/>
+              <a:t> rings in </a:t>
+            </a:r>
+            <a:r>
+              <a:rPr lang="en-US" dirty="0" err="1"/>
+              <a:t>jsj</a:t>
+            </a:r>
+            <a:r>
+              <a:rPr lang="en-US" dirty="0"/>
+              <a:t> </a:t>
+            </a:r>
+            <a:r>
+              <a:rPr lang="en-US" dirty="0" err="1"/>
+              <a:t>decomp</a:t>
+            </a:r>
+            <a:r>
+              <a:rPr lang="en-US" dirty="0"/>
+              <a:t> small". Licensed under CC BY-SA 3.0 via Wikipedia - </a:t>
+            </a:r>
+            <a:r>
+              <a:rPr lang="en-US" dirty="0">
+                <a:hlinkClick r:id="rId3"/>
+              </a:rPr>
+              <a:t>https://en.wikipedia.org/wiki/File:Knot_with_borromean_rings_in_jsj_decomp_small.png#/media/</a:t>
+            </a:r>
+            <a:r>
+              <a:rPr lang="en-US" dirty="0" smtClean="0">
+                <a:hlinkClick r:id="rId3"/>
+              </a:rPr>
+              <a:t>File:Knot_with_borromean_rings_in_jsj_decomp_small.png</a:t>
+            </a:r>
+            <a:endParaRPr lang="en-US" dirty="0" smtClean="0"/>
+          </a:p>
+          <a:p>
+            <a:r>
+              <a:rPr lang="en-US" dirty="0" smtClean="0"/>
+              <a:t>The Mesa team at George Mason has contributed code to this project.</a:t>
+            </a:r>
+          </a:p>
+          <a:p>
+            <a:endParaRPr lang="en-US" dirty="0" smtClean="0"/>
+          </a:p>
+        </p:txBody>
+      </p:sp>
+    </p:spTree>
+    <p:extLst>
+      <p:ext uri="{BB962C8B-B14F-4D97-AF65-F5344CB8AC3E}">
+        <p14:creationId xmlns:p14="http://schemas.microsoft.com/office/powerpoint/2010/main" val="3776600832"/>
+      </p:ext>
+    </p:extLst>
+  </p:cSld>
+  <p:clrMapOvr>
+    <a:masterClrMapping/>
+  </p:clrMapOvr>
+  <p:transition xmlns:p14="http://schemas.microsoft.com/office/powerpoint/2010/main">
+    <p:fade/>
+  </p:transition>
+  <p:timing>
+    <p:tnLst>
+      <p:par>
+        <p:cTn xmlns:p14="http://schemas.microsoft.com/office/powerpoint/2010/main" id="1" dur="indefinite" restart="never" nodeType="tmRoot"/>
+      </p:par>
+    </p:tnLst>
+  </p:timing>
+</p:sld>
+</file>
+
+<file path=ppt/slides/slide21.xml><?xml version="1.0" encoding="utf-8"?>
+<p:sld xmlns:a="http://schemas.openxmlformats.org/drawingml/2006/main" xmlns:r="http://schemas.openxmlformats.org/officeDocument/2006/relationships" xmlns:p="http://schemas.openxmlformats.org/presentationml/2006/main">
+  <p:cSld>
+    <p:spTree>
+      <p:nvGrpSpPr>
+        <p:cNvPr id="1" name=""/>
+        <p:cNvGrpSpPr/>
+        <p:nvPr/>
+      </p:nvGrpSpPr>
+      <p:grpSpPr>
+        <a:xfrm>
+          <a:off x="0" y="0"/>
+          <a:ext cx="0" cy="0"/>
+          <a:chOff x="0" y="0"/>
+          <a:chExt cx="0" cy="0"/>
+        </a:xfrm>
+      </p:grpSpPr>
+      <p:sp>
+        <p:nvSpPr>
+          <p:cNvPr id="2" name="Title 1"/>
+          <p:cNvSpPr>
+            <a:spLocks noGrp="1"/>
+          </p:cNvSpPr>
+          <p:nvPr>
+            <p:ph type="title"/>
+          </p:nvPr>
+        </p:nvSpPr>
+        <p:spPr>
+          <a:xfrm>
+            <a:off x="381000" y="230189"/>
+            <a:ext cx="8382000" cy="836612"/>
+          </a:xfrm>
+        </p:spPr>
+        <p:txBody>
+          <a:bodyPr>
+            <a:normAutofit fontScale="90000"/>
+          </a:bodyPr>
+          <a:lstStyle/>
+          <a:p>
+            <a:r>
+              <a:rPr lang="en-US" dirty="0" smtClean="0"/>
+              <a:t>Credits</a:t>
+            </a:r>
+            <a:br>
+              <a:rPr lang="en-US" dirty="0" smtClean="0"/>
+            </a:br>
+            <a:endParaRPr lang="en-US" dirty="0">
+              <a:solidFill>
+                <a:schemeClr val="tx2"/>
+              </a:solidFill>
+            </a:endParaRPr>
+          </a:p>
+        </p:txBody>
+      </p:sp>
+      <p:sp>
+        <p:nvSpPr>
+          <p:cNvPr id="3" name="Text Placeholder 2"/>
+          <p:cNvSpPr>
+            <a:spLocks noGrp="1"/>
+          </p:cNvSpPr>
+          <p:nvPr>
+            <p:ph type="body" sz="quarter" idx="10"/>
+          </p:nvPr>
+        </p:nvSpPr>
+        <p:spPr>
+          <a:xfrm>
+            <a:off x="381000" y="1295400"/>
+            <a:ext cx="8382000" cy="5029200"/>
+          </a:xfrm>
+        </p:spPr>
+        <p:txBody>
+          <a:bodyPr>
+            <a:normAutofit/>
+          </a:bodyPr>
+          <a:lstStyle/>
+          <a:p>
+            <a:endParaRPr lang="en-US" dirty="0" smtClean="0"/>
+          </a:p>
+          <a:p>
+            <a:r>
+              <a:rPr lang="en-US" dirty="0"/>
+              <a:t>"Knot with </a:t>
+            </a:r>
+            <a:r>
+              <a:rPr lang="en-US" dirty="0" err="1"/>
+              <a:t>borromean</a:t>
+            </a:r>
+            <a:r>
+              <a:rPr lang="en-US" dirty="0"/>
+              <a:t> rings in </a:t>
+            </a:r>
+            <a:r>
+              <a:rPr lang="en-US" dirty="0" err="1"/>
+              <a:t>jsj</a:t>
+            </a:r>
+            <a:r>
+              <a:rPr lang="en-US" dirty="0"/>
+              <a:t> </a:t>
+            </a:r>
+            <a:r>
+              <a:rPr lang="en-US" dirty="0" err="1"/>
+              <a:t>decomp</a:t>
+            </a:r>
+            <a:r>
+              <a:rPr lang="en-US" dirty="0"/>
+              <a:t> small". Licensed under CC BY-SA 3.0 via Wikipedia - </a:t>
+            </a:r>
+            <a:r>
+              <a:rPr lang="en-US" dirty="0">
+                <a:hlinkClick r:id="rId3"/>
+              </a:rPr>
+              <a:t>https://en.wikipedia.org/wiki/File:Knot_with_borromean_rings_in_jsj_decomp_small.png#/media/</a:t>
+            </a:r>
+            <a:r>
+              <a:rPr lang="en-US" dirty="0" smtClean="0">
+                <a:hlinkClick r:id="rId3"/>
+              </a:rPr>
+              <a:t>File:Knot_with_borromean_rings_in_jsj_decomp_small.png</a:t>
+            </a:r>
+            <a:endParaRPr lang="en-US" dirty="0" smtClean="0"/>
+          </a:p>
+          <a:p>
+            <a:r>
+              <a:rPr lang="en-US" dirty="0" smtClean="0"/>
+              <a:t>The Mesa team at George Mason has contributed code to this project.</a:t>
+            </a:r>
+          </a:p>
+          <a:p>
+            <a:endParaRPr lang="en-US" dirty="0" smtClean="0"/>
+          </a:p>
+        </p:txBody>
+      </p:sp>
+    </p:spTree>
+    <p:extLst>
+      <p:ext uri="{BB962C8B-B14F-4D97-AF65-F5344CB8AC3E}">
+        <p14:creationId xmlns:p14="http://schemas.microsoft.com/office/powerpoint/2010/main" val="3729891041"/>
+      </p:ext>
+    </p:extLst>
+  </p:cSld>
+  <p:clrMapOvr>
+    <a:masterClrMapping/>
+  </p:clrMapOvr>
+  <p:transition xmlns:p14="http://schemas.microsoft.com/office/powerpoint/2010/main">
+    <p:fade/>
+  </p:transition>
+  <p:timing>
+    <p:tnLst>
+      <p:par>
+        <p:cTn xmlns:p14="http://schemas.microsoft.com/office/powerpoint/2010/main" id="1" dur="indefinite" restart="never" nodeType="tmRoot"/>
+      </p:par>
+    </p:tnLst>
+  </p:timing>
+</p:sld>
+</file>
+
+<file path=ppt/slides/slide22.xml><?xml version="1.0" encoding="utf-8"?>
+<p:sld xmlns:a="http://schemas.openxmlformats.org/drawingml/2006/main" xmlns:r="http://schemas.openxmlformats.org/officeDocument/2006/relationships" xmlns:p="http://schemas.openxmlformats.org/presentationml/2006/main">
+  <p:cSld>
+    <p:spTree>
+      <p:nvGrpSpPr>
+        <p:cNvPr id="1" name=""/>
+        <p:cNvGrpSpPr/>
+        <p:nvPr/>
+      </p:nvGrpSpPr>
+      <p:grpSpPr>
+        <a:xfrm>
+          <a:off x="0" y="0"/>
+          <a:ext cx="0" cy="0"/>
+          <a:chOff x="0" y="0"/>
+          <a:chExt cx="0" cy="0"/>
+        </a:xfrm>
+      </p:grpSpPr>
+      <p:sp>
+        <p:nvSpPr>
+          <p:cNvPr id="2" name="Title 1"/>
+          <p:cNvSpPr>
+            <a:spLocks noGrp="1"/>
+          </p:cNvSpPr>
+          <p:nvPr>
+            <p:ph type="title"/>
+          </p:nvPr>
+        </p:nvSpPr>
+        <p:spPr>
+          <a:xfrm>
+            <a:off x="381000" y="230189"/>
+            <a:ext cx="8382000" cy="836612"/>
+          </a:xfrm>
+        </p:spPr>
+        <p:txBody>
+          <a:bodyPr>
+            <a:normAutofit fontScale="90000"/>
+          </a:bodyPr>
+          <a:lstStyle/>
+          <a:p>
+            <a:r>
+              <a:rPr lang="en-US" dirty="0" smtClean="0"/>
+              <a:t>Credits</a:t>
+            </a:r>
+            <a:br>
+              <a:rPr lang="en-US" dirty="0" smtClean="0"/>
+            </a:br>
+            <a:endParaRPr lang="en-US" dirty="0">
+              <a:solidFill>
+                <a:schemeClr val="tx2"/>
+              </a:solidFill>
+            </a:endParaRPr>
+          </a:p>
+        </p:txBody>
+      </p:sp>
+      <p:sp>
+        <p:nvSpPr>
+          <p:cNvPr id="3" name="Text Placeholder 2"/>
+          <p:cNvSpPr>
+            <a:spLocks noGrp="1"/>
+          </p:cNvSpPr>
+          <p:nvPr>
+            <p:ph type="body" sz="quarter" idx="10"/>
+          </p:nvPr>
+        </p:nvSpPr>
+        <p:spPr>
+          <a:xfrm>
+            <a:off x="381000" y="1295400"/>
+            <a:ext cx="8382000" cy="5029200"/>
+          </a:xfrm>
+        </p:spPr>
+        <p:txBody>
+          <a:bodyPr>
+            <a:normAutofit/>
+          </a:bodyPr>
+          <a:lstStyle/>
+          <a:p>
+            <a:endParaRPr lang="en-US" dirty="0" smtClean="0"/>
+          </a:p>
+          <a:p>
+            <a:r>
+              <a:rPr lang="en-US" dirty="0"/>
+              <a:t>"Knot with </a:t>
+            </a:r>
+            <a:r>
+              <a:rPr lang="en-US" dirty="0" err="1"/>
+              <a:t>borromean</a:t>
+            </a:r>
+            <a:r>
+              <a:rPr lang="en-US" dirty="0"/>
+              <a:t> rings in </a:t>
+            </a:r>
+            <a:r>
+              <a:rPr lang="en-US" dirty="0" err="1"/>
+              <a:t>jsj</a:t>
+            </a:r>
+            <a:r>
+              <a:rPr lang="en-US" dirty="0"/>
+              <a:t> </a:t>
+            </a:r>
+            <a:r>
+              <a:rPr lang="en-US" dirty="0" err="1"/>
+              <a:t>decomp</a:t>
+            </a:r>
+            <a:r>
+              <a:rPr lang="en-US" dirty="0"/>
+              <a:t> small". Licensed under CC BY-SA 3.0 via Wikipedia - </a:t>
+            </a:r>
+            <a:r>
+              <a:rPr lang="en-US" dirty="0">
+                <a:hlinkClick r:id="rId3"/>
+              </a:rPr>
+              <a:t>https://en.wikipedia.org/wiki/File:Knot_with_borromean_rings_in_jsj_decomp_small.png#/media/</a:t>
+            </a:r>
+            <a:r>
+              <a:rPr lang="en-US" dirty="0" smtClean="0">
+                <a:hlinkClick r:id="rId3"/>
+              </a:rPr>
+              <a:t>File:Knot_with_borromean_rings_in_jsj_decomp_small.png</a:t>
+            </a:r>
+            <a:endParaRPr lang="en-US" dirty="0" smtClean="0"/>
+          </a:p>
+          <a:p>
+            <a:r>
+              <a:rPr lang="en-US" dirty="0" smtClean="0"/>
+              <a:t>The Mesa team at George Mason has contributed code to this project.</a:t>
+            </a:r>
+          </a:p>
+          <a:p>
+            <a:endParaRPr lang="en-US" dirty="0" smtClean="0"/>
+          </a:p>
+        </p:txBody>
+      </p:sp>
+    </p:spTree>
+    <p:extLst>
+      <p:ext uri="{BB962C8B-B14F-4D97-AF65-F5344CB8AC3E}">
+        <p14:creationId xmlns:p14="http://schemas.microsoft.com/office/powerpoint/2010/main" val="69031901"/>
+      </p:ext>
+    </p:extLst>
+  </p:cSld>
+  <p:clrMapOvr>
+    <a:masterClrMapping/>
+  </p:clrMapOvr>
+  <p:transition xmlns:p14="http://schemas.microsoft.com/office/powerpoint/2010/main">
+    <p:fade/>
+  </p:transition>
+  <p:timing>
+    <p:tnLst>
+      <p:par>
+        <p:cTn xmlns:p14="http://schemas.microsoft.com/office/powerpoint/2010/main" id="1" dur="indefinite" restart="never" nodeType="tmRoot"/>
+      </p:par>
+    </p:tnLst>
+  </p:timing>
+</p:sld>
+</file>
+
+<file path=ppt/slides/slide23.xml><?xml version="1.0" encoding="utf-8"?>
 <p:sld xmlns:a="http://schemas.openxmlformats.org/drawingml/2006/main" xmlns:r="http://schemas.openxmlformats.org/officeDocument/2006/relationships" xmlns:p="http://schemas.openxmlformats.org/presentationml/2006/main">
   <p:cSld>
     <p:spTree>
@@ -17413,11 +18102,7 @@
             </a:r>
             <a:r>
               <a:rPr lang="en-US" dirty="0" smtClean="0"/>
-              <a:t> has been to continually to push more and more of the “work” into </a:t>
-            </a:r>
-            <a:r>
-              <a:rPr lang="en-US" dirty="0" smtClean="0"/>
-              <a:t>generic ABM libraries.</a:t>
+              <a:t> has been to continually to push more and more of the “work” into generic ABM libraries.</a:t>
             </a:r>
             <a:endParaRPr lang="en-US" dirty="0"/>
           </a:p>

--- a/docs/GenericProgrammingAndABM.pptx
+++ b/docs/GenericProgrammingAndABM.pptx
@@ -6,7 +6,7 @@
     <p:sldMasterId id="2147483674" r:id="rId5"/>
   </p:sldMasterIdLst>
   <p:notesMasterIdLst>
-    <p:notesMasterId r:id="rId29"/>
+    <p:notesMasterId r:id="rId30"/>
   </p:notesMasterIdLst>
   <p:sldIdLst>
     <p:sldId id="257" r:id="rId6"/>
@@ -23,15 +23,16 @@
     <p:sldId id="276" r:id="rId17"/>
     <p:sldId id="280" r:id="rId18"/>
     <p:sldId id="281" r:id="rId19"/>
-    <p:sldId id="282" r:id="rId20"/>
-    <p:sldId id="283" r:id="rId21"/>
-    <p:sldId id="284" r:id="rId22"/>
-    <p:sldId id="285" r:id="rId23"/>
-    <p:sldId id="277" r:id="rId24"/>
-    <p:sldId id="268" r:id="rId25"/>
-    <p:sldId id="278" r:id="rId26"/>
-    <p:sldId id="279" r:id="rId27"/>
-    <p:sldId id="258" r:id="rId28"/>
+    <p:sldId id="277" r:id="rId20"/>
+    <p:sldId id="282" r:id="rId21"/>
+    <p:sldId id="283" r:id="rId22"/>
+    <p:sldId id="284" r:id="rId23"/>
+    <p:sldId id="285" r:id="rId24"/>
+    <p:sldId id="286" r:id="rId25"/>
+    <p:sldId id="268" r:id="rId26"/>
+    <p:sldId id="278" r:id="rId27"/>
+    <p:sldId id="279" r:id="rId28"/>
+    <p:sldId id="258" r:id="rId29"/>
   </p:sldIdLst>
   <p:sldSz cx="9144000" cy="6858000" type="screen4x3"/>
   <p:notesSz cx="6858000" cy="9144000"/>
@@ -9008,7 +9009,7 @@
             <a:fld id="{AB1CDEB6-C0D8-439D-94AA-7569540F08E4}" type="datetimeFigureOut">
               <a:rPr lang="en-US" smtClean="0"/>
               <a:pPr/>
-              <a:t>8/11/15</a:t>
+              <a:t>8/13/15</a:t>
             </a:fld>
             <a:endParaRPr lang="en-US"/>
           </a:p>
@@ -9366,7 +9367,7 @@
             <a:fld id="{81331B57-0BE5-4F82-AA58-76F53EFF3ADA}" type="datetime8">
               <a:rPr lang="en-US" smtClean="0"/>
               <a:pPr/>
-              <a:t>8/11/15 18:55</a:t>
+              <a:t>8/13/15 19:34</a:t>
             </a:fld>
             <a:endParaRPr lang="en-US" dirty="0"/>
           </a:p>
@@ -9555,7 +9556,7 @@
             <a:fld id="{81331B57-0BE5-4F82-AA58-76F53EFF3ADA}" type="datetime8">
               <a:rPr lang="en-US" smtClean="0"/>
               <a:pPr/>
-              <a:t>8/11/15 18:55</a:t>
+              <a:t>8/13/15 19:35</a:t>
             </a:fld>
             <a:endParaRPr lang="en-US"/>
           </a:p>
@@ -9633,7 +9634,7 @@
             <a:fld id="{EC87E0CF-87F6-4B58-B8B8-DCAB2DAAF3CA}" type="slidenum">
               <a:rPr lang="en-US" smtClean="0"/>
               <a:pPr/>
-              <a:t>22</a:t>
+              <a:t>23</a:t>
             </a:fld>
             <a:endParaRPr lang="en-US" dirty="0"/>
           </a:p>
@@ -9734,7 +9735,7 @@
             <a:fld id="{81331B57-0BE5-4F82-AA58-76F53EFF3ADA}" type="datetime8">
               <a:rPr lang="en-US" smtClean="0"/>
               <a:pPr/>
-              <a:t>8/11/15 18:55</a:t>
+              <a:t>8/13/15 19:35</a:t>
             </a:fld>
             <a:endParaRPr lang="en-US"/>
           </a:p>
@@ -9812,7 +9813,7 @@
             <a:fld id="{EC87E0CF-87F6-4B58-B8B8-DCAB2DAAF3CA}" type="slidenum">
               <a:rPr lang="en-US" smtClean="0"/>
               <a:pPr/>
-              <a:t>23</a:t>
+              <a:t>24</a:t>
             </a:fld>
             <a:endParaRPr lang="en-US" dirty="0"/>
           </a:p>
@@ -9913,7 +9914,7 @@
             <a:fld id="{81331B57-0BE5-4F82-AA58-76F53EFF3ADA}" type="datetime8">
               <a:rPr lang="en-US" smtClean="0"/>
               <a:pPr/>
-              <a:t>8/11/15 18:55</a:t>
+              <a:t>8/13/15 19:35</a:t>
             </a:fld>
             <a:endParaRPr lang="en-US"/>
           </a:p>
@@ -10092,7 +10093,7 @@
             <a:fld id="{81331B57-0BE5-4F82-AA58-76F53EFF3ADA}" type="datetime8">
               <a:rPr lang="en-US" smtClean="0"/>
               <a:pPr/>
-              <a:t>8/11/15 18:55</a:t>
+              <a:t>8/13/15 19:35</a:t>
             </a:fld>
             <a:endParaRPr lang="en-US"/>
           </a:p>
@@ -10271,7 +10272,7 @@
             <a:fld id="{81331B57-0BE5-4F82-AA58-76F53EFF3ADA}" type="datetime8">
               <a:rPr lang="en-US" smtClean="0"/>
               <a:pPr/>
-              <a:t>8/11/15 18:55</a:t>
+              <a:t>8/13/15 19:35</a:t>
             </a:fld>
             <a:endParaRPr lang="en-US"/>
           </a:p>
@@ -10450,7 +10451,7 @@
             <a:fld id="{81331B57-0BE5-4F82-AA58-76F53EFF3ADA}" type="datetime8">
               <a:rPr lang="en-US" smtClean="0"/>
               <a:pPr/>
-              <a:t>8/11/15 18:55</a:t>
+              <a:t>8/13/15 19:35</a:t>
             </a:fld>
             <a:endParaRPr lang="en-US"/>
           </a:p>
@@ -10629,7 +10630,7 @@
             <a:fld id="{81331B57-0BE5-4F82-AA58-76F53EFF3ADA}" type="datetime8">
               <a:rPr lang="en-US" smtClean="0"/>
               <a:pPr/>
-              <a:t>8/11/15 18:55</a:t>
+              <a:t>8/13/15 19:35</a:t>
             </a:fld>
             <a:endParaRPr lang="en-US"/>
           </a:p>
@@ -10808,7 +10809,7 @@
             <a:fld id="{81331B57-0BE5-4F82-AA58-76F53EFF3ADA}" type="datetime8">
               <a:rPr lang="en-US" smtClean="0"/>
               <a:pPr/>
-              <a:t>8/11/15 18:55</a:t>
+              <a:t>8/13/15 19:35</a:t>
             </a:fld>
             <a:endParaRPr lang="en-US"/>
           </a:p>
@@ -10987,7 +10988,7 @@
             <a:fld id="{81331B57-0BE5-4F82-AA58-76F53EFF3ADA}" type="datetime8">
               <a:rPr lang="en-US" smtClean="0"/>
               <a:pPr/>
-              <a:t>8/11/15 18:55</a:t>
+              <a:t>8/13/15 19:35</a:t>
             </a:fld>
             <a:endParaRPr lang="en-US"/>
           </a:p>
@@ -11065,7 +11066,7 @@
             <a:fld id="{EC87E0CF-87F6-4B58-B8B8-DCAB2DAAF3CA}" type="slidenum">
               <a:rPr lang="en-US" smtClean="0"/>
               <a:pPr/>
-              <a:t>20</a:t>
+              <a:t>21</a:t>
             </a:fld>
             <a:endParaRPr lang="en-US" dirty="0"/>
           </a:p>
@@ -11166,7 +11167,7 @@
             <a:fld id="{81331B57-0BE5-4F82-AA58-76F53EFF3ADA}" type="datetime8">
               <a:rPr lang="en-US" smtClean="0"/>
               <a:pPr/>
-              <a:t>8/11/15 18:55</a:t>
+              <a:t>8/13/15 19:35</a:t>
             </a:fld>
             <a:endParaRPr lang="en-US"/>
           </a:p>
@@ -11244,7 +11245,7 @@
             <a:fld id="{EC87E0CF-87F6-4B58-B8B8-DCAB2DAAF3CA}" type="slidenum">
               <a:rPr lang="en-US" smtClean="0"/>
               <a:pPr/>
-              <a:t>21</a:t>
+              <a:t>22</a:t>
             </a:fld>
             <a:endParaRPr lang="en-US" dirty="0"/>
           </a:p>
@@ -14753,6 +14754,13 @@
   <p:transition xmlns:p14="http://schemas.microsoft.com/office/powerpoint/2010/main">
     <p:fade/>
   </p:transition>
+  <p:timing>
+    <p:tnLst>
+      <p:par>
+        <p:cTn xmlns:p14="http://schemas.microsoft.com/office/powerpoint/2010/main" id="1" dur="indefinite" restart="never" nodeType="tmRoot"/>
+      </p:par>
+    </p:tnLst>
+  </p:timing>
 </p:sld>
 </file>
 
@@ -14902,6 +14910,13 @@
   <p:transition xmlns:p14="http://schemas.microsoft.com/office/powerpoint/2010/main">
     <p:fade/>
   </p:transition>
+  <p:timing>
+    <p:tnLst>
+      <p:par>
+        <p:cTn xmlns:p14="http://schemas.microsoft.com/office/powerpoint/2010/main" id="1" dur="indefinite" restart="never" nodeType="tmRoot"/>
+      </p:par>
+    </p:tnLst>
+  </p:timing>
 </p:sld>
 </file>
 
@@ -15041,6 +15056,13 @@
   <p:transition xmlns:p14="http://schemas.microsoft.com/office/powerpoint/2010/main">
     <p:fade/>
   </p:transition>
+  <p:timing>
+    <p:tnLst>
+      <p:par>
+        <p:cTn xmlns:p14="http://schemas.microsoft.com/office/powerpoint/2010/main" id="1" dur="indefinite" restart="never" nodeType="tmRoot"/>
+      </p:par>
+    </p:tnLst>
+  </p:timing>
 </p:sld>
 </file>
 
@@ -15196,6 +15218,13 @@
   <p:transition xmlns:p14="http://schemas.microsoft.com/office/powerpoint/2010/main">
     <p:fade/>
   </p:transition>
+  <p:timing>
+    <p:tnLst>
+      <p:par>
+        <p:cTn xmlns:p14="http://schemas.microsoft.com/office/powerpoint/2010/main" id="1" dur="indefinite" restart="never" nodeType="tmRoot"/>
+      </p:par>
+    </p:tnLst>
+  </p:timing>
 </p:sld>
 </file>
 
@@ -15264,7 +15293,312 @@
           <a:bodyPr/>
           <a:lstStyle/>
           <a:p>
+            <a:r>
+              <a:rPr lang="en-US" dirty="0" smtClean="0"/>
+              <a:t>So we get this generic act() function:</a:t>
+            </a:r>
+          </a:p>
+        </p:txBody>
+      </p:sp>
+      <p:sp>
+        <p:nvSpPr>
+          <p:cNvPr id="4" name="TextBox 3"/>
+          <p:cNvSpPr txBox="1"/>
+          <p:nvPr/>
+        </p:nvSpPr>
+        <p:spPr>
+          <a:xfrm>
+            <a:off x="1066800" y="2286000"/>
+            <a:ext cx="6553200" cy="1846659"/>
+          </a:xfrm>
+          <a:prstGeom prst="rect">
+            <a:avLst/>
+          </a:prstGeom>
+          <a:noFill/>
+        </p:spPr>
+        <p:txBody>
+          <a:bodyPr wrap="square" rtlCol="0">
+            <a:spAutoFit/>
+          </a:bodyPr>
+          <a:lstStyle/>
+          <a:p>
+            <a:r>
+              <a:rPr lang="en-US" sz="2400" dirty="0" err="1"/>
+              <a:t>def</a:t>
+            </a:r>
+            <a:r>
+              <a:rPr lang="en-US" sz="2400" dirty="0"/>
+              <a:t> act(self):  </a:t>
+            </a:r>
+          </a:p>
+          <a:p>
+            <a:r>
+              <a:rPr lang="en-US" sz="2400" dirty="0"/>
+              <a:t>        </a:t>
+            </a:r>
+            <a:r>
+              <a:rPr lang="en-US" sz="2400" dirty="0" err="1"/>
+              <a:t>env_vars</a:t>
+            </a:r>
+            <a:r>
+              <a:rPr lang="en-US" sz="2400" dirty="0"/>
+              <a:t> = </a:t>
+            </a:r>
+            <a:r>
+              <a:rPr lang="en-US" sz="2400" dirty="0" err="1"/>
+              <a:t>self.survey_env</a:t>
+            </a:r>
+            <a:r>
+              <a:rPr lang="en-US" sz="2400" dirty="0"/>
+              <a:t>()  </a:t>
+            </a:r>
+          </a:p>
+          <a:p>
+            <a:r>
+              <a:rPr lang="en-US" sz="2400" dirty="0"/>
+              <a:t>    if </a:t>
+            </a:r>
+            <a:r>
+              <a:rPr lang="en-US" sz="2400" dirty="0" err="1"/>
+              <a:t>self.eval_env</a:t>
+            </a:r>
+            <a:r>
+              <a:rPr lang="en-US" sz="2400" dirty="0"/>
+              <a:t>(</a:t>
+            </a:r>
+            <a:r>
+              <a:rPr lang="en-US" sz="2400" dirty="0" err="1"/>
+              <a:t>env_vars</a:t>
+            </a:r>
+            <a:r>
+              <a:rPr lang="en-US" sz="2400" dirty="0"/>
+              <a:t>):  </a:t>
+            </a:r>
+          </a:p>
+          <a:p>
+            <a:r>
+              <a:rPr lang="en-US" sz="2400" dirty="0"/>
+              <a:t>        </a:t>
+            </a:r>
+            <a:r>
+              <a:rPr lang="en-US" sz="2400" dirty="0" err="1"/>
+              <a:t>self.respond_to_cond</a:t>
+            </a:r>
+            <a:r>
+              <a:rPr lang="en-US" sz="2400" dirty="0"/>
+              <a:t>(</a:t>
+            </a:r>
+            <a:r>
+              <a:rPr lang="en-US" sz="2400" dirty="0" err="1"/>
+              <a:t>env_vars</a:t>
+            </a:r>
+            <a:r>
+              <a:rPr lang="en-US" sz="2400" dirty="0"/>
+              <a:t>=</a:t>
+            </a:r>
+            <a:r>
+              <a:rPr lang="en-US" sz="2400" dirty="0" err="1"/>
+              <a:t>env_vars</a:t>
+            </a:r>
+            <a:r>
+              <a:rPr lang="en-US" sz="2400" dirty="0"/>
+              <a:t>)  </a:t>
+            </a:r>
+          </a:p>
+          <a:p>
             <a:endParaRPr lang="en-US" dirty="0"/>
+          </a:p>
+        </p:txBody>
+      </p:sp>
+      <p:sp>
+        <p:nvSpPr>
+          <p:cNvPr id="5" name="Text Placeholder 2"/>
+          <p:cNvSpPr txBox="1">
+            <a:spLocks/>
+          </p:cNvSpPr>
+          <p:nvPr/>
+        </p:nvSpPr>
+        <p:spPr>
+          <a:xfrm>
+            <a:off x="381000" y="4419600"/>
+            <a:ext cx="8382000" cy="451406"/>
+          </a:xfrm>
+          <a:prstGeom prst="rect">
+            <a:avLst/>
+          </a:prstGeom>
+        </p:spPr>
+        <p:txBody>
+          <a:bodyPr vert="horz" lIns="0" tIns="0" rIns="0" bIns="0" rtlCol="0">
+            <a:spAutoFit/>
+          </a:bodyPr>
+          <a:lstStyle>
+            <a:lvl1pPr marL="396875" indent="-396875" algn="l" defTabSz="914363" rtl="0" eaLnBrk="1" latinLnBrk="0" hangingPunct="1">
+              <a:lnSpc>
+                <a:spcPct val="90000"/>
+              </a:lnSpc>
+              <a:spcBef>
+                <a:spcPct val="20000"/>
+              </a:spcBef>
+              <a:buFontTx/>
+              <a:buBlip>
+                <a:blip r:embed="rId2"/>
+              </a:buBlip>
+              <a:defRPr sz="3200" kern="1200">
+                <a:solidFill>
+                  <a:schemeClr val="tx1"/>
+                </a:solidFill>
+                <a:latin typeface="+mn-lt"/>
+                <a:ea typeface="+mn-ea"/>
+                <a:cs typeface="+mn-cs"/>
+              </a:defRPr>
+            </a:lvl1pPr>
+            <a:lvl2pPr marL="914400" indent="-396875" algn="l" defTabSz="914363" rtl="0" eaLnBrk="1" latinLnBrk="0" hangingPunct="1">
+              <a:lnSpc>
+                <a:spcPct val="90000"/>
+              </a:lnSpc>
+              <a:spcBef>
+                <a:spcPct val="20000"/>
+              </a:spcBef>
+              <a:buFontTx/>
+              <a:buBlip>
+                <a:blip r:embed="rId3"/>
+              </a:buBlip>
+              <a:defRPr sz="2800" kern="1200">
+                <a:solidFill>
+                  <a:schemeClr val="tx1"/>
+                </a:solidFill>
+                <a:latin typeface="+mn-lt"/>
+                <a:ea typeface="+mn-ea"/>
+                <a:cs typeface="+mn-cs"/>
+              </a:defRPr>
+            </a:lvl2pPr>
+            <a:lvl3pPr marL="1258888" indent="-344488" algn="l" defTabSz="914363" rtl="0" eaLnBrk="1" latinLnBrk="0" hangingPunct="1">
+              <a:lnSpc>
+                <a:spcPct val="90000"/>
+              </a:lnSpc>
+              <a:spcBef>
+                <a:spcPct val="20000"/>
+              </a:spcBef>
+              <a:buFontTx/>
+              <a:buBlip>
+                <a:blip r:embed="rId3"/>
+              </a:buBlip>
+              <a:defRPr sz="2400" kern="1200">
+                <a:solidFill>
+                  <a:schemeClr val="tx1"/>
+                </a:solidFill>
+                <a:latin typeface="+mn-lt"/>
+                <a:ea typeface="+mn-ea"/>
+                <a:cs typeface="+mn-cs"/>
+              </a:defRPr>
+            </a:lvl3pPr>
+            <a:lvl4pPr marL="1604963" indent="-346075" algn="l" defTabSz="914363" rtl="0" eaLnBrk="1" latinLnBrk="0" hangingPunct="1">
+              <a:lnSpc>
+                <a:spcPct val="90000"/>
+              </a:lnSpc>
+              <a:spcBef>
+                <a:spcPct val="20000"/>
+              </a:spcBef>
+              <a:buFontTx/>
+              <a:buBlip>
+                <a:blip r:embed="rId3"/>
+              </a:buBlip>
+              <a:defRPr sz="2400" kern="1200">
+                <a:solidFill>
+                  <a:schemeClr val="tx1"/>
+                </a:solidFill>
+                <a:latin typeface="+mn-lt"/>
+                <a:ea typeface="+mn-ea"/>
+                <a:cs typeface="+mn-cs"/>
+              </a:defRPr>
+            </a:lvl4pPr>
+            <a:lvl5pPr marL="1941513" indent="-336550" algn="l" defTabSz="914363" rtl="0" eaLnBrk="1" latinLnBrk="0" hangingPunct="1">
+              <a:lnSpc>
+                <a:spcPct val="90000"/>
+              </a:lnSpc>
+              <a:spcBef>
+                <a:spcPct val="20000"/>
+              </a:spcBef>
+              <a:buFontTx/>
+              <a:buBlip>
+                <a:blip r:embed="rId3"/>
+              </a:buBlip>
+              <a:defRPr sz="2400" kern="1200">
+                <a:solidFill>
+                  <a:schemeClr val="tx1"/>
+                </a:solidFill>
+                <a:latin typeface="+mn-lt"/>
+                <a:ea typeface="+mn-ea"/>
+                <a:cs typeface="+mn-cs"/>
+              </a:defRPr>
+            </a:lvl5pPr>
+            <a:lvl6pPr marL="2514499" indent="-228591" algn="l" defTabSz="914363" rtl="0" eaLnBrk="1" latinLnBrk="0" hangingPunct="1">
+              <a:spcBef>
+                <a:spcPct val="20000"/>
+              </a:spcBef>
+              <a:buFont typeface="Arial" pitchFamily="34" charset="0"/>
+              <a:buChar char="•"/>
+              <a:defRPr sz="2000" kern="1200">
+                <a:solidFill>
+                  <a:schemeClr val="tx1"/>
+                </a:solidFill>
+                <a:latin typeface="+mn-lt"/>
+                <a:ea typeface="+mn-ea"/>
+                <a:cs typeface="+mn-cs"/>
+              </a:defRPr>
+            </a:lvl6pPr>
+            <a:lvl7pPr marL="2971681" indent="-228591" algn="l" defTabSz="914363" rtl="0" eaLnBrk="1" latinLnBrk="0" hangingPunct="1">
+              <a:spcBef>
+                <a:spcPct val="20000"/>
+              </a:spcBef>
+              <a:buFont typeface="Arial" pitchFamily="34" charset="0"/>
+              <a:buChar char="•"/>
+              <a:defRPr sz="2000" kern="1200">
+                <a:solidFill>
+                  <a:schemeClr val="tx1"/>
+                </a:solidFill>
+                <a:latin typeface="+mn-lt"/>
+                <a:ea typeface="+mn-ea"/>
+                <a:cs typeface="+mn-cs"/>
+              </a:defRPr>
+            </a:lvl7pPr>
+            <a:lvl8pPr marL="3428863" indent="-228591" algn="l" defTabSz="914363" rtl="0" eaLnBrk="1" latinLnBrk="0" hangingPunct="1">
+              <a:spcBef>
+                <a:spcPct val="20000"/>
+              </a:spcBef>
+              <a:buFont typeface="Arial" pitchFamily="34" charset="0"/>
+              <a:buChar char="•"/>
+              <a:defRPr sz="2000" kern="1200">
+                <a:solidFill>
+                  <a:schemeClr val="tx1"/>
+                </a:solidFill>
+                <a:latin typeface="+mn-lt"/>
+                <a:ea typeface="+mn-ea"/>
+                <a:cs typeface="+mn-cs"/>
+              </a:defRPr>
+            </a:lvl8pPr>
+            <a:lvl9pPr marL="3886045" indent="-228591" algn="l" defTabSz="914363" rtl="0" eaLnBrk="1" latinLnBrk="0" hangingPunct="1">
+              <a:spcBef>
+                <a:spcPct val="20000"/>
+              </a:spcBef>
+              <a:buFont typeface="Arial" pitchFamily="34" charset="0"/>
+              <a:buChar char="•"/>
+              <a:defRPr sz="2000" kern="1200">
+                <a:solidFill>
+                  <a:schemeClr val="tx1"/>
+                </a:solidFill>
+                <a:latin typeface="+mn-lt"/>
+                <a:ea typeface="+mn-ea"/>
+                <a:cs typeface="+mn-cs"/>
+              </a:defRPr>
+            </a:lvl9pPr>
+          </a:lstStyle>
+          <a:p>
+            <a:r>
+              <a:rPr lang="en-US" dirty="0" smtClean="0"/>
+              <a:t>This has worked for a number of models.</a:t>
+            </a:r>
+            <a:endParaRPr lang="en-US" dirty="0" smtClean="0"/>
           </a:p>
         </p:txBody>
       </p:sp>
@@ -15281,6 +15615,13 @@
   <p:transition xmlns:p14="http://schemas.microsoft.com/office/powerpoint/2010/main">
     <p:fade/>
   </p:transition>
+  <p:timing>
+    <p:tnLst>
+      <p:par>
+        <p:cTn xmlns:p14="http://schemas.microsoft.com/office/powerpoint/2010/main" id="1" dur="indefinite" restart="never" nodeType="tmRoot"/>
+      </p:par>
+    </p:tnLst>
+  </p:timing>
 </p:sld>
 </file>
 
@@ -15313,8 +15654,8 @@
         </p:nvSpPr>
         <p:spPr>
           <a:xfrm>
-            <a:off x="0" y="230188"/>
-            <a:ext cx="9144000" cy="677108"/>
+            <a:off x="381000" y="230188"/>
+            <a:ext cx="8382000" cy="677108"/>
           </a:xfrm>
         </p:spPr>
         <p:txBody>
@@ -15323,15 +15664,7 @@
           <a:p>
             <a:r>
               <a:rPr lang="en-US" dirty="0" smtClean="0"/>
-              <a:t>How to Do</a:t>
-            </a:r>
-            <a:r>
-              <a:rPr lang="en-US" dirty="0" smtClean="0"/>
-              <a:t> </a:t>
-            </a:r>
-            <a:r>
-              <a:rPr lang="en-US" dirty="0" smtClean="0"/>
-              <a:t>Generic Programming</a:t>
+              <a:t>ABM and Generic Programming</a:t>
             </a:r>
             <a:endParaRPr lang="en-US" dirty="0"/>
           </a:p>
@@ -15349,8 +15682,8 @@
         </p:nvSpPr>
         <p:spPr>
           <a:xfrm>
-            <a:off x="381000" y="1125149"/>
-            <a:ext cx="8382000" cy="5580451"/>
+            <a:off x="381000" y="1411552"/>
+            <a:ext cx="8382000" cy="1781000"/>
           </a:xfrm>
         </p:spPr>
         <p:txBody>
@@ -15358,106 +15691,25 @@
           <a:lstStyle/>
           <a:p>
             <a:r>
-              <a:rPr lang="en-US" dirty="0"/>
-              <a:t>In </a:t>
-            </a:r>
-            <a:r>
               <a:rPr lang="en-US" dirty="0" smtClean="0"/>
-              <a:t>math, the process </a:t>
-            </a:r>
-            <a:r>
-              <a:rPr lang="en-US" dirty="0"/>
-              <a:t>of generalization </a:t>
+              <a:t>We are now working on ways to treat the entire agent population as a vector, and use matrix multiplication to </a:t>
             </a:r>
             <a:r>
               <a:rPr lang="en-US" dirty="0" smtClean="0"/>
-              <a:t>was</a:t>
-            </a:r>
-            <a:r>
-              <a:rPr lang="en-US" dirty="0"/>
-              <a:t>:</a:t>
-            </a:r>
-          </a:p>
-          <a:p>
-            <a:pPr lvl="1"/>
-            <a:r>
-              <a:rPr lang="en-US" dirty="0"/>
-              <a:t>Common measures</a:t>
-            </a:r>
-          </a:p>
-          <a:p>
-            <a:pPr lvl="1"/>
-            <a:r>
-              <a:rPr lang="en-US" dirty="0"/>
-              <a:t>Natural numbers </a:t>
-            </a:r>
-          </a:p>
-          <a:p>
-            <a:pPr lvl="1"/>
-            <a:r>
-              <a:rPr lang="en-US" dirty="0"/>
-              <a:t>Integers</a:t>
-            </a:r>
-          </a:p>
-          <a:p>
-            <a:pPr lvl="1"/>
-            <a:r>
-              <a:rPr lang="en-US" dirty="0"/>
-              <a:t>Rational numbers</a:t>
-            </a:r>
-          </a:p>
-          <a:p>
-            <a:pPr lvl="1"/>
-            <a:r>
-              <a:rPr lang="en-US" dirty="0"/>
-              <a:t>Polynomials</a:t>
-            </a:r>
-          </a:p>
-          <a:p>
-            <a:pPr lvl="1"/>
-            <a:r>
-              <a:rPr lang="en-US" dirty="0"/>
-              <a:t>Real </a:t>
+              <a:t>reset </a:t>
             </a:r>
             <a:r>
               <a:rPr lang="en-US" dirty="0" smtClean="0"/>
-              <a:t>numbers</a:t>
-            </a:r>
-          </a:p>
-          <a:p>
-            <a:pPr lvl="1"/>
+              <a:t>all </a:t>
+            </a:r>
             <a:r>
               <a:rPr lang="en-US" dirty="0" smtClean="0"/>
-              <a:t>Complex </a:t>
-            </a:r>
-            <a:r>
-              <a:rPr lang="en-US" dirty="0"/>
-              <a:t>numbers</a:t>
-            </a:r>
-          </a:p>
-          <a:p>
-            <a:pPr lvl="1"/>
+              <a:t>agents’ </a:t>
+            </a:r>
             <a:r>
               <a:rPr lang="en-US" dirty="0" smtClean="0"/>
-              <a:t>Groups</a:t>
-            </a:r>
-          </a:p>
-          <a:p>
-            <a:pPr lvl="1"/>
-            <a:r>
-              <a:rPr lang="en-US" dirty="0" smtClean="0"/>
-              <a:t>Rings</a:t>
-            </a:r>
-            <a:endParaRPr lang="en-US" dirty="0"/>
-          </a:p>
-          <a:p>
-            <a:pPr lvl="1"/>
-            <a:r>
-              <a:rPr lang="en-US" dirty="0"/>
-              <a:t>Fields</a:t>
-            </a:r>
-          </a:p>
-          <a:p>
+              <a:t>states in a single operation.</a:t>
+            </a:r>
             <a:endParaRPr lang="en-US" dirty="0"/>
           </a:p>
         </p:txBody>
@@ -15465,7 +15717,7 @@
     </p:spTree>
     <p:extLst>
       <p:ext uri="{BB962C8B-B14F-4D97-AF65-F5344CB8AC3E}">
-        <p14:creationId xmlns:p14="http://schemas.microsoft.com/office/powerpoint/2010/main" val="2427681662"/>
+        <p14:creationId xmlns:p14="http://schemas.microsoft.com/office/powerpoint/2010/main" val="4259044637"/>
       </p:ext>
     </p:extLst>
   </p:cSld>
@@ -15514,6 +15766,199 @@
         </p:nvSpPr>
         <p:spPr>
           <a:xfrm>
+            <a:off x="0" y="230188"/>
+            <a:ext cx="9144000" cy="677108"/>
+          </a:xfrm>
+        </p:spPr>
+        <p:txBody>
+          <a:bodyPr/>
+          <a:lstStyle/>
+          <a:p>
+            <a:r>
+              <a:rPr lang="en-US" dirty="0" smtClean="0"/>
+              <a:t>How to Do Generic Programming</a:t>
+            </a:r>
+            <a:endParaRPr lang="en-US" dirty="0"/>
+          </a:p>
+        </p:txBody>
+      </p:sp>
+      <p:sp>
+        <p:nvSpPr>
+          <p:cNvPr id="3" name="Text Placeholder 2"/>
+          <p:cNvSpPr>
+            <a:spLocks noGrp="1"/>
+          </p:cNvSpPr>
+          <p:nvPr>
+            <p:ph type="body" sz="quarter" idx="10"/>
+          </p:nvPr>
+        </p:nvSpPr>
+        <p:spPr>
+          <a:xfrm>
+            <a:off x="381000" y="1125149"/>
+            <a:ext cx="8382000" cy="5580451"/>
+          </a:xfrm>
+        </p:spPr>
+        <p:txBody>
+          <a:bodyPr/>
+          <a:lstStyle/>
+          <a:p>
+            <a:r>
+              <a:rPr lang="en-US" dirty="0"/>
+              <a:t>In </a:t>
+            </a:r>
+            <a:r>
+              <a:rPr lang="en-US" dirty="0" smtClean="0"/>
+              <a:t>math, the process </a:t>
+            </a:r>
+            <a:r>
+              <a:rPr lang="en-US" dirty="0"/>
+              <a:t>of generalization </a:t>
+            </a:r>
+            <a:r>
+              <a:rPr lang="en-US" dirty="0" smtClean="0"/>
+              <a:t>was</a:t>
+            </a:r>
+            <a:r>
+              <a:rPr lang="en-US" dirty="0"/>
+              <a:t>:</a:t>
+            </a:r>
+          </a:p>
+          <a:p>
+            <a:pPr lvl="1"/>
+            <a:r>
+              <a:rPr lang="en-US" dirty="0"/>
+              <a:t>Common measures</a:t>
+            </a:r>
+          </a:p>
+          <a:p>
+            <a:pPr lvl="1"/>
+            <a:r>
+              <a:rPr lang="en-US" dirty="0"/>
+              <a:t>Natural numbers </a:t>
+            </a:r>
+          </a:p>
+          <a:p>
+            <a:pPr lvl="1"/>
+            <a:r>
+              <a:rPr lang="en-US" dirty="0"/>
+              <a:t>Integers</a:t>
+            </a:r>
+          </a:p>
+          <a:p>
+            <a:pPr lvl="1"/>
+            <a:r>
+              <a:rPr lang="en-US" dirty="0"/>
+              <a:t>Rational numbers</a:t>
+            </a:r>
+          </a:p>
+          <a:p>
+            <a:pPr lvl="1"/>
+            <a:r>
+              <a:rPr lang="en-US" dirty="0"/>
+              <a:t>Polynomials</a:t>
+            </a:r>
+          </a:p>
+          <a:p>
+            <a:pPr lvl="1"/>
+            <a:r>
+              <a:rPr lang="en-US" dirty="0"/>
+              <a:t>Real </a:t>
+            </a:r>
+            <a:r>
+              <a:rPr lang="en-US" dirty="0" smtClean="0"/>
+              <a:t>numbers</a:t>
+            </a:r>
+          </a:p>
+          <a:p>
+            <a:pPr lvl="1"/>
+            <a:r>
+              <a:rPr lang="en-US" dirty="0" smtClean="0"/>
+              <a:t>Complex </a:t>
+            </a:r>
+            <a:r>
+              <a:rPr lang="en-US" dirty="0"/>
+              <a:t>numbers</a:t>
+            </a:r>
+          </a:p>
+          <a:p>
+            <a:pPr lvl="1"/>
+            <a:r>
+              <a:rPr lang="en-US" dirty="0" smtClean="0"/>
+              <a:t>Groups</a:t>
+            </a:r>
+          </a:p>
+          <a:p>
+            <a:pPr lvl="1"/>
+            <a:r>
+              <a:rPr lang="en-US" dirty="0" smtClean="0"/>
+              <a:t>Rings</a:t>
+            </a:r>
+            <a:endParaRPr lang="en-US" dirty="0"/>
+          </a:p>
+          <a:p>
+            <a:pPr lvl="1"/>
+            <a:r>
+              <a:rPr lang="en-US" dirty="0"/>
+              <a:t>Fields</a:t>
+            </a:r>
+          </a:p>
+          <a:p>
+            <a:endParaRPr lang="en-US" dirty="0"/>
+          </a:p>
+        </p:txBody>
+      </p:sp>
+    </p:spTree>
+    <p:extLst>
+      <p:ext uri="{BB962C8B-B14F-4D97-AF65-F5344CB8AC3E}">
+        <p14:creationId xmlns:p14="http://schemas.microsoft.com/office/powerpoint/2010/main" val="2427681662"/>
+      </p:ext>
+    </p:extLst>
+  </p:cSld>
+  <p:clrMapOvr>
+    <a:masterClrMapping/>
+  </p:clrMapOvr>
+  <p:transition xmlns:p14="http://schemas.microsoft.com/office/powerpoint/2010/main">
+    <p:fade/>
+  </p:transition>
+  <p:timing>
+    <p:tnLst>
+      <p:par>
+        <p:cTn xmlns:p14="http://schemas.microsoft.com/office/powerpoint/2010/main" id="1" dur="indefinite" restart="never" nodeType="tmRoot"/>
+      </p:par>
+    </p:tnLst>
+  </p:timing>
+</p:sld>
+</file>
+
+<file path=ppt/slides/slide17.xml><?xml version="1.0" encoding="utf-8"?>
+<p:sld xmlns:a="http://schemas.openxmlformats.org/drawingml/2006/main" xmlns:r="http://schemas.openxmlformats.org/officeDocument/2006/relationships" xmlns:p="http://schemas.openxmlformats.org/presentationml/2006/main">
+  <p:cSld>
+    <p:spTree>
+      <p:nvGrpSpPr>
+        <p:cNvPr id="1" name=""/>
+        <p:cNvGrpSpPr/>
+        <p:nvPr/>
+      </p:nvGrpSpPr>
+      <p:grpSpPr>
+        <a:xfrm>
+          <a:off x="0" y="0"/>
+          <a:ext cx="0" cy="0"/>
+          <a:chOff x="0" y="0"/>
+          <a:chExt cx="0" cy="0"/>
+        </a:xfrm>
+      </p:grpSpPr>
+      <p:sp>
+        <p:nvSpPr>
+          <p:cNvPr id="2" name="Title 1"/>
+          <p:cNvSpPr>
+            <a:spLocks noGrp="1"/>
+          </p:cNvSpPr>
+          <p:nvPr>
+            <p:ph type="title"/>
+          </p:nvPr>
+        </p:nvSpPr>
+        <p:spPr>
+          <a:xfrm>
             <a:off x="304800" y="230188"/>
             <a:ext cx="8686800" cy="677108"/>
           </a:xfrm>
@@ -15524,15 +15969,7 @@
           <a:p>
             <a:r>
               <a:rPr lang="en-US" dirty="0" smtClean="0"/>
-              <a:t>How to Do</a:t>
-            </a:r>
-            <a:r>
-              <a:rPr lang="en-US" dirty="0" smtClean="0"/>
-              <a:t> </a:t>
-            </a:r>
-            <a:r>
-              <a:rPr lang="en-US" dirty="0" smtClean="0"/>
-              <a:t>Generic Programming</a:t>
+              <a:t>How to Do Generic Programming</a:t>
             </a:r>
             <a:endParaRPr lang="en-US" dirty="0"/>
           </a:p>
@@ -15749,7 +16186,7 @@
 </p:sld>
 </file>
 
-<file path=ppt/slides/slide17.xml><?xml version="1.0" encoding="utf-8"?>
+<file path=ppt/slides/slide18.xml><?xml version="1.0" encoding="utf-8"?>
 <p:sld xmlns:a="http://schemas.openxmlformats.org/drawingml/2006/main" xmlns:r="http://schemas.openxmlformats.org/officeDocument/2006/relationships" xmlns:p="http://schemas.openxmlformats.org/presentationml/2006/main">
   <p:cSld>
     <p:spTree>
@@ -15788,15 +16225,7 @@
           <a:p>
             <a:r>
               <a:rPr lang="en-US" dirty="0" smtClean="0"/>
-              <a:t>How to Do</a:t>
-            </a:r>
-            <a:r>
-              <a:rPr lang="en-US" dirty="0" smtClean="0"/>
-              <a:t> </a:t>
-            </a:r>
-            <a:r>
-              <a:rPr lang="en-US" dirty="0" smtClean="0"/>
-              <a:t>Generic Programming</a:t>
+              <a:t>How to Do Generic Programming</a:t>
             </a:r>
             <a:endParaRPr lang="en-US" dirty="0"/>
           </a:p>
@@ -15899,7 +16328,6 @@
               <a:rPr lang="en-US" dirty="0"/>
               <a:t>out commonalities found in different applications and abstracting them.</a:t>
             </a:r>
-            <a:endParaRPr lang="en-US" dirty="0"/>
           </a:p>
         </p:txBody>
       </p:sp>
@@ -15926,7 +16354,7 @@
 </p:sld>
 </file>
 
-<file path=ppt/slides/slide18.xml><?xml version="1.0" encoding="utf-8"?>
+<file path=ppt/slides/slide19.xml><?xml version="1.0" encoding="utf-8"?>
 <p:sld xmlns:a="http://schemas.openxmlformats.org/drawingml/2006/main" xmlns:r="http://schemas.openxmlformats.org/officeDocument/2006/relationships" xmlns:p="http://schemas.openxmlformats.org/presentationml/2006/main">
   <p:cSld>
     <p:spTree>
@@ -15965,15 +16393,7 @@
           <a:p>
             <a:r>
               <a:rPr lang="en-US" dirty="0" smtClean="0"/>
-              <a:t>How to Do</a:t>
-            </a:r>
-            <a:r>
-              <a:rPr lang="en-US" dirty="0" smtClean="0"/>
-              <a:t> </a:t>
-            </a:r>
-            <a:r>
-              <a:rPr lang="en-US" dirty="0" smtClean="0"/>
-              <a:t>Generic Programming</a:t>
+              <a:t>How to Do Generic Programming</a:t>
             </a:r>
             <a:endParaRPr lang="en-US" dirty="0"/>
           </a:p>
@@ -15992,13 +16412,63 @@
         <p:spPr>
           <a:xfrm>
             <a:off x="381000" y="1371600"/>
-            <a:ext cx="8382000" cy="2057400"/>
+            <a:ext cx="8382000" cy="3811299"/>
           </a:xfrm>
         </p:spPr>
         <p:txBody>
           <a:bodyPr/>
           <a:lstStyle/>
           <a:p>
+            <a:r>
+              <a:rPr lang="en-US" dirty="0" smtClean="0"/>
+              <a:t>Flat is better than nested?</a:t>
+            </a:r>
+          </a:p>
+          <a:p>
+            <a:pPr lvl="1"/>
+            <a:r>
+              <a:rPr lang="en-US" dirty="0" smtClean="0"/>
+              <a:t>Trade</a:t>
+            </a:r>
+            <a:r>
+              <a:rPr lang="en-US" dirty="0"/>
+              <a:t>-off: the resulting code is going to be </a:t>
+            </a:r>
+            <a:r>
+              <a:rPr lang="en-US" dirty="0" smtClean="0"/>
+              <a:t>harder to grasp </a:t>
+            </a:r>
+            <a:r>
+              <a:rPr lang="en-US" dirty="0"/>
+              <a:t>for people not familiar with </a:t>
+            </a:r>
+            <a:r>
+              <a:rPr lang="en-US" dirty="0" smtClean="0"/>
+              <a:t>such abstractions.</a:t>
+            </a:r>
+          </a:p>
+          <a:p>
+            <a:pPr lvl="1"/>
+            <a:r>
+              <a:rPr lang="en-US" dirty="0" smtClean="0"/>
+              <a:t>This </a:t>
+            </a:r>
+            <a:r>
+              <a:rPr lang="en-US" dirty="0"/>
+              <a:t>is OK, because it enables skilled software engineers to create a “fill-in-the-template” system for the use of social scientists who are not highly skilled </a:t>
+            </a:r>
+            <a:r>
+              <a:rPr lang="en-US" dirty="0" smtClean="0"/>
+              <a:t>programmers</a:t>
+            </a:r>
+            <a:r>
+              <a:rPr lang="en-US" dirty="0"/>
+              <a:t>.</a:t>
+            </a:r>
+            <a:endParaRPr lang="en-US" dirty="0"/>
+          </a:p>
+          <a:p>
+            <a:pPr lvl="1"/>
             <a:endParaRPr lang="en-US" dirty="0"/>
           </a:p>
         </p:txBody>
@@ -16016,95 +16486,13 @@
   <p:transition xmlns:p14="http://schemas.microsoft.com/office/powerpoint/2010/main">
     <p:fade/>
   </p:transition>
-</p:sld>
-</file>
-
-<file path=ppt/slides/slide19.xml><?xml version="1.0" encoding="utf-8"?>
-<p:sld xmlns:a="http://schemas.openxmlformats.org/drawingml/2006/main" xmlns:r="http://schemas.openxmlformats.org/officeDocument/2006/relationships" xmlns:p="http://schemas.openxmlformats.org/presentationml/2006/main">
-  <p:cSld>
-    <p:spTree>
-      <p:nvGrpSpPr>
-        <p:cNvPr id="1" name=""/>
-        <p:cNvGrpSpPr/>
-        <p:nvPr/>
-      </p:nvGrpSpPr>
-      <p:grpSpPr>
-        <a:xfrm>
-          <a:off x="0" y="0"/>
-          <a:ext cx="0" cy="0"/>
-          <a:chOff x="0" y="0"/>
-          <a:chExt cx="0" cy="0"/>
-        </a:xfrm>
-      </p:grpSpPr>
-      <p:sp>
-        <p:nvSpPr>
-          <p:cNvPr id="2" name="Title 1"/>
-          <p:cNvSpPr>
-            <a:spLocks noGrp="1"/>
-          </p:cNvSpPr>
-          <p:nvPr>
-            <p:ph type="title"/>
-          </p:nvPr>
-        </p:nvSpPr>
-        <p:spPr>
-          <a:xfrm>
-            <a:off x="381000" y="230188"/>
-            <a:ext cx="8382000" cy="677108"/>
-          </a:xfrm>
-        </p:spPr>
-        <p:txBody>
-          <a:bodyPr/>
-          <a:lstStyle/>
-          <a:p>
-            <a:r>
-              <a:rPr lang="en-US" dirty="0" smtClean="0"/>
-              <a:t>ABM and Generic Programming</a:t>
-            </a:r>
-            <a:endParaRPr lang="en-US" dirty="0"/>
-          </a:p>
-        </p:txBody>
-      </p:sp>
-      <p:sp>
-        <p:nvSpPr>
-          <p:cNvPr id="3" name="Text Placeholder 2"/>
-          <p:cNvSpPr>
-            <a:spLocks noGrp="1"/>
-          </p:cNvSpPr>
-          <p:nvPr>
-            <p:ph type="body" sz="quarter" idx="10"/>
-          </p:nvPr>
-        </p:nvSpPr>
-        <p:spPr>
-          <a:xfrm>
-            <a:off x="381000" y="1411552"/>
-            <a:ext cx="8382000" cy="1781000"/>
-          </a:xfrm>
-        </p:spPr>
-        <p:txBody>
-          <a:bodyPr/>
-          <a:lstStyle/>
-          <a:p>
-            <a:r>
-              <a:rPr lang="en-US" dirty="0" smtClean="0"/>
-              <a:t>We are now working on ways to treat the entire agent population as a vector, and use matrix multiplication to rest all agent’s states in a single operation.</a:t>
-            </a:r>
-            <a:endParaRPr lang="en-US" dirty="0"/>
-          </a:p>
-        </p:txBody>
-      </p:sp>
-    </p:spTree>
-    <p:extLst>
-      <p:ext uri="{BB962C8B-B14F-4D97-AF65-F5344CB8AC3E}">
-        <p14:creationId xmlns:p14="http://schemas.microsoft.com/office/powerpoint/2010/main" val="4259044637"/>
-      </p:ext>
-    </p:extLst>
-  </p:cSld>
-  <p:clrMapOvr>
-    <a:masterClrMapping/>
-  </p:clrMapOvr>
-  <p:transition xmlns:p14="http://schemas.microsoft.com/office/powerpoint/2010/main">
-    <p:fade/>
-  </p:transition>
+  <p:timing>
+    <p:tnLst>
+      <p:par>
+        <p:cTn xmlns:p14="http://schemas.microsoft.com/office/powerpoint/2010/main" id="1" dur="indefinite" restart="never" nodeType="tmRoot"/>
+      </p:par>
+    </p:tnLst>
+  </p:timing>
 </p:sld>
 </file>
 
@@ -16311,28 +16699,19 @@
         </p:nvSpPr>
         <p:spPr>
           <a:xfrm>
-            <a:off x="381000" y="230189"/>
-            <a:ext cx="8382000" cy="836612"/>
+            <a:off x="0" y="230188"/>
+            <a:ext cx="9144000" cy="677108"/>
           </a:xfrm>
         </p:spPr>
         <p:txBody>
-          <a:bodyPr>
-            <a:normAutofit fontScale="90000"/>
-          </a:bodyPr>
+          <a:bodyPr/>
           <a:lstStyle/>
           <a:p>
             <a:r>
               <a:rPr lang="en-US" dirty="0" smtClean="0"/>
-              <a:t>Credits</a:t>
-            </a:r>
-            <a:br>
-              <a:rPr lang="en-US" dirty="0" smtClean="0"/>
-            </a:br>
-            <a:endParaRPr lang="en-US" dirty="0">
-              <a:solidFill>
-                <a:schemeClr val="tx2"/>
-              </a:solidFill>
-            </a:endParaRPr>
+              <a:t>How to Do Generic Programming</a:t>
+            </a:r>
+            <a:endParaRPr lang="en-US" dirty="0"/>
           </a:p>
         </p:txBody>
       </p:sp>
@@ -16348,76 +16727,202 @@
         </p:nvSpPr>
         <p:spPr>
           <a:xfrm>
-            <a:off x="381000" y="1295400"/>
-            <a:ext cx="8382000" cy="5029200"/>
+            <a:off x="381000" y="1371600"/>
+            <a:ext cx="8382000" cy="1786130"/>
           </a:xfrm>
         </p:spPr>
         <p:txBody>
-          <a:bodyPr>
-            <a:normAutofit/>
+          <a:bodyPr/>
+          <a:lstStyle/>
+          <a:p>
+            <a:r>
+              <a:rPr lang="en-US" dirty="0" smtClean="0"/>
+              <a:t>Flat is better than nested?</a:t>
+            </a:r>
+          </a:p>
+          <a:p>
+            <a:pPr lvl="1"/>
+            <a:r>
+              <a:rPr lang="en-US" dirty="0" smtClean="0"/>
+              <a:t>If we build it right, the social scientists never need to “look under the hood.”</a:t>
+            </a:r>
+          </a:p>
+          <a:p>
+            <a:pPr lvl="1"/>
+            <a:endParaRPr lang="en-US" dirty="0"/>
+          </a:p>
+        </p:txBody>
+      </p:sp>
+      <p:pic>
+        <p:nvPicPr>
+          <p:cNvPr id="4" name="Picture 3" descr="Model_T.jpg"/>
+          <p:cNvPicPr>
+            <a:picLocks noChangeAspect="1"/>
+          </p:cNvPicPr>
+          <p:nvPr/>
+        </p:nvPicPr>
+        <p:blipFill>
+          <a:blip r:embed="rId2">
+            <a:extLst>
+              <a:ext uri="{28A0092B-C50C-407E-A947-70E740481C1C}">
+                <a14:useLocalDpi xmlns:a14="http://schemas.microsoft.com/office/drawing/2010/main" val="0"/>
+              </a:ext>
+            </a:extLst>
+          </a:blip>
+          <a:stretch>
+            <a:fillRect/>
+          </a:stretch>
+        </p:blipFill>
+        <p:spPr>
+          <a:xfrm>
+            <a:off x="533400" y="3200400"/>
+            <a:ext cx="3116988" cy="2705100"/>
+          </a:xfrm>
+          <a:prstGeom prst="rect">
+            <a:avLst/>
+          </a:prstGeom>
+        </p:spPr>
+      </p:pic>
+      <p:sp>
+        <p:nvSpPr>
+          <p:cNvPr id="5" name="Right Arrow 4"/>
+          <p:cNvSpPr/>
+          <p:nvPr/>
+        </p:nvSpPr>
+        <p:spPr bwMode="auto">
+          <a:xfrm>
+            <a:off x="4191000" y="3886200"/>
+            <a:ext cx="822960" cy="822960"/>
+          </a:xfrm>
+          <a:prstGeom prst="rightArrow">
+            <a:avLst/>
+          </a:prstGeom>
+          <a:ln>
+            <a:headEnd type="none" w="med" len="med"/>
+            <a:tailEnd type="none" w="med" len="med"/>
+          </a:ln>
+        </p:spPr>
+        <p:style>
+          <a:lnRef idx="0">
+            <a:schemeClr val="accent2"/>
+          </a:lnRef>
+          <a:fillRef idx="3">
+            <a:schemeClr val="accent2"/>
+          </a:fillRef>
+          <a:effectRef idx="3">
+            <a:schemeClr val="accent2"/>
+          </a:effectRef>
+          <a:fontRef idx="minor">
+            <a:schemeClr val="lt1"/>
+          </a:fontRef>
+        </p:style>
+        <p:txBody>
+          <a:bodyPr/>
+          <a:lstStyle/>
+          <a:p>
+            <a:endParaRPr lang="en-US"/>
+          </a:p>
+        </p:txBody>
+      </p:sp>
+      <p:sp>
+        <p:nvSpPr>
+          <p:cNvPr id="6" name="Right Arrow 5"/>
+          <p:cNvSpPr/>
+          <p:nvPr/>
+        </p:nvSpPr>
+        <p:spPr bwMode="auto">
+          <a:xfrm>
+            <a:off x="10668000" y="3886200"/>
+            <a:ext cx="152400" cy="228600"/>
+          </a:xfrm>
+          <a:prstGeom prst="rightArrow">
+            <a:avLst/>
+          </a:prstGeom>
+          <a:ln>
+            <a:headEnd type="none" w="med" len="med"/>
+            <a:tailEnd type="none" w="med" len="med"/>
+          </a:ln>
+        </p:spPr>
+        <p:style>
+          <a:lnRef idx="0">
+            <a:schemeClr val="accent2"/>
+          </a:lnRef>
+          <a:fillRef idx="3">
+            <a:schemeClr val="accent2"/>
+          </a:fillRef>
+          <a:effectRef idx="3">
+            <a:schemeClr val="accent2"/>
+          </a:effectRef>
+          <a:fontRef idx="minor">
+            <a:schemeClr val="lt1"/>
+          </a:fontRef>
+        </p:style>
+        <p:txBody>
+          <a:bodyPr vert="horz" wrap="square" lIns="91436" tIns="45718" rIns="91436" bIns="45718" numCol="1" rtlCol="0" anchor="ctr" anchorCtr="0" compatLnSpc="1">
+            <a:prstTxWarp prst="textNoShape">
+              <a:avLst/>
+            </a:prstTxWarp>
           </a:bodyPr>
           <a:lstStyle/>
           <a:p>
-            <a:endParaRPr lang="en-US" dirty="0" smtClean="0"/>
-          </a:p>
-          <a:p>
-            <a:r>
-              <a:rPr lang="en-US" dirty="0"/>
-              <a:t>"Knot with </a:t>
-            </a:r>
-            <a:r>
-              <a:rPr lang="en-US" dirty="0" err="1"/>
-              <a:t>borromean</a:t>
-            </a:r>
-            <a:r>
-              <a:rPr lang="en-US" dirty="0"/>
-              <a:t> rings in </a:t>
-            </a:r>
-            <a:r>
-              <a:rPr lang="en-US" dirty="0" err="1"/>
-              <a:t>jsj</a:t>
-            </a:r>
-            <a:r>
-              <a:rPr lang="en-US" dirty="0"/>
-              <a:t> </a:t>
-            </a:r>
-            <a:r>
-              <a:rPr lang="en-US" dirty="0" err="1"/>
-              <a:t>decomp</a:t>
-            </a:r>
-            <a:r>
-              <a:rPr lang="en-US" dirty="0"/>
-              <a:t> small". Licensed under CC BY-SA 3.0 via Wikipedia - </a:t>
-            </a:r>
-            <a:r>
-              <a:rPr lang="en-US" dirty="0">
-                <a:hlinkClick r:id="rId3"/>
-              </a:rPr>
-              <a:t>https://en.wikipedia.org/wiki/File:Knot_with_borromean_rings_in_jsj_decomp_small.png#/media/</a:t>
-            </a:r>
-            <a:r>
-              <a:rPr lang="en-US" dirty="0" smtClean="0">
-                <a:hlinkClick r:id="rId3"/>
-              </a:rPr>
-              <a:t>File:Knot_with_borromean_rings_in_jsj_decomp_small.png</a:t>
-            </a:r>
-            <a:endParaRPr lang="en-US" dirty="0" smtClean="0"/>
-          </a:p>
-          <a:p>
-            <a:r>
-              <a:rPr lang="en-US" dirty="0" smtClean="0"/>
-              <a:t>The Mesa team at George Mason has contributed code to this project.</a:t>
-            </a:r>
-          </a:p>
-          <a:p>
-            <a:endParaRPr lang="en-US" dirty="0" smtClean="0"/>
+            <a:pPr algn="ctr" defTabSz="914099" fontAlgn="base">
+              <a:spcBef>
+                <a:spcPct val="0"/>
+              </a:spcBef>
+              <a:spcAft>
+                <a:spcPct val="0"/>
+              </a:spcAft>
+            </a:pPr>
+            <a:endParaRPr lang="en-US" sz="2300" dirty="0" smtClean="0">
+              <a:solidFill>
+                <a:srgbClr val="FFFFFF"/>
+              </a:solidFill>
+              <a:effectLst>
+                <a:outerShdw blurRad="38100" dist="38100" dir="2700000" algn="tl">
+                  <a:srgbClr val="000000">
+                    <a:alpha val="43137"/>
+                  </a:srgbClr>
+                </a:outerShdw>
+              </a:effectLst>
+              <a:latin typeface="Segoe" pitchFamily="34" charset="0"/>
+            </a:endParaRPr>
           </a:p>
         </p:txBody>
       </p:sp>
+      <p:pic>
+        <p:nvPicPr>
+          <p:cNvPr id="7" name="Picture 6" descr="Car-computer.jpg"/>
+          <p:cNvPicPr>
+            <a:picLocks noChangeAspect="1"/>
+          </p:cNvPicPr>
+          <p:nvPr/>
+        </p:nvPicPr>
+        <p:blipFill>
+          <a:blip r:embed="rId3">
+            <a:extLst>
+              <a:ext uri="{28A0092B-C50C-407E-A947-70E740481C1C}">
+                <a14:useLocalDpi xmlns:a14="http://schemas.microsoft.com/office/drawing/2010/main" val="0"/>
+              </a:ext>
+            </a:extLst>
+          </a:blip>
+          <a:stretch>
+            <a:fillRect/>
+          </a:stretch>
+        </p:blipFill>
+        <p:spPr>
+          <a:xfrm>
+            <a:off x="5334000" y="3048000"/>
+            <a:ext cx="3458094" cy="2971800"/>
+          </a:xfrm>
+          <a:prstGeom prst="rect">
+            <a:avLst/>
+          </a:prstGeom>
+        </p:spPr>
+      </p:pic>
     </p:spTree>
     <p:extLst>
       <p:ext uri="{BB962C8B-B14F-4D97-AF65-F5344CB8AC3E}">
-        <p14:creationId xmlns:p14="http://schemas.microsoft.com/office/powerpoint/2010/main" val="3776600832"/>
+        <p14:creationId xmlns:p14="http://schemas.microsoft.com/office/powerpoint/2010/main" val="71148745"/>
       </p:ext>
     </p:extLst>
   </p:cSld>
@@ -16572,7 +17077,7 @@
     </p:spTree>
     <p:extLst>
       <p:ext uri="{BB962C8B-B14F-4D97-AF65-F5344CB8AC3E}">
-        <p14:creationId xmlns:p14="http://schemas.microsoft.com/office/powerpoint/2010/main" val="3729891041"/>
+        <p14:creationId xmlns:p14="http://schemas.microsoft.com/office/powerpoint/2010/main" val="3776600832"/>
       </p:ext>
     </p:extLst>
   </p:cSld>
@@ -16727,6 +17232,161 @@
     </p:spTree>
     <p:extLst>
       <p:ext uri="{BB962C8B-B14F-4D97-AF65-F5344CB8AC3E}">
+        <p14:creationId xmlns:p14="http://schemas.microsoft.com/office/powerpoint/2010/main" val="3729891041"/>
+      </p:ext>
+    </p:extLst>
+  </p:cSld>
+  <p:clrMapOvr>
+    <a:masterClrMapping/>
+  </p:clrMapOvr>
+  <p:transition xmlns:p14="http://schemas.microsoft.com/office/powerpoint/2010/main">
+    <p:fade/>
+  </p:transition>
+  <p:timing>
+    <p:tnLst>
+      <p:par>
+        <p:cTn xmlns:p14="http://schemas.microsoft.com/office/powerpoint/2010/main" id="1" dur="indefinite" restart="never" nodeType="tmRoot"/>
+      </p:par>
+    </p:tnLst>
+  </p:timing>
+</p:sld>
+</file>
+
+<file path=ppt/slides/slide23.xml><?xml version="1.0" encoding="utf-8"?>
+<p:sld xmlns:a="http://schemas.openxmlformats.org/drawingml/2006/main" xmlns:r="http://schemas.openxmlformats.org/officeDocument/2006/relationships" xmlns:p="http://schemas.openxmlformats.org/presentationml/2006/main">
+  <p:cSld>
+    <p:spTree>
+      <p:nvGrpSpPr>
+        <p:cNvPr id="1" name=""/>
+        <p:cNvGrpSpPr/>
+        <p:nvPr/>
+      </p:nvGrpSpPr>
+      <p:grpSpPr>
+        <a:xfrm>
+          <a:off x="0" y="0"/>
+          <a:ext cx="0" cy="0"/>
+          <a:chOff x="0" y="0"/>
+          <a:chExt cx="0" cy="0"/>
+        </a:xfrm>
+      </p:grpSpPr>
+      <p:sp>
+        <p:nvSpPr>
+          <p:cNvPr id="2" name="Title 1"/>
+          <p:cNvSpPr>
+            <a:spLocks noGrp="1"/>
+          </p:cNvSpPr>
+          <p:nvPr>
+            <p:ph type="title"/>
+          </p:nvPr>
+        </p:nvSpPr>
+        <p:spPr>
+          <a:xfrm>
+            <a:off x="381000" y="230189"/>
+            <a:ext cx="8382000" cy="836612"/>
+          </a:xfrm>
+        </p:spPr>
+        <p:txBody>
+          <a:bodyPr>
+            <a:normAutofit fontScale="90000"/>
+          </a:bodyPr>
+          <a:lstStyle/>
+          <a:p>
+            <a:r>
+              <a:rPr lang="en-US" dirty="0" smtClean="0"/>
+              <a:t>Credits</a:t>
+            </a:r>
+            <a:br>
+              <a:rPr lang="en-US" dirty="0" smtClean="0"/>
+            </a:br>
+            <a:endParaRPr lang="en-US" dirty="0">
+              <a:solidFill>
+                <a:schemeClr val="tx2"/>
+              </a:solidFill>
+            </a:endParaRPr>
+          </a:p>
+        </p:txBody>
+      </p:sp>
+      <p:sp>
+        <p:nvSpPr>
+          <p:cNvPr id="3" name="Text Placeholder 2"/>
+          <p:cNvSpPr>
+            <a:spLocks noGrp="1"/>
+          </p:cNvSpPr>
+          <p:nvPr>
+            <p:ph type="body" sz="quarter" idx="10"/>
+          </p:nvPr>
+        </p:nvSpPr>
+        <p:spPr>
+          <a:xfrm>
+            <a:off x="381000" y="1295400"/>
+            <a:ext cx="8382000" cy="5029200"/>
+          </a:xfrm>
+        </p:spPr>
+        <p:txBody>
+          <a:bodyPr>
+            <a:normAutofit/>
+          </a:bodyPr>
+          <a:lstStyle/>
+          <a:p>
+            <a:endParaRPr lang="en-US" dirty="0" smtClean="0"/>
+          </a:p>
+          <a:p>
+            <a:r>
+              <a:rPr lang="en-US" dirty="0"/>
+              <a:t>"Knot with </a:t>
+            </a:r>
+            <a:r>
+              <a:rPr lang="en-US" dirty="0" err="1"/>
+              <a:t>borromean</a:t>
+            </a:r>
+            <a:r>
+              <a:rPr lang="en-US" dirty="0"/>
+              <a:t> rings in </a:t>
+            </a:r>
+            <a:r>
+              <a:rPr lang="en-US" dirty="0" err="1"/>
+              <a:t>jsj</a:t>
+            </a:r>
+            <a:r>
+              <a:rPr lang="en-US" dirty="0"/>
+              <a:t> </a:t>
+            </a:r>
+            <a:r>
+              <a:rPr lang="en-US" dirty="0" err="1"/>
+              <a:t>decomp</a:t>
+            </a:r>
+            <a:r>
+              <a:rPr lang="en-US" dirty="0"/>
+              <a:t> small". Licensed under CC BY-SA 3.0 via Wikipedia - </a:t>
+            </a:r>
+            <a:r>
+              <a:rPr lang="en-US" dirty="0">
+                <a:hlinkClick r:id="rId3"/>
+              </a:rPr>
+              <a:t>https://en.wikipedia.org/wiki/File:Knot_with_borromean_rings_in_jsj_decomp_small.png#/media/</a:t>
+            </a:r>
+            <a:r>
+              <a:rPr lang="en-US" dirty="0" smtClean="0">
+                <a:hlinkClick r:id="rId3"/>
+              </a:rPr>
+              <a:t>File:Knot_with_borromean_rings_in_jsj_decomp_small.png</a:t>
+            </a:r>
+            <a:endParaRPr lang="en-US" dirty="0" smtClean="0"/>
+          </a:p>
+          <a:p>
+            <a:r>
+              <a:rPr lang="en-US" dirty="0" smtClean="0"/>
+              <a:t>The Mesa team at George Mason has contributed code to this project.</a:t>
+            </a:r>
+          </a:p>
+          <a:p>
+            <a:endParaRPr lang="en-US" dirty="0" smtClean="0"/>
+          </a:p>
+        </p:txBody>
+      </p:sp>
+    </p:spTree>
+    <p:extLst>
+      <p:ext uri="{BB962C8B-B14F-4D97-AF65-F5344CB8AC3E}">
         <p14:creationId xmlns:p14="http://schemas.microsoft.com/office/powerpoint/2010/main" val="69031901"/>
       </p:ext>
     </p:extLst>
@@ -16747,7 +17407,7 @@
 </p:sld>
 </file>
 
-<file path=ppt/slides/slide23.xml><?xml version="1.0" encoding="utf-8"?>
+<file path=ppt/slides/slide24.xml><?xml version="1.0" encoding="utf-8"?>
 <p:sld xmlns:a="http://schemas.openxmlformats.org/drawingml/2006/main" xmlns:r="http://schemas.openxmlformats.org/officeDocument/2006/relationships" xmlns:p="http://schemas.openxmlformats.org/presentationml/2006/main">
   <p:cSld>
     <p:spTree>
@@ -18102,12 +18762,72 @@
             </a:r>
             <a:r>
               <a:rPr lang="en-US" dirty="0" smtClean="0"/>
-              <a:t> has been to continually to push more and more of the “work” into generic ABM libraries.</a:t>
-            </a:r>
-            <a:endParaRPr lang="en-US" dirty="0"/>
+              <a:t> has been to continually to push more and more of the “work” into generic ABM libraries</a:t>
+            </a:r>
+            <a:r>
+              <a:rPr lang="en-US" dirty="0" smtClean="0"/>
+              <a:t>.</a:t>
+            </a:r>
           </a:p>
         </p:txBody>
       </p:sp>
+      <p:graphicFrame>
+        <p:nvGraphicFramePr>
+          <p:cNvPr id="4" name="Object 3"/>
+          <p:cNvGraphicFramePr>
+            <a:graphicFrameLocks noChangeAspect="1"/>
+          </p:cNvGraphicFramePr>
+          <p:nvPr>
+            <p:extLst>
+              <p:ext uri="{D42A27DB-BD31-4B8C-83A1-F6EECF244321}">
+                <p14:modId xmlns:p14="http://schemas.microsoft.com/office/powerpoint/2010/main" val="2046554277"/>
+              </p:ext>
+            </p:extLst>
+          </p:nvPr>
+        </p:nvGraphicFramePr>
+        <p:xfrm>
+          <a:off x="990600" y="3276600"/>
+          <a:ext cx="7267222" cy="2286000"/>
+        </p:xfrm>
+        <a:graphic>
+          <a:graphicData uri="http://schemas.openxmlformats.org/presentationml/2006/ole">
+            <mc:AlternateContent xmlns:mc="http://schemas.openxmlformats.org/markup-compatibility/2006">
+              <mc:Choice xmlns:v="urn:schemas-microsoft-com:vml" Requires="v">
+                <p:oleObj spid="_x0000_s1027" name="Document" r:id="rId3" imgW="6540500" imgH="1270000" progId="Word.Document.12">
+                  <p:embed/>
+                </p:oleObj>
+              </mc:Choice>
+              <mc:Fallback>
+                <p:oleObj name="Document" r:id="rId3" imgW="6540500" imgH="1270000" progId="Word.Document.12">
+                  <p:embed/>
+                  <p:pic>
+                    <p:nvPicPr>
+                      <p:cNvPr id="0" name=""/>
+                      <p:cNvPicPr/>
+                      <p:nvPr/>
+                    </p:nvPicPr>
+                    <p:blipFill>
+                      <a:blip r:embed="rId4"/>
+                      <a:stretch>
+                        <a:fillRect/>
+                      </a:stretch>
+                    </p:blipFill>
+                    <p:spPr>
+                      <a:xfrm>
+                        <a:off x="990600" y="3276600"/>
+                        <a:ext cx="7267222" cy="2286000"/>
+                      </a:xfrm>
+                      <a:prstGeom prst="rect">
+                        <a:avLst/>
+                      </a:prstGeom>
+                    </p:spPr>
+                  </p:pic>
+                </p:oleObj>
+              </mc:Fallback>
+            </mc:AlternateContent>
+          </a:graphicData>
+        </a:graphic>
+      </p:graphicFrame>
     </p:spTree>
     <p:extLst>
       <p:ext uri="{BB962C8B-B14F-4D97-AF65-F5344CB8AC3E}">
@@ -18121,6 +18841,13 @@
   <p:transition xmlns:p14="http://schemas.microsoft.com/office/powerpoint/2010/main">
     <p:fade/>
   </p:transition>
+  <p:timing>
+    <p:tnLst>
+      <p:par>
+        <p:cTn xmlns:p14="http://schemas.microsoft.com/office/powerpoint/2010/main" id="1" dur="indefinite" restart="never" nodeType="tmRoot"/>
+      </p:par>
+    </p:tnLst>
+  </p:timing>
 </p:sld>
 </file>
 
@@ -18251,6 +18978,13 @@
   <p:transition xmlns:p14="http://schemas.microsoft.com/office/powerpoint/2010/main">
     <p:fade/>
   </p:transition>
+  <p:timing>
+    <p:tnLst>
+      <p:par>
+        <p:cTn xmlns:p14="http://schemas.microsoft.com/office/powerpoint/2010/main" id="1" dur="indefinite" restart="never" nodeType="tmRoot"/>
+      </p:par>
+    </p:tnLst>
+  </p:timing>
 </p:sld>
 </file>
 

--- a/docs/GenericProgrammingAndABM.pptx
+++ b/docs/GenericProgrammingAndABM.pptx
@@ -6,33 +6,34 @@
     <p:sldMasterId id="2147483674" r:id="rId5"/>
   </p:sldMasterIdLst>
   <p:notesMasterIdLst>
-    <p:notesMasterId r:id="rId30"/>
+    <p:notesMasterId r:id="rId31"/>
   </p:notesMasterIdLst>
   <p:sldIdLst>
     <p:sldId id="257" r:id="rId6"/>
     <p:sldId id="259" r:id="rId7"/>
-    <p:sldId id="266" r:id="rId8"/>
-    <p:sldId id="267" r:id="rId9"/>
-    <p:sldId id="269" r:id="rId10"/>
-    <p:sldId id="270" r:id="rId11"/>
-    <p:sldId id="271" r:id="rId12"/>
-    <p:sldId id="272" r:id="rId13"/>
-    <p:sldId id="273" r:id="rId14"/>
-    <p:sldId id="274" r:id="rId15"/>
-    <p:sldId id="275" r:id="rId16"/>
-    <p:sldId id="276" r:id="rId17"/>
-    <p:sldId id="280" r:id="rId18"/>
-    <p:sldId id="281" r:id="rId19"/>
-    <p:sldId id="277" r:id="rId20"/>
-    <p:sldId id="282" r:id="rId21"/>
-    <p:sldId id="283" r:id="rId22"/>
-    <p:sldId id="284" r:id="rId23"/>
-    <p:sldId id="285" r:id="rId24"/>
-    <p:sldId id="286" r:id="rId25"/>
-    <p:sldId id="268" r:id="rId26"/>
-    <p:sldId id="278" r:id="rId27"/>
-    <p:sldId id="279" r:id="rId28"/>
-    <p:sldId id="258" r:id="rId29"/>
+    <p:sldId id="289" r:id="rId8"/>
+    <p:sldId id="266" r:id="rId9"/>
+    <p:sldId id="267" r:id="rId10"/>
+    <p:sldId id="269" r:id="rId11"/>
+    <p:sldId id="270" r:id="rId12"/>
+    <p:sldId id="271" r:id="rId13"/>
+    <p:sldId id="272" r:id="rId14"/>
+    <p:sldId id="273" r:id="rId15"/>
+    <p:sldId id="274" r:id="rId16"/>
+    <p:sldId id="275" r:id="rId17"/>
+    <p:sldId id="276" r:id="rId18"/>
+    <p:sldId id="280" r:id="rId19"/>
+    <p:sldId id="281" r:id="rId20"/>
+    <p:sldId id="277" r:id="rId21"/>
+    <p:sldId id="287" r:id="rId22"/>
+    <p:sldId id="288" r:id="rId23"/>
+    <p:sldId id="282" r:id="rId24"/>
+    <p:sldId id="283" r:id="rId25"/>
+    <p:sldId id="284" r:id="rId26"/>
+    <p:sldId id="285" r:id="rId27"/>
+    <p:sldId id="286" r:id="rId28"/>
+    <p:sldId id="290" r:id="rId29"/>
+    <p:sldId id="268" r:id="rId30"/>
   </p:sldIdLst>
   <p:sldSz cx="9144000" cy="6858000" type="screen4x3"/>
   <p:notesSz cx="6858000" cy="9144000"/>
@@ -2587,24 +2588,24 @@
     </dgm:pt>
   </dgm:ptLst>
   <dgm:cxnLst>
-    <dgm:cxn modelId="{CCA996A1-318D-6A4E-9533-A889880CD802}" type="presOf" srcId="{12F8EC89-9055-B44A-8103-35A5BB780004}" destId="{F28CD827-FC40-8246-A2E4-C239FDC84363}" srcOrd="0" destOrd="0" presId="urn:microsoft.com/office/officeart/2005/8/layout/equation1"/>
-    <dgm:cxn modelId="{F1D9183F-6CC0-5C49-9506-C2A06D716479}" type="presOf" srcId="{237340D4-3905-E742-967B-2D399DDE7B9D}" destId="{144F6ED5-83E9-D349-A69D-DDB49626C033}" srcOrd="0" destOrd="0" presId="urn:microsoft.com/office/officeart/2005/8/layout/equation1"/>
+    <dgm:cxn modelId="{878AB7F6-3B07-2945-ACDD-7E6702E7C699}" type="presOf" srcId="{0D81BDE3-1AE1-FC4D-B7B7-56DB92939268}" destId="{971E74A1-0580-4041-A710-FD96FCC106BA}" srcOrd="0" destOrd="0" presId="urn:microsoft.com/office/officeart/2005/8/layout/equation1"/>
+    <dgm:cxn modelId="{76758B72-993B-4B4C-9E42-64DC9D23C06E}" type="presOf" srcId="{237340D4-3905-E742-967B-2D399DDE7B9D}" destId="{144F6ED5-83E9-D349-A69D-DDB49626C033}" srcOrd="0" destOrd="0" presId="urn:microsoft.com/office/officeart/2005/8/layout/equation1"/>
+    <dgm:cxn modelId="{5039E464-BF27-5B4B-ACE4-9E72C041D2A8}" type="presOf" srcId="{52581020-7890-3F44-A890-F28A5D7C48EE}" destId="{18946B4B-5698-EE42-BF7D-125F7E2EE693}" srcOrd="0" destOrd="0" presId="urn:microsoft.com/office/officeart/2005/8/layout/equation1"/>
     <dgm:cxn modelId="{C10A37B4-07A5-6B4B-9773-5433DD659C3E}" srcId="{12F8EC89-9055-B44A-8103-35A5BB780004}" destId="{B3D8F302-9F8D-C443-81F3-D402632C7C4E}" srcOrd="0" destOrd="0" parTransId="{543DBF88-A80C-9B4F-BE64-500F33EA36C5}" sibTransId="{52581020-7890-3F44-A890-F28A5D7C48EE}"/>
-    <dgm:cxn modelId="{470CD5AB-24CD-E64A-9138-9CC6F7D4BCBB}" type="presOf" srcId="{0D81BDE3-1AE1-FC4D-B7B7-56DB92939268}" destId="{971E74A1-0580-4041-A710-FD96FCC106BA}" srcOrd="0" destOrd="0" presId="urn:microsoft.com/office/officeart/2005/8/layout/equation1"/>
+    <dgm:cxn modelId="{021EEEB7-0A70-2D4E-914F-78C5270AD00A}" type="presOf" srcId="{AE93453B-BDEF-3F41-A688-9C1D0BDFC101}" destId="{6B50A6D9-45B4-3F46-BD8C-8FD4F037326E}" srcOrd="0" destOrd="0" presId="urn:microsoft.com/office/officeart/2005/8/layout/equation1"/>
     <dgm:cxn modelId="{4051E3A6-A983-B14A-8C65-AD145A7FCAC4}" srcId="{12F8EC89-9055-B44A-8103-35A5BB780004}" destId="{0D81BDE3-1AE1-FC4D-B7B7-56DB92939268}" srcOrd="1" destOrd="0" parTransId="{496194B7-CAF8-8049-B9DD-F70E01C11781}" sibTransId="{AE93453B-BDEF-3F41-A688-9C1D0BDFC101}"/>
-    <dgm:cxn modelId="{B5BC2AAF-45F7-4242-A2B4-41B71E7B0F80}" type="presOf" srcId="{AE93453B-BDEF-3F41-A688-9C1D0BDFC101}" destId="{6B50A6D9-45B4-3F46-BD8C-8FD4F037326E}" srcOrd="0" destOrd="0" presId="urn:microsoft.com/office/officeart/2005/8/layout/equation1"/>
+    <dgm:cxn modelId="{E9ABFA12-C9BA-BC44-885D-D2EC363EB86D}" type="presOf" srcId="{12F8EC89-9055-B44A-8103-35A5BB780004}" destId="{F28CD827-FC40-8246-A2E4-C239FDC84363}" srcOrd="0" destOrd="0" presId="urn:microsoft.com/office/officeart/2005/8/layout/equation1"/>
     <dgm:cxn modelId="{746AC977-2FBB-B944-A985-B2B7D6DFBFE8}" srcId="{12F8EC89-9055-B44A-8103-35A5BB780004}" destId="{237340D4-3905-E742-967B-2D399DDE7B9D}" srcOrd="2" destOrd="0" parTransId="{791E0C17-6D90-F945-A04E-4D5EE65E1E04}" sibTransId="{124FC874-D43D-3A4D-B133-A075A1BEA960}"/>
-    <dgm:cxn modelId="{D0F2FF4F-5E62-C149-96C6-B2A0B97B5C37}" type="presOf" srcId="{B3D8F302-9F8D-C443-81F3-D402632C7C4E}" destId="{E3D25776-1101-4745-922A-FD7D5802F9C5}" srcOrd="0" destOrd="0" presId="urn:microsoft.com/office/officeart/2005/8/layout/equation1"/>
-    <dgm:cxn modelId="{0729E7FA-A2CB-E749-894A-1A6E415E05BB}" type="presOf" srcId="{52581020-7890-3F44-A890-F28A5D7C48EE}" destId="{18946B4B-5698-EE42-BF7D-125F7E2EE693}" srcOrd="0" destOrd="0" presId="urn:microsoft.com/office/officeart/2005/8/layout/equation1"/>
-    <dgm:cxn modelId="{41F2851E-2BE3-DF4F-BA15-D77340503E87}" type="presParOf" srcId="{F28CD827-FC40-8246-A2E4-C239FDC84363}" destId="{E3D25776-1101-4745-922A-FD7D5802F9C5}" srcOrd="0" destOrd="0" presId="urn:microsoft.com/office/officeart/2005/8/layout/equation1"/>
-    <dgm:cxn modelId="{115690F5-2B6F-7643-9118-1926E79B092D}" type="presParOf" srcId="{F28CD827-FC40-8246-A2E4-C239FDC84363}" destId="{E593FEC8-BCEB-DE44-A14A-A83AD246DC36}" srcOrd="1" destOrd="0" presId="urn:microsoft.com/office/officeart/2005/8/layout/equation1"/>
-    <dgm:cxn modelId="{33AD2CC3-4540-3F4D-8D7E-0F1CC6EA346C}" type="presParOf" srcId="{F28CD827-FC40-8246-A2E4-C239FDC84363}" destId="{18946B4B-5698-EE42-BF7D-125F7E2EE693}" srcOrd="2" destOrd="0" presId="urn:microsoft.com/office/officeart/2005/8/layout/equation1"/>
-    <dgm:cxn modelId="{1D6A9235-C222-704C-A444-814C3E1CEB26}" type="presParOf" srcId="{F28CD827-FC40-8246-A2E4-C239FDC84363}" destId="{D57F461E-2841-0043-8022-AE7728F1D7C8}" srcOrd="3" destOrd="0" presId="urn:microsoft.com/office/officeart/2005/8/layout/equation1"/>
-    <dgm:cxn modelId="{50CAA0EC-A2C5-044A-9272-83157AFD3676}" type="presParOf" srcId="{F28CD827-FC40-8246-A2E4-C239FDC84363}" destId="{971E74A1-0580-4041-A710-FD96FCC106BA}" srcOrd="4" destOrd="0" presId="urn:microsoft.com/office/officeart/2005/8/layout/equation1"/>
-    <dgm:cxn modelId="{AA8BC50B-1A2F-AE42-8568-252900B23182}" type="presParOf" srcId="{F28CD827-FC40-8246-A2E4-C239FDC84363}" destId="{7280A87B-792D-AD4C-B3A0-0DA4C77CADC7}" srcOrd="5" destOrd="0" presId="urn:microsoft.com/office/officeart/2005/8/layout/equation1"/>
-    <dgm:cxn modelId="{FF2DC5CF-68FE-074D-AE2F-35E16FAB9385}" type="presParOf" srcId="{F28CD827-FC40-8246-A2E4-C239FDC84363}" destId="{6B50A6D9-45B4-3F46-BD8C-8FD4F037326E}" srcOrd="6" destOrd="0" presId="urn:microsoft.com/office/officeart/2005/8/layout/equation1"/>
-    <dgm:cxn modelId="{BB63B674-7540-4643-93EC-6EBFFCB76E1B}" type="presParOf" srcId="{F28CD827-FC40-8246-A2E4-C239FDC84363}" destId="{5FE3FEB3-1C39-C441-8F51-FBCAAB49843D}" srcOrd="7" destOrd="0" presId="urn:microsoft.com/office/officeart/2005/8/layout/equation1"/>
-    <dgm:cxn modelId="{936B7782-8B7E-3545-A2A7-B572B5BD2F45}" type="presParOf" srcId="{F28CD827-FC40-8246-A2E4-C239FDC84363}" destId="{144F6ED5-83E9-D349-A69D-DDB49626C033}" srcOrd="8" destOrd="0" presId="urn:microsoft.com/office/officeart/2005/8/layout/equation1"/>
+    <dgm:cxn modelId="{E2ACACD6-52C8-D54A-AF93-6BE2B890B497}" type="presOf" srcId="{B3D8F302-9F8D-C443-81F3-D402632C7C4E}" destId="{E3D25776-1101-4745-922A-FD7D5802F9C5}" srcOrd="0" destOrd="0" presId="urn:microsoft.com/office/officeart/2005/8/layout/equation1"/>
+    <dgm:cxn modelId="{317B769D-5C45-7D4D-99E3-FF688C4EAD59}" type="presParOf" srcId="{F28CD827-FC40-8246-A2E4-C239FDC84363}" destId="{E3D25776-1101-4745-922A-FD7D5802F9C5}" srcOrd="0" destOrd="0" presId="urn:microsoft.com/office/officeart/2005/8/layout/equation1"/>
+    <dgm:cxn modelId="{F7602FF9-9CA8-074F-911D-D38DD061136A}" type="presParOf" srcId="{F28CD827-FC40-8246-A2E4-C239FDC84363}" destId="{E593FEC8-BCEB-DE44-A14A-A83AD246DC36}" srcOrd="1" destOrd="0" presId="urn:microsoft.com/office/officeart/2005/8/layout/equation1"/>
+    <dgm:cxn modelId="{639DFC5A-3B37-0546-89FA-723C34B808D0}" type="presParOf" srcId="{F28CD827-FC40-8246-A2E4-C239FDC84363}" destId="{18946B4B-5698-EE42-BF7D-125F7E2EE693}" srcOrd="2" destOrd="0" presId="urn:microsoft.com/office/officeart/2005/8/layout/equation1"/>
+    <dgm:cxn modelId="{9E1C7127-4A06-D345-894C-C113C87DC5B8}" type="presParOf" srcId="{F28CD827-FC40-8246-A2E4-C239FDC84363}" destId="{D57F461E-2841-0043-8022-AE7728F1D7C8}" srcOrd="3" destOrd="0" presId="urn:microsoft.com/office/officeart/2005/8/layout/equation1"/>
+    <dgm:cxn modelId="{7C0692FD-0858-F747-8F23-3E511815A725}" type="presParOf" srcId="{F28CD827-FC40-8246-A2E4-C239FDC84363}" destId="{971E74A1-0580-4041-A710-FD96FCC106BA}" srcOrd="4" destOrd="0" presId="urn:microsoft.com/office/officeart/2005/8/layout/equation1"/>
+    <dgm:cxn modelId="{8EA47A2A-B202-CD42-832E-80E5C7A41E39}" type="presParOf" srcId="{F28CD827-FC40-8246-A2E4-C239FDC84363}" destId="{7280A87B-792D-AD4C-B3A0-0DA4C77CADC7}" srcOrd="5" destOrd="0" presId="urn:microsoft.com/office/officeart/2005/8/layout/equation1"/>
+    <dgm:cxn modelId="{B6A06CBA-D08A-DA47-AB91-98E79B3B3248}" type="presParOf" srcId="{F28CD827-FC40-8246-A2E4-C239FDC84363}" destId="{6B50A6D9-45B4-3F46-BD8C-8FD4F037326E}" srcOrd="6" destOrd="0" presId="urn:microsoft.com/office/officeart/2005/8/layout/equation1"/>
+    <dgm:cxn modelId="{CA222278-BFAB-A847-B9B6-92A9DD8C60F9}" type="presParOf" srcId="{F28CD827-FC40-8246-A2E4-C239FDC84363}" destId="{5FE3FEB3-1C39-C441-8F51-FBCAAB49843D}" srcOrd="7" destOrd="0" presId="urn:microsoft.com/office/officeart/2005/8/layout/equation1"/>
+    <dgm:cxn modelId="{D21DE83D-EA1A-9944-9CEF-4E0D2E530855}" type="presParOf" srcId="{F28CD827-FC40-8246-A2E4-C239FDC84363}" destId="{144F6ED5-83E9-D349-A69D-DDB49626C033}" srcOrd="8" destOrd="0" presId="urn:microsoft.com/office/officeart/2005/8/layout/equation1"/>
   </dgm:cxnLst>
   <dgm:bg/>
   <dgm:whole/>
@@ -9009,7 +9010,7 @@
             <a:fld id="{AB1CDEB6-C0D8-439D-94AA-7569540F08E4}" type="datetimeFigureOut">
               <a:rPr lang="en-US" smtClean="0"/>
               <a:pPr/>
-              <a:t>8/13/15</a:t>
+              <a:t>8/15/15</a:t>
             </a:fld>
             <a:endParaRPr lang="en-US"/>
           </a:p>
@@ -9367,7 +9368,7 @@
             <a:fld id="{81331B57-0BE5-4F82-AA58-76F53EFF3ADA}" type="datetime8">
               <a:rPr lang="en-US" smtClean="0"/>
               <a:pPr/>
-              <a:t>8/13/15 19:34</a:t>
+              <a:t>8/15/15 00:40</a:t>
             </a:fld>
             <a:endParaRPr lang="en-US" dirty="0"/>
           </a:p>
@@ -9456,364 +9457,6 @@
               <a:rPr lang="en-US" smtClean="0"/>
               <a:pPr/>
               <a:t>1</a:t>
-            </a:fld>
-            <a:endParaRPr lang="en-US" dirty="0"/>
-          </a:p>
-        </p:txBody>
-      </p:sp>
-    </p:spTree>
-  </p:cSld>
-  <p:clrMapOvr>
-    <a:masterClrMapping/>
-  </p:clrMapOvr>
-</p:notes>
-</file>
-
-<file path=ppt/notesSlides/notesSlide10.xml><?xml version="1.0" encoding="utf-8"?>
-<p:notes xmlns:a="http://schemas.openxmlformats.org/drawingml/2006/main" xmlns:r="http://schemas.openxmlformats.org/officeDocument/2006/relationships" xmlns:p="http://schemas.openxmlformats.org/presentationml/2006/main">
-  <p:cSld>
-    <p:spTree>
-      <p:nvGrpSpPr>
-        <p:cNvPr id="1" name=""/>
-        <p:cNvGrpSpPr/>
-        <p:nvPr/>
-      </p:nvGrpSpPr>
-      <p:grpSpPr>
-        <a:xfrm>
-          <a:off x="0" y="0"/>
-          <a:ext cx="0" cy="0"/>
-          <a:chOff x="0" y="0"/>
-          <a:chExt cx="0" cy="0"/>
-        </a:xfrm>
-      </p:grpSpPr>
-      <p:sp>
-        <p:nvSpPr>
-          <p:cNvPr id="2" name="Slide Image Placeholder 1"/>
-          <p:cNvSpPr>
-            <a:spLocks noGrp="1" noRot="1" noChangeAspect="1"/>
-          </p:cNvSpPr>
-          <p:nvPr>
-            <p:ph type="sldImg"/>
-          </p:nvPr>
-        </p:nvSpPr>
-        <p:spPr/>
-      </p:sp>
-      <p:sp>
-        <p:nvSpPr>
-          <p:cNvPr id="3" name="Notes Placeholder 2"/>
-          <p:cNvSpPr>
-            <a:spLocks noGrp="1"/>
-          </p:cNvSpPr>
-          <p:nvPr>
-            <p:ph type="body" idx="1"/>
-          </p:nvPr>
-        </p:nvSpPr>
-        <p:spPr/>
-        <p:txBody>
-          <a:bodyPr>
-            <a:normAutofit/>
-          </a:bodyPr>
-          <a:lstStyle/>
-          <a:p>
-            <a:endParaRPr lang="en-US"/>
-          </a:p>
-        </p:txBody>
-      </p:sp>
-      <p:sp>
-        <p:nvSpPr>
-          <p:cNvPr id="4" name="Header Placeholder 3"/>
-          <p:cNvSpPr>
-            <a:spLocks noGrp="1"/>
-          </p:cNvSpPr>
-          <p:nvPr>
-            <p:ph type="hdr" sz="quarter" idx="10"/>
-          </p:nvPr>
-        </p:nvSpPr>
-        <p:spPr/>
-        <p:txBody>
-          <a:bodyPr/>
-          <a:lstStyle/>
-          <a:p>
-            <a:endParaRPr lang="en-US" dirty="0"/>
-          </a:p>
-        </p:txBody>
-      </p:sp>
-      <p:sp>
-        <p:nvSpPr>
-          <p:cNvPr id="5" name="Date Placeholder 4"/>
-          <p:cNvSpPr>
-            <a:spLocks noGrp="1"/>
-          </p:cNvSpPr>
-          <p:nvPr>
-            <p:ph type="dt" idx="11"/>
-          </p:nvPr>
-        </p:nvSpPr>
-        <p:spPr/>
-        <p:txBody>
-          <a:bodyPr/>
-          <a:lstStyle/>
-          <a:p>
-            <a:fld id="{81331B57-0BE5-4F82-AA58-76F53EFF3ADA}" type="datetime8">
-              <a:rPr lang="en-US" smtClean="0"/>
-              <a:pPr/>
-              <a:t>8/13/15 19:35</a:t>
-            </a:fld>
-            <a:endParaRPr lang="en-US"/>
-          </a:p>
-        </p:txBody>
-      </p:sp>
-      <p:sp>
-        <p:nvSpPr>
-          <p:cNvPr id="6" name="Footer Placeholder 5"/>
-          <p:cNvSpPr>
-            <a:spLocks noGrp="1"/>
-          </p:cNvSpPr>
-          <p:nvPr>
-            <p:ph type="ftr" sz="quarter" idx="12"/>
-          </p:nvPr>
-        </p:nvSpPr>
-        <p:spPr/>
-        <p:txBody>
-          <a:bodyPr/>
-          <a:lstStyle/>
-          <a:p>
-            <a:r>
-              <a:rPr lang="en-US" smtClean="0">
-                <a:solidFill>
-                  <a:srgbClr val="000000"/>
-                </a:solidFill>
-              </a:rPr>
-              <a:t>© 2007 Microsoft Corporation. All rights reserved. Microsoft, Windows, Windows Vista and other product names are or may be registered trademarks and/or trademarks in the U.S. and/or other countries.</a:t>
-            </a:r>
-          </a:p>
-          <a:p>
-            <a:r>
-              <a:rPr lang="en-US" smtClean="0">
-                <a:solidFill>
-                  <a:srgbClr val="000000"/>
-                </a:solidFill>
-              </a:rPr>
-              <a:t>The information herein is for informational purposes only and represents the current view of Microsoft Corporation as of the date of this presentation.  Because Microsoft must respond to changing market conditions, it should not be interpreted to be a commitment on the part of Microsoft, and Microsoft cannot guarantee the accuracy of any information provided after the date of this presentation.  </a:t>
-            </a:r>
-            <a:br>
-              <a:rPr lang="en-US" smtClean="0">
-                <a:solidFill>
-                  <a:srgbClr val="000000"/>
-                </a:solidFill>
-              </a:rPr>
-            </a:br>
-            <a:r>
-              <a:rPr lang="en-US" smtClean="0">
-                <a:solidFill>
-                  <a:srgbClr val="000000"/>
-                </a:solidFill>
-              </a:rPr>
-              <a:t>MICROSOFT MAKES NO WARRANTIES, EXPRESS, IMPLIED OR STATUTORY, AS TO THE INFORMATION IN THIS PRESENTATION.</a:t>
-            </a:r>
-          </a:p>
-          <a:p>
-            <a:endParaRPr lang="en-US" dirty="0"/>
-          </a:p>
-        </p:txBody>
-      </p:sp>
-      <p:sp>
-        <p:nvSpPr>
-          <p:cNvPr id="7" name="Slide Number Placeholder 6"/>
-          <p:cNvSpPr>
-            <a:spLocks noGrp="1"/>
-          </p:cNvSpPr>
-          <p:nvPr>
-            <p:ph type="sldNum" sz="quarter" idx="13"/>
-          </p:nvPr>
-        </p:nvSpPr>
-        <p:spPr/>
-        <p:txBody>
-          <a:bodyPr/>
-          <a:lstStyle/>
-          <a:p>
-            <a:fld id="{EC87E0CF-87F6-4B58-B8B8-DCAB2DAAF3CA}" type="slidenum">
-              <a:rPr lang="en-US" smtClean="0"/>
-              <a:pPr/>
-              <a:t>23</a:t>
-            </a:fld>
-            <a:endParaRPr lang="en-US" dirty="0"/>
-          </a:p>
-        </p:txBody>
-      </p:sp>
-    </p:spTree>
-  </p:cSld>
-  <p:clrMapOvr>
-    <a:masterClrMapping/>
-  </p:clrMapOvr>
-</p:notes>
-</file>
-
-<file path=ppt/notesSlides/notesSlide11.xml><?xml version="1.0" encoding="utf-8"?>
-<p:notes xmlns:a="http://schemas.openxmlformats.org/drawingml/2006/main" xmlns:r="http://schemas.openxmlformats.org/officeDocument/2006/relationships" xmlns:p="http://schemas.openxmlformats.org/presentationml/2006/main">
-  <p:cSld>
-    <p:spTree>
-      <p:nvGrpSpPr>
-        <p:cNvPr id="1" name=""/>
-        <p:cNvGrpSpPr/>
-        <p:nvPr/>
-      </p:nvGrpSpPr>
-      <p:grpSpPr>
-        <a:xfrm>
-          <a:off x="0" y="0"/>
-          <a:ext cx="0" cy="0"/>
-          <a:chOff x="0" y="0"/>
-          <a:chExt cx="0" cy="0"/>
-        </a:xfrm>
-      </p:grpSpPr>
-      <p:sp>
-        <p:nvSpPr>
-          <p:cNvPr id="2" name="Slide Image Placeholder 1"/>
-          <p:cNvSpPr>
-            <a:spLocks noGrp="1" noRot="1" noChangeAspect="1"/>
-          </p:cNvSpPr>
-          <p:nvPr>
-            <p:ph type="sldImg"/>
-          </p:nvPr>
-        </p:nvSpPr>
-        <p:spPr/>
-      </p:sp>
-      <p:sp>
-        <p:nvSpPr>
-          <p:cNvPr id="3" name="Notes Placeholder 2"/>
-          <p:cNvSpPr>
-            <a:spLocks noGrp="1"/>
-          </p:cNvSpPr>
-          <p:nvPr>
-            <p:ph type="body" idx="1"/>
-          </p:nvPr>
-        </p:nvSpPr>
-        <p:spPr/>
-        <p:txBody>
-          <a:bodyPr>
-            <a:normAutofit/>
-          </a:bodyPr>
-          <a:lstStyle/>
-          <a:p>
-            <a:endParaRPr lang="en-US"/>
-          </a:p>
-        </p:txBody>
-      </p:sp>
-      <p:sp>
-        <p:nvSpPr>
-          <p:cNvPr id="4" name="Header Placeholder 3"/>
-          <p:cNvSpPr>
-            <a:spLocks noGrp="1"/>
-          </p:cNvSpPr>
-          <p:nvPr>
-            <p:ph type="hdr" sz="quarter" idx="10"/>
-          </p:nvPr>
-        </p:nvSpPr>
-        <p:spPr/>
-        <p:txBody>
-          <a:bodyPr/>
-          <a:lstStyle/>
-          <a:p>
-            <a:endParaRPr lang="en-US" dirty="0"/>
-          </a:p>
-        </p:txBody>
-      </p:sp>
-      <p:sp>
-        <p:nvSpPr>
-          <p:cNvPr id="5" name="Date Placeholder 4"/>
-          <p:cNvSpPr>
-            <a:spLocks noGrp="1"/>
-          </p:cNvSpPr>
-          <p:nvPr>
-            <p:ph type="dt" idx="11"/>
-          </p:nvPr>
-        </p:nvSpPr>
-        <p:spPr/>
-        <p:txBody>
-          <a:bodyPr/>
-          <a:lstStyle/>
-          <a:p>
-            <a:fld id="{81331B57-0BE5-4F82-AA58-76F53EFF3ADA}" type="datetime8">
-              <a:rPr lang="en-US" smtClean="0"/>
-              <a:pPr/>
-              <a:t>8/13/15 19:35</a:t>
-            </a:fld>
-            <a:endParaRPr lang="en-US"/>
-          </a:p>
-        </p:txBody>
-      </p:sp>
-      <p:sp>
-        <p:nvSpPr>
-          <p:cNvPr id="6" name="Footer Placeholder 5"/>
-          <p:cNvSpPr>
-            <a:spLocks noGrp="1"/>
-          </p:cNvSpPr>
-          <p:nvPr>
-            <p:ph type="ftr" sz="quarter" idx="12"/>
-          </p:nvPr>
-        </p:nvSpPr>
-        <p:spPr/>
-        <p:txBody>
-          <a:bodyPr/>
-          <a:lstStyle/>
-          <a:p>
-            <a:r>
-              <a:rPr lang="en-US" smtClean="0">
-                <a:solidFill>
-                  <a:srgbClr val="000000"/>
-                </a:solidFill>
-              </a:rPr>
-              <a:t>© 2007 Microsoft Corporation. All rights reserved. Microsoft, Windows, Windows Vista and other product names are or may be registered trademarks and/or trademarks in the U.S. and/or other countries.</a:t>
-            </a:r>
-          </a:p>
-          <a:p>
-            <a:r>
-              <a:rPr lang="en-US" smtClean="0">
-                <a:solidFill>
-                  <a:srgbClr val="000000"/>
-                </a:solidFill>
-              </a:rPr>
-              <a:t>The information herein is for informational purposes only and represents the current view of Microsoft Corporation as of the date of this presentation.  Because Microsoft must respond to changing market conditions, it should not be interpreted to be a commitment on the part of Microsoft, and Microsoft cannot guarantee the accuracy of any information provided after the date of this presentation.  </a:t>
-            </a:r>
-            <a:br>
-              <a:rPr lang="en-US" smtClean="0">
-                <a:solidFill>
-                  <a:srgbClr val="000000"/>
-                </a:solidFill>
-              </a:rPr>
-            </a:br>
-            <a:r>
-              <a:rPr lang="en-US" smtClean="0">
-                <a:solidFill>
-                  <a:srgbClr val="000000"/>
-                </a:solidFill>
-              </a:rPr>
-              <a:t>MICROSOFT MAKES NO WARRANTIES, EXPRESS, IMPLIED OR STATUTORY, AS TO THE INFORMATION IN THIS PRESENTATION.</a:t>
-            </a:r>
-          </a:p>
-          <a:p>
-            <a:endParaRPr lang="en-US" dirty="0"/>
-          </a:p>
-        </p:txBody>
-      </p:sp>
-      <p:sp>
-        <p:nvSpPr>
-          <p:cNvPr id="7" name="Slide Number Placeholder 6"/>
-          <p:cNvSpPr>
-            <a:spLocks noGrp="1"/>
-          </p:cNvSpPr>
-          <p:nvPr>
-            <p:ph type="sldNum" sz="quarter" idx="13"/>
-          </p:nvPr>
-        </p:nvSpPr>
-        <p:spPr/>
-        <p:txBody>
-          <a:bodyPr/>
-          <a:lstStyle/>
-          <a:p>
-            <a:fld id="{EC87E0CF-87F6-4B58-B8B8-DCAB2DAAF3CA}" type="slidenum">
-              <a:rPr lang="en-US" smtClean="0"/>
-              <a:pPr/>
-              <a:t>24</a:t>
             </a:fld>
             <a:endParaRPr lang="en-US" dirty="0"/>
           </a:p>
@@ -9914,7 +9557,7 @@
             <a:fld id="{81331B57-0BE5-4F82-AA58-76F53EFF3ADA}" type="datetime8">
               <a:rPr lang="en-US" smtClean="0"/>
               <a:pPr/>
-              <a:t>8/13/15 19:35</a:t>
+              <a:t>8/15/15 00:40</a:t>
             </a:fld>
             <a:endParaRPr lang="en-US"/>
           </a:p>
@@ -10093,7 +9736,7 @@
             <a:fld id="{81331B57-0BE5-4F82-AA58-76F53EFF3ADA}" type="datetime8">
               <a:rPr lang="en-US" smtClean="0"/>
               <a:pPr/>
-              <a:t>8/13/15 19:35</a:t>
+              <a:t>8/15/15 01:15</a:t>
             </a:fld>
             <a:endParaRPr lang="en-US"/>
           </a:p>
@@ -10272,7 +9915,7 @@
             <a:fld id="{81331B57-0BE5-4F82-AA58-76F53EFF3ADA}" type="datetime8">
               <a:rPr lang="en-US" smtClean="0"/>
               <a:pPr/>
-              <a:t>8/13/15 19:35</a:t>
+              <a:t>8/15/15 00:40</a:t>
             </a:fld>
             <a:endParaRPr lang="en-US"/>
           </a:p>
@@ -10451,7 +10094,7 @@
             <a:fld id="{81331B57-0BE5-4F82-AA58-76F53EFF3ADA}" type="datetime8">
               <a:rPr lang="en-US" smtClean="0"/>
               <a:pPr/>
-              <a:t>8/13/15 19:35</a:t>
+              <a:t>8/15/15 00:40</a:t>
             </a:fld>
             <a:endParaRPr lang="en-US"/>
           </a:p>
@@ -10630,7 +10273,7 @@
             <a:fld id="{81331B57-0BE5-4F82-AA58-76F53EFF3ADA}" type="datetime8">
               <a:rPr lang="en-US" smtClean="0"/>
               <a:pPr/>
-              <a:t>8/13/15 19:35</a:t>
+              <a:t>8/15/15 00:40</a:t>
             </a:fld>
             <a:endParaRPr lang="en-US"/>
           </a:p>
@@ -10809,7 +10452,7 @@
             <a:fld id="{81331B57-0BE5-4F82-AA58-76F53EFF3ADA}" type="datetime8">
               <a:rPr lang="en-US" smtClean="0"/>
               <a:pPr/>
-              <a:t>8/13/15 19:35</a:t>
+              <a:t>8/15/15 00:40</a:t>
             </a:fld>
             <a:endParaRPr lang="en-US"/>
           </a:p>
@@ -10988,7 +10631,7 @@
             <a:fld id="{81331B57-0BE5-4F82-AA58-76F53EFF3ADA}" type="datetime8">
               <a:rPr lang="en-US" smtClean="0"/>
               <a:pPr/>
-              <a:t>8/13/15 19:35</a:t>
+              <a:t>8/15/15 00:40</a:t>
             </a:fld>
             <a:endParaRPr lang="en-US"/>
           </a:p>
@@ -11066,7 +10709,7 @@
             <a:fld id="{EC87E0CF-87F6-4B58-B8B8-DCAB2DAAF3CA}" type="slidenum">
               <a:rPr lang="en-US" smtClean="0"/>
               <a:pPr/>
-              <a:t>21</a:t>
+              <a:t>8</a:t>
             </a:fld>
             <a:endParaRPr lang="en-US" dirty="0"/>
           </a:p>
@@ -11167,7 +10810,7 @@
             <a:fld id="{81331B57-0BE5-4F82-AA58-76F53EFF3ADA}" type="datetime8">
               <a:rPr lang="en-US" smtClean="0"/>
               <a:pPr/>
-              <a:t>8/13/15 19:35</a:t>
+              <a:t>8/15/15 01:45</a:t>
             </a:fld>
             <a:endParaRPr lang="en-US"/>
           </a:p>
@@ -11245,7 +10888,7 @@
             <a:fld id="{EC87E0CF-87F6-4B58-B8B8-DCAB2DAAF3CA}" type="slidenum">
               <a:rPr lang="en-US" smtClean="0"/>
               <a:pPr/>
-              <a:t>22</a:t>
+              <a:t>25</a:t>
             </a:fld>
             <a:endParaRPr lang="en-US" dirty="0"/>
           </a:p>
@@ -14560,7 +14203,7 @@
         <p:spPr>
           <a:xfrm>
             <a:off x="381000" y="1411552"/>
-            <a:ext cx="8382000" cy="4849532"/>
+            <a:ext cx="8382000" cy="4836848"/>
           </a:xfrm>
         </p:spPr>
         <p:txBody>
@@ -14569,182 +14212,57 @@
           <a:p>
             <a:r>
               <a:rPr lang="en-US" dirty="0" smtClean="0"/>
-              <a:t>Grid views implementation example:</a:t>
-            </a:r>
-          </a:p>
-          <a:p>
-            <a:r>
-              <a:rPr lang="en-US" sz="2000" dirty="0" err="1"/>
-              <a:t>def</a:t>
-            </a:r>
-            <a:r>
-              <a:rPr lang="en-US" sz="2000" dirty="0"/>
-              <a:t> </a:t>
-            </a:r>
-            <a:r>
-              <a:rPr lang="en-US" sz="2000" dirty="0" err="1"/>
-              <a:t>find_empty</a:t>
-            </a:r>
-            <a:r>
-              <a:rPr lang="en-US" sz="2000" dirty="0"/>
-              <a:t>(self, </a:t>
-            </a:r>
-            <a:r>
-              <a:rPr lang="en-US" sz="2000" dirty="0" err="1"/>
-              <a:t>grid_view</a:t>
-            </a:r>
-            <a:r>
-              <a:rPr lang="en-US" sz="2000" dirty="0"/>
-              <a:t>=None):                                             </a:t>
-            </a:r>
-          </a:p>
-          <a:p>
-            <a:r>
-              <a:rPr lang="en-US" sz="2000" dirty="0"/>
-              <a:t>    """                                                                          </a:t>
-            </a:r>
-          </a:p>
-          <a:p>
-            <a:r>
-              <a:rPr lang="en-US" sz="2000" dirty="0"/>
-              <a:t>    Return a random, empty cell.                                                 </a:t>
-            </a:r>
-          </a:p>
-          <a:p>
-            <a:r>
-              <a:rPr lang="en-US" sz="2000" dirty="0"/>
-              <a:t>    """                                                                           </a:t>
-            </a:r>
-          </a:p>
-          <a:p>
-            <a:r>
-              <a:rPr lang="en-US" sz="2000" dirty="0"/>
-              <a:t>    if </a:t>
-            </a:r>
-            <a:r>
-              <a:rPr lang="en-US" sz="2000" dirty="0" err="1"/>
-              <a:t>self.exists_empty_cells</a:t>
-            </a:r>
-            <a:r>
-              <a:rPr lang="en-US" sz="2000" dirty="0"/>
-              <a:t>():                                                 </a:t>
-            </a:r>
-          </a:p>
-          <a:p>
-            <a:r>
-              <a:rPr lang="en-US" sz="2000" dirty="0"/>
-              <a:t>        if </a:t>
-            </a:r>
-            <a:r>
-              <a:rPr lang="en-US" sz="2000" dirty="0" err="1"/>
-              <a:t>grid_view</a:t>
-            </a:r>
-            <a:r>
-              <a:rPr lang="en-US" sz="2000" dirty="0"/>
-              <a:t> is None:                                                     </a:t>
-            </a:r>
-          </a:p>
-          <a:p>
-            <a:r>
-              <a:rPr lang="en-US" sz="2000" dirty="0"/>
-              <a:t>            return </a:t>
-            </a:r>
-            <a:r>
-              <a:rPr lang="en-US" sz="2000" dirty="0" err="1"/>
-              <a:t>random.choice</a:t>
-            </a:r>
-            <a:r>
-              <a:rPr lang="en-US" sz="2000" dirty="0"/>
-              <a:t>(</a:t>
-            </a:r>
-            <a:r>
-              <a:rPr lang="en-US" sz="2000" dirty="0" err="1"/>
-              <a:t>self.empties</a:t>
-            </a:r>
-            <a:r>
-              <a:rPr lang="en-US" sz="2000" dirty="0"/>
-              <a:t>)                                    </a:t>
-            </a:r>
-          </a:p>
-          <a:p>
-            <a:r>
-              <a:rPr lang="en-US" sz="2000" dirty="0"/>
-              <a:t>        else:                                                                     </a:t>
-            </a:r>
-          </a:p>
-          <a:p>
-            <a:r>
-              <a:rPr lang="en-US" sz="2000" dirty="0"/>
-              <a:t>            </a:t>
-            </a:r>
-            <a:r>
-              <a:rPr lang="en-US" sz="2000" dirty="0" err="1"/>
-              <a:t>view_empties</a:t>
-            </a:r>
-            <a:r>
-              <a:rPr lang="en-US" sz="2000" dirty="0"/>
-              <a:t> = </a:t>
-            </a:r>
-            <a:r>
-              <a:rPr lang="en-US" sz="2000" dirty="0" err="1"/>
-              <a:t>grid_view.get_empties</a:t>
-            </a:r>
-            <a:r>
-              <a:rPr lang="en-US" sz="2000" dirty="0"/>
-              <a:t>()                                </a:t>
-            </a:r>
-          </a:p>
-          <a:p>
-            <a:r>
-              <a:rPr lang="en-US" sz="2000" dirty="0"/>
-              <a:t>            if </a:t>
-            </a:r>
-            <a:r>
-              <a:rPr lang="en-US" sz="2000" dirty="0" err="1"/>
-              <a:t>view_empties</a:t>
-            </a:r>
-            <a:r>
-              <a:rPr lang="en-US" sz="2000" dirty="0"/>
-              <a:t>:                                                      </a:t>
-            </a:r>
-          </a:p>
-          <a:p>
-            <a:r>
-              <a:rPr lang="en-US" sz="2000" dirty="0"/>
-              <a:t>                return </a:t>
-            </a:r>
-            <a:r>
-              <a:rPr lang="en-US" sz="2000" dirty="0" err="1"/>
-              <a:t>random.choice</a:t>
-            </a:r>
-            <a:r>
-              <a:rPr lang="en-US" sz="2000" dirty="0"/>
-              <a:t>(</a:t>
-            </a:r>
-            <a:r>
-              <a:rPr lang="en-US" sz="2000" dirty="0" err="1"/>
-              <a:t>view_empties</a:t>
-            </a:r>
-            <a:r>
-              <a:rPr lang="en-US" sz="2000" dirty="0"/>
-              <a:t>)                                </a:t>
-            </a:r>
-          </a:p>
-          <a:p>
-            <a:r>
-              <a:rPr lang="en-US" sz="2000" dirty="0"/>
-              <a:t>    return None                                                                   </a:t>
-            </a:r>
-          </a:p>
-          <a:p>
-            <a:endParaRPr lang="en-US" sz="2000" dirty="0"/>
+              <a:t>Space is usually represented as a grid.</a:t>
+            </a:r>
+          </a:p>
+          <a:p>
+            <a:pPr lvl="1"/>
+            <a:r>
+              <a:rPr lang="en-US" dirty="0" smtClean="0"/>
+              <a:t>For finer-grained space, add more cells!</a:t>
+            </a:r>
+          </a:p>
+          <a:p>
+            <a:r>
+              <a:rPr lang="en-US" dirty="0" smtClean="0"/>
+              <a:t>Many models have agents look at a “neighborhood” around their location, often a square.</a:t>
+            </a:r>
+          </a:p>
+          <a:p>
+            <a:pPr lvl="1"/>
+            <a:r>
+              <a:rPr lang="en-US" dirty="0" smtClean="0"/>
+              <a:t>Special methods are written to deal with this neighborhood.</a:t>
+            </a:r>
+          </a:p>
+          <a:p>
+            <a:r>
+              <a:rPr lang="en-US" dirty="0" smtClean="0"/>
+              <a:t>A powerful abstraction is the “grid view.” This can be </a:t>
+            </a:r>
+            <a:r>
+              <a:rPr lang="en-US" i="1" dirty="0" smtClean="0"/>
+              <a:t>any</a:t>
+            </a:r>
+            <a:r>
+              <a:rPr lang="en-US" dirty="0" smtClean="0"/>
+              <a:t> collection of cells around an agent.</a:t>
+            </a:r>
+          </a:p>
+          <a:p>
+            <a:pPr lvl="1"/>
+            <a:r>
+              <a:rPr lang="en-US" dirty="0" smtClean="0"/>
+              <a:t>All grid methods work on grid views.</a:t>
+            </a:r>
+            <a:endParaRPr lang="en-US" dirty="0"/>
           </a:p>
         </p:txBody>
       </p:sp>
     </p:spTree>
     <p:extLst>
       <p:ext uri="{BB962C8B-B14F-4D97-AF65-F5344CB8AC3E}">
-        <p14:creationId xmlns:p14="http://schemas.microsoft.com/office/powerpoint/2010/main" val="4259044637"/>
+        <p14:creationId xmlns:p14="http://schemas.microsoft.com/office/powerpoint/2010/main" val="2985670801"/>
       </p:ext>
     </p:extLst>
   </p:cSld>
@@ -14822,7 +14340,7 @@
         <p:spPr>
           <a:xfrm>
             <a:off x="381000" y="1411552"/>
-            <a:ext cx="8382000" cy="3897477"/>
+            <a:ext cx="8382000" cy="4849532"/>
           </a:xfrm>
         </p:spPr>
         <p:txBody>
@@ -14831,69 +14349,175 @@
           <a:p>
             <a:r>
               <a:rPr lang="en-US" dirty="0" smtClean="0"/>
-              <a:t>Agent loops.</a:t>
-            </a:r>
-          </a:p>
-          <a:p>
-            <a:pPr lvl="1"/>
-            <a:r>
-              <a:rPr lang="en-US" dirty="0" smtClean="0"/>
-              <a:t>All models have an </a:t>
-            </a:r>
-            <a:r>
-              <a:rPr lang="en-US" dirty="0" err="1" smtClean="0"/>
-              <a:t>act_loop</a:t>
-            </a:r>
-            <a:r>
-              <a:rPr lang="en-US" dirty="0" smtClean="0"/>
-              <a:t>.</a:t>
-            </a:r>
-          </a:p>
-          <a:p>
-            <a:pPr lvl="1"/>
-            <a:r>
-              <a:rPr lang="en-US" dirty="0" smtClean="0"/>
-              <a:t>Optionally, any model can have a </a:t>
-            </a:r>
-            <a:r>
-              <a:rPr lang="en-US" dirty="0" err="1" smtClean="0"/>
-              <a:t>preact_loop</a:t>
-            </a:r>
-            <a:r>
-              <a:rPr lang="en-US" dirty="0" smtClean="0"/>
-              <a:t> and/or a </a:t>
-            </a:r>
-            <a:r>
-              <a:rPr lang="en-US" dirty="0" err="1" smtClean="0"/>
-              <a:t>postact_loop</a:t>
-            </a:r>
-            <a:r>
-              <a:rPr lang="en-US" dirty="0" smtClean="0"/>
-              <a:t>. These are useful for setting up for acting or </a:t>
-            </a:r>
-            <a:r>
-              <a:rPr lang="en-US" dirty="0" err="1" smtClean="0"/>
-              <a:t>clean-up</a:t>
-            </a:r>
-            <a:r>
-              <a:rPr lang="en-US" dirty="0" smtClean="0"/>
-              <a:t> afterwards.</a:t>
-            </a:r>
-          </a:p>
-          <a:p>
-            <a:pPr lvl="1"/>
-            <a:r>
-              <a:rPr lang="en-US" dirty="0" smtClean="0"/>
-              <a:t>Example: setting state in forest fire model.</a:t>
-            </a:r>
-          </a:p>
-          <a:p>
-            <a:pPr lvl="1"/>
-            <a:r>
-              <a:rPr lang="en-US" dirty="0" smtClean="0"/>
-              <a:t>Rather than having to write these in each model that needs them, they are turned on by flags and performed in the base environment.</a:t>
-            </a:r>
-            <a:endParaRPr lang="en-US" dirty="0"/>
+              <a:t>Grid views implementation example:</a:t>
+            </a:r>
+          </a:p>
+          <a:p>
+            <a:r>
+              <a:rPr lang="en-US" sz="2000" dirty="0" err="1"/>
+              <a:t>def</a:t>
+            </a:r>
+            <a:r>
+              <a:rPr lang="en-US" sz="2000" dirty="0"/>
+              <a:t> </a:t>
+            </a:r>
+            <a:r>
+              <a:rPr lang="en-US" sz="2000" dirty="0" err="1"/>
+              <a:t>find_empty</a:t>
+            </a:r>
+            <a:r>
+              <a:rPr lang="en-US" sz="2000" dirty="0"/>
+              <a:t>(self, </a:t>
+            </a:r>
+            <a:r>
+              <a:rPr lang="en-US" sz="2000" dirty="0" err="1"/>
+              <a:t>grid_view</a:t>
+            </a:r>
+            <a:r>
+              <a:rPr lang="en-US" sz="2000" dirty="0"/>
+              <a:t>=None):                                             </a:t>
+            </a:r>
+          </a:p>
+          <a:p>
+            <a:r>
+              <a:rPr lang="en-US" sz="2000" dirty="0"/>
+              <a:t>    """                                                                          </a:t>
+            </a:r>
+          </a:p>
+          <a:p>
+            <a:r>
+              <a:rPr lang="en-US" sz="2000" dirty="0"/>
+              <a:t>    Return a random, empty cell.                                                 </a:t>
+            </a:r>
+          </a:p>
+          <a:p>
+            <a:r>
+              <a:rPr lang="en-US" sz="2000" dirty="0"/>
+              <a:t>    """                                                                           </a:t>
+            </a:r>
+          </a:p>
+          <a:p>
+            <a:r>
+              <a:rPr lang="en-US" sz="2000" dirty="0"/>
+              <a:t>    if </a:t>
+            </a:r>
+            <a:r>
+              <a:rPr lang="en-US" sz="2000" dirty="0" err="1"/>
+              <a:t>self.exists_empty_cells</a:t>
+            </a:r>
+            <a:r>
+              <a:rPr lang="en-US" sz="2000" dirty="0"/>
+              <a:t>():                                                 </a:t>
+            </a:r>
+          </a:p>
+          <a:p>
+            <a:r>
+              <a:rPr lang="en-US" sz="2000" dirty="0"/>
+              <a:t>        if </a:t>
+            </a:r>
+            <a:r>
+              <a:rPr lang="en-US" sz="2000" dirty="0" err="1"/>
+              <a:t>grid_view</a:t>
+            </a:r>
+            <a:r>
+              <a:rPr lang="en-US" sz="2000" dirty="0"/>
+              <a:t> is None:                                                     </a:t>
+            </a:r>
+          </a:p>
+          <a:p>
+            <a:r>
+              <a:rPr lang="en-US" sz="2000" dirty="0"/>
+              <a:t>            return </a:t>
+            </a:r>
+            <a:r>
+              <a:rPr lang="en-US" sz="2000" dirty="0" err="1"/>
+              <a:t>random.choice</a:t>
+            </a:r>
+            <a:r>
+              <a:rPr lang="en-US" sz="2000" dirty="0"/>
+              <a:t>(</a:t>
+            </a:r>
+            <a:r>
+              <a:rPr lang="en-US" sz="2000" dirty="0" err="1"/>
+              <a:t>self.empties</a:t>
+            </a:r>
+            <a:r>
+              <a:rPr lang="en-US" sz="2000" dirty="0"/>
+              <a:t>)                                    </a:t>
+            </a:r>
+          </a:p>
+          <a:p>
+            <a:r>
+              <a:rPr lang="en-US" sz="2000" dirty="0"/>
+              <a:t>        else:                                                                     </a:t>
+            </a:r>
+          </a:p>
+          <a:p>
+            <a:r>
+              <a:rPr lang="en-US" sz="2000" dirty="0"/>
+              <a:t>            </a:t>
+            </a:r>
+            <a:r>
+              <a:rPr lang="en-US" sz="2000" dirty="0" err="1"/>
+              <a:t>view_empties</a:t>
+            </a:r>
+            <a:r>
+              <a:rPr lang="en-US" sz="2000" dirty="0"/>
+              <a:t> = </a:t>
+            </a:r>
+            <a:r>
+              <a:rPr lang="en-US" sz="2000" dirty="0" err="1"/>
+              <a:t>grid_view.get_empties</a:t>
+            </a:r>
+            <a:r>
+              <a:rPr lang="en-US" sz="2000" dirty="0"/>
+              <a:t>()                                </a:t>
+            </a:r>
+          </a:p>
+          <a:p>
+            <a:r>
+              <a:rPr lang="en-US" sz="2000" dirty="0"/>
+              <a:t>            if </a:t>
+            </a:r>
+            <a:r>
+              <a:rPr lang="en-US" sz="2000" dirty="0" err="1"/>
+              <a:t>view_empties</a:t>
+            </a:r>
+            <a:r>
+              <a:rPr lang="en-US" sz="2000" dirty="0"/>
+              <a:t>:                                                      </a:t>
+            </a:r>
+          </a:p>
+          <a:p>
+            <a:r>
+              <a:rPr lang="en-US" sz="2000" dirty="0"/>
+              <a:t>                return </a:t>
+            </a:r>
+            <a:r>
+              <a:rPr lang="en-US" sz="2000" dirty="0" err="1"/>
+              <a:t>random.choice</a:t>
+            </a:r>
+            <a:r>
+              <a:rPr lang="en-US" sz="2000" dirty="0"/>
+              <a:t>(</a:t>
+            </a:r>
+            <a:r>
+              <a:rPr lang="en-US" sz="2000" dirty="0" err="1"/>
+              <a:t>view_empties</a:t>
+            </a:r>
+            <a:r>
+              <a:rPr lang="en-US" sz="2000" dirty="0"/>
+              <a:t>)                                </a:t>
+            </a:r>
+          </a:p>
+          <a:p>
+            <a:r>
+              <a:rPr lang="en-US" sz="2000" dirty="0"/>
+              <a:t>    return None                                                                   </a:t>
+            </a:r>
+          </a:p>
+          <a:p>
+            <a:endParaRPr lang="en-US" sz="2000" dirty="0"/>
           </a:p>
         </p:txBody>
       </p:sp>
@@ -14977,8 +14601,8 @@
         </p:nvSpPr>
         <p:spPr>
           <a:xfrm>
-            <a:off x="152400" y="1066800"/>
-            <a:ext cx="8915400" cy="2362200"/>
+            <a:off x="381000" y="1411552"/>
+            <a:ext cx="8382000" cy="3897477"/>
           </a:xfrm>
         </p:spPr>
         <p:txBody>
@@ -14986,63 +14610,73 @@
           <a:lstStyle/>
           <a:p>
             <a:r>
-              <a:rPr lang="en-US" sz="2800" dirty="0" smtClean="0"/>
-              <a:t>Abstracting common patterns from models.</a:t>
+              <a:rPr lang="en-US" dirty="0" smtClean="0"/>
+              <a:t>Agent loops.</a:t>
             </a:r>
           </a:p>
           <a:p>
             <a:pPr lvl="1"/>
             <a:r>
-              <a:rPr lang="en-US" sz="2400" dirty="0" smtClean="0"/>
-              <a:t>Begin with a fashion model, with trend-setters and followers.</a:t>
+              <a:rPr lang="en-US" dirty="0" smtClean="0"/>
+              <a:t>All models have an </a:t>
+            </a:r>
+            <a:r>
+              <a:rPr lang="en-US" dirty="0" err="1" smtClean="0"/>
+              <a:t>act_loop</a:t>
+            </a:r>
+            <a:r>
+              <a:rPr lang="en-US" dirty="0" smtClean="0"/>
+              <a:t>.</a:t>
             </a:r>
           </a:p>
           <a:p>
             <a:pPr lvl="1"/>
             <a:r>
-              <a:rPr lang="en-US" sz="2400" dirty="0" smtClean="0"/>
-              <a:t>Add a model of asset traders, with value investors and chart followers.</a:t>
+              <a:rPr lang="en-US" dirty="0" smtClean="0"/>
+              <a:t>Optionally, any model can have a </a:t>
+            </a:r>
+            <a:r>
+              <a:rPr lang="en-US" dirty="0" err="1" smtClean="0"/>
+              <a:t>preact_loop</a:t>
+            </a:r>
+            <a:r>
+              <a:rPr lang="en-US" dirty="0" smtClean="0"/>
+              <a:t> and/or a </a:t>
+            </a:r>
+            <a:r>
+              <a:rPr lang="en-US" dirty="0" err="1" smtClean="0"/>
+              <a:t>postact_loop</a:t>
+            </a:r>
+            <a:r>
+              <a:rPr lang="en-US" dirty="0" smtClean="0"/>
+              <a:t>. These are useful for setting up for acting or </a:t>
+            </a:r>
+            <a:r>
+              <a:rPr lang="en-US" dirty="0" err="1" smtClean="0"/>
+              <a:t>clean-up</a:t>
+            </a:r>
+            <a:r>
+              <a:rPr lang="en-US" dirty="0" smtClean="0"/>
+              <a:t> afterwards.</a:t>
             </a:r>
           </a:p>
           <a:p>
             <a:pPr lvl="1"/>
             <a:r>
-              <a:rPr lang="en-US" sz="2400" dirty="0" smtClean="0"/>
-              <a:t>From the two, abstract a “stance model.”</a:t>
+              <a:rPr lang="en-US" dirty="0" smtClean="0"/>
+              <a:t>Example: setting state in forest fire model.</a:t>
             </a:r>
           </a:p>
           <a:p>
             <a:pPr lvl="1"/>
             <a:r>
-              <a:rPr lang="en-US" sz="2400" dirty="0" smtClean="0"/>
-              <a:t>Insert it “behind” the other two models.</a:t>
-            </a:r>
-            <a:endParaRPr lang="en-US" sz="2400" dirty="0"/>
+              <a:rPr lang="en-US" dirty="0" smtClean="0"/>
+              <a:t>Rather than having to write these in each model that needs them, they are turned on by flags and performed in the base environment.</a:t>
+            </a:r>
+            <a:endParaRPr lang="en-US" dirty="0"/>
           </a:p>
         </p:txBody>
       </p:sp>
-      <p:graphicFrame>
-        <p:nvGraphicFramePr>
-          <p:cNvPr id="5" name="Diagram 4"/>
-          <p:cNvGraphicFramePr/>
-          <p:nvPr>
-            <p:extLst>
-              <p:ext uri="{D42A27DB-BD31-4B8C-83A1-F6EECF244321}">
-                <p14:modId xmlns:p14="http://schemas.microsoft.com/office/powerpoint/2010/main" val="3487425669"/>
-              </p:ext>
-            </p:extLst>
-          </p:nvPr>
-        </p:nvGraphicFramePr>
-        <p:xfrm>
-          <a:off x="2055976" y="3622078"/>
-          <a:ext cx="5029200" cy="3022600"/>
-        </p:xfrm>
-        <a:graphic>
-          <a:graphicData uri="http://schemas.openxmlformats.org/drawingml/2006/diagram">
-            <dgm:relIds xmlns:dgm="http://schemas.openxmlformats.org/drawingml/2006/diagram" xmlns:r="http://schemas.openxmlformats.org/officeDocument/2006/relationships" r:dm="rId2" r:lo="rId3" r:qs="rId4" r:cs="rId5"/>
-          </a:graphicData>
-        </a:graphic>
-      </p:graphicFrame>
     </p:spTree>
     <p:extLst>
       <p:ext uri="{BB962C8B-B14F-4D97-AF65-F5344CB8AC3E}">
@@ -15123,6 +14757,157 @@
         </p:nvSpPr>
         <p:spPr>
           <a:xfrm>
+            <a:off x="152400" y="1066800"/>
+            <a:ext cx="8915400" cy="2362200"/>
+          </a:xfrm>
+        </p:spPr>
+        <p:txBody>
+          <a:bodyPr/>
+          <a:lstStyle/>
+          <a:p>
+            <a:r>
+              <a:rPr lang="en-US" sz="2800" dirty="0" smtClean="0"/>
+              <a:t>Abstracting common patterns from models.</a:t>
+            </a:r>
+          </a:p>
+          <a:p>
+            <a:pPr lvl="1"/>
+            <a:r>
+              <a:rPr lang="en-US" sz="2400" dirty="0" smtClean="0"/>
+              <a:t>Begin with a fashion model, with trend-setters and followers.</a:t>
+            </a:r>
+          </a:p>
+          <a:p>
+            <a:pPr lvl="1"/>
+            <a:r>
+              <a:rPr lang="en-US" sz="2400" dirty="0" smtClean="0"/>
+              <a:t>Add a model of asset traders, with value investors and chart followers.</a:t>
+            </a:r>
+          </a:p>
+          <a:p>
+            <a:pPr lvl="1"/>
+            <a:r>
+              <a:rPr lang="en-US" sz="2400" dirty="0" smtClean="0"/>
+              <a:t>From the two, abstract a “stance </a:t>
+            </a:r>
+            <a:r>
+              <a:rPr lang="en-US" sz="2400" dirty="0" smtClean="0"/>
+              <a:t>model”: a concept.</a:t>
+            </a:r>
+            <a:endParaRPr lang="en-US" sz="2400" dirty="0" smtClean="0"/>
+          </a:p>
+          <a:p>
+            <a:pPr lvl="1"/>
+            <a:r>
+              <a:rPr lang="en-US" sz="2400" dirty="0" smtClean="0"/>
+              <a:t>Insert it “behind” the other two models.</a:t>
+            </a:r>
+            <a:endParaRPr lang="en-US" sz="2400" dirty="0"/>
+          </a:p>
+        </p:txBody>
+      </p:sp>
+      <p:graphicFrame>
+        <p:nvGraphicFramePr>
+          <p:cNvPr id="5" name="Diagram 4"/>
+          <p:cNvGraphicFramePr/>
+          <p:nvPr>
+            <p:extLst>
+              <p:ext uri="{D42A27DB-BD31-4B8C-83A1-F6EECF244321}">
+                <p14:modId xmlns:p14="http://schemas.microsoft.com/office/powerpoint/2010/main" val="3487425669"/>
+              </p:ext>
+            </p:extLst>
+          </p:nvPr>
+        </p:nvGraphicFramePr>
+        <p:xfrm>
+          <a:off x="2055976" y="3622078"/>
+          <a:ext cx="5029200" cy="3022600"/>
+        </p:xfrm>
+        <a:graphic>
+          <a:graphicData uri="http://schemas.openxmlformats.org/drawingml/2006/diagram">
+            <dgm:relIds xmlns:dgm="http://schemas.openxmlformats.org/drawingml/2006/diagram" xmlns:r="http://schemas.openxmlformats.org/officeDocument/2006/relationships" r:dm="rId2" r:lo="rId3" r:qs="rId4" r:cs="rId5"/>
+          </a:graphicData>
+        </a:graphic>
+      </p:graphicFrame>
+    </p:spTree>
+    <p:extLst>
+      <p:ext uri="{BB962C8B-B14F-4D97-AF65-F5344CB8AC3E}">
+        <p14:creationId xmlns:p14="http://schemas.microsoft.com/office/powerpoint/2010/main" val="4259044637"/>
+      </p:ext>
+    </p:extLst>
+  </p:cSld>
+  <p:clrMapOvr>
+    <a:masterClrMapping/>
+  </p:clrMapOvr>
+  <p:transition xmlns:p14="http://schemas.microsoft.com/office/powerpoint/2010/main">
+    <p:fade/>
+  </p:transition>
+  <p:timing>
+    <p:tnLst>
+      <p:par>
+        <p:cTn xmlns:p14="http://schemas.microsoft.com/office/powerpoint/2010/main" id="1" dur="indefinite" restart="never" nodeType="tmRoot"/>
+      </p:par>
+    </p:tnLst>
+  </p:timing>
+</p:sld>
+</file>
+
+<file path=ppt/slides/slide14.xml><?xml version="1.0" encoding="utf-8"?>
+<p:sld xmlns:a="http://schemas.openxmlformats.org/drawingml/2006/main" xmlns:r="http://schemas.openxmlformats.org/officeDocument/2006/relationships" xmlns:p="http://schemas.openxmlformats.org/presentationml/2006/main">
+  <p:cSld>
+    <p:spTree>
+      <p:nvGrpSpPr>
+        <p:cNvPr id="1" name=""/>
+        <p:cNvGrpSpPr/>
+        <p:nvPr/>
+      </p:nvGrpSpPr>
+      <p:grpSpPr>
+        <a:xfrm>
+          <a:off x="0" y="0"/>
+          <a:ext cx="0" cy="0"/>
+          <a:chOff x="0" y="0"/>
+          <a:chExt cx="0" cy="0"/>
+        </a:xfrm>
+      </p:grpSpPr>
+      <p:sp>
+        <p:nvSpPr>
+          <p:cNvPr id="2" name="Title 1"/>
+          <p:cNvSpPr>
+            <a:spLocks noGrp="1"/>
+          </p:cNvSpPr>
+          <p:nvPr>
+            <p:ph type="title"/>
+          </p:nvPr>
+        </p:nvSpPr>
+        <p:spPr>
+          <a:xfrm>
+            <a:off x="381000" y="230188"/>
+            <a:ext cx="8382000" cy="677108"/>
+          </a:xfrm>
+        </p:spPr>
+        <p:txBody>
+          <a:bodyPr/>
+          <a:lstStyle/>
+          <a:p>
+            <a:r>
+              <a:rPr lang="en-US" dirty="0" smtClean="0"/>
+              <a:t>ABM and Generic Programming</a:t>
+            </a:r>
+            <a:endParaRPr lang="en-US" dirty="0"/>
+          </a:p>
+        </p:txBody>
+      </p:sp>
+      <p:sp>
+        <p:nvSpPr>
+          <p:cNvPr id="3" name="Text Placeholder 2"/>
+          <p:cNvSpPr>
+            <a:spLocks noGrp="1"/>
+          </p:cNvSpPr>
+          <p:nvPr>
+            <p:ph type="body" sz="quarter" idx="10"/>
+          </p:nvPr>
+        </p:nvSpPr>
+        <p:spPr>
+          <a:xfrm>
             <a:off x="381000" y="1411552"/>
             <a:ext cx="8382000" cy="3158813"/>
           </a:xfrm>
@@ -15228,7 +15013,7 @@
 </p:sld>
 </file>
 
-<file path=ppt/slides/slide14.xml><?xml version="1.0" encoding="utf-8"?>
+<file path=ppt/slides/slide15.xml><?xml version="1.0" encoding="utf-8"?>
 <p:sld xmlns:a="http://schemas.openxmlformats.org/drawingml/2006/main" xmlns:r="http://schemas.openxmlformats.org/officeDocument/2006/relationships" xmlns:p="http://schemas.openxmlformats.org/presentationml/2006/main">
   <p:cSld>
     <p:spTree>
@@ -15598,7 +15383,6 @@
               <a:rPr lang="en-US" dirty="0" smtClean="0"/>
               <a:t>This has worked for a number of models.</a:t>
             </a:r>
-            <a:endParaRPr lang="en-US" dirty="0" smtClean="0"/>
           </a:p>
         </p:txBody>
       </p:sp>
@@ -15606,118 +15390,6 @@
     <p:extLst>
       <p:ext uri="{BB962C8B-B14F-4D97-AF65-F5344CB8AC3E}">
         <p14:creationId xmlns:p14="http://schemas.microsoft.com/office/powerpoint/2010/main" val="2150116417"/>
-      </p:ext>
-    </p:extLst>
-  </p:cSld>
-  <p:clrMapOvr>
-    <a:masterClrMapping/>
-  </p:clrMapOvr>
-  <p:transition xmlns:p14="http://schemas.microsoft.com/office/powerpoint/2010/main">
-    <p:fade/>
-  </p:transition>
-  <p:timing>
-    <p:tnLst>
-      <p:par>
-        <p:cTn xmlns:p14="http://schemas.microsoft.com/office/powerpoint/2010/main" id="1" dur="indefinite" restart="never" nodeType="tmRoot"/>
-      </p:par>
-    </p:tnLst>
-  </p:timing>
-</p:sld>
-</file>
-
-<file path=ppt/slides/slide15.xml><?xml version="1.0" encoding="utf-8"?>
-<p:sld xmlns:a="http://schemas.openxmlformats.org/drawingml/2006/main" xmlns:r="http://schemas.openxmlformats.org/officeDocument/2006/relationships" xmlns:p="http://schemas.openxmlformats.org/presentationml/2006/main">
-  <p:cSld>
-    <p:spTree>
-      <p:nvGrpSpPr>
-        <p:cNvPr id="1" name=""/>
-        <p:cNvGrpSpPr/>
-        <p:nvPr/>
-      </p:nvGrpSpPr>
-      <p:grpSpPr>
-        <a:xfrm>
-          <a:off x="0" y="0"/>
-          <a:ext cx="0" cy="0"/>
-          <a:chOff x="0" y="0"/>
-          <a:chExt cx="0" cy="0"/>
-        </a:xfrm>
-      </p:grpSpPr>
-      <p:sp>
-        <p:nvSpPr>
-          <p:cNvPr id="2" name="Title 1"/>
-          <p:cNvSpPr>
-            <a:spLocks noGrp="1"/>
-          </p:cNvSpPr>
-          <p:nvPr>
-            <p:ph type="title"/>
-          </p:nvPr>
-        </p:nvSpPr>
-        <p:spPr>
-          <a:xfrm>
-            <a:off x="381000" y="230188"/>
-            <a:ext cx="8382000" cy="677108"/>
-          </a:xfrm>
-        </p:spPr>
-        <p:txBody>
-          <a:bodyPr/>
-          <a:lstStyle/>
-          <a:p>
-            <a:r>
-              <a:rPr lang="en-US" dirty="0" smtClean="0"/>
-              <a:t>ABM and Generic Programming</a:t>
-            </a:r>
-            <a:endParaRPr lang="en-US" dirty="0"/>
-          </a:p>
-        </p:txBody>
-      </p:sp>
-      <p:sp>
-        <p:nvSpPr>
-          <p:cNvPr id="3" name="Text Placeholder 2"/>
-          <p:cNvSpPr>
-            <a:spLocks noGrp="1"/>
-          </p:cNvSpPr>
-          <p:nvPr>
-            <p:ph type="body" sz="quarter" idx="10"/>
-          </p:nvPr>
-        </p:nvSpPr>
-        <p:spPr>
-          <a:xfrm>
-            <a:off x="381000" y="1411552"/>
-            <a:ext cx="8382000" cy="1781000"/>
-          </a:xfrm>
-        </p:spPr>
-        <p:txBody>
-          <a:bodyPr/>
-          <a:lstStyle/>
-          <a:p>
-            <a:r>
-              <a:rPr lang="en-US" dirty="0" smtClean="0"/>
-              <a:t>We are now working on ways to treat the entire agent population as a vector, and use matrix multiplication to </a:t>
-            </a:r>
-            <a:r>
-              <a:rPr lang="en-US" dirty="0" smtClean="0"/>
-              <a:t>reset </a:t>
-            </a:r>
-            <a:r>
-              <a:rPr lang="en-US" dirty="0" smtClean="0"/>
-              <a:t>all </a:t>
-            </a:r>
-            <a:r>
-              <a:rPr lang="en-US" dirty="0" smtClean="0"/>
-              <a:t>agents’ </a:t>
-            </a:r>
-            <a:r>
-              <a:rPr lang="en-US" dirty="0" smtClean="0"/>
-              <a:t>states in a single operation.</a:t>
-            </a:r>
-            <a:endParaRPr lang="en-US" dirty="0"/>
-          </a:p>
-        </p:txBody>
-      </p:sp>
-    </p:spTree>
-    <p:extLst>
-      <p:ext uri="{BB962C8B-B14F-4D97-AF65-F5344CB8AC3E}">
-        <p14:creationId xmlns:p14="http://schemas.microsoft.com/office/powerpoint/2010/main" val="4259044637"/>
       </p:ext>
     </p:extLst>
   </p:cSld>
@@ -15766,8 +15438,393 @@
         </p:nvSpPr>
         <p:spPr>
           <a:xfrm>
-            <a:off x="0" y="230188"/>
-            <a:ext cx="9144000" cy="677108"/>
+            <a:off x="381000" y="230188"/>
+            <a:ext cx="8382000" cy="677108"/>
+          </a:xfrm>
+        </p:spPr>
+        <p:txBody>
+          <a:bodyPr/>
+          <a:lstStyle/>
+          <a:p>
+            <a:r>
+              <a:rPr lang="en-US" dirty="0" smtClean="0"/>
+              <a:t>ABM and Generic Programming</a:t>
+            </a:r>
+            <a:endParaRPr lang="en-US" dirty="0"/>
+          </a:p>
+        </p:txBody>
+      </p:sp>
+      <p:sp>
+        <p:nvSpPr>
+          <p:cNvPr id="3" name="Text Placeholder 2"/>
+          <p:cNvSpPr>
+            <a:spLocks noGrp="1"/>
+          </p:cNvSpPr>
+          <p:nvPr>
+            <p:ph type="body" sz="quarter" idx="10"/>
+          </p:nvPr>
+        </p:nvSpPr>
+        <p:spPr>
+          <a:xfrm>
+            <a:off x="381000" y="1411552"/>
+            <a:ext cx="8382000" cy="1781000"/>
+          </a:xfrm>
+        </p:spPr>
+        <p:txBody>
+          <a:bodyPr/>
+          <a:lstStyle/>
+          <a:p>
+            <a:r>
+              <a:rPr lang="en-US" dirty="0" smtClean="0"/>
+              <a:t>We are now working on ways to treat the entire agent population as a vector, and use matrix multiplication to reset all agents’ states in a single operation.</a:t>
+            </a:r>
+            <a:endParaRPr lang="en-US" dirty="0"/>
+          </a:p>
+        </p:txBody>
+      </p:sp>
+    </p:spTree>
+    <p:extLst>
+      <p:ext uri="{BB962C8B-B14F-4D97-AF65-F5344CB8AC3E}">
+        <p14:creationId xmlns:p14="http://schemas.microsoft.com/office/powerpoint/2010/main" val="4259044637"/>
+      </p:ext>
+    </p:extLst>
+  </p:cSld>
+  <p:clrMapOvr>
+    <a:masterClrMapping/>
+  </p:clrMapOvr>
+  <p:transition xmlns:p14="http://schemas.microsoft.com/office/powerpoint/2010/main">
+    <p:fade/>
+  </p:transition>
+  <p:timing>
+    <p:tnLst>
+      <p:par>
+        <p:cTn xmlns:p14="http://schemas.microsoft.com/office/powerpoint/2010/main" id="1" dur="indefinite" restart="never" nodeType="tmRoot"/>
+      </p:par>
+    </p:tnLst>
+  </p:timing>
+</p:sld>
+</file>
+
+<file path=ppt/slides/slide17.xml><?xml version="1.0" encoding="utf-8"?>
+<p:sld xmlns:a="http://schemas.openxmlformats.org/drawingml/2006/main" xmlns:r="http://schemas.openxmlformats.org/officeDocument/2006/relationships" xmlns:p="http://schemas.openxmlformats.org/presentationml/2006/main">
+  <p:cSld>
+    <p:spTree>
+      <p:nvGrpSpPr>
+        <p:cNvPr id="1" name=""/>
+        <p:cNvGrpSpPr/>
+        <p:nvPr/>
+      </p:nvGrpSpPr>
+      <p:grpSpPr>
+        <a:xfrm>
+          <a:off x="0" y="0"/>
+          <a:ext cx="0" cy="0"/>
+          <a:chOff x="0" y="0"/>
+          <a:chExt cx="0" cy="0"/>
+        </a:xfrm>
+      </p:grpSpPr>
+      <p:sp>
+        <p:nvSpPr>
+          <p:cNvPr id="2" name="Title 1"/>
+          <p:cNvSpPr>
+            <a:spLocks noGrp="1"/>
+          </p:cNvSpPr>
+          <p:nvPr>
+            <p:ph type="title"/>
+          </p:nvPr>
+        </p:nvSpPr>
+        <p:spPr>
+          <a:xfrm>
+            <a:off x="381000" y="230188"/>
+            <a:ext cx="8382000" cy="677108"/>
+          </a:xfrm>
+        </p:spPr>
+        <p:txBody>
+          <a:bodyPr/>
+          <a:lstStyle/>
+          <a:p>
+            <a:r>
+              <a:rPr lang="en-US" dirty="0" smtClean="0"/>
+              <a:t>Python</a:t>
+            </a:r>
+            <a:r>
+              <a:rPr lang="en-US" dirty="0" smtClean="0"/>
+              <a:t> </a:t>
+            </a:r>
+            <a:r>
+              <a:rPr lang="en-US" dirty="0" smtClean="0"/>
+              <a:t>and Generic Programming</a:t>
+            </a:r>
+            <a:endParaRPr lang="en-US" dirty="0"/>
+          </a:p>
+        </p:txBody>
+      </p:sp>
+      <p:sp>
+        <p:nvSpPr>
+          <p:cNvPr id="3" name="Text Placeholder 2"/>
+          <p:cNvSpPr>
+            <a:spLocks noGrp="1"/>
+          </p:cNvSpPr>
+          <p:nvPr>
+            <p:ph type="body" sz="quarter" idx="10"/>
+          </p:nvPr>
+        </p:nvSpPr>
+        <p:spPr>
+          <a:xfrm>
+            <a:off x="381000" y="1411552"/>
+            <a:ext cx="8382000" cy="4604337"/>
+          </a:xfrm>
+        </p:spPr>
+        <p:txBody>
+          <a:bodyPr/>
+          <a:lstStyle/>
+          <a:p>
+            <a:r>
+              <a:rPr lang="en-US" dirty="0" smtClean="0"/>
+              <a:t>Python is well-suited to doing generic programming:</a:t>
+            </a:r>
+          </a:p>
+          <a:p>
+            <a:pPr lvl="1"/>
+            <a:r>
+              <a:rPr lang="en-US" dirty="0" smtClean="0"/>
+              <a:t>We can already pass various types into a function </a:t>
+            </a:r>
+            <a:r>
+              <a:rPr lang="en-US" dirty="0"/>
+              <a:t>or a method and its descendants.</a:t>
+            </a:r>
+            <a:endParaRPr lang="en-US" dirty="0" smtClean="0"/>
+          </a:p>
+          <a:p>
+            <a:pPr lvl="1"/>
+            <a:r>
+              <a:rPr lang="en-US" dirty="0" smtClean="0"/>
+              <a:t>We can return various types from a function or a method and its descendants.</a:t>
+            </a:r>
+          </a:p>
+          <a:p>
+            <a:pPr lvl="1"/>
+            <a:r>
+              <a:rPr lang="en-US" dirty="0" smtClean="0"/>
+              <a:t>We can pass in operators when a function might need to handle different types differently: the operator module.</a:t>
+            </a:r>
+          </a:p>
+          <a:p>
+            <a:pPr lvl="2"/>
+            <a:r>
+              <a:rPr lang="en-US" dirty="0" smtClean="0"/>
+              <a:t>Thus we could pass in add() for </a:t>
+            </a:r>
+            <a:r>
+              <a:rPr lang="en-US" dirty="0" err="1" smtClean="0"/>
+              <a:t>ints</a:t>
+            </a:r>
+            <a:r>
+              <a:rPr lang="en-US" dirty="0" smtClean="0"/>
+              <a:t> and our own operator for knots. </a:t>
+            </a:r>
+            <a:endParaRPr lang="en-US" dirty="0"/>
+          </a:p>
+        </p:txBody>
+      </p:sp>
+    </p:spTree>
+    <p:extLst>
+      <p:ext uri="{BB962C8B-B14F-4D97-AF65-F5344CB8AC3E}">
+        <p14:creationId xmlns:p14="http://schemas.microsoft.com/office/powerpoint/2010/main" val="3303779278"/>
+      </p:ext>
+    </p:extLst>
+  </p:cSld>
+  <p:clrMapOvr>
+    <a:masterClrMapping/>
+  </p:clrMapOvr>
+  <p:transition xmlns:p14="http://schemas.microsoft.com/office/powerpoint/2010/main">
+    <p:fade/>
+  </p:transition>
+  <p:timing>
+    <p:tnLst>
+      <p:par>
+        <p:cTn xmlns:p14="http://schemas.microsoft.com/office/powerpoint/2010/main" id="1" dur="indefinite" restart="never" nodeType="tmRoot"/>
+      </p:par>
+    </p:tnLst>
+  </p:timing>
+</p:sld>
+</file>
+
+<file path=ppt/slides/slide18.xml><?xml version="1.0" encoding="utf-8"?>
+<p:sld xmlns:a="http://schemas.openxmlformats.org/drawingml/2006/main" xmlns:r="http://schemas.openxmlformats.org/officeDocument/2006/relationships" xmlns:p="http://schemas.openxmlformats.org/presentationml/2006/main">
+  <p:cSld>
+    <p:spTree>
+      <p:nvGrpSpPr>
+        <p:cNvPr id="1" name=""/>
+        <p:cNvGrpSpPr/>
+        <p:nvPr/>
+      </p:nvGrpSpPr>
+      <p:grpSpPr>
+        <a:xfrm>
+          <a:off x="0" y="0"/>
+          <a:ext cx="0" cy="0"/>
+          <a:chOff x="0" y="0"/>
+          <a:chExt cx="0" cy="0"/>
+        </a:xfrm>
+      </p:grpSpPr>
+      <p:sp>
+        <p:nvSpPr>
+          <p:cNvPr id="2" name="Title 1"/>
+          <p:cNvSpPr>
+            <a:spLocks noGrp="1"/>
+          </p:cNvSpPr>
+          <p:nvPr>
+            <p:ph type="title"/>
+          </p:nvPr>
+        </p:nvSpPr>
+        <p:spPr>
+          <a:xfrm>
+            <a:off x="381000" y="230188"/>
+            <a:ext cx="8382000" cy="677108"/>
+          </a:xfrm>
+        </p:spPr>
+        <p:txBody>
+          <a:bodyPr/>
+          <a:lstStyle/>
+          <a:p>
+            <a:r>
+              <a:rPr lang="en-US" dirty="0" smtClean="0"/>
+              <a:t>Python</a:t>
+            </a:r>
+            <a:r>
+              <a:rPr lang="en-US" dirty="0" smtClean="0"/>
+              <a:t> </a:t>
+            </a:r>
+            <a:r>
+              <a:rPr lang="en-US" dirty="0" smtClean="0"/>
+              <a:t>and Generic Programming</a:t>
+            </a:r>
+            <a:endParaRPr lang="en-US" dirty="0"/>
+          </a:p>
+        </p:txBody>
+      </p:sp>
+      <p:sp>
+        <p:nvSpPr>
+          <p:cNvPr id="3" name="Text Placeholder 2"/>
+          <p:cNvSpPr>
+            <a:spLocks noGrp="1"/>
+          </p:cNvSpPr>
+          <p:nvPr>
+            <p:ph type="body" sz="quarter" idx="10"/>
+          </p:nvPr>
+        </p:nvSpPr>
+        <p:spPr>
+          <a:xfrm>
+            <a:off x="381000" y="1411552"/>
+            <a:ext cx="8382000" cy="3243965"/>
+          </a:xfrm>
+        </p:spPr>
+        <p:txBody>
+          <a:bodyPr/>
+          <a:lstStyle/>
+          <a:p>
+            <a:r>
+              <a:rPr lang="en-US" dirty="0" smtClean="0"/>
+              <a:t>Concepts:</a:t>
+            </a:r>
+          </a:p>
+          <a:p>
+            <a:pPr lvl="1"/>
+            <a:r>
+              <a:rPr lang="en-US" dirty="0" err="1"/>
+              <a:t>isinstance</a:t>
+            </a:r>
+            <a:r>
+              <a:rPr lang="en-US" dirty="0"/>
+              <a:t>(e, </a:t>
+            </a:r>
+            <a:r>
+              <a:rPr lang="en-US" dirty="0" err="1"/>
+              <a:t>collections.Iterable</a:t>
+            </a:r>
+            <a:r>
+              <a:rPr lang="en-US" dirty="0" smtClean="0"/>
+              <a:t>) is along the lines of what </a:t>
+            </a:r>
+            <a:r>
+              <a:rPr lang="en-US" dirty="0" err="1" smtClean="0"/>
+              <a:t>Stepanov</a:t>
+            </a:r>
+            <a:r>
+              <a:rPr lang="en-US" dirty="0" smtClean="0"/>
+              <a:t> and Rose are after.</a:t>
+            </a:r>
+          </a:p>
+          <a:p>
+            <a:pPr lvl="1"/>
+            <a:r>
+              <a:rPr lang="en-US" dirty="0" smtClean="0"/>
+              <a:t>“Duck typing” is a weak substitute for actual, rigorously defined concepts. </a:t>
+            </a:r>
+          </a:p>
+          <a:p>
+            <a:pPr lvl="2"/>
+            <a:r>
+              <a:rPr lang="en-US" dirty="0" smtClean="0"/>
+              <a:t>Rather than actually working out the abstraction that captures x, y and z, just chuck them all in a duck costume!</a:t>
+            </a:r>
+          </a:p>
+        </p:txBody>
+      </p:sp>
+    </p:spTree>
+    <p:extLst>
+      <p:ext uri="{BB962C8B-B14F-4D97-AF65-F5344CB8AC3E}">
+        <p14:creationId xmlns:p14="http://schemas.microsoft.com/office/powerpoint/2010/main" val="3094295442"/>
+      </p:ext>
+    </p:extLst>
+  </p:cSld>
+  <p:clrMapOvr>
+    <a:masterClrMapping/>
+  </p:clrMapOvr>
+  <p:transition xmlns:p14="http://schemas.microsoft.com/office/powerpoint/2010/main">
+    <p:fade/>
+  </p:transition>
+  <p:timing>
+    <p:tnLst>
+      <p:par>
+        <p:cTn xmlns:p14="http://schemas.microsoft.com/office/powerpoint/2010/main" id="1" dur="indefinite" restart="never" nodeType="tmRoot"/>
+      </p:par>
+    </p:tnLst>
+  </p:timing>
+</p:sld>
+</file>
+
+<file path=ppt/slides/slide19.xml><?xml version="1.0" encoding="utf-8"?>
+<p:sld xmlns:a="http://schemas.openxmlformats.org/drawingml/2006/main" xmlns:r="http://schemas.openxmlformats.org/officeDocument/2006/relationships" xmlns:p="http://schemas.openxmlformats.org/presentationml/2006/main">
+  <p:cSld>
+    <p:spTree>
+      <p:nvGrpSpPr>
+        <p:cNvPr id="1" name=""/>
+        <p:cNvGrpSpPr/>
+        <p:nvPr/>
+      </p:nvGrpSpPr>
+      <p:grpSpPr>
+        <a:xfrm>
+          <a:off x="0" y="0"/>
+          <a:ext cx="0" cy="0"/>
+          <a:chOff x="0" y="0"/>
+          <a:chExt cx="0" cy="0"/>
+        </a:xfrm>
+      </p:grpSpPr>
+      <p:sp>
+        <p:nvSpPr>
+          <p:cNvPr id="2" name="Title 1"/>
+          <p:cNvSpPr>
+            <a:spLocks noGrp="1"/>
+          </p:cNvSpPr>
+          <p:nvPr>
+            <p:ph type="title"/>
+          </p:nvPr>
+        </p:nvSpPr>
+        <p:spPr>
+          <a:xfrm>
+            <a:off x="381000" y="230188"/>
+            <a:ext cx="8382000" cy="677108"/>
           </a:xfrm>
         </p:spPr>
         <p:txBody>
@@ -15907,6 +15964,36 @@
           </a:p>
         </p:txBody>
       </p:sp>
+      <p:pic>
+        <p:nvPicPr>
+          <p:cNvPr id="4" name="Picture 3" descr="Stonehenge.jpg"/>
+          <p:cNvPicPr>
+            <a:picLocks noChangeAspect="1"/>
+          </p:cNvPicPr>
+          <p:nvPr/>
+        </p:nvPicPr>
+        <p:blipFill>
+          <a:blip r:embed="rId2">
+            <a:extLst>
+              <a:ext uri="{28A0092B-C50C-407E-A947-70E740481C1C}">
+                <a14:useLocalDpi xmlns:a14="http://schemas.microsoft.com/office/drawing/2010/main" val="0"/>
+              </a:ext>
+            </a:extLst>
+          </a:blip>
+          <a:stretch>
+            <a:fillRect/>
+          </a:stretch>
+        </p:blipFill>
+        <p:spPr>
+          <a:xfrm>
+            <a:off x="4521200" y="3048000"/>
+            <a:ext cx="4140200" cy="3105150"/>
+          </a:xfrm>
+          <a:prstGeom prst="rect">
+            <a:avLst/>
+          </a:prstGeom>
+        </p:spPr>
+      </p:pic>
     </p:spTree>
     <p:extLst>
       <p:ext uri="{BB962C8B-B14F-4D97-AF65-F5344CB8AC3E}">
@@ -15930,7 +16017,117 @@
 </p:sld>
 </file>
 
-<file path=ppt/slides/slide17.xml><?xml version="1.0" encoding="utf-8"?>
+<file path=ppt/slides/slide2.xml><?xml version="1.0" encoding="utf-8"?>
+<p:sld xmlns:a="http://schemas.openxmlformats.org/drawingml/2006/main" xmlns:r="http://schemas.openxmlformats.org/officeDocument/2006/relationships" xmlns:p="http://schemas.openxmlformats.org/presentationml/2006/main">
+  <p:cSld>
+    <p:spTree>
+      <p:nvGrpSpPr>
+        <p:cNvPr id="1" name=""/>
+        <p:cNvGrpSpPr/>
+        <p:nvPr/>
+      </p:nvGrpSpPr>
+      <p:grpSpPr>
+        <a:xfrm>
+          <a:off x="0" y="0"/>
+          <a:ext cx="0" cy="0"/>
+          <a:chOff x="0" y="0"/>
+          <a:chExt cx="0" cy="0"/>
+        </a:xfrm>
+      </p:grpSpPr>
+      <p:sp>
+        <p:nvSpPr>
+          <p:cNvPr id="2" name="Title 1"/>
+          <p:cNvSpPr>
+            <a:spLocks noGrp="1"/>
+          </p:cNvSpPr>
+          <p:nvPr>
+            <p:ph type="title"/>
+          </p:nvPr>
+        </p:nvSpPr>
+        <p:spPr>
+          <a:xfrm>
+            <a:off x="381000" y="230188"/>
+            <a:ext cx="8382000" cy="1163395"/>
+          </a:xfrm>
+        </p:spPr>
+        <p:txBody>
+          <a:bodyPr>
+            <a:normAutofit/>
+          </a:bodyPr>
+          <a:lstStyle/>
+          <a:p>
+            <a:r>
+              <a:rPr lang="en-US" dirty="0" smtClean="0"/>
+              <a:t>Generic Programming</a:t>
+            </a:r>
+            <a:br>
+              <a:rPr lang="en-US" dirty="0" smtClean="0"/>
+            </a:br>
+            <a:r>
+              <a:rPr lang="en-US" sz="3600" dirty="0" smtClean="0">
+                <a:solidFill>
+                  <a:schemeClr val="tx2"/>
+                </a:solidFill>
+              </a:rPr>
+              <a:t>Abstracting logic from data</a:t>
+            </a:r>
+            <a:endParaRPr lang="en-US" dirty="0">
+              <a:solidFill>
+                <a:schemeClr val="tx2"/>
+              </a:solidFill>
+            </a:endParaRPr>
+          </a:p>
+        </p:txBody>
+      </p:sp>
+      <p:pic>
+        <p:nvPicPr>
+          <p:cNvPr id="4" name="Picture 3" descr="Cover.aspx.jpeg"/>
+          <p:cNvPicPr>
+            <a:picLocks noChangeAspect="1"/>
+          </p:cNvPicPr>
+          <p:nvPr/>
+        </p:nvPicPr>
+        <p:blipFill>
+          <a:blip r:embed="rId3">
+            <a:extLst>
+              <a:ext uri="{28A0092B-C50C-407E-A947-70E740481C1C}">
+                <a14:useLocalDpi xmlns:a14="http://schemas.microsoft.com/office/drawing/2010/main" val="0"/>
+              </a:ext>
+            </a:extLst>
+          </a:blip>
+          <a:stretch>
+            <a:fillRect/>
+          </a:stretch>
+        </p:blipFill>
+        <p:spPr>
+          <a:xfrm>
+            <a:off x="4038600" y="1752600"/>
+            <a:ext cx="3606412" cy="4724400"/>
+          </a:xfrm>
+          <a:prstGeom prst="rect">
+            <a:avLst/>
+          </a:prstGeom>
+        </p:spPr>
+      </p:pic>
+    </p:spTree>
+  </p:cSld>
+  <p:clrMapOvr>
+    <a:masterClrMapping/>
+  </p:clrMapOvr>
+  <p:transition xmlns:p14="http://schemas.microsoft.com/office/powerpoint/2010/main">
+    <p:fade/>
+  </p:transition>
+  <p:timing>
+    <p:tnLst>
+      <p:par>
+        <p:cTn xmlns:p14="http://schemas.microsoft.com/office/powerpoint/2010/main" id="1" dur="indefinite" restart="never" nodeType="tmRoot"/>
+      </p:par>
+    </p:tnLst>
+  </p:timing>
+</p:sld>
+</file>
+
+<file path=ppt/slides/slide20.xml><?xml version="1.0" encoding="utf-8"?>
 <p:sld xmlns:a="http://schemas.openxmlformats.org/drawingml/2006/main" xmlns:r="http://schemas.openxmlformats.org/officeDocument/2006/relationships" xmlns:p="http://schemas.openxmlformats.org/presentationml/2006/main">
   <p:cSld>
     <p:spTree>
@@ -16186,7 +16383,7 @@
 </p:sld>
 </file>
 
-<file path=ppt/slides/slide18.xml><?xml version="1.0" encoding="utf-8"?>
+<file path=ppt/slides/slide21.xml><?xml version="1.0" encoding="utf-8"?>
 <p:sld xmlns:a="http://schemas.openxmlformats.org/drawingml/2006/main" xmlns:r="http://schemas.openxmlformats.org/officeDocument/2006/relationships" xmlns:p="http://schemas.openxmlformats.org/presentationml/2006/main">
   <p:cSld>
     <p:spTree>
@@ -16354,149 +16551,7 @@
 </p:sld>
 </file>
 
-<file path=ppt/slides/slide19.xml><?xml version="1.0" encoding="utf-8"?>
-<p:sld xmlns:a="http://schemas.openxmlformats.org/drawingml/2006/main" xmlns:r="http://schemas.openxmlformats.org/officeDocument/2006/relationships" xmlns:p="http://schemas.openxmlformats.org/presentationml/2006/main">
-  <p:cSld>
-    <p:spTree>
-      <p:nvGrpSpPr>
-        <p:cNvPr id="1" name=""/>
-        <p:cNvGrpSpPr/>
-        <p:nvPr/>
-      </p:nvGrpSpPr>
-      <p:grpSpPr>
-        <a:xfrm>
-          <a:off x="0" y="0"/>
-          <a:ext cx="0" cy="0"/>
-          <a:chOff x="0" y="0"/>
-          <a:chExt cx="0" cy="0"/>
-        </a:xfrm>
-      </p:grpSpPr>
-      <p:sp>
-        <p:nvSpPr>
-          <p:cNvPr id="2" name="Title 1"/>
-          <p:cNvSpPr>
-            <a:spLocks noGrp="1"/>
-          </p:cNvSpPr>
-          <p:nvPr>
-            <p:ph type="title"/>
-          </p:nvPr>
-        </p:nvSpPr>
-        <p:spPr>
-          <a:xfrm>
-            <a:off x="0" y="230188"/>
-            <a:ext cx="9144000" cy="677108"/>
-          </a:xfrm>
-        </p:spPr>
-        <p:txBody>
-          <a:bodyPr/>
-          <a:lstStyle/>
-          <a:p>
-            <a:r>
-              <a:rPr lang="en-US" dirty="0" smtClean="0"/>
-              <a:t>How to Do Generic Programming</a:t>
-            </a:r>
-            <a:endParaRPr lang="en-US" dirty="0"/>
-          </a:p>
-        </p:txBody>
-      </p:sp>
-      <p:sp>
-        <p:nvSpPr>
-          <p:cNvPr id="3" name="Text Placeholder 2"/>
-          <p:cNvSpPr>
-            <a:spLocks noGrp="1"/>
-          </p:cNvSpPr>
-          <p:nvPr>
-            <p:ph type="body" sz="quarter" idx="10"/>
-          </p:nvPr>
-        </p:nvSpPr>
-        <p:spPr>
-          <a:xfrm>
-            <a:off x="381000" y="1371600"/>
-            <a:ext cx="8382000" cy="3811299"/>
-          </a:xfrm>
-        </p:spPr>
-        <p:txBody>
-          <a:bodyPr/>
-          <a:lstStyle/>
-          <a:p>
-            <a:r>
-              <a:rPr lang="en-US" dirty="0" smtClean="0"/>
-              <a:t>Flat is better than nested?</a:t>
-            </a:r>
-          </a:p>
-          <a:p>
-            <a:pPr lvl="1"/>
-            <a:r>
-              <a:rPr lang="en-US" dirty="0" smtClean="0"/>
-              <a:t>Trade</a:t>
-            </a:r>
-            <a:r>
-              <a:rPr lang="en-US" dirty="0"/>
-              <a:t>-off: the resulting code is going to be </a:t>
-            </a:r>
-            <a:r>
-              <a:rPr lang="en-US" dirty="0" smtClean="0"/>
-              <a:t>harder to grasp </a:t>
-            </a:r>
-            <a:r>
-              <a:rPr lang="en-US" dirty="0"/>
-              <a:t>for people not familiar with </a:t>
-            </a:r>
-            <a:r>
-              <a:rPr lang="en-US" dirty="0" smtClean="0"/>
-              <a:t>such abstractions.</a:t>
-            </a:r>
-          </a:p>
-          <a:p>
-            <a:pPr lvl="1"/>
-            <a:r>
-              <a:rPr lang="en-US" dirty="0" smtClean="0"/>
-              <a:t>This </a:t>
-            </a:r>
-            <a:r>
-              <a:rPr lang="en-US" dirty="0"/>
-              <a:t>is OK, because it enables skilled software engineers to create a “fill-in-the-template” system for the use of social scientists who are not highly skilled </a:t>
-            </a:r>
-            <a:r>
-              <a:rPr lang="en-US" dirty="0" smtClean="0"/>
-              <a:t>programmers</a:t>
-            </a:r>
-            <a:r>
-              <a:rPr lang="en-US" dirty="0"/>
-              <a:t>.</a:t>
-            </a:r>
-            <a:endParaRPr lang="en-US" dirty="0"/>
-          </a:p>
-          <a:p>
-            <a:pPr lvl="1"/>
-            <a:endParaRPr lang="en-US" dirty="0"/>
-          </a:p>
-        </p:txBody>
-      </p:sp>
-    </p:spTree>
-    <p:extLst>
-      <p:ext uri="{BB962C8B-B14F-4D97-AF65-F5344CB8AC3E}">
-        <p14:creationId xmlns:p14="http://schemas.microsoft.com/office/powerpoint/2010/main" val="3526871055"/>
-      </p:ext>
-    </p:extLst>
-  </p:cSld>
-  <p:clrMapOvr>
-    <a:masterClrMapping/>
-  </p:clrMapOvr>
-  <p:transition xmlns:p14="http://schemas.microsoft.com/office/powerpoint/2010/main">
-    <p:fade/>
-  </p:transition>
-  <p:timing>
-    <p:tnLst>
-      <p:par>
-        <p:cTn xmlns:p14="http://schemas.microsoft.com/office/powerpoint/2010/main" id="1" dur="indefinite" restart="never" nodeType="tmRoot"/>
-      </p:par>
-    </p:tnLst>
-  </p:timing>
-</p:sld>
-</file>
-
-<file path=ppt/slides/slide2.xml><?xml version="1.0" encoding="utf-8"?>
+<file path=ppt/slides/slide22.xml><?xml version="1.0" encoding="utf-8"?>
 <p:sld xmlns:a="http://schemas.openxmlformats.org/drawingml/2006/main" xmlns:r="http://schemas.openxmlformats.org/officeDocument/2006/relationships" xmlns:p="http://schemas.openxmlformats.org/presentationml/2006/main">
   <p:cSld>
     <p:spTree>
@@ -16526,35 +16581,18 @@
         <p:spPr>
           <a:xfrm>
             <a:off x="381000" y="230188"/>
-            <a:ext cx="8382000" cy="1163395"/>
+            <a:ext cx="8382000" cy="677108"/>
           </a:xfrm>
         </p:spPr>
         <p:txBody>
-          <a:bodyPr>
-            <a:normAutofit/>
-          </a:bodyPr>
+          <a:bodyPr/>
           <a:lstStyle/>
           <a:p>
             <a:r>
               <a:rPr lang="en-US" dirty="0" smtClean="0"/>
-              <a:t>Generic Programming</a:t>
-            </a:r>
-            <a:br>
-              <a:rPr lang="en-US" dirty="0" smtClean="0"/>
-            </a:br>
-            <a:r>
-              <a:rPr lang="en-US" sz="3600" dirty="0" smtClean="0">
-                <a:solidFill>
-                  <a:schemeClr val="tx2"/>
-                </a:solidFill>
-              </a:rPr>
-              <a:t>Abstracting logic from data</a:t>
-            </a:r>
-            <a:endParaRPr lang="en-US" dirty="0">
-              <a:solidFill>
-                <a:schemeClr val="tx2"/>
-              </a:solidFill>
-            </a:endParaRPr>
+              <a:t>How to Do Generic Programming</a:t>
+            </a:r>
+            <a:endParaRPr lang="en-US" dirty="0"/>
           </a:p>
         </p:txBody>
       </p:sp>
@@ -16570,89 +16608,85 @@
         </p:nvSpPr>
         <p:spPr>
           <a:xfrm>
-            <a:off x="381000" y="1828800"/>
-            <a:ext cx="8382000" cy="3502497"/>
+            <a:off x="381000" y="1371600"/>
+            <a:ext cx="8382000" cy="4352986"/>
           </a:xfrm>
         </p:spPr>
         <p:txBody>
-          <a:bodyPr>
-            <a:normAutofit/>
-          </a:bodyPr>
+          <a:bodyPr/>
           <a:lstStyle/>
           <a:p>
             <a:r>
               <a:rPr lang="en-US" dirty="0" smtClean="0"/>
-              <a:t>Inspired by abstract algebra</a:t>
+              <a:t>Flat is better than nested</a:t>
+            </a:r>
+            <a:r>
+              <a:rPr lang="en-US" dirty="0" smtClean="0"/>
+              <a:t>?</a:t>
             </a:r>
           </a:p>
           <a:p>
             <a:pPr lvl="1"/>
             <a:r>
               <a:rPr lang="en-US" dirty="0" smtClean="0"/>
-              <a:t>“Addition” can be any operation that follows the </a:t>
-            </a:r>
-            <a:r>
-              <a:rPr lang="en-US" i="1" dirty="0" smtClean="0"/>
-              <a:t>pattern</a:t>
-            </a:r>
+              <a:t>We have chosen nested.</a:t>
+            </a:r>
+            <a:endParaRPr lang="en-US" dirty="0" smtClean="0"/>
+          </a:p>
+          <a:p>
+            <a:pPr lvl="1"/>
             <a:r>
               <a:rPr lang="en-US" dirty="0" smtClean="0"/>
-              <a:t> of addition</a:t>
+              <a:t>Trade</a:t>
+            </a:r>
+            <a:r>
+              <a:rPr lang="en-US" dirty="0"/>
+              <a:t>-off: the resulting code is going to be </a:t>
+            </a:r>
+            <a:r>
+              <a:rPr lang="en-US" dirty="0" smtClean="0"/>
+              <a:t>harder to grasp </a:t>
+            </a:r>
+            <a:r>
+              <a:rPr lang="en-US" dirty="0"/>
+              <a:t>for people not familiar with </a:t>
+            </a:r>
+            <a:r>
+              <a:rPr lang="en-US" dirty="0" smtClean="0"/>
+              <a:t>such abstractions.</a:t>
             </a:r>
           </a:p>
           <a:p>
             <a:pPr lvl="1"/>
             <a:r>
               <a:rPr lang="en-US" dirty="0" smtClean="0"/>
-              <a:t>The addition operation should:</a:t>
-            </a:r>
-          </a:p>
-          <a:p>
-            <a:pPr lvl="2"/>
+              <a:t>This </a:t>
+            </a:r>
+            <a:r>
+              <a:rPr lang="en-US" dirty="0"/>
+              <a:t>is OK, because it enables skilled software engineers to create a “fill-in-the-template” system for the use of social scientists who are not highly skilled </a:t>
+            </a:r>
             <a:r>
               <a:rPr lang="en-US" dirty="0" smtClean="0"/>
-              <a:t>Be associative</a:t>
-            </a:r>
-          </a:p>
-          <a:p>
-            <a:pPr lvl="2"/>
-            <a:r>
-              <a:rPr lang="en-US" dirty="0" smtClean="0"/>
-              <a:t>Be commutative</a:t>
-            </a:r>
-          </a:p>
-          <a:p>
-            <a:pPr lvl="2"/>
-            <a:r>
-              <a:rPr lang="en-US" dirty="0" smtClean="0"/>
-              <a:t>Have an identity element (e.g., 0, or the unknot)</a:t>
-            </a:r>
+              <a:t>programmers</a:t>
+            </a:r>
+            <a:r>
+              <a:rPr lang="en-US" dirty="0"/>
+              <a:t>.</a:t>
+            </a:r>
+          </a:p>
+          <a:p>
+            <a:pPr lvl="1"/>
+            <a:endParaRPr lang="en-US" dirty="0"/>
           </a:p>
         </p:txBody>
       </p:sp>
-      <p:graphicFrame>
-        <p:nvGraphicFramePr>
-          <p:cNvPr id="5" name="Diagram 4"/>
-          <p:cNvGraphicFramePr/>
-          <p:nvPr>
-            <p:extLst>
-              <p:ext uri="{D42A27DB-BD31-4B8C-83A1-F6EECF244321}">
-                <p14:modId xmlns:p14="http://schemas.microsoft.com/office/powerpoint/2010/main" val="3339970318"/>
-              </p:ext>
-            </p:extLst>
-          </p:nvPr>
-        </p:nvGraphicFramePr>
-        <p:xfrm>
-          <a:off x="5181600" y="5029200"/>
-          <a:ext cx="3124200" cy="1676400"/>
-        </p:xfrm>
-        <a:graphic>
-          <a:graphicData uri="http://schemas.openxmlformats.org/drawingml/2006/diagram">
-            <dgm:relIds xmlns:dgm="http://schemas.openxmlformats.org/drawingml/2006/diagram" xmlns:r="http://schemas.openxmlformats.org/officeDocument/2006/relationships" r:dm="rId3" r:lo="rId4" r:qs="rId5" r:cs="rId6"/>
-          </a:graphicData>
-        </a:graphic>
-      </p:graphicFrame>
     </p:spTree>
+    <p:extLst>
+      <p:ext uri="{BB962C8B-B14F-4D97-AF65-F5344CB8AC3E}">
+        <p14:creationId xmlns:p14="http://schemas.microsoft.com/office/powerpoint/2010/main" val="3526871055"/>
+      </p:ext>
+    </p:extLst>
   </p:cSld>
   <p:clrMapOvr>
     <a:masterClrMapping/>
@@ -16670,7 +16704,7 @@
 </p:sld>
 </file>
 
-<file path=ppt/slides/slide20.xml><?xml version="1.0" encoding="utf-8"?>
+<file path=ppt/slides/slide23.xml><?xml version="1.0" encoding="utf-8"?>
 <p:sld xmlns:a="http://schemas.openxmlformats.org/drawingml/2006/main" xmlns:r="http://schemas.openxmlformats.org/officeDocument/2006/relationships" xmlns:p="http://schemas.openxmlformats.org/presentationml/2006/main">
   <p:cSld>
     <p:spTree>
@@ -16699,8 +16733,8 @@
         </p:nvSpPr>
         <p:spPr>
           <a:xfrm>
-            <a:off x="0" y="230188"/>
-            <a:ext cx="9144000" cy="677108"/>
+            <a:off x="533400" y="230188"/>
+            <a:ext cx="8001000" cy="677108"/>
           </a:xfrm>
         </p:spPr>
         <p:txBody>
@@ -16942,7 +16976,111 @@
 </p:sld>
 </file>
 
-<file path=ppt/slides/slide21.xml><?xml version="1.0" encoding="utf-8"?>
+<file path=ppt/slides/slide24.xml><?xml version="1.0" encoding="utf-8"?>
+<p:sld xmlns:a="http://schemas.openxmlformats.org/drawingml/2006/main" xmlns:r="http://schemas.openxmlformats.org/officeDocument/2006/relationships" xmlns:p="http://schemas.openxmlformats.org/presentationml/2006/main">
+  <p:cSld>
+    <p:spTree>
+      <p:nvGrpSpPr>
+        <p:cNvPr id="1" name=""/>
+        <p:cNvGrpSpPr/>
+        <p:nvPr/>
+      </p:nvGrpSpPr>
+      <p:grpSpPr>
+        <a:xfrm>
+          <a:off x="0" y="0"/>
+          <a:ext cx="0" cy="0"/>
+          <a:chOff x="0" y="0"/>
+          <a:chExt cx="0" cy="0"/>
+        </a:xfrm>
+      </p:grpSpPr>
+      <p:sp>
+        <p:nvSpPr>
+          <p:cNvPr id="2" name="Title 1"/>
+          <p:cNvSpPr>
+            <a:spLocks noGrp="1"/>
+          </p:cNvSpPr>
+          <p:nvPr>
+            <p:ph type="title"/>
+          </p:nvPr>
+        </p:nvSpPr>
+        <p:spPr>
+          <a:xfrm>
+            <a:off x="381000" y="230188"/>
+            <a:ext cx="8153400" cy="677108"/>
+          </a:xfrm>
+        </p:spPr>
+        <p:txBody>
+          <a:bodyPr/>
+          <a:lstStyle/>
+          <a:p>
+            <a:r>
+              <a:rPr lang="en-US" dirty="0" smtClean="0"/>
+              <a:t>Final note</a:t>
+            </a:r>
+            <a:endParaRPr lang="en-US" dirty="0"/>
+          </a:p>
+        </p:txBody>
+      </p:sp>
+      <p:sp>
+        <p:nvSpPr>
+          <p:cNvPr id="3" name="Text Placeholder 2"/>
+          <p:cNvSpPr>
+            <a:spLocks noGrp="1"/>
+          </p:cNvSpPr>
+          <p:nvPr>
+            <p:ph type="body" sz="quarter" idx="10"/>
+          </p:nvPr>
+        </p:nvSpPr>
+        <p:spPr>
+          <a:xfrm>
+            <a:off x="381000" y="1371600"/>
+            <a:ext cx="8382000" cy="894604"/>
+          </a:xfrm>
+        </p:spPr>
+        <p:txBody>
+          <a:bodyPr/>
+          <a:lstStyle/>
+          <a:p>
+            <a:r>
+              <a:rPr lang="en-US" dirty="0" smtClean="0"/>
+              <a:t>Contributors welcome! The project is on </a:t>
+            </a:r>
+            <a:r>
+              <a:rPr lang="en-US" dirty="0" err="1" smtClean="0"/>
+              <a:t>GitHub</a:t>
+            </a:r>
+            <a:r>
+              <a:rPr lang="en-US" dirty="0" smtClean="0"/>
+              <a:t>.</a:t>
+            </a:r>
+            <a:endParaRPr lang="en-US" dirty="0" smtClean="0"/>
+          </a:p>
+        </p:txBody>
+      </p:sp>
+    </p:spTree>
+    <p:extLst>
+      <p:ext uri="{BB962C8B-B14F-4D97-AF65-F5344CB8AC3E}">
+        <p14:creationId xmlns:p14="http://schemas.microsoft.com/office/powerpoint/2010/main" val="3965056846"/>
+      </p:ext>
+    </p:extLst>
+  </p:cSld>
+  <p:clrMapOvr>
+    <a:masterClrMapping/>
+  </p:clrMapOvr>
+  <p:transition xmlns:p14="http://schemas.microsoft.com/office/powerpoint/2010/main">
+    <p:fade/>
+  </p:transition>
+  <p:timing>
+    <p:tnLst>
+      <p:par>
+        <p:cTn xmlns:p14="http://schemas.microsoft.com/office/powerpoint/2010/main" id="1" dur="indefinite" restart="never" nodeType="tmRoot"/>
+      </p:par>
+    </p:tnLst>
+  </p:timing>
+</p:sld>
+</file>
+
+<file path=ppt/slides/slide25.xml><?xml version="1.0" encoding="utf-8"?>
 <p:sld xmlns:a="http://schemas.openxmlformats.org/drawingml/2006/main" xmlns:r="http://schemas.openxmlformats.org/officeDocument/2006/relationships" xmlns:p="http://schemas.openxmlformats.org/presentationml/2006/main">
   <p:cSld>
     <p:spTree>
@@ -17008,13 +17146,13 @@
         </p:nvSpPr>
         <p:spPr>
           <a:xfrm>
-            <a:off x="381000" y="1295400"/>
-            <a:ext cx="8382000" cy="5029200"/>
+            <a:off x="381000" y="838200"/>
+            <a:ext cx="8382000" cy="5486400"/>
           </a:xfrm>
         </p:spPr>
         <p:txBody>
           <a:bodyPr>
-            <a:normAutofit/>
+            <a:normAutofit fontScale="92500" lnSpcReduction="20000"/>
           </a:bodyPr>
           <a:lstStyle/>
           <a:p>
@@ -17060,6 +17198,29 @@
                 <a:hlinkClick r:id="rId3"/>
               </a:rPr>
               <a:t>File:Knot_with_borromean_rings_in_jsj_decomp_small.png</a:t>
+            </a:r>
+            <a:endParaRPr lang="en-US" dirty="0" smtClean="0"/>
+          </a:p>
+          <a:p>
+            <a:r>
+              <a:rPr lang="en-US" dirty="0"/>
+              <a:t>"Stonehenge on 27.01.08" by </a:t>
+            </a:r>
+            <a:r>
+              <a:rPr lang="en-US" dirty="0" err="1"/>
+              <a:t>Mavratti</a:t>
+            </a:r>
+            <a:r>
+              <a:rPr lang="en-US" dirty="0"/>
+              <a:t> - Own work. Licensed under Public Domain via Wikimedia Commons - https://</a:t>
+            </a:r>
+            <a:r>
+              <a:rPr lang="en-US" dirty="0" err="1"/>
+              <a:t>commons.wikimedia.org</a:t>
+            </a:r>
+            <a:r>
+              <a:rPr lang="en-US" dirty="0"/>
+              <a:t>/wiki/File:Stonehenge_on_27.01.08.jpg#/media/File:Stonehenge_on_27.01.08.jpg</a:t>
             </a:r>
             <a:endParaRPr lang="en-US" dirty="0" smtClean="0"/>
           </a:p>
@@ -17097,7 +17258,7 @@
 </p:sld>
 </file>
 
-<file path=ppt/slides/slide22.xml><?xml version="1.0" encoding="utf-8"?>
+<file path=ppt/slides/slide3.xml><?xml version="1.0" encoding="utf-8"?>
 <p:sld xmlns:a="http://schemas.openxmlformats.org/drawingml/2006/main" xmlns:r="http://schemas.openxmlformats.org/officeDocument/2006/relationships" xmlns:p="http://schemas.openxmlformats.org/presentationml/2006/main">
   <p:cSld>
     <p:spTree>
@@ -17126,23 +17287,31 @@
         </p:nvSpPr>
         <p:spPr>
           <a:xfrm>
-            <a:off x="381000" y="230189"/>
-            <a:ext cx="8382000" cy="836612"/>
+            <a:off x="381000" y="230188"/>
+            <a:ext cx="8382000" cy="1163395"/>
           </a:xfrm>
         </p:spPr>
         <p:txBody>
           <a:bodyPr>
-            <a:normAutofit fontScale="90000"/>
+            <a:normAutofit/>
           </a:bodyPr>
           <a:lstStyle/>
           <a:p>
             <a:r>
               <a:rPr lang="en-US" dirty="0" smtClean="0"/>
-              <a:t>Credits</a:t>
+              <a:t>Generic Programming</a:t>
             </a:r>
             <a:br>
               <a:rPr lang="en-US" dirty="0" smtClean="0"/>
             </a:br>
+            <a:r>
+              <a:rPr lang="en-US" sz="3600" dirty="0" smtClean="0">
+                <a:solidFill>
+                  <a:schemeClr val="tx2"/>
+                </a:solidFill>
+              </a:rPr>
+              <a:t>Abstracting logic from data</a:t>
+            </a:r>
             <a:endParaRPr lang="en-US" dirty="0">
               <a:solidFill>
                 <a:schemeClr val="tx2"/>
@@ -17163,8 +17332,8 @@
         </p:nvSpPr>
         <p:spPr>
           <a:xfrm>
-            <a:off x="381000" y="1295400"/>
-            <a:ext cx="8382000" cy="5029200"/>
+            <a:off x="381000" y="1828800"/>
+            <a:ext cx="8382000" cy="3502497"/>
           </a:xfrm>
         </p:spPr>
         <p:txBody>
@@ -17173,66 +17342,82 @@
           </a:bodyPr>
           <a:lstStyle/>
           <a:p>
-            <a:endParaRPr lang="en-US" dirty="0" smtClean="0"/>
-          </a:p>
-          <a:p>
-            <a:r>
-              <a:rPr lang="en-US" dirty="0"/>
-              <a:t>"Knot with </a:t>
-            </a:r>
-            <a:r>
-              <a:rPr lang="en-US" dirty="0" err="1"/>
-              <a:t>borromean</a:t>
-            </a:r>
-            <a:r>
-              <a:rPr lang="en-US" dirty="0"/>
-              <a:t> rings in </a:t>
-            </a:r>
-            <a:r>
-              <a:rPr lang="en-US" dirty="0" err="1"/>
-              <a:t>jsj</a:t>
-            </a:r>
-            <a:r>
-              <a:rPr lang="en-US" dirty="0"/>
-              <a:t> </a:t>
-            </a:r>
-            <a:r>
-              <a:rPr lang="en-US" dirty="0" err="1"/>
-              <a:t>decomp</a:t>
-            </a:r>
-            <a:r>
-              <a:rPr lang="en-US" dirty="0"/>
-              <a:t> small". Licensed under CC BY-SA 3.0 via Wikipedia - </a:t>
-            </a:r>
-            <a:r>
-              <a:rPr lang="en-US" dirty="0">
-                <a:hlinkClick r:id="rId3"/>
-              </a:rPr>
-              <a:t>https://en.wikipedia.org/wiki/File:Knot_with_borromean_rings_in_jsj_decomp_small.png#/media/</a:t>
-            </a:r>
-            <a:r>
-              <a:rPr lang="en-US" dirty="0" smtClean="0">
-                <a:hlinkClick r:id="rId3"/>
-              </a:rPr>
-              <a:t>File:Knot_with_borromean_rings_in_jsj_decomp_small.png</a:t>
-            </a:r>
-            <a:endParaRPr lang="en-US" dirty="0" smtClean="0"/>
-          </a:p>
-          <a:p>
             <a:r>
               <a:rPr lang="en-US" dirty="0" smtClean="0"/>
-              <a:t>The Mesa team at George Mason has contributed code to this project.</a:t>
-            </a:r>
-          </a:p>
-          <a:p>
-            <a:endParaRPr lang="en-US" dirty="0" smtClean="0"/>
+              <a:t>Inspired by abstract algebra</a:t>
+            </a:r>
+          </a:p>
+          <a:p>
+            <a:pPr lvl="1"/>
+            <a:r>
+              <a:rPr lang="en-US" dirty="0" smtClean="0"/>
+              <a:t>“Addition” can be any operation that follows the </a:t>
+            </a:r>
+            <a:r>
+              <a:rPr lang="en-US" i="1" dirty="0" smtClean="0"/>
+              <a:t>pattern</a:t>
+            </a:r>
+            <a:r>
+              <a:rPr lang="en-US" dirty="0" smtClean="0"/>
+              <a:t> of addition</a:t>
+            </a:r>
+          </a:p>
+          <a:p>
+            <a:pPr lvl="1"/>
+            <a:r>
+              <a:rPr lang="en-US" dirty="0" smtClean="0"/>
+              <a:t>The addition operation should:</a:t>
+            </a:r>
+          </a:p>
+          <a:p>
+            <a:pPr lvl="2"/>
+            <a:r>
+              <a:rPr lang="en-US" dirty="0" smtClean="0"/>
+              <a:t>Be associative</a:t>
+            </a:r>
+          </a:p>
+          <a:p>
+            <a:pPr lvl="2"/>
+            <a:r>
+              <a:rPr lang="en-US" dirty="0" smtClean="0"/>
+              <a:t>Be commutative</a:t>
+            </a:r>
+          </a:p>
+          <a:p>
+            <a:pPr lvl="2"/>
+            <a:r>
+              <a:rPr lang="en-US" dirty="0" smtClean="0"/>
+              <a:t>Have an identity element (e.g., 0, or the unknot)</a:t>
+            </a:r>
           </a:p>
         </p:txBody>
       </p:sp>
+      <p:graphicFrame>
+        <p:nvGraphicFramePr>
+          <p:cNvPr id="5" name="Diagram 4"/>
+          <p:cNvGraphicFramePr/>
+          <p:nvPr>
+            <p:extLst>
+              <p:ext uri="{D42A27DB-BD31-4B8C-83A1-F6EECF244321}">
+                <p14:modId xmlns:p14="http://schemas.microsoft.com/office/powerpoint/2010/main" val="1420844482"/>
+              </p:ext>
+            </p:extLst>
+          </p:nvPr>
+        </p:nvGraphicFramePr>
+        <p:xfrm>
+          <a:off x="5181600" y="5029200"/>
+          <a:ext cx="3124200" cy="1676400"/>
+        </p:xfrm>
+        <a:graphic>
+          <a:graphicData uri="http://schemas.openxmlformats.org/drawingml/2006/diagram">
+            <dgm:relIds xmlns:dgm="http://schemas.openxmlformats.org/drawingml/2006/diagram" xmlns:r="http://schemas.openxmlformats.org/officeDocument/2006/relationships" r:dm="rId3" r:lo="rId4" r:qs="rId5" r:cs="rId6"/>
+          </a:graphicData>
+        </a:graphic>
+      </p:graphicFrame>
     </p:spTree>
     <p:extLst>
       <p:ext uri="{BB962C8B-B14F-4D97-AF65-F5344CB8AC3E}">
-        <p14:creationId xmlns:p14="http://schemas.microsoft.com/office/powerpoint/2010/main" val="3729891041"/>
+        <p14:creationId xmlns:p14="http://schemas.microsoft.com/office/powerpoint/2010/main" val="181375898"/>
       </p:ext>
     </p:extLst>
   </p:cSld>
@@ -17252,675 +17437,7 @@
 </p:sld>
 </file>
 
-<file path=ppt/slides/slide23.xml><?xml version="1.0" encoding="utf-8"?>
-<p:sld xmlns:a="http://schemas.openxmlformats.org/drawingml/2006/main" xmlns:r="http://schemas.openxmlformats.org/officeDocument/2006/relationships" xmlns:p="http://schemas.openxmlformats.org/presentationml/2006/main">
-  <p:cSld>
-    <p:spTree>
-      <p:nvGrpSpPr>
-        <p:cNvPr id="1" name=""/>
-        <p:cNvGrpSpPr/>
-        <p:nvPr/>
-      </p:nvGrpSpPr>
-      <p:grpSpPr>
-        <a:xfrm>
-          <a:off x="0" y="0"/>
-          <a:ext cx="0" cy="0"/>
-          <a:chOff x="0" y="0"/>
-          <a:chExt cx="0" cy="0"/>
-        </a:xfrm>
-      </p:grpSpPr>
-      <p:sp>
-        <p:nvSpPr>
-          <p:cNvPr id="2" name="Title 1"/>
-          <p:cNvSpPr>
-            <a:spLocks noGrp="1"/>
-          </p:cNvSpPr>
-          <p:nvPr>
-            <p:ph type="title"/>
-          </p:nvPr>
-        </p:nvSpPr>
-        <p:spPr>
-          <a:xfrm>
-            <a:off x="381000" y="230189"/>
-            <a:ext cx="8382000" cy="836612"/>
-          </a:xfrm>
-        </p:spPr>
-        <p:txBody>
-          <a:bodyPr>
-            <a:normAutofit fontScale="90000"/>
-          </a:bodyPr>
-          <a:lstStyle/>
-          <a:p>
-            <a:r>
-              <a:rPr lang="en-US" dirty="0" smtClean="0"/>
-              <a:t>Credits</a:t>
-            </a:r>
-            <a:br>
-              <a:rPr lang="en-US" dirty="0" smtClean="0"/>
-            </a:br>
-            <a:endParaRPr lang="en-US" dirty="0">
-              <a:solidFill>
-                <a:schemeClr val="tx2"/>
-              </a:solidFill>
-            </a:endParaRPr>
-          </a:p>
-        </p:txBody>
-      </p:sp>
-      <p:sp>
-        <p:nvSpPr>
-          <p:cNvPr id="3" name="Text Placeholder 2"/>
-          <p:cNvSpPr>
-            <a:spLocks noGrp="1"/>
-          </p:cNvSpPr>
-          <p:nvPr>
-            <p:ph type="body" sz="quarter" idx="10"/>
-          </p:nvPr>
-        </p:nvSpPr>
-        <p:spPr>
-          <a:xfrm>
-            <a:off x="381000" y="1295400"/>
-            <a:ext cx="8382000" cy="5029200"/>
-          </a:xfrm>
-        </p:spPr>
-        <p:txBody>
-          <a:bodyPr>
-            <a:normAutofit/>
-          </a:bodyPr>
-          <a:lstStyle/>
-          <a:p>
-            <a:endParaRPr lang="en-US" dirty="0" smtClean="0"/>
-          </a:p>
-          <a:p>
-            <a:r>
-              <a:rPr lang="en-US" dirty="0"/>
-              <a:t>"Knot with </a:t>
-            </a:r>
-            <a:r>
-              <a:rPr lang="en-US" dirty="0" err="1"/>
-              <a:t>borromean</a:t>
-            </a:r>
-            <a:r>
-              <a:rPr lang="en-US" dirty="0"/>
-              <a:t> rings in </a:t>
-            </a:r>
-            <a:r>
-              <a:rPr lang="en-US" dirty="0" err="1"/>
-              <a:t>jsj</a:t>
-            </a:r>
-            <a:r>
-              <a:rPr lang="en-US" dirty="0"/>
-              <a:t> </a:t>
-            </a:r>
-            <a:r>
-              <a:rPr lang="en-US" dirty="0" err="1"/>
-              <a:t>decomp</a:t>
-            </a:r>
-            <a:r>
-              <a:rPr lang="en-US" dirty="0"/>
-              <a:t> small". Licensed under CC BY-SA 3.0 via Wikipedia - </a:t>
-            </a:r>
-            <a:r>
-              <a:rPr lang="en-US" dirty="0">
-                <a:hlinkClick r:id="rId3"/>
-              </a:rPr>
-              <a:t>https://en.wikipedia.org/wiki/File:Knot_with_borromean_rings_in_jsj_decomp_small.png#/media/</a:t>
-            </a:r>
-            <a:r>
-              <a:rPr lang="en-US" dirty="0" smtClean="0">
-                <a:hlinkClick r:id="rId3"/>
-              </a:rPr>
-              <a:t>File:Knot_with_borromean_rings_in_jsj_decomp_small.png</a:t>
-            </a:r>
-            <a:endParaRPr lang="en-US" dirty="0" smtClean="0"/>
-          </a:p>
-          <a:p>
-            <a:r>
-              <a:rPr lang="en-US" dirty="0" smtClean="0"/>
-              <a:t>The Mesa team at George Mason has contributed code to this project.</a:t>
-            </a:r>
-          </a:p>
-          <a:p>
-            <a:endParaRPr lang="en-US" dirty="0" smtClean="0"/>
-          </a:p>
-        </p:txBody>
-      </p:sp>
-    </p:spTree>
-    <p:extLst>
-      <p:ext uri="{BB962C8B-B14F-4D97-AF65-F5344CB8AC3E}">
-        <p14:creationId xmlns:p14="http://schemas.microsoft.com/office/powerpoint/2010/main" val="69031901"/>
-      </p:ext>
-    </p:extLst>
-  </p:cSld>
-  <p:clrMapOvr>
-    <a:masterClrMapping/>
-  </p:clrMapOvr>
-  <p:transition xmlns:p14="http://schemas.microsoft.com/office/powerpoint/2010/main">
-    <p:fade/>
-  </p:transition>
-  <p:timing>
-    <p:tnLst>
-      <p:par>
-        <p:cTn xmlns:p14="http://schemas.microsoft.com/office/powerpoint/2010/main" id="1" dur="indefinite" restart="never" nodeType="tmRoot"/>
-      </p:par>
-    </p:tnLst>
-  </p:timing>
-</p:sld>
-</file>
-
-<file path=ppt/slides/slide24.xml><?xml version="1.0" encoding="utf-8"?>
-<p:sld xmlns:a="http://schemas.openxmlformats.org/drawingml/2006/main" xmlns:r="http://schemas.openxmlformats.org/officeDocument/2006/relationships" xmlns:p="http://schemas.openxmlformats.org/presentationml/2006/main">
-  <p:cSld>
-    <p:spTree>
-      <p:nvGrpSpPr>
-        <p:cNvPr id="1" name=""/>
-        <p:cNvGrpSpPr/>
-        <p:nvPr/>
-      </p:nvGrpSpPr>
-      <p:grpSpPr>
-        <a:xfrm>
-          <a:off x="0" y="0"/>
-          <a:ext cx="0" cy="0"/>
-          <a:chOff x="0" y="0"/>
-          <a:chExt cx="0" cy="0"/>
-        </a:xfrm>
-      </p:grpSpPr>
-      <p:sp>
-        <p:nvSpPr>
-          <p:cNvPr id="2" name="Title 1"/>
-          <p:cNvSpPr>
-            <a:spLocks noGrp="1"/>
-          </p:cNvSpPr>
-          <p:nvPr>
-            <p:ph type="title"/>
-          </p:nvPr>
-        </p:nvSpPr>
-        <p:spPr/>
-        <p:txBody>
-          <a:bodyPr/>
-          <a:lstStyle/>
-          <a:p>
-            <a:r>
-              <a:rPr lang="en-US" dirty="0" smtClean="0"/>
-              <a:t>PowerPoint Guidelines</a:t>
-            </a:r>
-            <a:endParaRPr lang="en-US" dirty="0"/>
-          </a:p>
-        </p:txBody>
-      </p:sp>
-      <p:sp>
-        <p:nvSpPr>
-          <p:cNvPr id="3" name="Text Placeholder 2"/>
-          <p:cNvSpPr>
-            <a:spLocks noGrp="1"/>
-          </p:cNvSpPr>
-          <p:nvPr>
-            <p:ph type="body" sz="quarter" idx="10"/>
-          </p:nvPr>
-        </p:nvSpPr>
-        <p:spPr>
-          <a:xfrm>
-            <a:off x="381000" y="1411552"/>
-            <a:ext cx="8382000" cy="2627048"/>
-          </a:xfrm>
-        </p:spPr>
-        <p:txBody>
-          <a:bodyPr/>
-          <a:lstStyle/>
-          <a:p>
-            <a:r>
-              <a:rPr lang="en-US" dirty="0" smtClean="0"/>
-              <a:t>Font, size, and color for text have been formatted for you in the Slide Master</a:t>
-            </a:r>
-          </a:p>
-          <a:p>
-            <a:r>
-              <a:rPr lang="en-US" dirty="0" smtClean="0"/>
-              <a:t>Use the color palette shown below</a:t>
-            </a:r>
-          </a:p>
-          <a:p>
-            <a:r>
-              <a:rPr lang="en-US" dirty="0" smtClean="0"/>
-              <a:t>See next slide for additional guidelines</a:t>
-            </a:r>
-          </a:p>
-          <a:p>
-            <a:r>
-              <a:rPr lang="en-US" dirty="0" smtClean="0"/>
-              <a:t>Hyperlink color: </a:t>
-            </a:r>
-            <a:r>
-              <a:rPr lang="en-US" dirty="0" smtClean="0">
-                <a:hlinkClick r:id="rId3"/>
-              </a:rPr>
-              <a:t>www.microsoft.com</a:t>
-            </a:r>
-            <a:r>
-              <a:rPr lang="en-US" dirty="0" smtClean="0"/>
-              <a:t> </a:t>
-            </a:r>
-          </a:p>
-        </p:txBody>
-      </p:sp>
-      <p:sp>
-        <p:nvSpPr>
-          <p:cNvPr id="4" name="Rounded Rectangle 3"/>
-          <p:cNvSpPr/>
-          <p:nvPr/>
-        </p:nvSpPr>
-        <p:spPr bwMode="auto">
-          <a:xfrm>
-            <a:off x="6216952" y="4381500"/>
-            <a:ext cx="2201333" cy="882953"/>
-          </a:xfrm>
-          <a:prstGeom prst="roundRect">
-            <a:avLst>
-              <a:gd name="adj" fmla="val 9033"/>
-            </a:avLst>
-          </a:prstGeom>
-          <a:ln>
-            <a:headEnd type="none" w="med" len="med"/>
-            <a:tailEnd type="none" w="med" len="med"/>
-          </a:ln>
-        </p:spPr>
-        <p:style>
-          <a:lnRef idx="0">
-            <a:schemeClr val="accent3"/>
-          </a:lnRef>
-          <a:fillRef idx="3">
-            <a:schemeClr val="accent3"/>
-          </a:fillRef>
-          <a:effectRef idx="3">
-            <a:schemeClr val="accent3"/>
-          </a:effectRef>
-          <a:fontRef idx="minor">
-            <a:schemeClr val="lt1"/>
-          </a:fontRef>
-        </p:style>
-        <p:txBody>
-          <a:bodyPr vert="horz" wrap="square" lIns="91436" tIns="45718" rIns="91436" bIns="45718" numCol="1" rtlCol="0" anchor="ctr" anchorCtr="0" compatLnSpc="1">
-            <a:prstTxWarp prst="textNoShape">
-              <a:avLst/>
-            </a:prstTxWarp>
-          </a:bodyPr>
-          <a:lstStyle/>
-          <a:p>
-            <a:pPr algn="ctr" defTabSz="914099" fontAlgn="base">
-              <a:spcBef>
-                <a:spcPct val="0"/>
-              </a:spcBef>
-              <a:spcAft>
-                <a:spcPct val="0"/>
-              </a:spcAft>
-            </a:pPr>
-            <a:r>
-              <a:rPr lang="en-US" sz="2300" dirty="0" smtClean="0">
-                <a:solidFill>
-                  <a:srgbClr val="FFFFFF"/>
-                </a:solidFill>
-                <a:effectLst>
-                  <a:outerShdw blurRad="38100" dist="38100" dir="2700000" algn="tl">
-                    <a:srgbClr val="000000">
-                      <a:alpha val="43137"/>
-                    </a:srgbClr>
-                  </a:outerShdw>
-                </a:effectLst>
-              </a:rPr>
-              <a:t>Sample Fill</a:t>
-            </a:r>
-          </a:p>
-        </p:txBody>
-      </p:sp>
-      <p:sp>
-        <p:nvSpPr>
-          <p:cNvPr id="5" name="Rounded Rectangle 4"/>
-          <p:cNvSpPr/>
-          <p:nvPr/>
-        </p:nvSpPr>
-        <p:spPr bwMode="auto">
-          <a:xfrm>
-            <a:off x="3556000" y="4381500"/>
-            <a:ext cx="2201333" cy="882953"/>
-          </a:xfrm>
-          <a:prstGeom prst="roundRect">
-            <a:avLst>
-              <a:gd name="adj" fmla="val 9033"/>
-            </a:avLst>
-          </a:prstGeom>
-          <a:ln>
-            <a:headEnd type="none" w="med" len="med"/>
-            <a:tailEnd type="none" w="med" len="med"/>
-          </a:ln>
-        </p:spPr>
-        <p:style>
-          <a:lnRef idx="0">
-            <a:schemeClr val="accent2"/>
-          </a:lnRef>
-          <a:fillRef idx="3">
-            <a:schemeClr val="accent2"/>
-          </a:fillRef>
-          <a:effectRef idx="3">
-            <a:schemeClr val="accent2"/>
-          </a:effectRef>
-          <a:fontRef idx="minor">
-            <a:schemeClr val="lt1"/>
-          </a:fontRef>
-        </p:style>
-        <p:txBody>
-          <a:bodyPr vert="horz" wrap="square" lIns="91436" tIns="45718" rIns="91436" bIns="45718" numCol="1" rtlCol="0" anchor="ctr" anchorCtr="0" compatLnSpc="1">
-            <a:prstTxWarp prst="textNoShape">
-              <a:avLst/>
-            </a:prstTxWarp>
-          </a:bodyPr>
-          <a:lstStyle/>
-          <a:p>
-            <a:pPr algn="ctr" defTabSz="914099" fontAlgn="base">
-              <a:spcBef>
-                <a:spcPct val="0"/>
-              </a:spcBef>
-              <a:spcAft>
-                <a:spcPct val="0"/>
-              </a:spcAft>
-            </a:pPr>
-            <a:r>
-              <a:rPr lang="en-US" sz="2300" dirty="0" smtClean="0">
-                <a:solidFill>
-                  <a:srgbClr val="FFFFFF"/>
-                </a:solidFill>
-                <a:effectLst>
-                  <a:outerShdw blurRad="38100" dist="38100" dir="2700000" algn="tl">
-                    <a:srgbClr val="000000">
-                      <a:alpha val="43137"/>
-                    </a:srgbClr>
-                  </a:outerShdw>
-                </a:effectLst>
-              </a:rPr>
-              <a:t>Sample Fill</a:t>
-            </a:r>
-          </a:p>
-        </p:txBody>
-      </p:sp>
-      <p:sp>
-        <p:nvSpPr>
-          <p:cNvPr id="6" name="Rounded Rectangle 5"/>
-          <p:cNvSpPr/>
-          <p:nvPr/>
-        </p:nvSpPr>
-        <p:spPr bwMode="auto">
-          <a:xfrm>
-            <a:off x="825500" y="4381500"/>
-            <a:ext cx="2201333" cy="882953"/>
-          </a:xfrm>
-          <a:prstGeom prst="roundRect">
-            <a:avLst>
-              <a:gd name="adj" fmla="val 9033"/>
-            </a:avLst>
-          </a:prstGeom>
-          <a:ln>
-            <a:headEnd type="none" w="med" len="med"/>
-            <a:tailEnd type="none" w="med" len="med"/>
-          </a:ln>
-        </p:spPr>
-        <p:style>
-          <a:lnRef idx="0">
-            <a:schemeClr val="accent1"/>
-          </a:lnRef>
-          <a:fillRef idx="3">
-            <a:schemeClr val="accent1"/>
-          </a:fillRef>
-          <a:effectRef idx="3">
-            <a:schemeClr val="accent1"/>
-          </a:effectRef>
-          <a:fontRef idx="minor">
-            <a:schemeClr val="lt1"/>
-          </a:fontRef>
-        </p:style>
-        <p:txBody>
-          <a:bodyPr vert="horz" wrap="square" lIns="91436" tIns="45718" rIns="91436" bIns="45718" numCol="1" rtlCol="0" anchor="ctr" anchorCtr="0" compatLnSpc="1">
-            <a:prstTxWarp prst="textNoShape">
-              <a:avLst/>
-            </a:prstTxWarp>
-          </a:bodyPr>
-          <a:lstStyle/>
-          <a:p>
-            <a:pPr algn="ctr" defTabSz="914099"/>
-            <a:r>
-              <a:rPr lang="en-US" sz="2300" dirty="0" smtClean="0">
-                <a:solidFill>
-                  <a:srgbClr val="FFFFFF"/>
-                </a:solidFill>
-                <a:effectLst>
-                  <a:outerShdw blurRad="38100" dist="38100" dir="2700000" algn="tl">
-                    <a:srgbClr val="000000">
-                      <a:alpha val="43137"/>
-                    </a:srgbClr>
-                  </a:outerShdw>
-                </a:effectLst>
-              </a:rPr>
-              <a:t>Sample Fill</a:t>
-            </a:r>
-          </a:p>
-        </p:txBody>
-      </p:sp>
-      <p:sp>
-        <p:nvSpPr>
-          <p:cNvPr id="7" name="Rounded Rectangle 6"/>
-          <p:cNvSpPr/>
-          <p:nvPr/>
-        </p:nvSpPr>
-        <p:spPr bwMode="auto">
-          <a:xfrm>
-            <a:off x="6216952" y="5539619"/>
-            <a:ext cx="2201333" cy="882953"/>
-          </a:xfrm>
-          <a:prstGeom prst="roundRect">
-            <a:avLst>
-              <a:gd name="adj" fmla="val 9033"/>
-            </a:avLst>
-          </a:prstGeom>
-          <a:ln>
-            <a:headEnd type="none" w="med" len="med"/>
-            <a:tailEnd type="none" w="med" len="med"/>
-          </a:ln>
-        </p:spPr>
-        <p:style>
-          <a:lnRef idx="0">
-            <a:schemeClr val="accent6"/>
-          </a:lnRef>
-          <a:fillRef idx="3">
-            <a:schemeClr val="accent6"/>
-          </a:fillRef>
-          <a:effectRef idx="3">
-            <a:schemeClr val="accent6"/>
-          </a:effectRef>
-          <a:fontRef idx="minor">
-            <a:schemeClr val="lt1"/>
-          </a:fontRef>
-        </p:style>
-        <p:txBody>
-          <a:bodyPr vert="horz" wrap="square" lIns="91436" tIns="45718" rIns="91436" bIns="45718" numCol="1" rtlCol="0" anchor="ctr" anchorCtr="0" compatLnSpc="1">
-            <a:prstTxWarp prst="textNoShape">
-              <a:avLst/>
-            </a:prstTxWarp>
-          </a:bodyPr>
-          <a:lstStyle/>
-          <a:p>
-            <a:pPr algn="ctr" defTabSz="914099" fontAlgn="base">
-              <a:spcBef>
-                <a:spcPct val="0"/>
-              </a:spcBef>
-              <a:spcAft>
-                <a:spcPct val="0"/>
-              </a:spcAft>
-            </a:pPr>
-            <a:r>
-              <a:rPr lang="en-US" sz="2300" dirty="0" smtClean="0">
-                <a:solidFill>
-                  <a:srgbClr val="FFFFFF"/>
-                </a:solidFill>
-                <a:effectLst>
-                  <a:outerShdw blurRad="38100" dist="38100" dir="2700000" algn="tl">
-                    <a:srgbClr val="000000">
-                      <a:alpha val="43137"/>
-                    </a:srgbClr>
-                  </a:outerShdw>
-                </a:effectLst>
-              </a:rPr>
-              <a:t>Sample Fill</a:t>
-            </a:r>
-          </a:p>
-        </p:txBody>
-      </p:sp>
-      <p:sp>
-        <p:nvSpPr>
-          <p:cNvPr id="8" name="Rounded Rectangle 7"/>
-          <p:cNvSpPr/>
-          <p:nvPr/>
-        </p:nvSpPr>
-        <p:spPr bwMode="auto">
-          <a:xfrm>
-            <a:off x="3556000" y="5539619"/>
-            <a:ext cx="2201333" cy="882953"/>
-          </a:xfrm>
-          <a:prstGeom prst="roundRect">
-            <a:avLst>
-              <a:gd name="adj" fmla="val 9033"/>
-            </a:avLst>
-          </a:prstGeom>
-          <a:ln>
-            <a:headEnd type="none" w="med" len="med"/>
-            <a:tailEnd type="none" w="med" len="med"/>
-          </a:ln>
-        </p:spPr>
-        <p:style>
-          <a:lnRef idx="0">
-            <a:schemeClr val="accent5"/>
-          </a:lnRef>
-          <a:fillRef idx="3">
-            <a:schemeClr val="accent5"/>
-          </a:fillRef>
-          <a:effectRef idx="3">
-            <a:schemeClr val="accent5"/>
-          </a:effectRef>
-          <a:fontRef idx="minor">
-            <a:schemeClr val="lt1"/>
-          </a:fontRef>
-        </p:style>
-        <p:txBody>
-          <a:bodyPr vert="horz" wrap="square" lIns="91436" tIns="45718" rIns="91436" bIns="45718" numCol="1" rtlCol="0" anchor="ctr" anchorCtr="0" compatLnSpc="1">
-            <a:prstTxWarp prst="textNoShape">
-              <a:avLst/>
-            </a:prstTxWarp>
-          </a:bodyPr>
-          <a:lstStyle/>
-          <a:p>
-            <a:pPr algn="ctr" defTabSz="914099" fontAlgn="base">
-              <a:spcBef>
-                <a:spcPct val="0"/>
-              </a:spcBef>
-              <a:spcAft>
-                <a:spcPct val="0"/>
-              </a:spcAft>
-            </a:pPr>
-            <a:r>
-              <a:rPr lang="en-US" sz="2300" dirty="0" smtClean="0">
-                <a:solidFill>
-                  <a:srgbClr val="FFFFFF"/>
-                </a:solidFill>
-                <a:effectLst>
-                  <a:outerShdw blurRad="38100" dist="38100" dir="2700000" algn="tl">
-                    <a:srgbClr val="000000">
-                      <a:alpha val="43137"/>
-                    </a:srgbClr>
-                  </a:outerShdw>
-                </a:effectLst>
-              </a:rPr>
-              <a:t>Sample Fill</a:t>
-            </a:r>
-          </a:p>
-        </p:txBody>
-      </p:sp>
-      <p:sp>
-        <p:nvSpPr>
-          <p:cNvPr id="9" name="Rounded Rectangle 8"/>
-          <p:cNvSpPr/>
-          <p:nvPr/>
-        </p:nvSpPr>
-        <p:spPr bwMode="auto">
-          <a:xfrm>
-            <a:off x="825500" y="5539619"/>
-            <a:ext cx="2201333" cy="882953"/>
-          </a:xfrm>
-          <a:prstGeom prst="roundRect">
-            <a:avLst>
-              <a:gd name="adj" fmla="val 9033"/>
-            </a:avLst>
-          </a:prstGeom>
-          <a:ln>
-            <a:headEnd type="none" w="med" len="med"/>
-            <a:tailEnd type="none" w="med" len="med"/>
-          </a:ln>
-        </p:spPr>
-        <p:style>
-          <a:lnRef idx="0">
-            <a:schemeClr val="accent4"/>
-          </a:lnRef>
-          <a:fillRef idx="3">
-            <a:schemeClr val="accent4"/>
-          </a:fillRef>
-          <a:effectRef idx="3">
-            <a:schemeClr val="accent4"/>
-          </a:effectRef>
-          <a:fontRef idx="minor">
-            <a:schemeClr val="lt1"/>
-          </a:fontRef>
-        </p:style>
-        <p:txBody>
-          <a:bodyPr vert="horz" wrap="square" lIns="91436" tIns="45718" rIns="91436" bIns="45718" numCol="1" rtlCol="0" anchor="ctr" anchorCtr="0" compatLnSpc="1">
-            <a:prstTxWarp prst="textNoShape">
-              <a:avLst/>
-            </a:prstTxWarp>
-          </a:bodyPr>
-          <a:lstStyle/>
-          <a:p>
-            <a:pPr algn="ctr" defTabSz="914099"/>
-            <a:r>
-              <a:rPr lang="en-US" sz="2300" dirty="0" smtClean="0">
-                <a:solidFill>
-                  <a:srgbClr val="FFFFFF"/>
-                </a:solidFill>
-                <a:effectLst>
-                  <a:outerShdw blurRad="38100" dist="38100" dir="2700000" algn="tl">
-                    <a:srgbClr val="000000">
-                      <a:alpha val="43137"/>
-                    </a:srgbClr>
-                  </a:outerShdw>
-                </a:effectLst>
-              </a:rPr>
-              <a:t>Sample Fill</a:t>
-            </a:r>
-          </a:p>
-        </p:txBody>
-      </p:sp>
-    </p:spTree>
-  </p:cSld>
-  <p:clrMapOvr>
-    <a:masterClrMapping/>
-  </p:clrMapOvr>
-  <p:transition xmlns:p14="http://schemas.microsoft.com/office/powerpoint/2010/main">
-    <p:fade/>
-  </p:transition>
-  <p:timing>
-    <p:tnLst>
-      <p:par>
-        <p:cTn xmlns:p14="http://schemas.microsoft.com/office/powerpoint/2010/main" id="1" dur="indefinite" restart="never" nodeType="tmRoot"/>
-      </p:par>
-    </p:tnLst>
-  </p:timing>
-</p:sld>
-</file>
-
-<file path=ppt/slides/slide3.xml><?xml version="1.0" encoding="utf-8"?>
+<file path=ppt/slides/slide4.xml><?xml version="1.0" encoding="utf-8"?>
 <p:sld xmlns:a="http://schemas.openxmlformats.org/drawingml/2006/main" xmlns:r="http://schemas.openxmlformats.org/officeDocument/2006/relationships" xmlns:p="http://schemas.openxmlformats.org/presentationml/2006/main">
   <p:cSld>
     <p:spTree>
@@ -18096,7 +17613,7 @@
 </p:sld>
 </file>
 
-<file path=ppt/slides/slide4.xml><?xml version="1.0" encoding="utf-8"?>
+<file path=ppt/slides/slide5.xml><?xml version="1.0" encoding="utf-8"?>
 <p:sld xmlns:a="http://schemas.openxmlformats.org/drawingml/2006/main" xmlns:r="http://schemas.openxmlformats.org/officeDocument/2006/relationships" xmlns:p="http://schemas.openxmlformats.org/presentationml/2006/main">
   <p:cSld>
     <p:spTree>
@@ -18182,7 +17699,15 @@
           <a:p>
             <a:r>
               <a:rPr lang="en-US" dirty="0" smtClean="0"/>
-              <a:t>So if we are writing a summation function, we should ask, “Can we write this to handle summing not just familiar numbers, but also clock numbers, knots,  vectors, etc.?”</a:t>
+              <a:t>So if we are </a:t>
+            </a:r>
+            <a:r>
+              <a:rPr lang="en-US" dirty="0" smtClean="0"/>
+              <a:t>writing, e.g., </a:t>
+            </a:r>
+            <a:r>
+              <a:rPr lang="en-US" dirty="0" smtClean="0"/>
+              <a:t>a summation function, we should ask, “Can we write this to handle summing not just familiar numbers, but also clock numbers, knots,  vectors, etc.?”</a:t>
             </a:r>
           </a:p>
           <a:p>
@@ -18219,148 +17744,6 @@
     <p:extLst>
       <p:ext uri="{BB962C8B-B14F-4D97-AF65-F5344CB8AC3E}">
         <p14:creationId xmlns:p14="http://schemas.microsoft.com/office/powerpoint/2010/main" val="5845622"/>
-      </p:ext>
-    </p:extLst>
-  </p:cSld>
-  <p:clrMapOvr>
-    <a:masterClrMapping/>
-  </p:clrMapOvr>
-  <p:transition xmlns:p14="http://schemas.microsoft.com/office/powerpoint/2010/main">
-    <p:fade/>
-  </p:transition>
-  <p:timing>
-    <p:tnLst>
-      <p:par>
-        <p:cTn xmlns:p14="http://schemas.microsoft.com/office/powerpoint/2010/main" id="1" dur="indefinite" restart="never" nodeType="tmRoot"/>
-      </p:par>
-    </p:tnLst>
-  </p:timing>
-</p:sld>
-</file>
-
-<file path=ppt/slides/slide5.xml><?xml version="1.0" encoding="utf-8"?>
-<p:sld xmlns:a="http://schemas.openxmlformats.org/drawingml/2006/main" xmlns:r="http://schemas.openxmlformats.org/officeDocument/2006/relationships" xmlns:p="http://schemas.openxmlformats.org/presentationml/2006/main">
-  <p:cSld>
-    <p:spTree>
-      <p:nvGrpSpPr>
-        <p:cNvPr id="1" name=""/>
-        <p:cNvGrpSpPr/>
-        <p:nvPr/>
-      </p:nvGrpSpPr>
-      <p:grpSpPr>
-        <a:xfrm>
-          <a:off x="0" y="0"/>
-          <a:ext cx="0" cy="0"/>
-          <a:chOff x="0" y="0"/>
-          <a:chExt cx="0" cy="0"/>
-        </a:xfrm>
-      </p:grpSpPr>
-      <p:sp>
-        <p:nvSpPr>
-          <p:cNvPr id="2" name="Title 1"/>
-          <p:cNvSpPr>
-            <a:spLocks noGrp="1"/>
-          </p:cNvSpPr>
-          <p:nvPr>
-            <p:ph type="title"/>
-          </p:nvPr>
-        </p:nvSpPr>
-        <p:spPr>
-          <a:xfrm>
-            <a:off x="381000" y="230188"/>
-            <a:ext cx="8382000" cy="1903412"/>
-          </a:xfrm>
-        </p:spPr>
-        <p:txBody>
-          <a:bodyPr>
-            <a:normAutofit/>
-          </a:bodyPr>
-          <a:lstStyle/>
-          <a:p>
-            <a:r>
-              <a:rPr lang="en-US" dirty="0" smtClean="0"/>
-              <a:t>Agent-Based Modeling</a:t>
-            </a:r>
-            <a:br>
-              <a:rPr lang="en-US" dirty="0" smtClean="0"/>
-            </a:br>
-            <a:r>
-              <a:rPr lang="en-US" sz="3600" dirty="0" smtClean="0">
-                <a:solidFill>
-                  <a:schemeClr val="tx2"/>
-                </a:solidFill>
-              </a:rPr>
-              <a:t>Generating complex macro-behavior from simple rule</a:t>
-            </a:r>
-            <a:endParaRPr lang="en-US" dirty="0">
-              <a:solidFill>
-                <a:schemeClr val="tx2"/>
-              </a:solidFill>
-            </a:endParaRPr>
-          </a:p>
-        </p:txBody>
-      </p:sp>
-      <p:sp>
-        <p:nvSpPr>
-          <p:cNvPr id="3" name="Text Placeholder 2"/>
-          <p:cNvSpPr>
-            <a:spLocks noGrp="1"/>
-          </p:cNvSpPr>
-          <p:nvPr>
-            <p:ph type="body" sz="quarter" idx="10"/>
-          </p:nvPr>
-        </p:nvSpPr>
-        <p:spPr>
-          <a:xfrm>
-            <a:off x="381000" y="2438400"/>
-            <a:ext cx="8382000" cy="3352800"/>
-          </a:xfrm>
-        </p:spPr>
-        <p:txBody>
-          <a:bodyPr>
-            <a:normAutofit/>
-          </a:bodyPr>
-          <a:lstStyle/>
-          <a:p>
-            <a:r>
-              <a:rPr lang="en-US" dirty="0" smtClean="0"/>
-              <a:t>Agents:</a:t>
-            </a:r>
-          </a:p>
-          <a:p>
-            <a:pPr lvl="1"/>
-            <a:r>
-              <a:rPr lang="en-US" dirty="0" smtClean="0"/>
-              <a:t>Exist in some environment</a:t>
-            </a:r>
-          </a:p>
-          <a:p>
-            <a:pPr lvl="1"/>
-            <a:r>
-              <a:rPr lang="en-US" dirty="0" smtClean="0"/>
-              <a:t>Are called upon to act</a:t>
-            </a:r>
-          </a:p>
-          <a:p>
-            <a:pPr lvl="1"/>
-            <a:r>
-              <a:rPr lang="en-US" dirty="0" smtClean="0"/>
-              <a:t>Look to the environment to decide what to do</a:t>
-            </a:r>
-          </a:p>
-          <a:p>
-            <a:pPr lvl="1"/>
-            <a:r>
-              <a:rPr lang="en-US" dirty="0" smtClean="0"/>
-              <a:t>Influence other agents by their actions</a:t>
-            </a:r>
-          </a:p>
-        </p:txBody>
-      </p:sp>
-    </p:spTree>
-    <p:extLst>
-      <p:ext uri="{BB962C8B-B14F-4D97-AF65-F5344CB8AC3E}">
-        <p14:creationId xmlns:p14="http://schemas.microsoft.com/office/powerpoint/2010/main" val="3726126062"/>
       </p:ext>
     </p:extLst>
   </p:cSld>
@@ -18410,12 +17793,12 @@
         <p:spPr>
           <a:xfrm>
             <a:off x="381000" y="230188"/>
-            <a:ext cx="8382000" cy="912812"/>
+            <a:ext cx="8382000" cy="1903412"/>
           </a:xfrm>
         </p:spPr>
         <p:txBody>
           <a:bodyPr>
-            <a:normAutofit fontScale="90000"/>
+            <a:normAutofit/>
           </a:bodyPr>
           <a:lstStyle/>
           <a:p>
@@ -18426,6 +17809,14 @@
             <a:br>
               <a:rPr lang="en-US" dirty="0" smtClean="0"/>
             </a:br>
+            <a:r>
+              <a:rPr lang="en-US" sz="3600" dirty="0" smtClean="0">
+                <a:solidFill>
+                  <a:schemeClr val="tx2"/>
+                </a:solidFill>
+              </a:rPr>
+              <a:t>Generating complex macro-behavior from simple rule</a:t>
+            </a:r>
             <a:endParaRPr lang="en-US" dirty="0">
               <a:solidFill>
                 <a:schemeClr val="tx2"/>
@@ -18446,8 +17837,8 @@
         </p:nvSpPr>
         <p:spPr>
           <a:xfrm>
-            <a:off x="381000" y="990600"/>
-            <a:ext cx="8382000" cy="2209800"/>
+            <a:off x="381000" y="2438400"/>
+            <a:ext cx="8382000" cy="3352800"/>
           </a:xfrm>
         </p:spPr>
         <p:txBody>
@@ -18458,66 +17849,43 @@
           <a:p>
             <a:r>
               <a:rPr lang="en-US" dirty="0" smtClean="0"/>
-              <a:t>Example: a forest fire model</a:t>
+              <a:t>Agents:</a:t>
             </a:r>
           </a:p>
           <a:p>
             <a:pPr lvl="1"/>
             <a:r>
               <a:rPr lang="en-US" dirty="0" smtClean="0"/>
-              <a:t>Lightening strikes randomly, starting a fire</a:t>
+              <a:t>Exist in some environment</a:t>
             </a:r>
           </a:p>
           <a:p>
             <a:pPr lvl="1"/>
             <a:r>
               <a:rPr lang="en-US" dirty="0" smtClean="0"/>
-              <a:t>Trees on fire ignite neighbors</a:t>
+              <a:t>Are called upon to act</a:t>
             </a:r>
           </a:p>
           <a:p>
             <a:pPr lvl="1"/>
             <a:r>
               <a:rPr lang="en-US" dirty="0" smtClean="0"/>
-              <a:t>Trees grow anew in burned out spots</a:t>
+              <a:t>Look to the environment to decide what to do</a:t>
+            </a:r>
+          </a:p>
+          <a:p>
+            <a:pPr lvl="1"/>
+            <a:r>
+              <a:rPr lang="en-US" dirty="0" smtClean="0"/>
+              <a:t>Influence other agents by their actions</a:t>
             </a:r>
           </a:p>
         </p:txBody>
       </p:sp>
-      <p:pic>
-        <p:nvPicPr>
-          <p:cNvPr id="4" name="Picture 3" descr="forest_fire.png"/>
-          <p:cNvPicPr>
-            <a:picLocks noChangeAspect="1"/>
-          </p:cNvPicPr>
-          <p:nvPr/>
-        </p:nvPicPr>
-        <p:blipFill>
-          <a:blip r:embed="rId3">
-            <a:extLst>
-              <a:ext uri="{28A0092B-C50C-407E-A947-70E740481C1C}">
-                <a14:useLocalDpi xmlns:a14="http://schemas.microsoft.com/office/drawing/2010/main" val="0"/>
-              </a:ext>
-            </a:extLst>
-          </a:blip>
-          <a:stretch>
-            <a:fillRect/>
-          </a:stretch>
-        </p:blipFill>
-        <p:spPr>
-          <a:xfrm>
-            <a:off x="3810000" y="3048000"/>
-            <a:ext cx="4724400" cy="3543300"/>
-          </a:xfrm>
-          <a:prstGeom prst="rect">
-            <a:avLst/>
-          </a:prstGeom>
-        </p:spPr>
-      </p:pic>
     </p:spTree>
     <p:extLst>
       <p:ext uri="{BB962C8B-B14F-4D97-AF65-F5344CB8AC3E}">
-        <p14:creationId xmlns:p14="http://schemas.microsoft.com/office/powerpoint/2010/main" val="4038856037"/>
+        <p14:creationId xmlns:p14="http://schemas.microsoft.com/office/powerpoint/2010/main" val="3726126062"/>
       </p:ext>
     </p:extLst>
   </p:cSld>
@@ -18578,6 +17946,163 @@
           <a:p>
             <a:r>
               <a:rPr lang="en-US" dirty="0" smtClean="0"/>
+              <a:t>Agent-Based Modeling</a:t>
+            </a:r>
+            <a:br>
+              <a:rPr lang="en-US" dirty="0" smtClean="0"/>
+            </a:br>
+            <a:endParaRPr lang="en-US" dirty="0">
+              <a:solidFill>
+                <a:schemeClr val="tx2"/>
+              </a:solidFill>
+            </a:endParaRPr>
+          </a:p>
+        </p:txBody>
+      </p:sp>
+      <p:sp>
+        <p:nvSpPr>
+          <p:cNvPr id="3" name="Text Placeholder 2"/>
+          <p:cNvSpPr>
+            <a:spLocks noGrp="1"/>
+          </p:cNvSpPr>
+          <p:nvPr>
+            <p:ph type="body" sz="quarter" idx="10"/>
+          </p:nvPr>
+        </p:nvSpPr>
+        <p:spPr>
+          <a:xfrm>
+            <a:off x="381000" y="990600"/>
+            <a:ext cx="8382000" cy="2209800"/>
+          </a:xfrm>
+        </p:spPr>
+        <p:txBody>
+          <a:bodyPr>
+            <a:normAutofit/>
+          </a:bodyPr>
+          <a:lstStyle/>
+          <a:p>
+            <a:r>
+              <a:rPr lang="en-US" dirty="0" smtClean="0"/>
+              <a:t>Example: a forest fire model</a:t>
+            </a:r>
+          </a:p>
+          <a:p>
+            <a:pPr lvl="1"/>
+            <a:r>
+              <a:rPr lang="en-US" dirty="0" smtClean="0"/>
+              <a:t>Lightening strikes randomly, starting a fire</a:t>
+            </a:r>
+          </a:p>
+          <a:p>
+            <a:pPr lvl="1"/>
+            <a:r>
+              <a:rPr lang="en-US" dirty="0" smtClean="0"/>
+              <a:t>Trees on fire ignite neighbors</a:t>
+            </a:r>
+          </a:p>
+          <a:p>
+            <a:pPr lvl="1"/>
+            <a:r>
+              <a:rPr lang="en-US" dirty="0" smtClean="0"/>
+              <a:t>Trees grow anew in burned out spots</a:t>
+            </a:r>
+          </a:p>
+        </p:txBody>
+      </p:sp>
+      <p:pic>
+        <p:nvPicPr>
+          <p:cNvPr id="4" name="Picture 3" descr="forest_fire.png"/>
+          <p:cNvPicPr>
+            <a:picLocks noChangeAspect="1"/>
+          </p:cNvPicPr>
+          <p:nvPr/>
+        </p:nvPicPr>
+        <p:blipFill>
+          <a:blip r:embed="rId3">
+            <a:extLst>
+              <a:ext uri="{28A0092B-C50C-407E-A947-70E740481C1C}">
+                <a14:useLocalDpi xmlns:a14="http://schemas.microsoft.com/office/drawing/2010/main" val="0"/>
+              </a:ext>
+            </a:extLst>
+          </a:blip>
+          <a:stretch>
+            <a:fillRect/>
+          </a:stretch>
+        </p:blipFill>
+        <p:spPr>
+          <a:xfrm>
+            <a:off x="3810000" y="3048000"/>
+            <a:ext cx="4724400" cy="3543300"/>
+          </a:xfrm>
+          <a:prstGeom prst="rect">
+            <a:avLst/>
+          </a:prstGeom>
+        </p:spPr>
+      </p:pic>
+    </p:spTree>
+    <p:extLst>
+      <p:ext uri="{BB962C8B-B14F-4D97-AF65-F5344CB8AC3E}">
+        <p14:creationId xmlns:p14="http://schemas.microsoft.com/office/powerpoint/2010/main" val="4038856037"/>
+      </p:ext>
+    </p:extLst>
+  </p:cSld>
+  <p:clrMapOvr>
+    <a:masterClrMapping/>
+  </p:clrMapOvr>
+  <p:transition xmlns:p14="http://schemas.microsoft.com/office/powerpoint/2010/main">
+    <p:fade/>
+  </p:transition>
+  <p:timing>
+    <p:tnLst>
+      <p:par>
+        <p:cTn xmlns:p14="http://schemas.microsoft.com/office/powerpoint/2010/main" id="1" dur="indefinite" restart="never" nodeType="tmRoot"/>
+      </p:par>
+    </p:tnLst>
+  </p:timing>
+</p:sld>
+</file>
+
+<file path=ppt/slides/slide8.xml><?xml version="1.0" encoding="utf-8"?>
+<p:sld xmlns:a="http://schemas.openxmlformats.org/drawingml/2006/main" xmlns:r="http://schemas.openxmlformats.org/officeDocument/2006/relationships" xmlns:p="http://schemas.openxmlformats.org/presentationml/2006/main">
+  <p:cSld>
+    <p:spTree>
+      <p:nvGrpSpPr>
+        <p:cNvPr id="1" name=""/>
+        <p:cNvGrpSpPr/>
+        <p:nvPr/>
+      </p:nvGrpSpPr>
+      <p:grpSpPr>
+        <a:xfrm>
+          <a:off x="0" y="0"/>
+          <a:ext cx="0" cy="0"/>
+          <a:chOff x="0" y="0"/>
+          <a:chExt cx="0" cy="0"/>
+        </a:xfrm>
+      </p:grpSpPr>
+      <p:sp>
+        <p:nvSpPr>
+          <p:cNvPr id="2" name="Title 1"/>
+          <p:cNvSpPr>
+            <a:spLocks noGrp="1"/>
+          </p:cNvSpPr>
+          <p:nvPr>
+            <p:ph type="title"/>
+          </p:nvPr>
+        </p:nvSpPr>
+        <p:spPr>
+          <a:xfrm>
+            <a:off x="381000" y="230188"/>
+            <a:ext cx="8382000" cy="912812"/>
+          </a:xfrm>
+        </p:spPr>
+        <p:txBody>
+          <a:bodyPr>
+            <a:normAutofit fontScale="90000"/>
+          </a:bodyPr>
+          <a:lstStyle/>
+          <a:p>
+            <a:r>
+              <a:rPr lang="en-US" dirty="0" smtClean="0"/>
               <a:t>Agent-Based Modeling (ABM)</a:t>
             </a:r>
             <a:br>
@@ -18687,7 +18212,7 @@
 </p:sld>
 </file>
 
-<file path=ppt/slides/slide8.xml><?xml version="1.0" encoding="utf-8"?>
+<file path=ppt/slides/slide9.xml><?xml version="1.0" encoding="utf-8"?>
 <p:sld xmlns:a="http://schemas.openxmlformats.org/drawingml/2006/main" xmlns:r="http://schemas.openxmlformats.org/officeDocument/2006/relationships" xmlns:p="http://schemas.openxmlformats.org/presentationml/2006/main">
   <p:cSld>
     <p:spTree>
@@ -18762,11 +18287,7 @@
             </a:r>
             <a:r>
               <a:rPr lang="en-US" dirty="0" smtClean="0"/>
-              <a:t> has been to continually to push more and more of the “work” into generic ABM libraries</a:t>
-            </a:r>
-            <a:r>
-              <a:rPr lang="en-US" dirty="0" smtClean="0"/>
-              <a:t>.</a:t>
+              <a:t> has been to continually to push more and more of the “work” into generic ABM libraries.</a:t>
             </a:r>
           </a:p>
         </p:txBody>
@@ -18793,7 +18314,7 @@
           <a:graphicData uri="http://schemas.openxmlformats.org/presentationml/2006/ole">
             <mc:AlternateContent xmlns:mc="http://schemas.openxmlformats.org/markup-compatibility/2006">
               <mc:Choice xmlns:v="urn:schemas-microsoft-com:vml" Requires="v">
-                <p:oleObj spid="_x0000_s1027" name="Document" r:id="rId3" imgW="6540500" imgH="1270000" progId="Word.Document.12">
+                <p:oleObj spid="_x0000_s1041" name="Document" r:id="rId3" imgW="6540500" imgH="1270000" progId="Word.Document.12">
                   <p:embed/>
                 </p:oleObj>
               </mc:Choice>
@@ -18832,143 +18353,6 @@
     <p:extLst>
       <p:ext uri="{BB962C8B-B14F-4D97-AF65-F5344CB8AC3E}">
         <p14:creationId xmlns:p14="http://schemas.microsoft.com/office/powerpoint/2010/main" val="1136954897"/>
-      </p:ext>
-    </p:extLst>
-  </p:cSld>
-  <p:clrMapOvr>
-    <a:masterClrMapping/>
-  </p:clrMapOvr>
-  <p:transition xmlns:p14="http://schemas.microsoft.com/office/powerpoint/2010/main">
-    <p:fade/>
-  </p:transition>
-  <p:timing>
-    <p:tnLst>
-      <p:par>
-        <p:cTn xmlns:p14="http://schemas.microsoft.com/office/powerpoint/2010/main" id="1" dur="indefinite" restart="never" nodeType="tmRoot"/>
-      </p:par>
-    </p:tnLst>
-  </p:timing>
-</p:sld>
-</file>
-
-<file path=ppt/slides/slide9.xml><?xml version="1.0" encoding="utf-8"?>
-<p:sld xmlns:a="http://schemas.openxmlformats.org/drawingml/2006/main" xmlns:r="http://schemas.openxmlformats.org/officeDocument/2006/relationships" xmlns:p="http://schemas.openxmlformats.org/presentationml/2006/main">
-  <p:cSld>
-    <p:spTree>
-      <p:nvGrpSpPr>
-        <p:cNvPr id="1" name=""/>
-        <p:cNvGrpSpPr/>
-        <p:nvPr/>
-      </p:nvGrpSpPr>
-      <p:grpSpPr>
-        <a:xfrm>
-          <a:off x="0" y="0"/>
-          <a:ext cx="0" cy="0"/>
-          <a:chOff x="0" y="0"/>
-          <a:chExt cx="0" cy="0"/>
-        </a:xfrm>
-      </p:grpSpPr>
-      <p:sp>
-        <p:nvSpPr>
-          <p:cNvPr id="2" name="Title 1"/>
-          <p:cNvSpPr>
-            <a:spLocks noGrp="1"/>
-          </p:cNvSpPr>
-          <p:nvPr>
-            <p:ph type="title"/>
-          </p:nvPr>
-        </p:nvSpPr>
-        <p:spPr>
-          <a:xfrm>
-            <a:off x="381000" y="230188"/>
-            <a:ext cx="8382000" cy="677108"/>
-          </a:xfrm>
-        </p:spPr>
-        <p:txBody>
-          <a:bodyPr/>
-          <a:lstStyle/>
-          <a:p>
-            <a:r>
-              <a:rPr lang="en-US" dirty="0" smtClean="0"/>
-              <a:t>ABM and Generic Programming</a:t>
-            </a:r>
-            <a:endParaRPr lang="en-US" dirty="0"/>
-          </a:p>
-        </p:txBody>
-      </p:sp>
-      <p:sp>
-        <p:nvSpPr>
-          <p:cNvPr id="3" name="Text Placeholder 2"/>
-          <p:cNvSpPr>
-            <a:spLocks noGrp="1"/>
-          </p:cNvSpPr>
-          <p:nvPr>
-            <p:ph type="body" sz="quarter" idx="10"/>
-          </p:nvPr>
-        </p:nvSpPr>
-        <p:spPr>
-          <a:xfrm>
-            <a:off x="381000" y="1411552"/>
-            <a:ext cx="8382000" cy="4836848"/>
-          </a:xfrm>
-        </p:spPr>
-        <p:txBody>
-          <a:bodyPr/>
-          <a:lstStyle/>
-          <a:p>
-            <a:r>
-              <a:rPr lang="en-US" dirty="0" smtClean="0"/>
-              <a:t>Space is usually represented as a grid.</a:t>
-            </a:r>
-          </a:p>
-          <a:p>
-            <a:pPr lvl="1"/>
-            <a:r>
-              <a:rPr lang="en-US" dirty="0" smtClean="0"/>
-              <a:t>For finer-grained space, add more cells!</a:t>
-            </a:r>
-          </a:p>
-          <a:p>
-            <a:r>
-              <a:rPr lang="en-US" dirty="0" smtClean="0"/>
-              <a:t>Many models have agents look at a “neighborhood” around their location, often a square.</a:t>
-            </a:r>
-          </a:p>
-          <a:p>
-            <a:pPr lvl="1"/>
-            <a:r>
-              <a:rPr lang="en-US" dirty="0" smtClean="0"/>
-              <a:t>Special methods are written to deal with this neighborhood.</a:t>
-            </a:r>
-          </a:p>
-          <a:p>
-            <a:r>
-              <a:rPr lang="en-US" dirty="0" smtClean="0"/>
-              <a:t>A powerful abstraction is the “grid view.” This can be </a:t>
-            </a:r>
-            <a:r>
-              <a:rPr lang="en-US" i="1" dirty="0" smtClean="0"/>
-              <a:t>any</a:t>
-            </a:r>
-            <a:r>
-              <a:rPr lang="en-US" dirty="0" smtClean="0"/>
-              <a:t> collection of cells around an agent.</a:t>
-            </a:r>
-          </a:p>
-          <a:p>
-            <a:pPr lvl="1"/>
-            <a:r>
-              <a:rPr lang="en-US" dirty="0" smtClean="0"/>
-              <a:t>All grid methods work on grid views.</a:t>
-            </a:r>
-            <a:endParaRPr lang="en-US" dirty="0"/>
-          </a:p>
-        </p:txBody>
-      </p:sp>
-    </p:spTree>
-    <p:extLst>
-      <p:ext uri="{BB962C8B-B14F-4D97-AF65-F5344CB8AC3E}">
-        <p14:creationId xmlns:p14="http://schemas.microsoft.com/office/powerpoint/2010/main" val="2985670801"/>
       </p:ext>
     </p:extLst>
   </p:cSld>

--- a/docs/GenericProgrammingAndABM.pptx
+++ b/docs/GenericProgrammingAndABM.pptx
@@ -9368,7 +9368,7 @@
             <a:fld id="{81331B57-0BE5-4F82-AA58-76F53EFF3ADA}" type="datetime8">
               <a:rPr lang="en-US" smtClean="0"/>
               <a:pPr/>
-              <a:t>8/15/15 00:40</a:t>
+              <a:t>8/15/15 08:40</a:t>
             </a:fld>
             <a:endParaRPr lang="en-US" dirty="0"/>
           </a:p>
@@ -9557,7 +9557,7 @@
             <a:fld id="{81331B57-0BE5-4F82-AA58-76F53EFF3ADA}" type="datetime8">
               <a:rPr lang="en-US" smtClean="0"/>
               <a:pPr/>
-              <a:t>8/15/15 00:40</a:t>
+              <a:t>8/15/15 08:41</a:t>
             </a:fld>
             <a:endParaRPr lang="en-US"/>
           </a:p>
@@ -9736,7 +9736,7 @@
             <a:fld id="{81331B57-0BE5-4F82-AA58-76F53EFF3ADA}" type="datetime8">
               <a:rPr lang="en-US" smtClean="0"/>
               <a:pPr/>
-              <a:t>8/15/15 01:15</a:t>
+              <a:t>8/15/15 08:41</a:t>
             </a:fld>
             <a:endParaRPr lang="en-US"/>
           </a:p>
@@ -9915,7 +9915,7 @@
             <a:fld id="{81331B57-0BE5-4F82-AA58-76F53EFF3ADA}" type="datetime8">
               <a:rPr lang="en-US" smtClean="0"/>
               <a:pPr/>
-              <a:t>8/15/15 00:40</a:t>
+              <a:t>8/15/15 08:41</a:t>
             </a:fld>
             <a:endParaRPr lang="en-US"/>
           </a:p>
@@ -10094,7 +10094,7 @@
             <a:fld id="{81331B57-0BE5-4F82-AA58-76F53EFF3ADA}" type="datetime8">
               <a:rPr lang="en-US" smtClean="0"/>
               <a:pPr/>
-              <a:t>8/15/15 00:40</a:t>
+              <a:t>8/15/15 08:41</a:t>
             </a:fld>
             <a:endParaRPr lang="en-US"/>
           </a:p>
@@ -10273,7 +10273,7 @@
             <a:fld id="{81331B57-0BE5-4F82-AA58-76F53EFF3ADA}" type="datetime8">
               <a:rPr lang="en-US" smtClean="0"/>
               <a:pPr/>
-              <a:t>8/15/15 00:40</a:t>
+              <a:t>8/15/15 08:41</a:t>
             </a:fld>
             <a:endParaRPr lang="en-US"/>
           </a:p>
@@ -10452,7 +10452,7 @@
             <a:fld id="{81331B57-0BE5-4F82-AA58-76F53EFF3ADA}" type="datetime8">
               <a:rPr lang="en-US" smtClean="0"/>
               <a:pPr/>
-              <a:t>8/15/15 00:40</a:t>
+              <a:t>8/15/15 08:41</a:t>
             </a:fld>
             <a:endParaRPr lang="en-US"/>
           </a:p>
@@ -10631,7 +10631,7 @@
             <a:fld id="{81331B57-0BE5-4F82-AA58-76F53EFF3ADA}" type="datetime8">
               <a:rPr lang="en-US" smtClean="0"/>
               <a:pPr/>
-              <a:t>8/15/15 00:40</a:t>
+              <a:t>8/15/15 08:41</a:t>
             </a:fld>
             <a:endParaRPr lang="en-US"/>
           </a:p>
@@ -10810,7 +10810,7 @@
             <a:fld id="{81331B57-0BE5-4F82-AA58-76F53EFF3ADA}" type="datetime8">
               <a:rPr lang="en-US" smtClean="0"/>
               <a:pPr/>
-              <a:t>8/15/15 01:45</a:t>
+              <a:t>8/15/15 08:41</a:t>
             </a:fld>
             <a:endParaRPr lang="en-US"/>
           </a:p>
@@ -14788,13 +14788,8 @@
             <a:pPr lvl="1"/>
             <a:r>
               <a:rPr lang="en-US" sz="2400" dirty="0" smtClean="0"/>
-              <a:t>From the two, abstract a “stance </a:t>
-            </a:r>
-            <a:r>
-              <a:rPr lang="en-US" sz="2400" dirty="0" smtClean="0"/>
-              <a:t>model”: a concept.</a:t>
-            </a:r>
-            <a:endParaRPr lang="en-US" sz="2400" dirty="0" smtClean="0"/>
+              <a:t>From the two, abstract a “stance model”: a concept.</a:t>
+            </a:r>
           </a:p>
           <a:p>
             <a:pPr lvl="1"/>
@@ -15544,15 +15539,7 @@
           <a:p>
             <a:r>
               <a:rPr lang="en-US" dirty="0" smtClean="0"/>
-              <a:t>Python</a:t>
-            </a:r>
-            <a:r>
-              <a:rPr lang="en-US" dirty="0" smtClean="0"/>
-              <a:t> </a:t>
-            </a:r>
-            <a:r>
-              <a:rPr lang="en-US" dirty="0" smtClean="0"/>
-              <a:t>and Generic Programming</a:t>
+              <a:t>Python and Generic Programming</a:t>
             </a:r>
             <a:endParaRPr lang="en-US" dirty="0"/>
           </a:p>
@@ -15689,15 +15676,7 @@
           <a:p>
             <a:r>
               <a:rPr lang="en-US" dirty="0" smtClean="0"/>
-              <a:t>Python</a:t>
-            </a:r>
-            <a:r>
-              <a:rPr lang="en-US" dirty="0" smtClean="0"/>
-              <a:t> </a:t>
-            </a:r>
-            <a:r>
-              <a:rPr lang="en-US" dirty="0" smtClean="0"/>
-              <a:t>and Generic Programming</a:t>
+              <a:t>Python and Generic Programming</a:t>
             </a:r>
             <a:endParaRPr lang="en-US" dirty="0"/>
           </a:p>
@@ -16618,11 +16597,7 @@
           <a:p>
             <a:r>
               <a:rPr lang="en-US" dirty="0" smtClean="0"/>
-              <a:t>Flat is better than nested</a:t>
-            </a:r>
-            <a:r>
-              <a:rPr lang="en-US" dirty="0" smtClean="0"/>
-              <a:t>?</a:t>
+              <a:t>Flat is better than nested?</a:t>
             </a:r>
           </a:p>
           <a:p>
@@ -16631,7 +16606,6 @@
               <a:rPr lang="en-US" dirty="0" smtClean="0"/>
               <a:t>We have chosen nested.</a:t>
             </a:r>
-            <a:endParaRPr lang="en-US" dirty="0" smtClean="0"/>
           </a:p>
           <a:p>
             <a:pPr lvl="1"/>
@@ -17053,7 +17027,6 @@
               <a:rPr lang="en-US" dirty="0" smtClean="0"/>
               <a:t>.</a:t>
             </a:r>
-            <a:endParaRPr lang="en-US" dirty="0" smtClean="0"/>
           </a:p>
         </p:txBody>
       </p:sp>
@@ -17699,15 +17672,7 @@
           <a:p>
             <a:r>
               <a:rPr lang="en-US" dirty="0" smtClean="0"/>
-              <a:t>So if we are </a:t>
-            </a:r>
-            <a:r>
-              <a:rPr lang="en-US" dirty="0" smtClean="0"/>
-              <a:t>writing, e.g., </a:t>
-            </a:r>
-            <a:r>
-              <a:rPr lang="en-US" dirty="0" smtClean="0"/>
-              <a:t>a summation function, we should ask, “Can we write this to handle summing not just familiar numbers, but also clock numbers, knots,  vectors, etc.?”</a:t>
+              <a:t>So if we are writing, e.g., a summation function, we should ask, “Can we write this to handle summing not just familiar numbers, but also clock numbers, knots,  vectors, etc.?”</a:t>
             </a:r>
           </a:p>
           <a:p>
@@ -18031,7 +17996,7 @@
         </p:blipFill>
         <p:spPr>
           <a:xfrm>
-            <a:off x="3810000" y="3048000"/>
+            <a:off x="3581400" y="3048000"/>
             <a:ext cx="4724400" cy="3543300"/>
           </a:xfrm>
           <a:prstGeom prst="rect">
@@ -18181,7 +18146,7 @@
         </p:blipFill>
         <p:spPr>
           <a:xfrm>
-            <a:off x="3429000" y="3048000"/>
+            <a:off x="3581400" y="3048000"/>
             <a:ext cx="4699000" cy="3524250"/>
           </a:xfrm>
           <a:prstGeom prst="rect">
@@ -18314,7 +18279,7 @@
           <a:graphicData uri="http://schemas.openxmlformats.org/presentationml/2006/ole">
             <mc:AlternateContent xmlns:mc="http://schemas.openxmlformats.org/markup-compatibility/2006">
               <mc:Choice xmlns:v="urn:schemas-microsoft-com:vml" Requires="v">
-                <p:oleObj spid="_x0000_s1041" name="Document" r:id="rId3" imgW="6540500" imgH="1270000" progId="Word.Document.12">
+                <p:oleObj spid="_x0000_s1044" name="Document" r:id="rId3" imgW="6540500" imgH="1270000" progId="Word.Document.12">
                   <p:embed/>
                 </p:oleObj>
               </mc:Choice>
